--- a/Material/Presentación/Presentacion Final (incompleta).pptx
+++ b/Material/Presentación/Presentacion Final (incompleta).pptx
@@ -6,34 +6,29 @@
     <p:sldMasterId id="2147483661" r:id="rId2"/>
     <p:sldMasterId id="2147483674" r:id="rId3"/>
     <p:sldMasterId id="2147483687" r:id="rId4"/>
-    <p:sldMasterId id="2147483700" r:id="rId5"/>
-    <p:sldMasterId id="2147483713" r:id="rId6"/>
-    <p:sldMasterId id="2147483726" r:id="rId7"/>
+    <p:sldMasterId id="2147483713" r:id="rId5"/>
+    <p:sldMasterId id="2147483726" r:id="rId6"/>
   </p:sldMasterIdLst>
   <p:sldIdLst>
-    <p:sldId id="256" r:id="rId8"/>
-    <p:sldId id="257" r:id="rId9"/>
-    <p:sldId id="258" r:id="rId10"/>
-    <p:sldId id="276" r:id="rId11"/>
-    <p:sldId id="259" r:id="rId12"/>
-    <p:sldId id="277" r:id="rId13"/>
-    <p:sldId id="260" r:id="rId14"/>
-    <p:sldId id="278" r:id="rId15"/>
-    <p:sldId id="261" r:id="rId16"/>
-    <p:sldId id="262" r:id="rId17"/>
-    <p:sldId id="263" r:id="rId18"/>
-    <p:sldId id="264" r:id="rId19"/>
+    <p:sldId id="256" r:id="rId7"/>
+    <p:sldId id="278" r:id="rId8"/>
+    <p:sldId id="281" r:id="rId9"/>
+    <p:sldId id="279" r:id="rId10"/>
+    <p:sldId id="280" r:id="rId11"/>
+    <p:sldId id="262" r:id="rId12"/>
+    <p:sldId id="266" r:id="rId13"/>
+    <p:sldId id="272" r:id="rId14"/>
+    <p:sldId id="258" r:id="rId15"/>
+    <p:sldId id="277" r:id="rId16"/>
+    <p:sldId id="259" r:id="rId17"/>
+    <p:sldId id="260" r:id="rId18"/>
+    <p:sldId id="261" r:id="rId19"/>
     <p:sldId id="265" r:id="rId20"/>
-    <p:sldId id="266" r:id="rId21"/>
-    <p:sldId id="267" r:id="rId22"/>
-    <p:sldId id="268" r:id="rId23"/>
-    <p:sldId id="269" r:id="rId24"/>
-    <p:sldId id="270" r:id="rId25"/>
-    <p:sldId id="271" r:id="rId26"/>
-    <p:sldId id="272" r:id="rId27"/>
-    <p:sldId id="273" r:id="rId28"/>
-    <p:sldId id="274" r:id="rId29"/>
-    <p:sldId id="275" r:id="rId30"/>
+    <p:sldId id="267" r:id="rId21"/>
+    <p:sldId id="271" r:id="rId22"/>
+    <p:sldId id="273" r:id="rId23"/>
+    <p:sldId id="274" r:id="rId24"/>
+    <p:sldId id="275" r:id="rId25"/>
   </p:sldIdLst>
   <p:sldSz cx="10080625" cy="7559675"/>
   <p:notesSz cx="7559675" cy="10691813"/>
@@ -140,6 +135,32 @@
 </p:presentation>
 </file>
 
+<file path=ppt/commentAuthors.xml><?xml version="1.0" encoding="utf-8"?>
+<p:cmAuthorLst xmlns:a="http://schemas.openxmlformats.org/drawingml/2006/main" xmlns:r="http://schemas.openxmlformats.org/officeDocument/2006/relationships" xmlns:p="http://schemas.openxmlformats.org/presentationml/2006/main">
+  <p:cmAuthor id="1" name="Enrique Lopez" initials="EL" lastIdx="1" clrIdx="0">
+    <p:extLst>
+      <p:ext uri="{19B8F6BF-5375-455C-9EA6-DF929625EA0E}">
+        <p15:presenceInfo xmlns:p15="http://schemas.microsoft.com/office/powerpoint/2012/main" userId="597814848a81de2a" providerId="Windows Live"/>
+      </p:ext>
+    </p:extLst>
+  </p:cmAuthor>
+</p:cmAuthorLst>
+</file>
+
+<file path=ppt/comments/comment1.xml><?xml version="1.0" encoding="utf-8"?>
+<p:cmLst xmlns:a="http://schemas.openxmlformats.org/drawingml/2006/main" xmlns:r="http://schemas.openxmlformats.org/officeDocument/2006/relationships" xmlns:p="http://schemas.openxmlformats.org/presentationml/2006/main">
+  <p:cm authorId="1" dt="2019-05-30T17:02:18.439" idx="1">
+    <p:pos x="10" y="10"/>
+    <p:text/>
+    <p:extLst>
+      <p:ext uri="{C676402C-5697-4E1C-873F-D02D1690AC5C}">
+        <p15:threadingInfo xmlns:p15="http://schemas.microsoft.com/office/powerpoint/2012/main" timeZoneBias="-120"/>
+      </p:ext>
+    </p:extLst>
+  </p:cm>
+</p:cmLst>
+</file>
+
 <file path=ppt/slideLayouts/slideLayout1.xml><?xml version="1.0" encoding="utf-8"?>
 <p:sldLayout xmlns:a="http://schemas.openxmlformats.org/drawingml/2006/main" xmlns:r="http://schemas.openxmlformats.org/officeDocument/2006/relationships" xmlns:p="http://schemas.openxmlformats.org/presentationml/2006/main" type="blank" preserve="1">
   <p:cSld name="Blank Slide">
@@ -5389,7 +5410,7 @@
       </p:grpSpPr>
       <p:sp>
         <p:nvSpPr>
-          <p:cNvPr id="173" name="PlaceHolder 1"/>
+          <p:cNvPr id="215" name="PlaceHolder 1"/>
           <p:cNvSpPr>
             <a:spLocks noGrp="1"/>
           </p:cNvSpPr>
@@ -5421,7 +5442,7 @@
       </p:sp>
       <p:sp>
         <p:nvSpPr>
-          <p:cNvPr id="174" name="PlaceHolder 2"/>
+          <p:cNvPr id="216" name="PlaceHolder 2"/>
           <p:cNvSpPr>
             <a:spLocks noGrp="1"/>
           </p:cNvSpPr>
@@ -5478,7 +5499,7 @@
       </p:grpSpPr>
       <p:sp>
         <p:nvSpPr>
-          <p:cNvPr id="175" name="PlaceHolder 1"/>
+          <p:cNvPr id="217" name="PlaceHolder 1"/>
           <p:cNvSpPr>
             <a:spLocks noGrp="1"/>
           </p:cNvSpPr>
@@ -5510,7 +5531,7 @@
       </p:sp>
       <p:sp>
         <p:nvSpPr>
-          <p:cNvPr id="176" name="PlaceHolder 2"/>
+          <p:cNvPr id="218" name="PlaceHolder 2"/>
           <p:cNvSpPr>
             <a:spLocks noGrp="1"/>
           </p:cNvSpPr>
@@ -5566,7 +5587,7 @@
       </p:grpSpPr>
       <p:sp>
         <p:nvSpPr>
-          <p:cNvPr id="177" name="PlaceHolder 1"/>
+          <p:cNvPr id="219" name="PlaceHolder 1"/>
           <p:cNvSpPr>
             <a:spLocks noGrp="1"/>
           </p:cNvSpPr>
@@ -5598,7 +5619,7 @@
       </p:sp>
       <p:sp>
         <p:nvSpPr>
-          <p:cNvPr id="178" name="PlaceHolder 2"/>
+          <p:cNvPr id="220" name="PlaceHolder 2"/>
           <p:cNvSpPr>
             <a:spLocks noGrp="1"/>
           </p:cNvSpPr>
@@ -5629,7 +5650,7 @@
       </p:sp>
       <p:sp>
         <p:nvSpPr>
-          <p:cNvPr id="179" name="PlaceHolder 3"/>
+          <p:cNvPr id="221" name="PlaceHolder 3"/>
           <p:cNvSpPr>
             <a:spLocks noGrp="1"/>
           </p:cNvSpPr>
@@ -5685,7 +5706,7 @@
       </p:grpSpPr>
       <p:sp>
         <p:nvSpPr>
-          <p:cNvPr id="180" name="PlaceHolder 1"/>
+          <p:cNvPr id="222" name="PlaceHolder 1"/>
           <p:cNvSpPr>
             <a:spLocks noGrp="1"/>
           </p:cNvSpPr>
@@ -5742,7 +5763,7 @@
       </p:grpSpPr>
       <p:sp>
         <p:nvSpPr>
-          <p:cNvPr id="181" name="PlaceHolder 1"/>
+          <p:cNvPr id="223" name="PlaceHolder 1"/>
           <p:cNvSpPr>
             <a:spLocks noGrp="1"/>
           </p:cNvSpPr>
@@ -5799,7 +5820,7 @@
       </p:grpSpPr>
       <p:sp>
         <p:nvSpPr>
-          <p:cNvPr id="182" name="PlaceHolder 1"/>
+          <p:cNvPr id="224" name="PlaceHolder 1"/>
           <p:cNvSpPr>
             <a:spLocks noGrp="1"/>
           </p:cNvSpPr>
@@ -5831,7 +5852,7 @@
       </p:sp>
       <p:sp>
         <p:nvSpPr>
-          <p:cNvPr id="183" name="PlaceHolder 2"/>
+          <p:cNvPr id="225" name="PlaceHolder 2"/>
           <p:cNvSpPr>
             <a:spLocks noGrp="1"/>
           </p:cNvSpPr>
@@ -5862,7 +5883,7 @@
       </p:sp>
       <p:sp>
         <p:nvSpPr>
-          <p:cNvPr id="184" name="PlaceHolder 3"/>
+          <p:cNvPr id="226" name="PlaceHolder 3"/>
           <p:cNvSpPr>
             <a:spLocks noGrp="1"/>
           </p:cNvSpPr>
@@ -5893,7 +5914,7 @@
       </p:sp>
       <p:sp>
         <p:nvSpPr>
-          <p:cNvPr id="185" name="PlaceHolder 4"/>
+          <p:cNvPr id="227" name="PlaceHolder 4"/>
           <p:cNvSpPr>
             <a:spLocks noGrp="1"/>
           </p:cNvSpPr>
@@ -5949,7 +5970,7 @@
       </p:grpSpPr>
       <p:sp>
         <p:nvSpPr>
-          <p:cNvPr id="186" name="PlaceHolder 1"/>
+          <p:cNvPr id="228" name="PlaceHolder 1"/>
           <p:cNvSpPr>
             <a:spLocks noGrp="1"/>
           </p:cNvSpPr>
@@ -5981,7 +6002,7 @@
       </p:sp>
       <p:sp>
         <p:nvSpPr>
-          <p:cNvPr id="187" name="PlaceHolder 2"/>
+          <p:cNvPr id="229" name="PlaceHolder 2"/>
           <p:cNvSpPr>
             <a:spLocks noGrp="1"/>
           </p:cNvSpPr>
@@ -6012,7 +6033,7 @@
       </p:sp>
       <p:sp>
         <p:nvSpPr>
-          <p:cNvPr id="188" name="PlaceHolder 3"/>
+          <p:cNvPr id="230" name="PlaceHolder 3"/>
           <p:cNvSpPr>
             <a:spLocks noGrp="1"/>
           </p:cNvSpPr>
@@ -6043,7 +6064,7 @@
       </p:sp>
       <p:sp>
         <p:nvSpPr>
-          <p:cNvPr id="189" name="PlaceHolder 4"/>
+          <p:cNvPr id="231" name="PlaceHolder 4"/>
           <p:cNvSpPr>
             <a:spLocks noGrp="1"/>
           </p:cNvSpPr>
@@ -6099,7 +6120,7 @@
       </p:grpSpPr>
       <p:sp>
         <p:nvSpPr>
-          <p:cNvPr id="190" name="PlaceHolder 1"/>
+          <p:cNvPr id="232" name="PlaceHolder 1"/>
           <p:cNvSpPr>
             <a:spLocks noGrp="1"/>
           </p:cNvSpPr>
@@ -6131,7 +6152,7 @@
       </p:sp>
       <p:sp>
         <p:nvSpPr>
-          <p:cNvPr id="191" name="PlaceHolder 2"/>
+          <p:cNvPr id="233" name="PlaceHolder 2"/>
           <p:cNvSpPr>
             <a:spLocks noGrp="1"/>
           </p:cNvSpPr>
@@ -6162,7 +6183,7 @@
       </p:sp>
       <p:sp>
         <p:nvSpPr>
-          <p:cNvPr id="192" name="PlaceHolder 3"/>
+          <p:cNvPr id="234" name="PlaceHolder 3"/>
           <p:cNvSpPr>
             <a:spLocks noGrp="1"/>
           </p:cNvSpPr>
@@ -6193,7 +6214,7 @@
       </p:sp>
       <p:sp>
         <p:nvSpPr>
-          <p:cNvPr id="193" name="PlaceHolder 4"/>
+          <p:cNvPr id="235" name="PlaceHolder 4"/>
           <p:cNvSpPr>
             <a:spLocks noGrp="1"/>
           </p:cNvSpPr>
@@ -6249,7 +6270,7 @@
       </p:grpSpPr>
       <p:sp>
         <p:nvSpPr>
-          <p:cNvPr id="194" name="PlaceHolder 1"/>
+          <p:cNvPr id="236" name="PlaceHolder 1"/>
           <p:cNvSpPr>
             <a:spLocks noGrp="1"/>
           </p:cNvSpPr>
@@ -6281,7 +6302,7 @@
       </p:sp>
       <p:sp>
         <p:nvSpPr>
-          <p:cNvPr id="195" name="PlaceHolder 2"/>
+          <p:cNvPr id="237" name="PlaceHolder 2"/>
           <p:cNvSpPr>
             <a:spLocks noGrp="1"/>
           </p:cNvSpPr>
@@ -6312,7 +6333,7 @@
       </p:sp>
       <p:sp>
         <p:nvSpPr>
-          <p:cNvPr id="196" name="PlaceHolder 3"/>
+          <p:cNvPr id="238" name="PlaceHolder 3"/>
           <p:cNvSpPr>
             <a:spLocks noGrp="1"/>
           </p:cNvSpPr>
@@ -6368,7 +6389,7 @@
       </p:grpSpPr>
       <p:sp>
         <p:nvSpPr>
-          <p:cNvPr id="197" name="PlaceHolder 1"/>
+          <p:cNvPr id="239" name="PlaceHolder 1"/>
           <p:cNvSpPr>
             <a:spLocks noGrp="1"/>
           </p:cNvSpPr>
@@ -6400,7 +6421,7 @@
       </p:sp>
       <p:sp>
         <p:nvSpPr>
-          <p:cNvPr id="198" name="PlaceHolder 2"/>
+          <p:cNvPr id="240" name="PlaceHolder 2"/>
           <p:cNvSpPr>
             <a:spLocks noGrp="1"/>
           </p:cNvSpPr>
@@ -6431,7 +6452,7 @@
       </p:sp>
       <p:sp>
         <p:nvSpPr>
-          <p:cNvPr id="199" name="PlaceHolder 3"/>
+          <p:cNvPr id="241" name="PlaceHolder 3"/>
           <p:cNvSpPr>
             <a:spLocks noGrp="1"/>
           </p:cNvSpPr>
@@ -6462,7 +6483,7 @@
       </p:sp>
       <p:sp>
         <p:nvSpPr>
-          <p:cNvPr id="200" name="PlaceHolder 4"/>
+          <p:cNvPr id="242" name="PlaceHolder 4"/>
           <p:cNvSpPr>
             <a:spLocks noGrp="1"/>
           </p:cNvSpPr>
@@ -6493,7 +6514,7 @@
       </p:sp>
       <p:sp>
         <p:nvSpPr>
-          <p:cNvPr id="201" name="PlaceHolder 5"/>
+          <p:cNvPr id="243" name="PlaceHolder 5"/>
           <p:cNvSpPr>
             <a:spLocks noGrp="1"/>
           </p:cNvSpPr>
@@ -6606,7 +6627,7 @@
       </p:grpSpPr>
       <p:sp>
         <p:nvSpPr>
-          <p:cNvPr id="202" name="PlaceHolder 1"/>
+          <p:cNvPr id="244" name="PlaceHolder 1"/>
           <p:cNvSpPr>
             <a:spLocks noGrp="1"/>
           </p:cNvSpPr>
@@ -6638,7 +6659,7 @@
       </p:sp>
       <p:sp>
         <p:nvSpPr>
-          <p:cNvPr id="203" name="PlaceHolder 2"/>
+          <p:cNvPr id="245" name="PlaceHolder 2"/>
           <p:cNvSpPr>
             <a:spLocks noGrp="1"/>
           </p:cNvSpPr>
@@ -6669,7 +6690,7 @@
       </p:sp>
       <p:sp>
         <p:nvSpPr>
-          <p:cNvPr id="204" name="PlaceHolder 3"/>
+          <p:cNvPr id="246" name="PlaceHolder 3"/>
           <p:cNvSpPr>
             <a:spLocks noGrp="1"/>
           </p:cNvSpPr>
@@ -6700,7 +6721,7 @@
       </p:sp>
       <p:sp>
         <p:nvSpPr>
-          <p:cNvPr id="205" name="PlaceHolder 4"/>
+          <p:cNvPr id="247" name="PlaceHolder 4"/>
           <p:cNvSpPr>
             <a:spLocks noGrp="1"/>
           </p:cNvSpPr>
@@ -6731,7 +6752,7 @@
       </p:sp>
       <p:sp>
         <p:nvSpPr>
-          <p:cNvPr id="206" name="PlaceHolder 5"/>
+          <p:cNvPr id="248" name="PlaceHolder 5"/>
           <p:cNvSpPr>
             <a:spLocks noGrp="1"/>
           </p:cNvSpPr>
@@ -6762,7 +6783,7 @@
       </p:sp>
       <p:sp>
         <p:nvSpPr>
-          <p:cNvPr id="207" name="PlaceHolder 6"/>
+          <p:cNvPr id="249" name="PlaceHolder 6"/>
           <p:cNvSpPr>
             <a:spLocks noGrp="1"/>
           </p:cNvSpPr>
@@ -6793,7 +6814,7 @@
       </p:sp>
       <p:sp>
         <p:nvSpPr>
-          <p:cNvPr id="208" name="PlaceHolder 7"/>
+          <p:cNvPr id="250" name="PlaceHolder 7"/>
           <p:cNvSpPr>
             <a:spLocks noGrp="1"/>
           </p:cNvSpPr>
@@ -6874,7 +6895,7 @@
       </p:grpSpPr>
       <p:sp>
         <p:nvSpPr>
-          <p:cNvPr id="215" name="PlaceHolder 1"/>
+          <p:cNvPr id="254" name="PlaceHolder 1"/>
           <p:cNvSpPr>
             <a:spLocks noGrp="1"/>
           </p:cNvSpPr>
@@ -6906,7 +6927,7 @@
       </p:sp>
       <p:sp>
         <p:nvSpPr>
-          <p:cNvPr id="216" name="PlaceHolder 2"/>
+          <p:cNvPr id="255" name="PlaceHolder 2"/>
           <p:cNvSpPr>
             <a:spLocks noGrp="1"/>
           </p:cNvSpPr>
@@ -6963,7 +6984,7 @@
       </p:grpSpPr>
       <p:sp>
         <p:nvSpPr>
-          <p:cNvPr id="217" name="PlaceHolder 1"/>
+          <p:cNvPr id="256" name="PlaceHolder 1"/>
           <p:cNvSpPr>
             <a:spLocks noGrp="1"/>
           </p:cNvSpPr>
@@ -6995,7 +7016,7 @@
       </p:sp>
       <p:sp>
         <p:nvSpPr>
-          <p:cNvPr id="218" name="PlaceHolder 2"/>
+          <p:cNvPr id="257" name="PlaceHolder 2"/>
           <p:cNvSpPr>
             <a:spLocks noGrp="1"/>
           </p:cNvSpPr>
@@ -7051,7 +7072,7 @@
       </p:grpSpPr>
       <p:sp>
         <p:nvSpPr>
-          <p:cNvPr id="219" name="PlaceHolder 1"/>
+          <p:cNvPr id="258" name="PlaceHolder 1"/>
           <p:cNvSpPr>
             <a:spLocks noGrp="1"/>
           </p:cNvSpPr>
@@ -7083,7 +7104,7 @@
       </p:sp>
       <p:sp>
         <p:nvSpPr>
-          <p:cNvPr id="220" name="PlaceHolder 2"/>
+          <p:cNvPr id="259" name="PlaceHolder 2"/>
           <p:cNvSpPr>
             <a:spLocks noGrp="1"/>
           </p:cNvSpPr>
@@ -7114,7 +7135,7 @@
       </p:sp>
       <p:sp>
         <p:nvSpPr>
-          <p:cNvPr id="221" name="PlaceHolder 3"/>
+          <p:cNvPr id="260" name="PlaceHolder 3"/>
           <p:cNvSpPr>
             <a:spLocks noGrp="1"/>
           </p:cNvSpPr>
@@ -7170,7 +7191,7 @@
       </p:grpSpPr>
       <p:sp>
         <p:nvSpPr>
-          <p:cNvPr id="222" name="PlaceHolder 1"/>
+          <p:cNvPr id="261" name="PlaceHolder 1"/>
           <p:cNvSpPr>
             <a:spLocks noGrp="1"/>
           </p:cNvSpPr>
@@ -7227,7 +7248,7 @@
       </p:grpSpPr>
       <p:sp>
         <p:nvSpPr>
-          <p:cNvPr id="223" name="PlaceHolder 1"/>
+          <p:cNvPr id="262" name="PlaceHolder 1"/>
           <p:cNvSpPr>
             <a:spLocks noGrp="1"/>
           </p:cNvSpPr>
@@ -7284,7 +7305,7 @@
       </p:grpSpPr>
       <p:sp>
         <p:nvSpPr>
-          <p:cNvPr id="224" name="PlaceHolder 1"/>
+          <p:cNvPr id="263" name="PlaceHolder 1"/>
           <p:cNvSpPr>
             <a:spLocks noGrp="1"/>
           </p:cNvSpPr>
@@ -7316,7 +7337,7 @@
       </p:sp>
       <p:sp>
         <p:nvSpPr>
-          <p:cNvPr id="225" name="PlaceHolder 2"/>
+          <p:cNvPr id="264" name="PlaceHolder 2"/>
           <p:cNvSpPr>
             <a:spLocks noGrp="1"/>
           </p:cNvSpPr>
@@ -7347,7 +7368,7 @@
       </p:sp>
       <p:sp>
         <p:nvSpPr>
-          <p:cNvPr id="226" name="PlaceHolder 3"/>
+          <p:cNvPr id="265" name="PlaceHolder 3"/>
           <p:cNvSpPr>
             <a:spLocks noGrp="1"/>
           </p:cNvSpPr>
@@ -7378,7 +7399,7 @@
       </p:sp>
       <p:sp>
         <p:nvSpPr>
-          <p:cNvPr id="227" name="PlaceHolder 4"/>
+          <p:cNvPr id="266" name="PlaceHolder 4"/>
           <p:cNvSpPr>
             <a:spLocks noGrp="1"/>
           </p:cNvSpPr>
@@ -7434,7 +7455,7 @@
       </p:grpSpPr>
       <p:sp>
         <p:nvSpPr>
-          <p:cNvPr id="228" name="PlaceHolder 1"/>
+          <p:cNvPr id="267" name="PlaceHolder 1"/>
           <p:cNvSpPr>
             <a:spLocks noGrp="1"/>
           </p:cNvSpPr>
@@ -7466,7 +7487,7 @@
       </p:sp>
       <p:sp>
         <p:nvSpPr>
-          <p:cNvPr id="229" name="PlaceHolder 2"/>
+          <p:cNvPr id="268" name="PlaceHolder 2"/>
           <p:cNvSpPr>
             <a:spLocks noGrp="1"/>
           </p:cNvSpPr>
@@ -7497,7 +7518,7 @@
       </p:sp>
       <p:sp>
         <p:nvSpPr>
-          <p:cNvPr id="230" name="PlaceHolder 3"/>
+          <p:cNvPr id="269" name="PlaceHolder 3"/>
           <p:cNvSpPr>
             <a:spLocks noGrp="1"/>
           </p:cNvSpPr>
@@ -7528,7 +7549,7 @@
       </p:sp>
       <p:sp>
         <p:nvSpPr>
-          <p:cNvPr id="231" name="PlaceHolder 4"/>
+          <p:cNvPr id="270" name="PlaceHolder 4"/>
           <p:cNvSpPr>
             <a:spLocks noGrp="1"/>
           </p:cNvSpPr>
@@ -7584,7 +7605,7 @@
       </p:grpSpPr>
       <p:sp>
         <p:nvSpPr>
-          <p:cNvPr id="232" name="PlaceHolder 1"/>
+          <p:cNvPr id="271" name="PlaceHolder 1"/>
           <p:cNvSpPr>
             <a:spLocks noGrp="1"/>
           </p:cNvSpPr>
@@ -7616,7 +7637,7 @@
       </p:sp>
       <p:sp>
         <p:nvSpPr>
-          <p:cNvPr id="233" name="PlaceHolder 2"/>
+          <p:cNvPr id="272" name="PlaceHolder 2"/>
           <p:cNvSpPr>
             <a:spLocks noGrp="1"/>
           </p:cNvSpPr>
@@ -7647,7 +7668,7 @@
       </p:sp>
       <p:sp>
         <p:nvSpPr>
-          <p:cNvPr id="234" name="PlaceHolder 3"/>
+          <p:cNvPr id="273" name="PlaceHolder 3"/>
           <p:cNvSpPr>
             <a:spLocks noGrp="1"/>
           </p:cNvSpPr>
@@ -7678,7 +7699,7 @@
       </p:sp>
       <p:sp>
         <p:nvSpPr>
-          <p:cNvPr id="235" name="PlaceHolder 4"/>
+          <p:cNvPr id="274" name="PlaceHolder 4"/>
           <p:cNvSpPr>
             <a:spLocks noGrp="1"/>
           </p:cNvSpPr>
@@ -7884,7 +7905,7 @@
       </p:grpSpPr>
       <p:sp>
         <p:nvSpPr>
-          <p:cNvPr id="236" name="PlaceHolder 1"/>
+          <p:cNvPr id="275" name="PlaceHolder 1"/>
           <p:cNvSpPr>
             <a:spLocks noGrp="1"/>
           </p:cNvSpPr>
@@ -7916,7 +7937,7 @@
       </p:sp>
       <p:sp>
         <p:nvSpPr>
-          <p:cNvPr id="237" name="PlaceHolder 2"/>
+          <p:cNvPr id="276" name="PlaceHolder 2"/>
           <p:cNvSpPr>
             <a:spLocks noGrp="1"/>
           </p:cNvSpPr>
@@ -7947,7 +7968,7 @@
       </p:sp>
       <p:sp>
         <p:nvSpPr>
-          <p:cNvPr id="238" name="PlaceHolder 3"/>
+          <p:cNvPr id="277" name="PlaceHolder 3"/>
           <p:cNvSpPr>
             <a:spLocks noGrp="1"/>
           </p:cNvSpPr>
@@ -8003,7 +8024,7 @@
       </p:grpSpPr>
       <p:sp>
         <p:nvSpPr>
-          <p:cNvPr id="239" name="PlaceHolder 1"/>
+          <p:cNvPr id="278" name="PlaceHolder 1"/>
           <p:cNvSpPr>
             <a:spLocks noGrp="1"/>
           </p:cNvSpPr>
@@ -8035,7 +8056,7 @@
       </p:sp>
       <p:sp>
         <p:nvSpPr>
-          <p:cNvPr id="240" name="PlaceHolder 2"/>
+          <p:cNvPr id="279" name="PlaceHolder 2"/>
           <p:cNvSpPr>
             <a:spLocks noGrp="1"/>
           </p:cNvSpPr>
@@ -8066,7 +8087,7 @@
       </p:sp>
       <p:sp>
         <p:nvSpPr>
-          <p:cNvPr id="241" name="PlaceHolder 3"/>
+          <p:cNvPr id="280" name="PlaceHolder 3"/>
           <p:cNvSpPr>
             <a:spLocks noGrp="1"/>
           </p:cNvSpPr>
@@ -8097,7 +8118,7 @@
       </p:sp>
       <p:sp>
         <p:nvSpPr>
-          <p:cNvPr id="242" name="PlaceHolder 4"/>
+          <p:cNvPr id="281" name="PlaceHolder 4"/>
           <p:cNvSpPr>
             <a:spLocks noGrp="1"/>
           </p:cNvSpPr>
@@ -8128,7 +8149,7 @@
       </p:sp>
       <p:sp>
         <p:nvSpPr>
-          <p:cNvPr id="243" name="PlaceHolder 5"/>
+          <p:cNvPr id="282" name="PlaceHolder 5"/>
           <p:cNvSpPr>
             <a:spLocks noGrp="1"/>
           </p:cNvSpPr>
@@ -8184,7 +8205,7 @@
       </p:grpSpPr>
       <p:sp>
         <p:nvSpPr>
-          <p:cNvPr id="244" name="PlaceHolder 1"/>
+          <p:cNvPr id="283" name="PlaceHolder 1"/>
           <p:cNvSpPr>
             <a:spLocks noGrp="1"/>
           </p:cNvSpPr>
@@ -8216,7 +8237,7 @@
       </p:sp>
       <p:sp>
         <p:nvSpPr>
-          <p:cNvPr id="245" name="PlaceHolder 2"/>
+          <p:cNvPr id="284" name="PlaceHolder 2"/>
           <p:cNvSpPr>
             <a:spLocks noGrp="1"/>
           </p:cNvSpPr>
@@ -8247,7 +8268,7 @@
       </p:sp>
       <p:sp>
         <p:nvSpPr>
-          <p:cNvPr id="246" name="PlaceHolder 3"/>
+          <p:cNvPr id="285" name="PlaceHolder 3"/>
           <p:cNvSpPr>
             <a:spLocks noGrp="1"/>
           </p:cNvSpPr>
@@ -8278,7 +8299,7 @@
       </p:sp>
       <p:sp>
         <p:nvSpPr>
-          <p:cNvPr id="247" name="PlaceHolder 4"/>
+          <p:cNvPr id="286" name="PlaceHolder 4"/>
           <p:cNvSpPr>
             <a:spLocks noGrp="1"/>
           </p:cNvSpPr>
@@ -8309,7 +8330,7 @@
       </p:sp>
       <p:sp>
         <p:nvSpPr>
-          <p:cNvPr id="248" name="PlaceHolder 5"/>
+          <p:cNvPr id="287" name="PlaceHolder 5"/>
           <p:cNvSpPr>
             <a:spLocks noGrp="1"/>
           </p:cNvSpPr>
@@ -8340,7 +8361,7 @@
       </p:sp>
       <p:sp>
         <p:nvSpPr>
-          <p:cNvPr id="249" name="PlaceHolder 6"/>
+          <p:cNvPr id="288" name="PlaceHolder 6"/>
           <p:cNvSpPr>
             <a:spLocks noGrp="1"/>
           </p:cNvSpPr>
@@ -8371,7 +8392,7 @@
       </p:sp>
       <p:sp>
         <p:nvSpPr>
-          <p:cNvPr id="250" name="PlaceHolder 7"/>
+          <p:cNvPr id="289" name="PlaceHolder 7"/>
           <p:cNvSpPr>
             <a:spLocks noGrp="1"/>
           </p:cNvSpPr>
@@ -8383,591 +8404,6 @@
           <a:xfrm>
             <a:off x="6639120" y="4058640"/>
             <a:ext cx="2921040" cy="2090880"/>
-          </a:xfrm>
-          <a:prstGeom prst="rect">
-            <a:avLst/>
-          </a:prstGeom>
-        </p:spPr>
-        <p:txBody>
-          <a:bodyPr lIns="0" tIns="0" rIns="0" bIns="0">
-            <a:normAutofit/>
-          </a:bodyPr>
-          <a:lstStyle/>
-          <a:p>
-            <a:endParaRPr lang="es-ES" sz="3200" b="0" strike="noStrike" spc="-1">
-              <a:latin typeface="Arial"/>
-            </a:endParaRPr>
-          </a:p>
-        </p:txBody>
-      </p:sp>
-    </p:spTree>
-  </p:cSld>
-  <p:clrMapOvr>
-    <a:masterClrMapping/>
-  </p:clrMapOvr>
-</p:sldLayout>
-</file>
-
-<file path=ppt/slideLayouts/slideLayout73.xml><?xml version="1.0" encoding="utf-8"?>
-<p:sldLayout xmlns:a="http://schemas.openxmlformats.org/drawingml/2006/main" xmlns:r="http://schemas.openxmlformats.org/officeDocument/2006/relationships" xmlns:p="http://schemas.openxmlformats.org/presentationml/2006/main" type="blank" preserve="1">
-  <p:cSld name="Blank Slide">
-    <p:spTree>
-      <p:nvGrpSpPr>
-        <p:cNvPr id="1" name=""/>
-        <p:cNvGrpSpPr/>
-        <p:nvPr/>
-      </p:nvGrpSpPr>
-      <p:grpSpPr>
-        <a:xfrm>
-          <a:off x="0" y="0"/>
-          <a:ext cx="0" cy="0"/>
-          <a:chOff x="0" y="0"/>
-          <a:chExt cx="0" cy="0"/>
-        </a:xfrm>
-      </p:grpSpPr>
-    </p:spTree>
-  </p:cSld>
-  <p:clrMapOvr>
-    <a:masterClrMapping/>
-  </p:clrMapOvr>
-</p:sldLayout>
-</file>
-
-<file path=ppt/slideLayouts/slideLayout74.xml><?xml version="1.0" encoding="utf-8"?>
-<p:sldLayout xmlns:a="http://schemas.openxmlformats.org/drawingml/2006/main" xmlns:r="http://schemas.openxmlformats.org/officeDocument/2006/relationships" xmlns:p="http://schemas.openxmlformats.org/presentationml/2006/main" type="tx" preserve="1">
-  <p:cSld name="Title Slide">
-    <p:spTree>
-      <p:nvGrpSpPr>
-        <p:cNvPr id="1" name=""/>
-        <p:cNvGrpSpPr/>
-        <p:nvPr/>
-      </p:nvGrpSpPr>
-      <p:grpSpPr>
-        <a:xfrm>
-          <a:off x="0" y="0"/>
-          <a:ext cx="0" cy="0"/>
-          <a:chOff x="0" y="0"/>
-          <a:chExt cx="0" cy="0"/>
-        </a:xfrm>
-      </p:grpSpPr>
-      <p:sp>
-        <p:nvSpPr>
-          <p:cNvPr id="254" name="PlaceHolder 1"/>
-          <p:cNvSpPr>
-            <a:spLocks noGrp="1"/>
-          </p:cNvSpPr>
-          <p:nvPr>
-            <p:ph type="title"/>
-          </p:nvPr>
-        </p:nvSpPr>
-        <p:spPr>
-          <a:xfrm>
-            <a:off x="504000" y="301320"/>
-            <a:ext cx="9072000" cy="1261800"/>
-          </a:xfrm>
-          <a:prstGeom prst="rect">
-            <a:avLst/>
-          </a:prstGeom>
-        </p:spPr>
-        <p:txBody>
-          <a:bodyPr lIns="0" tIns="0" rIns="0" bIns="0" anchor="ctr">
-            <a:spAutoFit/>
-          </a:bodyPr>
-          <a:lstStyle/>
-          <a:p>
-            <a:pPr algn="ctr"/>
-            <a:endParaRPr lang="es-ES" sz="4400" b="0" strike="noStrike" spc="-1">
-              <a:latin typeface="Arial"/>
-            </a:endParaRPr>
-          </a:p>
-        </p:txBody>
-      </p:sp>
-      <p:sp>
-        <p:nvSpPr>
-          <p:cNvPr id="255" name="PlaceHolder 2"/>
-          <p:cNvSpPr>
-            <a:spLocks noGrp="1"/>
-          </p:cNvSpPr>
-          <p:nvPr>
-            <p:ph type="subTitle"/>
-          </p:nvPr>
-        </p:nvSpPr>
-        <p:spPr>
-          <a:xfrm>
-            <a:off x="504000" y="1768680"/>
-            <a:ext cx="9072000" cy="4384080"/>
-          </a:xfrm>
-          <a:prstGeom prst="rect">
-            <a:avLst/>
-          </a:prstGeom>
-        </p:spPr>
-        <p:txBody>
-          <a:bodyPr lIns="0" tIns="0" rIns="0" bIns="0" anchor="ctr">
-            <a:spAutoFit/>
-          </a:bodyPr>
-          <a:lstStyle/>
-          <a:p>
-            <a:pPr algn="ctr"/>
-            <a:endParaRPr lang="es-ES" sz="3200" b="0" strike="noStrike" spc="-1">
-              <a:latin typeface="Arial"/>
-            </a:endParaRPr>
-          </a:p>
-        </p:txBody>
-      </p:sp>
-    </p:spTree>
-  </p:cSld>
-  <p:clrMapOvr>
-    <a:masterClrMapping/>
-  </p:clrMapOvr>
-</p:sldLayout>
-</file>
-
-<file path=ppt/slideLayouts/slideLayout75.xml><?xml version="1.0" encoding="utf-8"?>
-<p:sldLayout xmlns:a="http://schemas.openxmlformats.org/drawingml/2006/main" xmlns:r="http://schemas.openxmlformats.org/officeDocument/2006/relationships" xmlns:p="http://schemas.openxmlformats.org/presentationml/2006/main" type="obj" preserve="1">
-  <p:cSld name="Title, Content">
-    <p:spTree>
-      <p:nvGrpSpPr>
-        <p:cNvPr id="1" name=""/>
-        <p:cNvGrpSpPr/>
-        <p:nvPr/>
-      </p:nvGrpSpPr>
-      <p:grpSpPr>
-        <a:xfrm>
-          <a:off x="0" y="0"/>
-          <a:ext cx="0" cy="0"/>
-          <a:chOff x="0" y="0"/>
-          <a:chExt cx="0" cy="0"/>
-        </a:xfrm>
-      </p:grpSpPr>
-      <p:sp>
-        <p:nvSpPr>
-          <p:cNvPr id="256" name="PlaceHolder 1"/>
-          <p:cNvSpPr>
-            <a:spLocks noGrp="1"/>
-          </p:cNvSpPr>
-          <p:nvPr>
-            <p:ph type="title"/>
-          </p:nvPr>
-        </p:nvSpPr>
-        <p:spPr>
-          <a:xfrm>
-            <a:off x="504000" y="301320"/>
-            <a:ext cx="9072000" cy="1261800"/>
-          </a:xfrm>
-          <a:prstGeom prst="rect">
-            <a:avLst/>
-          </a:prstGeom>
-        </p:spPr>
-        <p:txBody>
-          <a:bodyPr lIns="0" tIns="0" rIns="0" bIns="0" anchor="ctr">
-            <a:spAutoFit/>
-          </a:bodyPr>
-          <a:lstStyle/>
-          <a:p>
-            <a:pPr algn="ctr"/>
-            <a:endParaRPr lang="es-ES" sz="4400" b="0" strike="noStrike" spc="-1">
-              <a:latin typeface="Arial"/>
-            </a:endParaRPr>
-          </a:p>
-        </p:txBody>
-      </p:sp>
-      <p:sp>
-        <p:nvSpPr>
-          <p:cNvPr id="257" name="PlaceHolder 2"/>
-          <p:cNvSpPr>
-            <a:spLocks noGrp="1"/>
-          </p:cNvSpPr>
-          <p:nvPr>
-            <p:ph type="body"/>
-          </p:nvPr>
-        </p:nvSpPr>
-        <p:spPr>
-          <a:xfrm>
-            <a:off x="504000" y="1768680"/>
-            <a:ext cx="9072000" cy="4384080"/>
-          </a:xfrm>
-          <a:prstGeom prst="rect">
-            <a:avLst/>
-          </a:prstGeom>
-        </p:spPr>
-        <p:txBody>
-          <a:bodyPr lIns="0" tIns="0" rIns="0" bIns="0">
-            <a:normAutofit/>
-          </a:bodyPr>
-          <a:lstStyle/>
-          <a:p>
-            <a:endParaRPr lang="es-ES" sz="3200" b="0" strike="noStrike" spc="-1">
-              <a:latin typeface="Arial"/>
-            </a:endParaRPr>
-          </a:p>
-        </p:txBody>
-      </p:sp>
-    </p:spTree>
-  </p:cSld>
-  <p:clrMapOvr>
-    <a:masterClrMapping/>
-  </p:clrMapOvr>
-</p:sldLayout>
-</file>
-
-<file path=ppt/slideLayouts/slideLayout76.xml><?xml version="1.0" encoding="utf-8"?>
-<p:sldLayout xmlns:a="http://schemas.openxmlformats.org/drawingml/2006/main" xmlns:r="http://schemas.openxmlformats.org/officeDocument/2006/relationships" xmlns:p="http://schemas.openxmlformats.org/presentationml/2006/main" type="twoObj" preserve="1">
-  <p:cSld name="Title, 2 Content">
-    <p:spTree>
-      <p:nvGrpSpPr>
-        <p:cNvPr id="1" name=""/>
-        <p:cNvGrpSpPr/>
-        <p:nvPr/>
-      </p:nvGrpSpPr>
-      <p:grpSpPr>
-        <a:xfrm>
-          <a:off x="0" y="0"/>
-          <a:ext cx="0" cy="0"/>
-          <a:chOff x="0" y="0"/>
-          <a:chExt cx="0" cy="0"/>
-        </a:xfrm>
-      </p:grpSpPr>
-      <p:sp>
-        <p:nvSpPr>
-          <p:cNvPr id="258" name="PlaceHolder 1"/>
-          <p:cNvSpPr>
-            <a:spLocks noGrp="1"/>
-          </p:cNvSpPr>
-          <p:nvPr>
-            <p:ph type="title"/>
-          </p:nvPr>
-        </p:nvSpPr>
-        <p:spPr>
-          <a:xfrm>
-            <a:off x="504000" y="301320"/>
-            <a:ext cx="9072000" cy="1261800"/>
-          </a:xfrm>
-          <a:prstGeom prst="rect">
-            <a:avLst/>
-          </a:prstGeom>
-        </p:spPr>
-        <p:txBody>
-          <a:bodyPr lIns="0" tIns="0" rIns="0" bIns="0" anchor="ctr">
-            <a:spAutoFit/>
-          </a:bodyPr>
-          <a:lstStyle/>
-          <a:p>
-            <a:pPr algn="ctr"/>
-            <a:endParaRPr lang="es-ES" sz="4400" b="0" strike="noStrike" spc="-1">
-              <a:latin typeface="Arial"/>
-            </a:endParaRPr>
-          </a:p>
-        </p:txBody>
-      </p:sp>
-      <p:sp>
-        <p:nvSpPr>
-          <p:cNvPr id="259" name="PlaceHolder 2"/>
-          <p:cNvSpPr>
-            <a:spLocks noGrp="1"/>
-          </p:cNvSpPr>
-          <p:nvPr>
-            <p:ph type="body"/>
-          </p:nvPr>
-        </p:nvSpPr>
-        <p:spPr>
-          <a:xfrm>
-            <a:off x="504000" y="1768680"/>
-            <a:ext cx="4426920" cy="4384080"/>
-          </a:xfrm>
-          <a:prstGeom prst="rect">
-            <a:avLst/>
-          </a:prstGeom>
-        </p:spPr>
-        <p:txBody>
-          <a:bodyPr lIns="0" tIns="0" rIns="0" bIns="0">
-            <a:normAutofit/>
-          </a:bodyPr>
-          <a:lstStyle/>
-          <a:p>
-            <a:endParaRPr lang="es-ES" sz="3200" b="0" strike="noStrike" spc="-1">
-              <a:latin typeface="Arial"/>
-            </a:endParaRPr>
-          </a:p>
-        </p:txBody>
-      </p:sp>
-      <p:sp>
-        <p:nvSpPr>
-          <p:cNvPr id="260" name="PlaceHolder 3"/>
-          <p:cNvSpPr>
-            <a:spLocks noGrp="1"/>
-          </p:cNvSpPr>
-          <p:nvPr>
-            <p:ph type="body"/>
-          </p:nvPr>
-        </p:nvSpPr>
-        <p:spPr>
-          <a:xfrm>
-            <a:off x="5152680" y="1768680"/>
-            <a:ext cx="4426920" cy="4384080"/>
-          </a:xfrm>
-          <a:prstGeom prst="rect">
-            <a:avLst/>
-          </a:prstGeom>
-        </p:spPr>
-        <p:txBody>
-          <a:bodyPr lIns="0" tIns="0" rIns="0" bIns="0">
-            <a:normAutofit/>
-          </a:bodyPr>
-          <a:lstStyle/>
-          <a:p>
-            <a:endParaRPr lang="es-ES" sz="3200" b="0" strike="noStrike" spc="-1">
-              <a:latin typeface="Arial"/>
-            </a:endParaRPr>
-          </a:p>
-        </p:txBody>
-      </p:sp>
-    </p:spTree>
-  </p:cSld>
-  <p:clrMapOvr>
-    <a:masterClrMapping/>
-  </p:clrMapOvr>
-</p:sldLayout>
-</file>
-
-<file path=ppt/slideLayouts/slideLayout77.xml><?xml version="1.0" encoding="utf-8"?>
-<p:sldLayout xmlns:a="http://schemas.openxmlformats.org/drawingml/2006/main" xmlns:r="http://schemas.openxmlformats.org/officeDocument/2006/relationships" xmlns:p="http://schemas.openxmlformats.org/presentationml/2006/main" type="titleOnly" preserve="1">
-  <p:cSld name="Title Only">
-    <p:spTree>
-      <p:nvGrpSpPr>
-        <p:cNvPr id="1" name=""/>
-        <p:cNvGrpSpPr/>
-        <p:nvPr/>
-      </p:nvGrpSpPr>
-      <p:grpSpPr>
-        <a:xfrm>
-          <a:off x="0" y="0"/>
-          <a:ext cx="0" cy="0"/>
-          <a:chOff x="0" y="0"/>
-          <a:chExt cx="0" cy="0"/>
-        </a:xfrm>
-      </p:grpSpPr>
-      <p:sp>
-        <p:nvSpPr>
-          <p:cNvPr id="261" name="PlaceHolder 1"/>
-          <p:cNvSpPr>
-            <a:spLocks noGrp="1"/>
-          </p:cNvSpPr>
-          <p:nvPr>
-            <p:ph type="title"/>
-          </p:nvPr>
-        </p:nvSpPr>
-        <p:spPr>
-          <a:xfrm>
-            <a:off x="504000" y="301320"/>
-            <a:ext cx="9072000" cy="1261800"/>
-          </a:xfrm>
-          <a:prstGeom prst="rect">
-            <a:avLst/>
-          </a:prstGeom>
-        </p:spPr>
-        <p:txBody>
-          <a:bodyPr lIns="0" tIns="0" rIns="0" bIns="0" anchor="ctr">
-            <a:spAutoFit/>
-          </a:bodyPr>
-          <a:lstStyle/>
-          <a:p>
-            <a:pPr algn="ctr"/>
-            <a:endParaRPr lang="es-ES" sz="4400" b="0" strike="noStrike" spc="-1">
-              <a:latin typeface="Arial"/>
-            </a:endParaRPr>
-          </a:p>
-        </p:txBody>
-      </p:sp>
-    </p:spTree>
-  </p:cSld>
-  <p:clrMapOvr>
-    <a:masterClrMapping/>
-  </p:clrMapOvr>
-</p:sldLayout>
-</file>
-
-<file path=ppt/slideLayouts/slideLayout78.xml><?xml version="1.0" encoding="utf-8"?>
-<p:sldLayout xmlns:a="http://schemas.openxmlformats.org/drawingml/2006/main" xmlns:r="http://schemas.openxmlformats.org/officeDocument/2006/relationships" xmlns:p="http://schemas.openxmlformats.org/presentationml/2006/main" type="objOnly" preserve="1">
-  <p:cSld name="Centered Text">
-    <p:spTree>
-      <p:nvGrpSpPr>
-        <p:cNvPr id="1" name=""/>
-        <p:cNvGrpSpPr/>
-        <p:nvPr/>
-      </p:nvGrpSpPr>
-      <p:grpSpPr>
-        <a:xfrm>
-          <a:off x="0" y="0"/>
-          <a:ext cx="0" cy="0"/>
-          <a:chOff x="0" y="0"/>
-          <a:chExt cx="0" cy="0"/>
-        </a:xfrm>
-      </p:grpSpPr>
-      <p:sp>
-        <p:nvSpPr>
-          <p:cNvPr id="262" name="PlaceHolder 1"/>
-          <p:cNvSpPr>
-            <a:spLocks noGrp="1"/>
-          </p:cNvSpPr>
-          <p:nvPr>
-            <p:ph type="subTitle"/>
-          </p:nvPr>
-        </p:nvSpPr>
-        <p:spPr>
-          <a:xfrm>
-            <a:off x="504000" y="301320"/>
-            <a:ext cx="9072000" cy="5850360"/>
-          </a:xfrm>
-          <a:prstGeom prst="rect">
-            <a:avLst/>
-          </a:prstGeom>
-        </p:spPr>
-        <p:txBody>
-          <a:bodyPr lIns="0" tIns="0" rIns="0" bIns="0" anchor="ctr">
-            <a:spAutoFit/>
-          </a:bodyPr>
-          <a:lstStyle/>
-          <a:p>
-            <a:pPr algn="ctr"/>
-            <a:endParaRPr lang="es-ES" sz="3200" b="0" strike="noStrike" spc="-1">
-              <a:latin typeface="Arial"/>
-            </a:endParaRPr>
-          </a:p>
-        </p:txBody>
-      </p:sp>
-    </p:spTree>
-  </p:cSld>
-  <p:clrMapOvr>
-    <a:masterClrMapping/>
-  </p:clrMapOvr>
-</p:sldLayout>
-</file>
-
-<file path=ppt/slideLayouts/slideLayout79.xml><?xml version="1.0" encoding="utf-8"?>
-<p:sldLayout xmlns:a="http://schemas.openxmlformats.org/drawingml/2006/main" xmlns:r="http://schemas.openxmlformats.org/officeDocument/2006/relationships" xmlns:p="http://schemas.openxmlformats.org/presentationml/2006/main" type="twoObjAndObj" preserve="1">
-  <p:cSld name="Title, 2 Content and Content">
-    <p:spTree>
-      <p:nvGrpSpPr>
-        <p:cNvPr id="1" name=""/>
-        <p:cNvGrpSpPr/>
-        <p:nvPr/>
-      </p:nvGrpSpPr>
-      <p:grpSpPr>
-        <a:xfrm>
-          <a:off x="0" y="0"/>
-          <a:ext cx="0" cy="0"/>
-          <a:chOff x="0" y="0"/>
-          <a:chExt cx="0" cy="0"/>
-        </a:xfrm>
-      </p:grpSpPr>
-      <p:sp>
-        <p:nvSpPr>
-          <p:cNvPr id="263" name="PlaceHolder 1"/>
-          <p:cNvSpPr>
-            <a:spLocks noGrp="1"/>
-          </p:cNvSpPr>
-          <p:nvPr>
-            <p:ph type="title"/>
-          </p:nvPr>
-        </p:nvSpPr>
-        <p:spPr>
-          <a:xfrm>
-            <a:off x="504000" y="301320"/>
-            <a:ext cx="9072000" cy="1261800"/>
-          </a:xfrm>
-          <a:prstGeom prst="rect">
-            <a:avLst/>
-          </a:prstGeom>
-        </p:spPr>
-        <p:txBody>
-          <a:bodyPr lIns="0" tIns="0" rIns="0" bIns="0" anchor="ctr">
-            <a:spAutoFit/>
-          </a:bodyPr>
-          <a:lstStyle/>
-          <a:p>
-            <a:pPr algn="ctr"/>
-            <a:endParaRPr lang="es-ES" sz="4400" b="0" strike="noStrike" spc="-1">
-              <a:latin typeface="Arial"/>
-            </a:endParaRPr>
-          </a:p>
-        </p:txBody>
-      </p:sp>
-      <p:sp>
-        <p:nvSpPr>
-          <p:cNvPr id="264" name="PlaceHolder 2"/>
-          <p:cNvSpPr>
-            <a:spLocks noGrp="1"/>
-          </p:cNvSpPr>
-          <p:nvPr>
-            <p:ph type="body"/>
-          </p:nvPr>
-        </p:nvSpPr>
-        <p:spPr>
-          <a:xfrm>
-            <a:off x="504000" y="1768680"/>
-            <a:ext cx="4426920" cy="2090880"/>
-          </a:xfrm>
-          <a:prstGeom prst="rect">
-            <a:avLst/>
-          </a:prstGeom>
-        </p:spPr>
-        <p:txBody>
-          <a:bodyPr lIns="0" tIns="0" rIns="0" bIns="0">
-            <a:normAutofit/>
-          </a:bodyPr>
-          <a:lstStyle/>
-          <a:p>
-            <a:endParaRPr lang="es-ES" sz="3200" b="0" strike="noStrike" spc="-1">
-              <a:latin typeface="Arial"/>
-            </a:endParaRPr>
-          </a:p>
-        </p:txBody>
-      </p:sp>
-      <p:sp>
-        <p:nvSpPr>
-          <p:cNvPr id="265" name="PlaceHolder 3"/>
-          <p:cNvSpPr>
-            <a:spLocks noGrp="1"/>
-          </p:cNvSpPr>
-          <p:nvPr>
-            <p:ph type="body"/>
-          </p:nvPr>
-        </p:nvSpPr>
-        <p:spPr>
-          <a:xfrm>
-            <a:off x="5152680" y="1768680"/>
-            <a:ext cx="4426920" cy="4384080"/>
-          </a:xfrm>
-          <a:prstGeom prst="rect">
-            <a:avLst/>
-          </a:prstGeom>
-        </p:spPr>
-        <p:txBody>
-          <a:bodyPr lIns="0" tIns="0" rIns="0" bIns="0">
-            <a:normAutofit/>
-          </a:bodyPr>
-          <a:lstStyle/>
-          <a:p>
-            <a:endParaRPr lang="es-ES" sz="3200" b="0" strike="noStrike" spc="-1">
-              <a:latin typeface="Arial"/>
-            </a:endParaRPr>
-          </a:p>
-        </p:txBody>
-      </p:sp>
-      <p:sp>
-        <p:nvSpPr>
-          <p:cNvPr id="266" name="PlaceHolder 4"/>
-          <p:cNvSpPr>
-            <a:spLocks noGrp="1"/>
-          </p:cNvSpPr>
-          <p:nvPr>
-            <p:ph type="body"/>
-          </p:nvPr>
-        </p:nvSpPr>
-        <p:spPr>
-          <a:xfrm>
-            <a:off x="504000" y="4058640"/>
-            <a:ext cx="4426920" cy="2090880"/>
           </a:xfrm>
           <a:prstGeom prst="rect">
             <a:avLst/>
@@ -9118,849 +8554,6 @@
           <a:xfrm>
             <a:off x="5152680" y="4058640"/>
             <a:ext cx="4426920" cy="2090880"/>
-          </a:xfrm>
-          <a:prstGeom prst="rect">
-            <a:avLst/>
-          </a:prstGeom>
-        </p:spPr>
-        <p:txBody>
-          <a:bodyPr lIns="0" tIns="0" rIns="0" bIns="0">
-            <a:normAutofit/>
-          </a:bodyPr>
-          <a:lstStyle/>
-          <a:p>
-            <a:endParaRPr lang="es-ES" sz="3200" b="0" strike="noStrike" spc="-1">
-              <a:latin typeface="Arial"/>
-            </a:endParaRPr>
-          </a:p>
-        </p:txBody>
-      </p:sp>
-    </p:spTree>
-  </p:cSld>
-  <p:clrMapOvr>
-    <a:masterClrMapping/>
-  </p:clrMapOvr>
-</p:sldLayout>
-</file>
-
-<file path=ppt/slideLayouts/slideLayout80.xml><?xml version="1.0" encoding="utf-8"?>
-<p:sldLayout xmlns:a="http://schemas.openxmlformats.org/drawingml/2006/main" xmlns:r="http://schemas.openxmlformats.org/officeDocument/2006/relationships" xmlns:p="http://schemas.openxmlformats.org/presentationml/2006/main" type="objAndTwoObj" preserve="1">
-  <p:cSld name="Title Content and 2 Content">
-    <p:spTree>
-      <p:nvGrpSpPr>
-        <p:cNvPr id="1" name=""/>
-        <p:cNvGrpSpPr/>
-        <p:nvPr/>
-      </p:nvGrpSpPr>
-      <p:grpSpPr>
-        <a:xfrm>
-          <a:off x="0" y="0"/>
-          <a:ext cx="0" cy="0"/>
-          <a:chOff x="0" y="0"/>
-          <a:chExt cx="0" cy="0"/>
-        </a:xfrm>
-      </p:grpSpPr>
-      <p:sp>
-        <p:nvSpPr>
-          <p:cNvPr id="267" name="PlaceHolder 1"/>
-          <p:cNvSpPr>
-            <a:spLocks noGrp="1"/>
-          </p:cNvSpPr>
-          <p:nvPr>
-            <p:ph type="title"/>
-          </p:nvPr>
-        </p:nvSpPr>
-        <p:spPr>
-          <a:xfrm>
-            <a:off x="504000" y="301320"/>
-            <a:ext cx="9072000" cy="1261800"/>
-          </a:xfrm>
-          <a:prstGeom prst="rect">
-            <a:avLst/>
-          </a:prstGeom>
-        </p:spPr>
-        <p:txBody>
-          <a:bodyPr lIns="0" tIns="0" rIns="0" bIns="0" anchor="ctr">
-            <a:spAutoFit/>
-          </a:bodyPr>
-          <a:lstStyle/>
-          <a:p>
-            <a:pPr algn="ctr"/>
-            <a:endParaRPr lang="es-ES" sz="4400" b="0" strike="noStrike" spc="-1">
-              <a:latin typeface="Arial"/>
-            </a:endParaRPr>
-          </a:p>
-        </p:txBody>
-      </p:sp>
-      <p:sp>
-        <p:nvSpPr>
-          <p:cNvPr id="268" name="PlaceHolder 2"/>
-          <p:cNvSpPr>
-            <a:spLocks noGrp="1"/>
-          </p:cNvSpPr>
-          <p:nvPr>
-            <p:ph type="body"/>
-          </p:nvPr>
-        </p:nvSpPr>
-        <p:spPr>
-          <a:xfrm>
-            <a:off x="504000" y="1768680"/>
-            <a:ext cx="4426920" cy="4384080"/>
-          </a:xfrm>
-          <a:prstGeom prst="rect">
-            <a:avLst/>
-          </a:prstGeom>
-        </p:spPr>
-        <p:txBody>
-          <a:bodyPr lIns="0" tIns="0" rIns="0" bIns="0">
-            <a:normAutofit/>
-          </a:bodyPr>
-          <a:lstStyle/>
-          <a:p>
-            <a:endParaRPr lang="es-ES" sz="3200" b="0" strike="noStrike" spc="-1">
-              <a:latin typeface="Arial"/>
-            </a:endParaRPr>
-          </a:p>
-        </p:txBody>
-      </p:sp>
-      <p:sp>
-        <p:nvSpPr>
-          <p:cNvPr id="269" name="PlaceHolder 3"/>
-          <p:cNvSpPr>
-            <a:spLocks noGrp="1"/>
-          </p:cNvSpPr>
-          <p:nvPr>
-            <p:ph type="body"/>
-          </p:nvPr>
-        </p:nvSpPr>
-        <p:spPr>
-          <a:xfrm>
-            <a:off x="5152680" y="1768680"/>
-            <a:ext cx="4426920" cy="2090880"/>
-          </a:xfrm>
-          <a:prstGeom prst="rect">
-            <a:avLst/>
-          </a:prstGeom>
-        </p:spPr>
-        <p:txBody>
-          <a:bodyPr lIns="0" tIns="0" rIns="0" bIns="0">
-            <a:normAutofit/>
-          </a:bodyPr>
-          <a:lstStyle/>
-          <a:p>
-            <a:endParaRPr lang="es-ES" sz="3200" b="0" strike="noStrike" spc="-1">
-              <a:latin typeface="Arial"/>
-            </a:endParaRPr>
-          </a:p>
-        </p:txBody>
-      </p:sp>
-      <p:sp>
-        <p:nvSpPr>
-          <p:cNvPr id="270" name="PlaceHolder 4"/>
-          <p:cNvSpPr>
-            <a:spLocks noGrp="1"/>
-          </p:cNvSpPr>
-          <p:nvPr>
-            <p:ph type="body"/>
-          </p:nvPr>
-        </p:nvSpPr>
-        <p:spPr>
-          <a:xfrm>
-            <a:off x="5152680" y="4058640"/>
-            <a:ext cx="4426920" cy="2090880"/>
-          </a:xfrm>
-          <a:prstGeom prst="rect">
-            <a:avLst/>
-          </a:prstGeom>
-        </p:spPr>
-        <p:txBody>
-          <a:bodyPr lIns="0" tIns="0" rIns="0" bIns="0">
-            <a:normAutofit/>
-          </a:bodyPr>
-          <a:lstStyle/>
-          <a:p>
-            <a:endParaRPr lang="es-ES" sz="3200" b="0" strike="noStrike" spc="-1">
-              <a:latin typeface="Arial"/>
-            </a:endParaRPr>
-          </a:p>
-        </p:txBody>
-      </p:sp>
-    </p:spTree>
-  </p:cSld>
-  <p:clrMapOvr>
-    <a:masterClrMapping/>
-  </p:clrMapOvr>
-</p:sldLayout>
-</file>
-
-<file path=ppt/slideLayouts/slideLayout81.xml><?xml version="1.0" encoding="utf-8"?>
-<p:sldLayout xmlns:a="http://schemas.openxmlformats.org/drawingml/2006/main" xmlns:r="http://schemas.openxmlformats.org/officeDocument/2006/relationships" xmlns:p="http://schemas.openxmlformats.org/presentationml/2006/main" type="twoObjOverTx" preserve="1">
-  <p:cSld name="Title, 2 Content over Content">
-    <p:spTree>
-      <p:nvGrpSpPr>
-        <p:cNvPr id="1" name=""/>
-        <p:cNvGrpSpPr/>
-        <p:nvPr/>
-      </p:nvGrpSpPr>
-      <p:grpSpPr>
-        <a:xfrm>
-          <a:off x="0" y="0"/>
-          <a:ext cx="0" cy="0"/>
-          <a:chOff x="0" y="0"/>
-          <a:chExt cx="0" cy="0"/>
-        </a:xfrm>
-      </p:grpSpPr>
-      <p:sp>
-        <p:nvSpPr>
-          <p:cNvPr id="271" name="PlaceHolder 1"/>
-          <p:cNvSpPr>
-            <a:spLocks noGrp="1"/>
-          </p:cNvSpPr>
-          <p:nvPr>
-            <p:ph type="title"/>
-          </p:nvPr>
-        </p:nvSpPr>
-        <p:spPr>
-          <a:xfrm>
-            <a:off x="504000" y="301320"/>
-            <a:ext cx="9072000" cy="1261800"/>
-          </a:xfrm>
-          <a:prstGeom prst="rect">
-            <a:avLst/>
-          </a:prstGeom>
-        </p:spPr>
-        <p:txBody>
-          <a:bodyPr lIns="0" tIns="0" rIns="0" bIns="0" anchor="ctr">
-            <a:spAutoFit/>
-          </a:bodyPr>
-          <a:lstStyle/>
-          <a:p>
-            <a:pPr algn="ctr"/>
-            <a:endParaRPr lang="es-ES" sz="4400" b="0" strike="noStrike" spc="-1">
-              <a:latin typeface="Arial"/>
-            </a:endParaRPr>
-          </a:p>
-        </p:txBody>
-      </p:sp>
-      <p:sp>
-        <p:nvSpPr>
-          <p:cNvPr id="272" name="PlaceHolder 2"/>
-          <p:cNvSpPr>
-            <a:spLocks noGrp="1"/>
-          </p:cNvSpPr>
-          <p:nvPr>
-            <p:ph type="body"/>
-          </p:nvPr>
-        </p:nvSpPr>
-        <p:spPr>
-          <a:xfrm>
-            <a:off x="504000" y="1768680"/>
-            <a:ext cx="4426920" cy="2090880"/>
-          </a:xfrm>
-          <a:prstGeom prst="rect">
-            <a:avLst/>
-          </a:prstGeom>
-        </p:spPr>
-        <p:txBody>
-          <a:bodyPr lIns="0" tIns="0" rIns="0" bIns="0">
-            <a:normAutofit/>
-          </a:bodyPr>
-          <a:lstStyle/>
-          <a:p>
-            <a:endParaRPr lang="es-ES" sz="3200" b="0" strike="noStrike" spc="-1">
-              <a:latin typeface="Arial"/>
-            </a:endParaRPr>
-          </a:p>
-        </p:txBody>
-      </p:sp>
-      <p:sp>
-        <p:nvSpPr>
-          <p:cNvPr id="273" name="PlaceHolder 3"/>
-          <p:cNvSpPr>
-            <a:spLocks noGrp="1"/>
-          </p:cNvSpPr>
-          <p:nvPr>
-            <p:ph type="body"/>
-          </p:nvPr>
-        </p:nvSpPr>
-        <p:spPr>
-          <a:xfrm>
-            <a:off x="5152680" y="1768680"/>
-            <a:ext cx="4426920" cy="2090880"/>
-          </a:xfrm>
-          <a:prstGeom prst="rect">
-            <a:avLst/>
-          </a:prstGeom>
-        </p:spPr>
-        <p:txBody>
-          <a:bodyPr lIns="0" tIns="0" rIns="0" bIns="0">
-            <a:normAutofit/>
-          </a:bodyPr>
-          <a:lstStyle/>
-          <a:p>
-            <a:endParaRPr lang="es-ES" sz="3200" b="0" strike="noStrike" spc="-1">
-              <a:latin typeface="Arial"/>
-            </a:endParaRPr>
-          </a:p>
-        </p:txBody>
-      </p:sp>
-      <p:sp>
-        <p:nvSpPr>
-          <p:cNvPr id="274" name="PlaceHolder 4"/>
-          <p:cNvSpPr>
-            <a:spLocks noGrp="1"/>
-          </p:cNvSpPr>
-          <p:nvPr>
-            <p:ph type="body"/>
-          </p:nvPr>
-        </p:nvSpPr>
-        <p:spPr>
-          <a:xfrm>
-            <a:off x="504000" y="4058640"/>
-            <a:ext cx="9072000" cy="2090880"/>
-          </a:xfrm>
-          <a:prstGeom prst="rect">
-            <a:avLst/>
-          </a:prstGeom>
-        </p:spPr>
-        <p:txBody>
-          <a:bodyPr lIns="0" tIns="0" rIns="0" bIns="0">
-            <a:normAutofit/>
-          </a:bodyPr>
-          <a:lstStyle/>
-          <a:p>
-            <a:endParaRPr lang="es-ES" sz="3200" b="0" strike="noStrike" spc="-1">
-              <a:latin typeface="Arial"/>
-            </a:endParaRPr>
-          </a:p>
-        </p:txBody>
-      </p:sp>
-    </p:spTree>
-  </p:cSld>
-  <p:clrMapOvr>
-    <a:masterClrMapping/>
-  </p:clrMapOvr>
-</p:sldLayout>
-</file>
-
-<file path=ppt/slideLayouts/slideLayout82.xml><?xml version="1.0" encoding="utf-8"?>
-<p:sldLayout xmlns:a="http://schemas.openxmlformats.org/drawingml/2006/main" xmlns:r="http://schemas.openxmlformats.org/officeDocument/2006/relationships" xmlns:p="http://schemas.openxmlformats.org/presentationml/2006/main" type="objOverTx" preserve="1">
-  <p:cSld name="Title, Content over Content">
-    <p:spTree>
-      <p:nvGrpSpPr>
-        <p:cNvPr id="1" name=""/>
-        <p:cNvGrpSpPr/>
-        <p:nvPr/>
-      </p:nvGrpSpPr>
-      <p:grpSpPr>
-        <a:xfrm>
-          <a:off x="0" y="0"/>
-          <a:ext cx="0" cy="0"/>
-          <a:chOff x="0" y="0"/>
-          <a:chExt cx="0" cy="0"/>
-        </a:xfrm>
-      </p:grpSpPr>
-      <p:sp>
-        <p:nvSpPr>
-          <p:cNvPr id="275" name="PlaceHolder 1"/>
-          <p:cNvSpPr>
-            <a:spLocks noGrp="1"/>
-          </p:cNvSpPr>
-          <p:nvPr>
-            <p:ph type="title"/>
-          </p:nvPr>
-        </p:nvSpPr>
-        <p:spPr>
-          <a:xfrm>
-            <a:off x="504000" y="301320"/>
-            <a:ext cx="9072000" cy="1261800"/>
-          </a:xfrm>
-          <a:prstGeom prst="rect">
-            <a:avLst/>
-          </a:prstGeom>
-        </p:spPr>
-        <p:txBody>
-          <a:bodyPr lIns="0" tIns="0" rIns="0" bIns="0" anchor="ctr">
-            <a:spAutoFit/>
-          </a:bodyPr>
-          <a:lstStyle/>
-          <a:p>
-            <a:pPr algn="ctr"/>
-            <a:endParaRPr lang="es-ES" sz="4400" b="0" strike="noStrike" spc="-1">
-              <a:latin typeface="Arial"/>
-            </a:endParaRPr>
-          </a:p>
-        </p:txBody>
-      </p:sp>
-      <p:sp>
-        <p:nvSpPr>
-          <p:cNvPr id="276" name="PlaceHolder 2"/>
-          <p:cNvSpPr>
-            <a:spLocks noGrp="1"/>
-          </p:cNvSpPr>
-          <p:nvPr>
-            <p:ph type="body"/>
-          </p:nvPr>
-        </p:nvSpPr>
-        <p:spPr>
-          <a:xfrm>
-            <a:off x="504000" y="1768680"/>
-            <a:ext cx="9072000" cy="2090880"/>
-          </a:xfrm>
-          <a:prstGeom prst="rect">
-            <a:avLst/>
-          </a:prstGeom>
-        </p:spPr>
-        <p:txBody>
-          <a:bodyPr lIns="0" tIns="0" rIns="0" bIns="0">
-            <a:normAutofit/>
-          </a:bodyPr>
-          <a:lstStyle/>
-          <a:p>
-            <a:endParaRPr lang="es-ES" sz="3200" b="0" strike="noStrike" spc="-1">
-              <a:latin typeface="Arial"/>
-            </a:endParaRPr>
-          </a:p>
-        </p:txBody>
-      </p:sp>
-      <p:sp>
-        <p:nvSpPr>
-          <p:cNvPr id="277" name="PlaceHolder 3"/>
-          <p:cNvSpPr>
-            <a:spLocks noGrp="1"/>
-          </p:cNvSpPr>
-          <p:nvPr>
-            <p:ph type="body"/>
-          </p:nvPr>
-        </p:nvSpPr>
-        <p:spPr>
-          <a:xfrm>
-            <a:off x="504000" y="4058640"/>
-            <a:ext cx="9072000" cy="2090880"/>
-          </a:xfrm>
-          <a:prstGeom prst="rect">
-            <a:avLst/>
-          </a:prstGeom>
-        </p:spPr>
-        <p:txBody>
-          <a:bodyPr lIns="0" tIns="0" rIns="0" bIns="0">
-            <a:normAutofit/>
-          </a:bodyPr>
-          <a:lstStyle/>
-          <a:p>
-            <a:endParaRPr lang="es-ES" sz="3200" b="0" strike="noStrike" spc="-1">
-              <a:latin typeface="Arial"/>
-            </a:endParaRPr>
-          </a:p>
-        </p:txBody>
-      </p:sp>
-    </p:spTree>
-  </p:cSld>
-  <p:clrMapOvr>
-    <a:masterClrMapping/>
-  </p:clrMapOvr>
-</p:sldLayout>
-</file>
-
-<file path=ppt/slideLayouts/slideLayout83.xml><?xml version="1.0" encoding="utf-8"?>
-<p:sldLayout xmlns:a="http://schemas.openxmlformats.org/drawingml/2006/main" xmlns:r="http://schemas.openxmlformats.org/officeDocument/2006/relationships" xmlns:p="http://schemas.openxmlformats.org/presentationml/2006/main" type="fourObj" preserve="1">
-  <p:cSld name="Title, 4 Content">
-    <p:spTree>
-      <p:nvGrpSpPr>
-        <p:cNvPr id="1" name=""/>
-        <p:cNvGrpSpPr/>
-        <p:nvPr/>
-      </p:nvGrpSpPr>
-      <p:grpSpPr>
-        <a:xfrm>
-          <a:off x="0" y="0"/>
-          <a:ext cx="0" cy="0"/>
-          <a:chOff x="0" y="0"/>
-          <a:chExt cx="0" cy="0"/>
-        </a:xfrm>
-      </p:grpSpPr>
-      <p:sp>
-        <p:nvSpPr>
-          <p:cNvPr id="278" name="PlaceHolder 1"/>
-          <p:cNvSpPr>
-            <a:spLocks noGrp="1"/>
-          </p:cNvSpPr>
-          <p:nvPr>
-            <p:ph type="title"/>
-          </p:nvPr>
-        </p:nvSpPr>
-        <p:spPr>
-          <a:xfrm>
-            <a:off x="504000" y="301320"/>
-            <a:ext cx="9072000" cy="1261800"/>
-          </a:xfrm>
-          <a:prstGeom prst="rect">
-            <a:avLst/>
-          </a:prstGeom>
-        </p:spPr>
-        <p:txBody>
-          <a:bodyPr lIns="0" tIns="0" rIns="0" bIns="0" anchor="ctr">
-            <a:spAutoFit/>
-          </a:bodyPr>
-          <a:lstStyle/>
-          <a:p>
-            <a:pPr algn="ctr"/>
-            <a:endParaRPr lang="es-ES" sz="4400" b="0" strike="noStrike" spc="-1">
-              <a:latin typeface="Arial"/>
-            </a:endParaRPr>
-          </a:p>
-        </p:txBody>
-      </p:sp>
-      <p:sp>
-        <p:nvSpPr>
-          <p:cNvPr id="279" name="PlaceHolder 2"/>
-          <p:cNvSpPr>
-            <a:spLocks noGrp="1"/>
-          </p:cNvSpPr>
-          <p:nvPr>
-            <p:ph type="body"/>
-          </p:nvPr>
-        </p:nvSpPr>
-        <p:spPr>
-          <a:xfrm>
-            <a:off x="504000" y="1768680"/>
-            <a:ext cx="4426920" cy="2090880"/>
-          </a:xfrm>
-          <a:prstGeom prst="rect">
-            <a:avLst/>
-          </a:prstGeom>
-        </p:spPr>
-        <p:txBody>
-          <a:bodyPr lIns="0" tIns="0" rIns="0" bIns="0">
-            <a:normAutofit/>
-          </a:bodyPr>
-          <a:lstStyle/>
-          <a:p>
-            <a:endParaRPr lang="es-ES" sz="3200" b="0" strike="noStrike" spc="-1">
-              <a:latin typeface="Arial"/>
-            </a:endParaRPr>
-          </a:p>
-        </p:txBody>
-      </p:sp>
-      <p:sp>
-        <p:nvSpPr>
-          <p:cNvPr id="280" name="PlaceHolder 3"/>
-          <p:cNvSpPr>
-            <a:spLocks noGrp="1"/>
-          </p:cNvSpPr>
-          <p:nvPr>
-            <p:ph type="body"/>
-          </p:nvPr>
-        </p:nvSpPr>
-        <p:spPr>
-          <a:xfrm>
-            <a:off x="5152680" y="1768680"/>
-            <a:ext cx="4426920" cy="2090880"/>
-          </a:xfrm>
-          <a:prstGeom prst="rect">
-            <a:avLst/>
-          </a:prstGeom>
-        </p:spPr>
-        <p:txBody>
-          <a:bodyPr lIns="0" tIns="0" rIns="0" bIns="0">
-            <a:normAutofit/>
-          </a:bodyPr>
-          <a:lstStyle/>
-          <a:p>
-            <a:endParaRPr lang="es-ES" sz="3200" b="0" strike="noStrike" spc="-1">
-              <a:latin typeface="Arial"/>
-            </a:endParaRPr>
-          </a:p>
-        </p:txBody>
-      </p:sp>
-      <p:sp>
-        <p:nvSpPr>
-          <p:cNvPr id="281" name="PlaceHolder 4"/>
-          <p:cNvSpPr>
-            <a:spLocks noGrp="1"/>
-          </p:cNvSpPr>
-          <p:nvPr>
-            <p:ph type="body"/>
-          </p:nvPr>
-        </p:nvSpPr>
-        <p:spPr>
-          <a:xfrm>
-            <a:off x="504000" y="4058640"/>
-            <a:ext cx="4426920" cy="2090880"/>
-          </a:xfrm>
-          <a:prstGeom prst="rect">
-            <a:avLst/>
-          </a:prstGeom>
-        </p:spPr>
-        <p:txBody>
-          <a:bodyPr lIns="0" tIns="0" rIns="0" bIns="0">
-            <a:normAutofit/>
-          </a:bodyPr>
-          <a:lstStyle/>
-          <a:p>
-            <a:endParaRPr lang="es-ES" sz="3200" b="0" strike="noStrike" spc="-1">
-              <a:latin typeface="Arial"/>
-            </a:endParaRPr>
-          </a:p>
-        </p:txBody>
-      </p:sp>
-      <p:sp>
-        <p:nvSpPr>
-          <p:cNvPr id="282" name="PlaceHolder 5"/>
-          <p:cNvSpPr>
-            <a:spLocks noGrp="1"/>
-          </p:cNvSpPr>
-          <p:nvPr>
-            <p:ph type="body"/>
-          </p:nvPr>
-        </p:nvSpPr>
-        <p:spPr>
-          <a:xfrm>
-            <a:off x="5152680" y="4058640"/>
-            <a:ext cx="4426920" cy="2090880"/>
-          </a:xfrm>
-          <a:prstGeom prst="rect">
-            <a:avLst/>
-          </a:prstGeom>
-        </p:spPr>
-        <p:txBody>
-          <a:bodyPr lIns="0" tIns="0" rIns="0" bIns="0">
-            <a:normAutofit/>
-          </a:bodyPr>
-          <a:lstStyle/>
-          <a:p>
-            <a:endParaRPr lang="es-ES" sz="3200" b="0" strike="noStrike" spc="-1">
-              <a:latin typeface="Arial"/>
-            </a:endParaRPr>
-          </a:p>
-        </p:txBody>
-      </p:sp>
-    </p:spTree>
-  </p:cSld>
-  <p:clrMapOvr>
-    <a:masterClrMapping/>
-  </p:clrMapOvr>
-</p:sldLayout>
-</file>
-
-<file path=ppt/slideLayouts/slideLayout84.xml><?xml version="1.0" encoding="utf-8"?>
-<p:sldLayout xmlns:a="http://schemas.openxmlformats.org/drawingml/2006/main" xmlns:r="http://schemas.openxmlformats.org/officeDocument/2006/relationships" xmlns:p="http://schemas.openxmlformats.org/presentationml/2006/main" type="blank" preserve="1">
-  <p:cSld name="Title, 6 Content">
-    <p:spTree>
-      <p:nvGrpSpPr>
-        <p:cNvPr id="1" name=""/>
-        <p:cNvGrpSpPr/>
-        <p:nvPr/>
-      </p:nvGrpSpPr>
-      <p:grpSpPr>
-        <a:xfrm>
-          <a:off x="0" y="0"/>
-          <a:ext cx="0" cy="0"/>
-          <a:chOff x="0" y="0"/>
-          <a:chExt cx="0" cy="0"/>
-        </a:xfrm>
-      </p:grpSpPr>
-      <p:sp>
-        <p:nvSpPr>
-          <p:cNvPr id="283" name="PlaceHolder 1"/>
-          <p:cNvSpPr>
-            <a:spLocks noGrp="1"/>
-          </p:cNvSpPr>
-          <p:nvPr>
-            <p:ph type="title"/>
-          </p:nvPr>
-        </p:nvSpPr>
-        <p:spPr>
-          <a:xfrm>
-            <a:off x="504000" y="301320"/>
-            <a:ext cx="9072000" cy="1261800"/>
-          </a:xfrm>
-          <a:prstGeom prst="rect">
-            <a:avLst/>
-          </a:prstGeom>
-        </p:spPr>
-        <p:txBody>
-          <a:bodyPr lIns="0" tIns="0" rIns="0" bIns="0" anchor="ctr">
-            <a:spAutoFit/>
-          </a:bodyPr>
-          <a:lstStyle/>
-          <a:p>
-            <a:pPr algn="ctr"/>
-            <a:endParaRPr lang="es-ES" sz="4400" b="0" strike="noStrike" spc="-1">
-              <a:latin typeface="Arial"/>
-            </a:endParaRPr>
-          </a:p>
-        </p:txBody>
-      </p:sp>
-      <p:sp>
-        <p:nvSpPr>
-          <p:cNvPr id="284" name="PlaceHolder 2"/>
-          <p:cNvSpPr>
-            <a:spLocks noGrp="1"/>
-          </p:cNvSpPr>
-          <p:nvPr>
-            <p:ph type="body"/>
-          </p:nvPr>
-        </p:nvSpPr>
-        <p:spPr>
-          <a:xfrm>
-            <a:off x="504000" y="1768680"/>
-            <a:ext cx="2921040" cy="2090880"/>
-          </a:xfrm>
-          <a:prstGeom prst="rect">
-            <a:avLst/>
-          </a:prstGeom>
-        </p:spPr>
-        <p:txBody>
-          <a:bodyPr lIns="0" tIns="0" rIns="0" bIns="0">
-            <a:normAutofit/>
-          </a:bodyPr>
-          <a:lstStyle/>
-          <a:p>
-            <a:endParaRPr lang="es-ES" sz="3200" b="0" strike="noStrike" spc="-1">
-              <a:latin typeface="Arial"/>
-            </a:endParaRPr>
-          </a:p>
-        </p:txBody>
-      </p:sp>
-      <p:sp>
-        <p:nvSpPr>
-          <p:cNvPr id="285" name="PlaceHolder 3"/>
-          <p:cNvSpPr>
-            <a:spLocks noGrp="1"/>
-          </p:cNvSpPr>
-          <p:nvPr>
-            <p:ph type="body"/>
-          </p:nvPr>
-        </p:nvSpPr>
-        <p:spPr>
-          <a:xfrm>
-            <a:off x="3571560" y="1768680"/>
-            <a:ext cx="2921040" cy="2090880"/>
-          </a:xfrm>
-          <a:prstGeom prst="rect">
-            <a:avLst/>
-          </a:prstGeom>
-        </p:spPr>
-        <p:txBody>
-          <a:bodyPr lIns="0" tIns="0" rIns="0" bIns="0">
-            <a:normAutofit/>
-          </a:bodyPr>
-          <a:lstStyle/>
-          <a:p>
-            <a:endParaRPr lang="es-ES" sz="3200" b="0" strike="noStrike" spc="-1">
-              <a:latin typeface="Arial"/>
-            </a:endParaRPr>
-          </a:p>
-        </p:txBody>
-      </p:sp>
-      <p:sp>
-        <p:nvSpPr>
-          <p:cNvPr id="286" name="PlaceHolder 4"/>
-          <p:cNvSpPr>
-            <a:spLocks noGrp="1"/>
-          </p:cNvSpPr>
-          <p:nvPr>
-            <p:ph type="body"/>
-          </p:nvPr>
-        </p:nvSpPr>
-        <p:spPr>
-          <a:xfrm>
-            <a:off x="6639120" y="1768680"/>
-            <a:ext cx="2921040" cy="2090880"/>
-          </a:xfrm>
-          <a:prstGeom prst="rect">
-            <a:avLst/>
-          </a:prstGeom>
-        </p:spPr>
-        <p:txBody>
-          <a:bodyPr lIns="0" tIns="0" rIns="0" bIns="0">
-            <a:normAutofit/>
-          </a:bodyPr>
-          <a:lstStyle/>
-          <a:p>
-            <a:endParaRPr lang="es-ES" sz="3200" b="0" strike="noStrike" spc="-1">
-              <a:latin typeface="Arial"/>
-            </a:endParaRPr>
-          </a:p>
-        </p:txBody>
-      </p:sp>
-      <p:sp>
-        <p:nvSpPr>
-          <p:cNvPr id="287" name="PlaceHolder 5"/>
-          <p:cNvSpPr>
-            <a:spLocks noGrp="1"/>
-          </p:cNvSpPr>
-          <p:nvPr>
-            <p:ph type="body"/>
-          </p:nvPr>
-        </p:nvSpPr>
-        <p:spPr>
-          <a:xfrm>
-            <a:off x="504000" y="4058640"/>
-            <a:ext cx="2921040" cy="2090880"/>
-          </a:xfrm>
-          <a:prstGeom prst="rect">
-            <a:avLst/>
-          </a:prstGeom>
-        </p:spPr>
-        <p:txBody>
-          <a:bodyPr lIns="0" tIns="0" rIns="0" bIns="0">
-            <a:normAutofit/>
-          </a:bodyPr>
-          <a:lstStyle/>
-          <a:p>
-            <a:endParaRPr lang="es-ES" sz="3200" b="0" strike="noStrike" spc="-1">
-              <a:latin typeface="Arial"/>
-            </a:endParaRPr>
-          </a:p>
-        </p:txBody>
-      </p:sp>
-      <p:sp>
-        <p:nvSpPr>
-          <p:cNvPr id="288" name="PlaceHolder 6"/>
-          <p:cNvSpPr>
-            <a:spLocks noGrp="1"/>
-          </p:cNvSpPr>
-          <p:nvPr>
-            <p:ph type="body"/>
-          </p:nvPr>
-        </p:nvSpPr>
-        <p:spPr>
-          <a:xfrm>
-            <a:off x="3571560" y="4058640"/>
-            <a:ext cx="2921040" cy="2090880"/>
-          </a:xfrm>
-          <a:prstGeom prst="rect">
-            <a:avLst/>
-          </a:prstGeom>
-        </p:spPr>
-        <p:txBody>
-          <a:bodyPr lIns="0" tIns="0" rIns="0" bIns="0">
-            <a:normAutofit/>
-          </a:bodyPr>
-          <a:lstStyle/>
-          <a:p>
-            <a:endParaRPr lang="es-ES" sz="3200" b="0" strike="noStrike" spc="-1">
-              <a:latin typeface="Arial"/>
-            </a:endParaRPr>
-          </a:p>
-        </p:txBody>
-      </p:sp>
-      <p:sp>
-        <p:nvSpPr>
-          <p:cNvPr id="289" name="PlaceHolder 7"/>
-          <p:cNvSpPr>
-            <a:spLocks noGrp="1"/>
-          </p:cNvSpPr>
-          <p:nvPr>
-            <p:ph type="body"/>
-          </p:nvPr>
-        </p:nvSpPr>
-        <p:spPr>
-          <a:xfrm>
-            <a:off x="6639120" y="4058640"/>
-            <a:ext cx="2921040" cy="2090880"/>
           </a:xfrm>
           <a:prstGeom prst="rect">
             <a:avLst/>
@@ -12817,814 +11410,6 @@
       </p:grpSpPr>
       <p:sp>
         <p:nvSpPr>
-          <p:cNvPr id="166" name="CustomShape 1"/>
-          <p:cNvSpPr/>
-          <p:nvPr/>
-        </p:nvSpPr>
-        <p:spPr>
-          <a:xfrm>
-            <a:off x="0" y="180000"/>
-            <a:ext cx="9718920" cy="1258920"/>
-          </a:xfrm>
-          <a:prstGeom prst="rect">
-            <a:avLst/>
-          </a:prstGeom>
-          <a:solidFill>
-            <a:srgbClr val="E74C3C"/>
-          </a:solidFill>
-          <a:ln w="72000">
-            <a:noFill/>
-          </a:ln>
-        </p:spPr>
-        <p:style>
-          <a:lnRef idx="0">
-            <a:scrgbClr r="0" g="0" b="0"/>
-          </a:lnRef>
-          <a:fillRef idx="0">
-            <a:scrgbClr r="0" g="0" b="0"/>
-          </a:fillRef>
-          <a:effectRef idx="0">
-            <a:scrgbClr r="0" g="0" b="0"/>
-          </a:effectRef>
-          <a:fontRef idx="minor"/>
-        </p:style>
-      </p:sp>
-      <p:sp>
-        <p:nvSpPr>
-          <p:cNvPr id="167" name="CustomShape 2"/>
-          <p:cNvSpPr/>
-          <p:nvPr/>
-        </p:nvSpPr>
-        <p:spPr>
-          <a:xfrm>
-            <a:off x="7560000" y="6840000"/>
-            <a:ext cx="2518920" cy="538920"/>
-          </a:xfrm>
-          <a:prstGeom prst="rect">
-            <a:avLst/>
-          </a:prstGeom>
-          <a:solidFill>
-            <a:srgbClr val="E74C3C"/>
-          </a:solidFill>
-          <a:ln w="72000">
-            <a:noFill/>
-          </a:ln>
-        </p:spPr>
-        <p:style>
-          <a:lnRef idx="0">
-            <a:scrgbClr r="0" g="0" b="0"/>
-          </a:lnRef>
-          <a:fillRef idx="0">
-            <a:scrgbClr r="0" g="0" b="0"/>
-          </a:fillRef>
-          <a:effectRef idx="0">
-            <a:scrgbClr r="0" g="0" b="0"/>
-          </a:effectRef>
-          <a:fontRef idx="minor"/>
-        </p:style>
-      </p:sp>
-      <p:sp>
-        <p:nvSpPr>
-          <p:cNvPr id="168" name="CustomShape 3"/>
-          <p:cNvSpPr/>
-          <p:nvPr/>
-        </p:nvSpPr>
-        <p:spPr>
-          <a:xfrm>
-            <a:off x="900000" y="6840000"/>
-            <a:ext cx="6478920" cy="538920"/>
-          </a:xfrm>
-          <a:prstGeom prst="rect">
-            <a:avLst/>
-          </a:prstGeom>
-          <a:solidFill>
-            <a:srgbClr val="BDC3C7"/>
-          </a:solidFill>
-          <a:ln w="72000">
-            <a:noFill/>
-          </a:ln>
-        </p:spPr>
-        <p:style>
-          <a:lnRef idx="0">
-            <a:scrgbClr r="0" g="0" b="0"/>
-          </a:lnRef>
-          <a:fillRef idx="0">
-            <a:scrgbClr r="0" g="0" b="0"/>
-          </a:fillRef>
-          <a:effectRef idx="0">
-            <a:scrgbClr r="0" g="0" b="0"/>
-          </a:effectRef>
-          <a:fontRef idx="minor"/>
-        </p:style>
-      </p:sp>
-      <p:sp>
-        <p:nvSpPr>
-          <p:cNvPr id="169" name="CustomShape 4"/>
-          <p:cNvSpPr/>
-          <p:nvPr/>
-        </p:nvSpPr>
-        <p:spPr>
-          <a:xfrm>
-            <a:off x="180000" y="6840000"/>
-            <a:ext cx="538920" cy="538920"/>
-          </a:xfrm>
-          <a:prstGeom prst="rect">
-            <a:avLst/>
-          </a:prstGeom>
-          <a:noFill/>
-          <a:ln w="72000">
-            <a:noFill/>
-          </a:ln>
-        </p:spPr>
-        <p:style>
-          <a:lnRef idx="0">
-            <a:scrgbClr r="0" g="0" b="0"/>
-          </a:lnRef>
-          <a:fillRef idx="0">
-            <a:scrgbClr r="0" g="0" b="0"/>
-          </a:fillRef>
-          <a:effectRef idx="0">
-            <a:scrgbClr r="0" g="0" b="0"/>
-          </a:effectRef>
-          <a:fontRef idx="minor"/>
-        </p:style>
-      </p:sp>
-      <p:sp>
-        <p:nvSpPr>
-          <p:cNvPr id="170" name="PlaceHolder 5"/>
-          <p:cNvSpPr>
-            <a:spLocks noGrp="1"/>
-          </p:cNvSpPr>
-          <p:nvPr>
-            <p:ph type="title"/>
-          </p:nvPr>
-        </p:nvSpPr>
-        <p:spPr>
-          <a:xfrm>
-            <a:off x="360000" y="3148560"/>
-            <a:ext cx="9358920" cy="1262160"/>
-          </a:xfrm>
-          <a:prstGeom prst="rect">
-            <a:avLst/>
-          </a:prstGeom>
-        </p:spPr>
-        <p:txBody>
-          <a:bodyPr lIns="0" tIns="0" rIns="0" bIns="0" anchor="ctr">
-            <a:spAutoFit/>
-          </a:bodyPr>
-          <a:lstStyle/>
-          <a:p>
-            <a:r>
-              <a:rPr lang="es-ES" sz="1800" b="0" strike="noStrike" spc="-1">
-                <a:latin typeface="Arial"/>
-              </a:rPr>
-              <a:t>Pulse para editar el formato del texto de título</a:t>
-            </a:r>
-          </a:p>
-        </p:txBody>
-      </p:sp>
-      <p:sp>
-        <p:nvSpPr>
-          <p:cNvPr id="171" name="PlaceHolder 6"/>
-          <p:cNvSpPr>
-            <a:spLocks noGrp="1"/>
-          </p:cNvSpPr>
-          <p:nvPr>
-            <p:ph type="body"/>
-          </p:nvPr>
-        </p:nvSpPr>
-        <p:spPr>
-          <a:xfrm>
-            <a:off x="504000" y="1768680"/>
-            <a:ext cx="4426560" cy="4383360"/>
-          </a:xfrm>
-          <a:prstGeom prst="rect">
-            <a:avLst/>
-          </a:prstGeom>
-        </p:spPr>
-        <p:txBody>
-          <a:bodyPr lIns="0" tIns="0" rIns="0" bIns="0">
-            <a:normAutofit/>
-          </a:bodyPr>
-          <a:lstStyle/>
-          <a:p>
-            <a:pPr marL="432000" indent="-324000">
-              <a:spcBef>
-                <a:spcPts val="1417"/>
-              </a:spcBef>
-              <a:buClr>
-                <a:srgbClr val="000000"/>
-              </a:buClr>
-              <a:buSzPct val="45000"/>
-              <a:buFont typeface="Wingdings" charset="2"/>
-              <a:buChar char=""/>
-            </a:pPr>
-            <a:r>
-              <a:rPr lang="es-ES" sz="1800" b="0" strike="noStrike" spc="-1">
-                <a:latin typeface="Arial"/>
-              </a:rPr>
-              <a:t>Pulse para editar el formato de esquema del texto</a:t>
-            </a:r>
-          </a:p>
-          <a:p>
-            <a:pPr marL="864000" lvl="1" indent="-324000">
-              <a:spcBef>
-                <a:spcPts val="1134"/>
-              </a:spcBef>
-              <a:buClr>
-                <a:srgbClr val="000000"/>
-              </a:buClr>
-              <a:buSzPct val="75000"/>
-              <a:buFont typeface="Symbol" charset="2"/>
-              <a:buChar char=""/>
-            </a:pPr>
-            <a:r>
-              <a:rPr lang="es-ES" sz="1800" b="0" strike="noStrike" spc="-1">
-                <a:latin typeface="Arial"/>
-              </a:rPr>
-              <a:t>Segundo nivel del esquema</a:t>
-            </a:r>
-          </a:p>
-          <a:p>
-            <a:pPr marL="1296000" lvl="2" indent="-288000">
-              <a:spcBef>
-                <a:spcPts val="850"/>
-              </a:spcBef>
-              <a:buClr>
-                <a:srgbClr val="000000"/>
-              </a:buClr>
-              <a:buSzPct val="45000"/>
-              <a:buFont typeface="Wingdings" charset="2"/>
-              <a:buChar char=""/>
-            </a:pPr>
-            <a:r>
-              <a:rPr lang="es-ES" sz="1800" b="0" strike="noStrike" spc="-1">
-                <a:latin typeface="Arial"/>
-              </a:rPr>
-              <a:t>Tercer nivel del esquema</a:t>
-            </a:r>
-          </a:p>
-          <a:p>
-            <a:pPr marL="1728000" lvl="3" indent="-216000">
-              <a:spcBef>
-                <a:spcPts val="567"/>
-              </a:spcBef>
-              <a:buClr>
-                <a:srgbClr val="000000"/>
-              </a:buClr>
-              <a:buSzPct val="75000"/>
-              <a:buFont typeface="Symbol" charset="2"/>
-              <a:buChar char=""/>
-            </a:pPr>
-            <a:r>
-              <a:rPr lang="es-ES" sz="1800" b="0" strike="noStrike" spc="-1">
-                <a:latin typeface="Arial"/>
-              </a:rPr>
-              <a:t>Cuarto nivel del esquema</a:t>
-            </a:r>
-          </a:p>
-          <a:p>
-            <a:pPr marL="2160000" lvl="4" indent="-216000">
-              <a:spcBef>
-                <a:spcPts val="283"/>
-              </a:spcBef>
-              <a:buClr>
-                <a:srgbClr val="000000"/>
-              </a:buClr>
-              <a:buSzPct val="45000"/>
-              <a:buFont typeface="Wingdings" charset="2"/>
-              <a:buChar char=""/>
-            </a:pPr>
-            <a:r>
-              <a:rPr lang="es-ES" sz="1800" b="0" strike="noStrike" spc="-1">
-                <a:latin typeface="Arial"/>
-              </a:rPr>
-              <a:t>Quinto nivel del esquema</a:t>
-            </a:r>
-          </a:p>
-          <a:p>
-            <a:pPr marL="2592000" lvl="5" indent="-216000">
-              <a:spcBef>
-                <a:spcPts val="283"/>
-              </a:spcBef>
-              <a:buClr>
-                <a:srgbClr val="000000"/>
-              </a:buClr>
-              <a:buSzPct val="45000"/>
-              <a:buFont typeface="Wingdings" charset="2"/>
-              <a:buChar char=""/>
-            </a:pPr>
-            <a:r>
-              <a:rPr lang="es-ES" sz="1800" b="0" strike="noStrike" spc="-1">
-                <a:latin typeface="Arial"/>
-              </a:rPr>
-              <a:t>Sexto nivel del esquema</a:t>
-            </a:r>
-          </a:p>
-          <a:p>
-            <a:pPr marL="3024000" lvl="6" indent="-216000">
-              <a:spcBef>
-                <a:spcPts val="283"/>
-              </a:spcBef>
-              <a:buClr>
-                <a:srgbClr val="000000"/>
-              </a:buClr>
-              <a:buSzPct val="45000"/>
-              <a:buFont typeface="Wingdings" charset="2"/>
-              <a:buChar char=""/>
-            </a:pPr>
-            <a:r>
-              <a:rPr lang="es-ES" sz="1800" b="0" strike="noStrike" spc="-1">
-                <a:latin typeface="Arial"/>
-              </a:rPr>
-              <a:t>Séptimo nivel del esquema</a:t>
-            </a:r>
-          </a:p>
-        </p:txBody>
-      </p:sp>
-      <p:sp>
-        <p:nvSpPr>
-          <p:cNvPr id="172" name="PlaceHolder 7"/>
-          <p:cNvSpPr>
-            <a:spLocks noGrp="1"/>
-          </p:cNvSpPr>
-          <p:nvPr>
-            <p:ph type="body"/>
-          </p:nvPr>
-        </p:nvSpPr>
-        <p:spPr>
-          <a:xfrm>
-            <a:off x="5152680" y="1768680"/>
-            <a:ext cx="4426560" cy="4383360"/>
-          </a:xfrm>
-          <a:prstGeom prst="rect">
-            <a:avLst/>
-          </a:prstGeom>
-        </p:spPr>
-        <p:txBody>
-          <a:bodyPr lIns="0" tIns="0" rIns="0" bIns="0">
-            <a:normAutofit/>
-          </a:bodyPr>
-          <a:lstStyle/>
-          <a:p>
-            <a:pPr marL="432000" indent="-324000">
-              <a:spcBef>
-                <a:spcPts val="1417"/>
-              </a:spcBef>
-              <a:buClr>
-                <a:srgbClr val="000000"/>
-              </a:buClr>
-              <a:buSzPct val="45000"/>
-              <a:buFont typeface="Wingdings" charset="2"/>
-              <a:buChar char=""/>
-            </a:pPr>
-            <a:r>
-              <a:rPr lang="es-ES" sz="1800" b="0" strike="noStrike" spc="-1">
-                <a:latin typeface="Arial"/>
-              </a:rPr>
-              <a:t>Pulse para editar el formato de esquema del texto</a:t>
-            </a:r>
-          </a:p>
-          <a:p>
-            <a:pPr marL="864000" lvl="1" indent="-324000">
-              <a:spcBef>
-                <a:spcPts val="1134"/>
-              </a:spcBef>
-              <a:buClr>
-                <a:srgbClr val="000000"/>
-              </a:buClr>
-              <a:buSzPct val="75000"/>
-              <a:buFont typeface="Symbol" charset="2"/>
-              <a:buChar char=""/>
-            </a:pPr>
-            <a:r>
-              <a:rPr lang="es-ES" sz="1800" b="0" strike="noStrike" spc="-1">
-                <a:latin typeface="Arial"/>
-              </a:rPr>
-              <a:t>Segundo nivel del esquema</a:t>
-            </a:r>
-          </a:p>
-          <a:p>
-            <a:pPr marL="1296000" lvl="2" indent="-288000">
-              <a:spcBef>
-                <a:spcPts val="850"/>
-              </a:spcBef>
-              <a:buClr>
-                <a:srgbClr val="000000"/>
-              </a:buClr>
-              <a:buSzPct val="45000"/>
-              <a:buFont typeface="Wingdings" charset="2"/>
-              <a:buChar char=""/>
-            </a:pPr>
-            <a:r>
-              <a:rPr lang="es-ES" sz="1800" b="0" strike="noStrike" spc="-1">
-                <a:latin typeface="Arial"/>
-              </a:rPr>
-              <a:t>Tercer nivel del esquema</a:t>
-            </a:r>
-          </a:p>
-          <a:p>
-            <a:pPr marL="1728000" lvl="3" indent="-216000">
-              <a:spcBef>
-                <a:spcPts val="567"/>
-              </a:spcBef>
-              <a:buClr>
-                <a:srgbClr val="000000"/>
-              </a:buClr>
-              <a:buSzPct val="75000"/>
-              <a:buFont typeface="Symbol" charset="2"/>
-              <a:buChar char=""/>
-            </a:pPr>
-            <a:r>
-              <a:rPr lang="es-ES" sz="1800" b="0" strike="noStrike" spc="-1">
-                <a:latin typeface="Arial"/>
-              </a:rPr>
-              <a:t>Cuarto nivel del esquema</a:t>
-            </a:r>
-          </a:p>
-          <a:p>
-            <a:pPr marL="2160000" lvl="4" indent="-216000">
-              <a:spcBef>
-                <a:spcPts val="283"/>
-              </a:spcBef>
-              <a:buClr>
-                <a:srgbClr val="000000"/>
-              </a:buClr>
-              <a:buSzPct val="45000"/>
-              <a:buFont typeface="Wingdings" charset="2"/>
-              <a:buChar char=""/>
-            </a:pPr>
-            <a:r>
-              <a:rPr lang="es-ES" sz="1800" b="0" strike="noStrike" spc="-1">
-                <a:latin typeface="Arial"/>
-              </a:rPr>
-              <a:t>Quinto nivel del esquema</a:t>
-            </a:r>
-          </a:p>
-          <a:p>
-            <a:pPr marL="2592000" lvl="5" indent="-216000">
-              <a:spcBef>
-                <a:spcPts val="283"/>
-              </a:spcBef>
-              <a:buClr>
-                <a:srgbClr val="000000"/>
-              </a:buClr>
-              <a:buSzPct val="45000"/>
-              <a:buFont typeface="Wingdings" charset="2"/>
-              <a:buChar char=""/>
-            </a:pPr>
-            <a:r>
-              <a:rPr lang="es-ES" sz="1800" b="0" strike="noStrike" spc="-1">
-                <a:latin typeface="Arial"/>
-              </a:rPr>
-              <a:t>Sexto nivel del esquema</a:t>
-            </a:r>
-          </a:p>
-          <a:p>
-            <a:pPr marL="3024000" lvl="6" indent="-216000">
-              <a:spcBef>
-                <a:spcPts val="283"/>
-              </a:spcBef>
-              <a:buClr>
-                <a:srgbClr val="000000"/>
-              </a:buClr>
-              <a:buSzPct val="45000"/>
-              <a:buFont typeface="Wingdings" charset="2"/>
-              <a:buChar char=""/>
-            </a:pPr>
-            <a:r>
-              <a:rPr lang="es-ES" sz="1800" b="0" strike="noStrike" spc="-1">
-                <a:latin typeface="Arial"/>
-              </a:rPr>
-              <a:t>Séptimo nivel del esquema</a:t>
-            </a:r>
-          </a:p>
-        </p:txBody>
-      </p:sp>
-    </p:spTree>
-  </p:cSld>
-  <p:clrMap bg1="lt1" tx1="dk1" bg2="lt2" tx2="dk2" accent1="accent1" accent2="accent2" accent3="accent3" accent4="accent4" accent5="accent5" accent6="accent6" hlink="hlink" folHlink="folHlink"/>
-  <p:sldLayoutIdLst>
-    <p:sldLayoutId id="2147483701" r:id="rId1"/>
-    <p:sldLayoutId id="2147483702" r:id="rId2"/>
-    <p:sldLayoutId id="2147483703" r:id="rId3"/>
-    <p:sldLayoutId id="2147483704" r:id="rId4"/>
-    <p:sldLayoutId id="2147483705" r:id="rId5"/>
-    <p:sldLayoutId id="2147483706" r:id="rId6"/>
-    <p:sldLayoutId id="2147483707" r:id="rId7"/>
-    <p:sldLayoutId id="2147483708" r:id="rId8"/>
-    <p:sldLayoutId id="2147483709" r:id="rId9"/>
-    <p:sldLayoutId id="2147483710" r:id="rId10"/>
-    <p:sldLayoutId id="2147483711" r:id="rId11"/>
-    <p:sldLayoutId id="2147483712" r:id="rId12"/>
-  </p:sldLayoutIdLst>
-  <p:txStyles>
-    <p:titleStyle>
-      <a:lvl1pPr algn="l" defTabSz="914400" rtl="0" eaLnBrk="1" latinLnBrk="0" hangingPunct="1">
-        <a:lnSpc>
-          <a:spcPct val="90000"/>
-        </a:lnSpc>
-        <a:spcBef>
-          <a:spcPct val="0"/>
-        </a:spcBef>
-        <a:buNone/>
-        <a:defRPr sz="4400" kern="1200">
-          <a:solidFill>
-            <a:schemeClr val="tx1"/>
-          </a:solidFill>
-          <a:latin typeface="+mj-lt"/>
-          <a:ea typeface="+mj-ea"/>
-          <a:cs typeface="+mj-cs"/>
-        </a:defRPr>
-      </a:lvl1pPr>
-    </p:titleStyle>
-    <p:bodyStyle>
-      <a:lvl1pPr marL="228600" indent="-228600" algn="l" defTabSz="914400" rtl="0" eaLnBrk="1" latinLnBrk="0" hangingPunct="1">
-        <a:lnSpc>
-          <a:spcPct val="90000"/>
-        </a:lnSpc>
-        <a:spcBef>
-          <a:spcPts val="1000"/>
-        </a:spcBef>
-        <a:buFont typeface="Arial" panose="020B0604020202020204" pitchFamily="34" charset="0"/>
-        <a:buChar char="•"/>
-        <a:defRPr sz="2800" kern="1200">
-          <a:solidFill>
-            <a:schemeClr val="tx1"/>
-          </a:solidFill>
-          <a:latin typeface="+mn-lt"/>
-          <a:ea typeface="+mn-ea"/>
-          <a:cs typeface="+mn-cs"/>
-        </a:defRPr>
-      </a:lvl1pPr>
-      <a:lvl2pPr marL="685800" indent="-228600" algn="l" defTabSz="914400" rtl="0" eaLnBrk="1" latinLnBrk="0" hangingPunct="1">
-        <a:lnSpc>
-          <a:spcPct val="90000"/>
-        </a:lnSpc>
-        <a:spcBef>
-          <a:spcPts val="500"/>
-        </a:spcBef>
-        <a:buFont typeface="Arial" panose="020B0604020202020204" pitchFamily="34" charset="0"/>
-        <a:buChar char="•"/>
-        <a:defRPr sz="2400" kern="1200">
-          <a:solidFill>
-            <a:schemeClr val="tx1"/>
-          </a:solidFill>
-          <a:latin typeface="+mn-lt"/>
-          <a:ea typeface="+mn-ea"/>
-          <a:cs typeface="+mn-cs"/>
-        </a:defRPr>
-      </a:lvl2pPr>
-      <a:lvl3pPr marL="1143000" indent="-228600" algn="l" defTabSz="914400" rtl="0" eaLnBrk="1" latinLnBrk="0" hangingPunct="1">
-        <a:lnSpc>
-          <a:spcPct val="90000"/>
-        </a:lnSpc>
-        <a:spcBef>
-          <a:spcPts val="500"/>
-        </a:spcBef>
-        <a:buFont typeface="Arial" panose="020B0604020202020204" pitchFamily="34" charset="0"/>
-        <a:buChar char="•"/>
-        <a:defRPr sz="2000" kern="1200">
-          <a:solidFill>
-            <a:schemeClr val="tx1"/>
-          </a:solidFill>
-          <a:latin typeface="+mn-lt"/>
-          <a:ea typeface="+mn-ea"/>
-          <a:cs typeface="+mn-cs"/>
-        </a:defRPr>
-      </a:lvl3pPr>
-      <a:lvl4pPr marL="1600200" indent="-228600" algn="l" defTabSz="914400" rtl="0" eaLnBrk="1" latinLnBrk="0" hangingPunct="1">
-        <a:lnSpc>
-          <a:spcPct val="90000"/>
-        </a:lnSpc>
-        <a:spcBef>
-          <a:spcPts val="500"/>
-        </a:spcBef>
-        <a:buFont typeface="Arial" panose="020B0604020202020204" pitchFamily="34" charset="0"/>
-        <a:buChar char="•"/>
-        <a:defRPr sz="1800" kern="1200">
-          <a:solidFill>
-            <a:schemeClr val="tx1"/>
-          </a:solidFill>
-          <a:latin typeface="+mn-lt"/>
-          <a:ea typeface="+mn-ea"/>
-          <a:cs typeface="+mn-cs"/>
-        </a:defRPr>
-      </a:lvl4pPr>
-      <a:lvl5pPr marL="2057400" indent="-228600" algn="l" defTabSz="914400" rtl="0" eaLnBrk="1" latinLnBrk="0" hangingPunct="1">
-        <a:lnSpc>
-          <a:spcPct val="90000"/>
-        </a:lnSpc>
-        <a:spcBef>
-          <a:spcPts val="500"/>
-        </a:spcBef>
-        <a:buFont typeface="Arial" panose="020B0604020202020204" pitchFamily="34" charset="0"/>
-        <a:buChar char="•"/>
-        <a:defRPr sz="1800" kern="1200">
-          <a:solidFill>
-            <a:schemeClr val="tx1"/>
-          </a:solidFill>
-          <a:latin typeface="+mn-lt"/>
-          <a:ea typeface="+mn-ea"/>
-          <a:cs typeface="+mn-cs"/>
-        </a:defRPr>
-      </a:lvl5pPr>
-      <a:lvl6pPr marL="2514600" indent="-228600" algn="l" defTabSz="914400" rtl="0" eaLnBrk="1" latinLnBrk="0" hangingPunct="1">
-        <a:lnSpc>
-          <a:spcPct val="90000"/>
-        </a:lnSpc>
-        <a:spcBef>
-          <a:spcPts val="500"/>
-        </a:spcBef>
-        <a:buFont typeface="Arial" panose="020B0604020202020204" pitchFamily="34" charset="0"/>
-        <a:buChar char="•"/>
-        <a:defRPr sz="1800" kern="1200">
-          <a:solidFill>
-            <a:schemeClr val="tx1"/>
-          </a:solidFill>
-          <a:latin typeface="+mn-lt"/>
-          <a:ea typeface="+mn-ea"/>
-          <a:cs typeface="+mn-cs"/>
-        </a:defRPr>
-      </a:lvl6pPr>
-      <a:lvl7pPr marL="2971800" indent="-228600" algn="l" defTabSz="914400" rtl="0" eaLnBrk="1" latinLnBrk="0" hangingPunct="1">
-        <a:lnSpc>
-          <a:spcPct val="90000"/>
-        </a:lnSpc>
-        <a:spcBef>
-          <a:spcPts val="500"/>
-        </a:spcBef>
-        <a:buFont typeface="Arial" panose="020B0604020202020204" pitchFamily="34" charset="0"/>
-        <a:buChar char="•"/>
-        <a:defRPr sz="1800" kern="1200">
-          <a:solidFill>
-            <a:schemeClr val="tx1"/>
-          </a:solidFill>
-          <a:latin typeface="+mn-lt"/>
-          <a:ea typeface="+mn-ea"/>
-          <a:cs typeface="+mn-cs"/>
-        </a:defRPr>
-      </a:lvl7pPr>
-      <a:lvl8pPr marL="3429000" indent="-228600" algn="l" defTabSz="914400" rtl="0" eaLnBrk="1" latinLnBrk="0" hangingPunct="1">
-        <a:lnSpc>
-          <a:spcPct val="90000"/>
-        </a:lnSpc>
-        <a:spcBef>
-          <a:spcPts val="500"/>
-        </a:spcBef>
-        <a:buFont typeface="Arial" panose="020B0604020202020204" pitchFamily="34" charset="0"/>
-        <a:buChar char="•"/>
-        <a:defRPr sz="1800" kern="1200">
-          <a:solidFill>
-            <a:schemeClr val="tx1"/>
-          </a:solidFill>
-          <a:latin typeface="+mn-lt"/>
-          <a:ea typeface="+mn-ea"/>
-          <a:cs typeface="+mn-cs"/>
-        </a:defRPr>
-      </a:lvl8pPr>
-      <a:lvl9pPr marL="3886200" indent="-228600" algn="l" defTabSz="914400" rtl="0" eaLnBrk="1" latinLnBrk="0" hangingPunct="1">
-        <a:lnSpc>
-          <a:spcPct val="90000"/>
-        </a:lnSpc>
-        <a:spcBef>
-          <a:spcPts val="500"/>
-        </a:spcBef>
-        <a:buFont typeface="Arial" panose="020B0604020202020204" pitchFamily="34" charset="0"/>
-        <a:buChar char="•"/>
-        <a:defRPr sz="1800" kern="1200">
-          <a:solidFill>
-            <a:schemeClr val="tx1"/>
-          </a:solidFill>
-          <a:latin typeface="+mn-lt"/>
-          <a:ea typeface="+mn-ea"/>
-          <a:cs typeface="+mn-cs"/>
-        </a:defRPr>
-      </a:lvl9pPr>
-    </p:bodyStyle>
-    <p:otherStyle>
-      <a:defPPr>
-        <a:defRPr lang="es-ES"/>
-      </a:defPPr>
-      <a:lvl1pPr marL="0" algn="l" defTabSz="914400" rtl="0" eaLnBrk="1" latinLnBrk="0" hangingPunct="1">
-        <a:defRPr sz="1800" kern="1200">
-          <a:solidFill>
-            <a:schemeClr val="tx1"/>
-          </a:solidFill>
-          <a:latin typeface="+mn-lt"/>
-          <a:ea typeface="+mn-ea"/>
-          <a:cs typeface="+mn-cs"/>
-        </a:defRPr>
-      </a:lvl1pPr>
-      <a:lvl2pPr marL="457200" algn="l" defTabSz="914400" rtl="0" eaLnBrk="1" latinLnBrk="0" hangingPunct="1">
-        <a:defRPr sz="1800" kern="1200">
-          <a:solidFill>
-            <a:schemeClr val="tx1"/>
-          </a:solidFill>
-          <a:latin typeface="+mn-lt"/>
-          <a:ea typeface="+mn-ea"/>
-          <a:cs typeface="+mn-cs"/>
-        </a:defRPr>
-      </a:lvl2pPr>
-      <a:lvl3pPr marL="914400" algn="l" defTabSz="914400" rtl="0" eaLnBrk="1" latinLnBrk="0" hangingPunct="1">
-        <a:defRPr sz="1800" kern="1200">
-          <a:solidFill>
-            <a:schemeClr val="tx1"/>
-          </a:solidFill>
-          <a:latin typeface="+mn-lt"/>
-          <a:ea typeface="+mn-ea"/>
-          <a:cs typeface="+mn-cs"/>
-        </a:defRPr>
-      </a:lvl3pPr>
-      <a:lvl4pPr marL="1371600" algn="l" defTabSz="914400" rtl="0" eaLnBrk="1" latinLnBrk="0" hangingPunct="1">
-        <a:defRPr sz="1800" kern="1200">
-          <a:solidFill>
-            <a:schemeClr val="tx1"/>
-          </a:solidFill>
-          <a:latin typeface="+mn-lt"/>
-          <a:ea typeface="+mn-ea"/>
-          <a:cs typeface="+mn-cs"/>
-        </a:defRPr>
-      </a:lvl4pPr>
-      <a:lvl5pPr marL="1828800" algn="l" defTabSz="914400" rtl="0" eaLnBrk="1" latinLnBrk="0" hangingPunct="1">
-        <a:defRPr sz="1800" kern="1200">
-          <a:solidFill>
-            <a:schemeClr val="tx1"/>
-          </a:solidFill>
-          <a:latin typeface="+mn-lt"/>
-          <a:ea typeface="+mn-ea"/>
-          <a:cs typeface="+mn-cs"/>
-        </a:defRPr>
-      </a:lvl5pPr>
-      <a:lvl6pPr marL="2286000" algn="l" defTabSz="914400" rtl="0" eaLnBrk="1" latinLnBrk="0" hangingPunct="1">
-        <a:defRPr sz="1800" kern="1200">
-          <a:solidFill>
-            <a:schemeClr val="tx1"/>
-          </a:solidFill>
-          <a:latin typeface="+mn-lt"/>
-          <a:ea typeface="+mn-ea"/>
-          <a:cs typeface="+mn-cs"/>
-        </a:defRPr>
-      </a:lvl6pPr>
-      <a:lvl7pPr marL="2743200" algn="l" defTabSz="914400" rtl="0" eaLnBrk="1" latinLnBrk="0" hangingPunct="1">
-        <a:defRPr sz="1800" kern="1200">
-          <a:solidFill>
-            <a:schemeClr val="tx1"/>
-          </a:solidFill>
-          <a:latin typeface="+mn-lt"/>
-          <a:ea typeface="+mn-ea"/>
-          <a:cs typeface="+mn-cs"/>
-        </a:defRPr>
-      </a:lvl7pPr>
-      <a:lvl8pPr marL="3200400" algn="l" defTabSz="914400" rtl="0" eaLnBrk="1" latinLnBrk="0" hangingPunct="1">
-        <a:defRPr sz="1800" kern="1200">
-          <a:solidFill>
-            <a:schemeClr val="tx1"/>
-          </a:solidFill>
-          <a:latin typeface="+mn-lt"/>
-          <a:ea typeface="+mn-ea"/>
-          <a:cs typeface="+mn-cs"/>
-        </a:defRPr>
-      </a:lvl8pPr>
-      <a:lvl9pPr marL="3657600" algn="l" defTabSz="914400" rtl="0" eaLnBrk="1" latinLnBrk="0" hangingPunct="1">
-        <a:defRPr sz="1800" kern="1200">
-          <a:solidFill>
-            <a:schemeClr val="tx1"/>
-          </a:solidFill>
-          <a:latin typeface="+mn-lt"/>
-          <a:ea typeface="+mn-ea"/>
-          <a:cs typeface="+mn-cs"/>
-        </a:defRPr>
-      </a:lvl9pPr>
-    </p:otherStyle>
-  </p:txStyles>
-</p:sldMaster>
-</file>
-
-<file path=ppt/slideMasters/slideMaster6.xml><?xml version="1.0" encoding="utf-8"?>
-<p:sldMaster xmlns:a="http://schemas.openxmlformats.org/drawingml/2006/main" xmlns:r="http://schemas.openxmlformats.org/officeDocument/2006/relationships" xmlns:p="http://schemas.openxmlformats.org/presentationml/2006/main">
-  <p:cSld>
-    <p:bg>
-      <p:bgRef idx="1001">
-        <a:schemeClr val="bg1"/>
-      </p:bgRef>
-    </p:bg>
-    <p:spTree>
-      <p:nvGrpSpPr>
-        <p:cNvPr id="1" name=""/>
-        <p:cNvGrpSpPr/>
-        <p:nvPr/>
-      </p:nvGrpSpPr>
-      <p:grpSpPr>
-        <a:xfrm>
-          <a:off x="0" y="0"/>
-          <a:ext cx="0" cy="0"/>
-          <a:chOff x="0" y="0"/>
-          <a:chExt cx="0" cy="0"/>
-        </a:xfrm>
-      </p:grpSpPr>
-      <p:sp>
-        <p:nvSpPr>
           <p:cNvPr id="209" name="CustomShape 1"/>
           <p:cNvSpPr/>
           <p:nvPr/>
@@ -14251,7 +12036,7 @@
 </p:sldMaster>
 </file>
 
-<file path=ppt/slideMasters/slideMaster7.xml><?xml version="1.0" encoding="utf-8"?>
+<file path=ppt/slideMasters/slideMaster6.xml><?xml version="1.0" encoding="utf-8"?>
 <p:sldMaster xmlns:a="http://schemas.openxmlformats.org/drawingml/2006/main" xmlns:r="http://schemas.openxmlformats.org/officeDocument/2006/relationships" xmlns:p="http://schemas.openxmlformats.org/presentationml/2006/main">
   <p:cSld>
     <p:bg>
@@ -14935,7 +12720,7 @@
       </p:grpSpPr>
       <p:sp>
         <p:nvSpPr>
-          <p:cNvPr id="302" name="CustomShape 1"/>
+          <p:cNvPr id="294" name="CustomShape 1"/>
           <p:cNvSpPr/>
           <p:nvPr/>
         </p:nvSpPr>
@@ -14976,31 +12761,51 @@
               </a:lnSpc>
             </a:pPr>
             <a:r>
-              <a:rPr lang="es-ES" sz="3200" b="1" strike="noStrike" spc="-1">
+              <a:rPr lang="es-ES" sz="3200" b="1" strike="noStrike" spc="-1" dirty="0">
                 <a:solidFill>
                   <a:srgbClr val="FFFFFF"/>
                 </a:solidFill>
                 <a:latin typeface="Source Sans Pro Black"/>
                 <a:ea typeface="DejaVu Sans"/>
               </a:rPr>
-              <a:t>Prototipado interfaz cliente</a:t>
+              <a:t>Requisitos Funcionales - </a:t>
             </a:r>
-            <a:endParaRPr lang="es-ES" sz="3200" b="0" strike="noStrike" spc="-1">
-              <a:latin typeface="Arial"/>
-            </a:endParaRPr>
-          </a:p>
-        </p:txBody>
-      </p:sp>
-      <p:sp>
-        <p:nvSpPr>
-          <p:cNvPr id="303" name="CustomShape 2"/>
+            <a:r>
+              <a:rPr lang="es-ES" sz="3200" b="1" spc="-1" dirty="0">
+                <a:solidFill>
+                  <a:srgbClr val="FFFFFF"/>
+                </a:solidFill>
+                <a:latin typeface="Source Sans Pro Black"/>
+                <a:ea typeface="DejaVu Sans"/>
+              </a:rPr>
+              <a:t>C</a:t>
+            </a:r>
+            <a:r>
+              <a:rPr lang="es-ES" sz="3200" b="1" strike="noStrike" spc="-1" dirty="0">
+                <a:solidFill>
+                  <a:srgbClr val="FFFFFF"/>
+                </a:solidFill>
+                <a:latin typeface="Source Sans Pro Black"/>
+                <a:ea typeface="DejaVu Sans"/>
+              </a:rPr>
+              <a:t>liente</a:t>
+            </a:r>
+            <a:endParaRPr lang="es-ES" sz="3200" b="0" strike="noStrike" spc="-1" dirty="0">
+              <a:latin typeface="Arial"/>
+            </a:endParaRPr>
+          </a:p>
+        </p:txBody>
+      </p:sp>
+      <p:sp>
+        <p:nvSpPr>
+          <p:cNvPr id="295" name="CustomShape 2"/>
           <p:cNvSpPr/>
           <p:nvPr/>
         </p:nvSpPr>
         <p:spPr>
           <a:xfrm>
-            <a:off x="360000" y="1980000"/>
-            <a:ext cx="9178920" cy="2230920"/>
+            <a:off x="450000" y="2191756"/>
+            <a:ext cx="9178920" cy="4678920"/>
           </a:xfrm>
           <a:prstGeom prst="rect">
             <a:avLst/>
@@ -15024,71 +12829,220 @@
         </p:style>
         <p:txBody>
           <a:bodyPr lIns="0" tIns="0" rIns="0" bIns="0">
-            <a:normAutofit/>
-          </a:bodyPr>
-          <a:lstStyle/>
-          <a:p>
-            <a:pPr>
+            <a:normAutofit fontScale="97000"/>
+          </a:bodyPr>
+          <a:lstStyle/>
+          <a:p>
+            <a:pPr marL="216000" indent="-215280">
               <a:lnSpc>
                 <a:spcPct val="100000"/>
               </a:lnSpc>
               <a:spcAft>
                 <a:spcPts val="1142"/>
               </a:spcAft>
+              <a:buClr>
+                <a:srgbClr val="000000"/>
+              </a:buClr>
+              <a:buSzPct val="45000"/>
+              <a:buFont typeface="Wingdings" charset="2"/>
+              <a:buChar char=""/>
             </a:pPr>
             <a:r>
-              <a:rPr lang="es-ES" sz="2600" b="1" strike="noStrike" spc="-1">
+              <a:rPr lang="es-ES" sz="2400" b="1" strike="noStrike" spc="-1" dirty="0">
                 <a:solidFill>
                   <a:srgbClr val="1C1C1C"/>
                 </a:solidFill>
                 <a:latin typeface="Source Sans Pro Semibold"/>
                 <a:ea typeface="DejaVu Sans"/>
               </a:rPr>
-              <a:t>Inicial:</a:t>
+              <a:t> Elección de pagar en cualquier momento.</a:t>
             </a:r>
-            <a:endParaRPr lang="es-ES" sz="2600" b="0" strike="noStrike" spc="-1">
-              <a:latin typeface="Arial"/>
-            </a:endParaRPr>
-          </a:p>
-          <a:p>
-            <a:pPr>
+            <a:endParaRPr lang="es-ES" sz="2400" b="0" strike="noStrike" spc="-1" dirty="0">
+              <a:latin typeface="Arial"/>
+            </a:endParaRPr>
+          </a:p>
+          <a:p>
+            <a:pPr marL="216000" indent="-215280">
               <a:lnSpc>
                 <a:spcPct val="100000"/>
               </a:lnSpc>
               <a:spcAft>
                 <a:spcPts val="1142"/>
               </a:spcAft>
+              <a:buClr>
+                <a:srgbClr val="000000"/>
+              </a:buClr>
+              <a:buSzPct val="45000"/>
+              <a:buFont typeface="Wingdings" charset="2"/>
+              <a:buChar char=""/>
             </a:pPr>
-            <a:endParaRPr lang="es-ES" sz="2600" b="0" strike="noStrike" spc="-1">
-              <a:latin typeface="Arial"/>
-            </a:endParaRPr>
-          </a:p>
-        </p:txBody>
-      </p:sp>
-      <p:pic>
-        <p:nvPicPr>
-          <p:cNvPr id="304" name="Imagen 303"/>
-          <p:cNvPicPr/>
-          <p:nvPr/>
-        </p:nvPicPr>
-        <p:blipFill>
-          <a:blip r:embed="rId2"/>
-          <a:stretch/>
-        </p:blipFill>
-        <p:spPr>
-          <a:xfrm>
-            <a:off x="1728000" y="2485080"/>
-            <a:ext cx="6622920" cy="4137840"/>
-          </a:xfrm>
-          <a:prstGeom prst="rect">
-            <a:avLst/>
-          </a:prstGeom>
-          <a:ln>
-            <a:noFill/>
-          </a:ln>
-        </p:spPr>
-      </p:pic>
+            <a:r>
+              <a:rPr lang="es-ES" sz="2400" b="1" strike="noStrike" spc="-1" dirty="0">
+                <a:solidFill>
+                  <a:srgbClr val="1C1C1C"/>
+                </a:solidFill>
+                <a:latin typeface="Source Sans Pro Semibold"/>
+                <a:ea typeface="DejaVu Sans"/>
+              </a:rPr>
+              <a:t> Diferentes alternativas prefijadas en cada plato.</a:t>
+            </a:r>
+            <a:endParaRPr lang="es-ES" sz="2400" b="0" strike="noStrike" spc="-1" dirty="0">
+              <a:latin typeface="Arial"/>
+            </a:endParaRPr>
+          </a:p>
+          <a:p>
+            <a:pPr marL="216000" indent="-215280">
+              <a:lnSpc>
+                <a:spcPct val="100000"/>
+              </a:lnSpc>
+              <a:spcAft>
+                <a:spcPts val="1142"/>
+              </a:spcAft>
+              <a:buClr>
+                <a:srgbClr val="000000"/>
+              </a:buClr>
+              <a:buSzPct val="45000"/>
+              <a:buFont typeface="Wingdings" charset="2"/>
+              <a:buChar char=""/>
+            </a:pPr>
+            <a:r>
+              <a:rPr lang="es-ES" sz="2400" b="1" strike="noStrike" spc="-1" dirty="0">
+                <a:solidFill>
+                  <a:srgbClr val="1C1C1C"/>
+                </a:solidFill>
+                <a:latin typeface="Source Sans Pro Semibold"/>
+                <a:ea typeface="DejaVu Sans"/>
+              </a:rPr>
+              <a:t> Pago en efectivo o en tarjeta de crédito.</a:t>
+            </a:r>
+            <a:endParaRPr lang="es-ES" sz="2400" b="0" strike="noStrike" spc="-1" dirty="0">
+              <a:latin typeface="Arial"/>
+            </a:endParaRPr>
+          </a:p>
+          <a:p>
+            <a:pPr marL="216000" indent="-215280">
+              <a:lnSpc>
+                <a:spcPct val="100000"/>
+              </a:lnSpc>
+              <a:spcAft>
+                <a:spcPts val="1142"/>
+              </a:spcAft>
+              <a:buClr>
+                <a:srgbClr val="000000"/>
+              </a:buClr>
+              <a:buSzPct val="45000"/>
+              <a:buFont typeface="Wingdings" charset="2"/>
+              <a:buChar char=""/>
+            </a:pPr>
+            <a:r>
+              <a:rPr lang="es-ES" sz="2400" b="1" strike="noStrike" spc="-1" dirty="0">
+                <a:solidFill>
+                  <a:srgbClr val="1C1C1C"/>
+                </a:solidFill>
+                <a:latin typeface="Source Sans Pro Semibold"/>
+                <a:ea typeface="DejaVu Sans"/>
+              </a:rPr>
+              <a:t> Llamar a metre.</a:t>
+            </a:r>
+            <a:endParaRPr lang="es-ES" sz="2400" b="0" strike="noStrike" spc="-1" dirty="0">
+              <a:latin typeface="Arial"/>
+            </a:endParaRPr>
+          </a:p>
+          <a:p>
+            <a:pPr marL="216000" indent="-215280">
+              <a:lnSpc>
+                <a:spcPct val="100000"/>
+              </a:lnSpc>
+              <a:spcAft>
+                <a:spcPts val="1142"/>
+              </a:spcAft>
+              <a:buClr>
+                <a:srgbClr val="000000"/>
+              </a:buClr>
+              <a:buSzPct val="45000"/>
+              <a:buFont typeface="Wingdings" charset="2"/>
+              <a:buChar char=""/>
+            </a:pPr>
+            <a:r>
+              <a:rPr lang="es-ES" sz="2400" b="1" strike="noStrike" spc="-1" dirty="0">
+                <a:solidFill>
+                  <a:srgbClr val="1C1C1C"/>
+                </a:solidFill>
+                <a:latin typeface="Source Sans Pro Semibold"/>
+                <a:ea typeface="DejaVu Sans"/>
+              </a:rPr>
+              <a:t> Ver el estado de los platos (en espera, preparándose, entregado).</a:t>
+            </a:r>
+            <a:endParaRPr lang="es-ES" sz="2400" b="0" strike="noStrike" spc="-1" dirty="0">
+              <a:latin typeface="Arial"/>
+            </a:endParaRPr>
+          </a:p>
+          <a:p>
+            <a:pPr marL="216000" indent="-215280">
+              <a:lnSpc>
+                <a:spcPct val="100000"/>
+              </a:lnSpc>
+              <a:spcAft>
+                <a:spcPts val="1142"/>
+              </a:spcAft>
+              <a:buClr>
+                <a:srgbClr val="000000"/>
+              </a:buClr>
+              <a:buSzPct val="45000"/>
+              <a:buFont typeface="Wingdings" charset="2"/>
+              <a:buChar char=""/>
+            </a:pPr>
+            <a:r>
+              <a:rPr lang="es-ES" sz="2400" b="1" strike="noStrike" spc="-1" dirty="0">
+                <a:solidFill>
+                  <a:srgbClr val="1C1C1C"/>
+                </a:solidFill>
+                <a:latin typeface="Source Sans Pro Semibold"/>
+                <a:ea typeface="DejaVu Sans"/>
+              </a:rPr>
+              <a:t> Puede eliminar pedidos siempre y cuando estén en espera.</a:t>
+            </a:r>
+            <a:endParaRPr lang="es-ES" sz="2400" b="0" strike="noStrike" spc="-1" dirty="0">
+              <a:latin typeface="Arial"/>
+            </a:endParaRPr>
+          </a:p>
+          <a:p>
+            <a:pPr marL="216000" indent="-215280">
+              <a:lnSpc>
+                <a:spcPct val="100000"/>
+              </a:lnSpc>
+              <a:spcAft>
+                <a:spcPts val="1142"/>
+              </a:spcAft>
+              <a:buClr>
+                <a:srgbClr val="000000"/>
+              </a:buClr>
+              <a:buSzPct val="45000"/>
+              <a:buFont typeface="Wingdings" charset="2"/>
+              <a:buChar char=""/>
+            </a:pPr>
+            <a:r>
+              <a:rPr lang="es-ES" sz="2400" b="1" strike="noStrike" spc="-1" dirty="0">
+                <a:solidFill>
+                  <a:srgbClr val="1C1C1C"/>
+                </a:solidFill>
+                <a:latin typeface="Source Sans Pro Semibold"/>
+                <a:ea typeface="DejaVu Sans"/>
+              </a:rPr>
+              <a:t> Se podrá imprimir factura.</a:t>
+            </a:r>
+            <a:endParaRPr lang="es-ES" sz="2400" b="0" strike="noStrike" spc="-1" dirty="0">
+              <a:latin typeface="Arial"/>
+            </a:endParaRPr>
+          </a:p>
+        </p:txBody>
+      </p:sp>
     </p:spTree>
+    <p:extLst>
+      <p:ext uri="{BB962C8B-B14F-4D97-AF65-F5344CB8AC3E}">
+        <p14:creationId xmlns:p14="http://schemas.microsoft.com/office/powerpoint/2010/main" val="2758229511"/>
+      </p:ext>
+    </p:extLst>
   </p:cSld>
   <p:clrMapOvr>
     <a:masterClrMapping/>
@@ -15115,14 +13069,14 @@
       </p:grpSpPr>
       <p:sp>
         <p:nvSpPr>
-          <p:cNvPr id="305" name="CustomShape 1"/>
+          <p:cNvPr id="296" name="CustomShape 1"/>
           <p:cNvSpPr/>
           <p:nvPr/>
         </p:nvSpPr>
         <p:spPr>
           <a:xfrm>
-            <a:off x="360000" y="360000"/>
-            <a:ext cx="9358920" cy="898920"/>
+            <a:off x="360000" y="900755"/>
+            <a:ext cx="9358920" cy="803354"/>
           </a:xfrm>
           <a:prstGeom prst="rect">
             <a:avLst/>
@@ -15156,31 +13110,38 @@
               </a:lnSpc>
             </a:pPr>
             <a:r>
-              <a:rPr lang="es-ES" sz="3200" b="1" strike="noStrike" spc="-1">
+              <a:rPr lang="es-ES" sz="3200" b="1" strike="noStrike" spc="-1" dirty="0">
                 <a:solidFill>
                   <a:srgbClr val="FFFFFF"/>
                 </a:solidFill>
                 <a:latin typeface="Source Sans Pro Black"/>
                 <a:ea typeface="DejaVu Sans"/>
               </a:rPr>
-              <a:t>Prototipado interfaz cliente</a:t>
+              <a:t>Requisitos Funcionales – Personal</a:t>
             </a:r>
-            <a:endParaRPr lang="es-ES" sz="3200" b="0" strike="noStrike" spc="-1">
-              <a:latin typeface="Arial"/>
-            </a:endParaRPr>
-          </a:p>
-        </p:txBody>
-      </p:sp>
-      <p:sp>
-        <p:nvSpPr>
-          <p:cNvPr id="306" name="CustomShape 2"/>
+          </a:p>
+          <a:p>
+            <a:pPr>
+              <a:lnSpc>
+                <a:spcPct val="100000"/>
+              </a:lnSpc>
+            </a:pPr>
+            <a:endParaRPr lang="es-ES" sz="3200" b="0" strike="noStrike" spc="-1" dirty="0">
+              <a:latin typeface="Arial"/>
+            </a:endParaRPr>
+          </a:p>
+        </p:txBody>
+      </p:sp>
+      <p:sp>
+        <p:nvSpPr>
+          <p:cNvPr id="297" name="CustomShape 2"/>
           <p:cNvSpPr/>
           <p:nvPr/>
         </p:nvSpPr>
         <p:spPr>
           <a:xfrm>
             <a:off x="360000" y="1980000"/>
-            <a:ext cx="9178920" cy="2230920"/>
+            <a:ext cx="9178920" cy="4678920"/>
           </a:xfrm>
           <a:prstGeom prst="rect">
             <a:avLst/>
@@ -15208,53 +13169,216 @@
           </a:bodyPr>
           <a:lstStyle/>
           <a:p>
-            <a:pPr>
+            <a:pPr marL="216000" indent="-215280">
               <a:lnSpc>
                 <a:spcPct val="100000"/>
               </a:lnSpc>
               <a:spcAft>
                 <a:spcPts val="1142"/>
               </a:spcAft>
+              <a:buClr>
+                <a:srgbClr val="000000"/>
+              </a:buClr>
+              <a:buSzPct val="45000"/>
+              <a:buFont typeface="Wingdings" charset="2"/>
+              <a:buChar char=""/>
             </a:pPr>
             <a:r>
-              <a:rPr lang="es-ES" sz="2600" b="1" strike="noStrike" spc="-1">
+              <a:rPr lang="es-ES" sz="2400" b="1" strike="noStrike" spc="-1" dirty="0">
                 <a:solidFill>
                   <a:srgbClr val="1C1C1C"/>
                 </a:solidFill>
                 <a:latin typeface="Source Sans Pro Semibold"/>
                 <a:ea typeface="DejaVu Sans"/>
               </a:rPr>
-              <a:t>Carta:</a:t>
+              <a:t>Información completa de cada plato.</a:t>
             </a:r>
-            <a:endParaRPr lang="es-ES" sz="2600" b="0" strike="noStrike" spc="-1">
-              <a:latin typeface="Arial"/>
-            </a:endParaRPr>
-          </a:p>
-        </p:txBody>
-      </p:sp>
-      <p:pic>
-        <p:nvPicPr>
-          <p:cNvPr id="307" name="Imagen 306"/>
-          <p:cNvPicPr/>
-          <p:nvPr/>
-        </p:nvPicPr>
-        <p:blipFill>
-          <a:blip r:embed="rId2"/>
-          <a:stretch/>
-        </p:blipFill>
-        <p:spPr>
-          <a:xfrm>
-            <a:off x="1800000" y="2304000"/>
-            <a:ext cx="6550920" cy="4089960"/>
-          </a:xfrm>
-          <a:prstGeom prst="rect">
-            <a:avLst/>
-          </a:prstGeom>
-          <a:ln>
-            <a:noFill/>
-          </a:ln>
-        </p:spPr>
-      </p:pic>
+          </a:p>
+          <a:p>
+            <a:pPr marL="216000" indent="-215280">
+              <a:lnSpc>
+                <a:spcPct val="100000"/>
+              </a:lnSpc>
+              <a:spcAft>
+                <a:spcPts val="1142"/>
+              </a:spcAft>
+              <a:buClr>
+                <a:srgbClr val="000000"/>
+              </a:buClr>
+              <a:buSzPct val="45000"/>
+              <a:buFont typeface="Wingdings" charset="2"/>
+              <a:buChar char=""/>
+            </a:pPr>
+            <a:endParaRPr lang="es-ES" sz="2400" b="0" strike="noStrike" spc="-1" dirty="0">
+              <a:latin typeface="Arial"/>
+            </a:endParaRPr>
+          </a:p>
+          <a:p>
+            <a:pPr marL="216000" indent="-215280">
+              <a:lnSpc>
+                <a:spcPct val="100000"/>
+              </a:lnSpc>
+              <a:spcAft>
+                <a:spcPts val="1142"/>
+              </a:spcAft>
+              <a:buClr>
+                <a:srgbClr val="000000"/>
+              </a:buClr>
+              <a:buSzPct val="45000"/>
+              <a:buFont typeface="Wingdings" charset="2"/>
+              <a:buChar char=""/>
+            </a:pPr>
+            <a:r>
+              <a:rPr lang="es-ES" sz="2400" b="1" strike="noStrike" spc="-1" dirty="0">
+                <a:solidFill>
+                  <a:srgbClr val="1C1C1C"/>
+                </a:solidFill>
+                <a:latin typeface="Source Sans Pro Semibold"/>
+                <a:ea typeface="DejaVu Sans"/>
+              </a:rPr>
+              <a:t>Comandas agrupadas por mesa.</a:t>
+            </a:r>
+          </a:p>
+          <a:p>
+            <a:pPr marL="216000" indent="-215280">
+              <a:lnSpc>
+                <a:spcPct val="100000"/>
+              </a:lnSpc>
+              <a:spcAft>
+                <a:spcPts val="1142"/>
+              </a:spcAft>
+              <a:buClr>
+                <a:srgbClr val="000000"/>
+              </a:buClr>
+              <a:buSzPct val="45000"/>
+              <a:buFont typeface="Wingdings" charset="2"/>
+              <a:buChar char=""/>
+            </a:pPr>
+            <a:endParaRPr lang="es-ES" sz="2400" b="0" strike="noStrike" spc="-1" dirty="0">
+              <a:latin typeface="Arial"/>
+            </a:endParaRPr>
+          </a:p>
+          <a:p>
+            <a:pPr marL="216000" indent="-215280">
+              <a:lnSpc>
+                <a:spcPct val="100000"/>
+              </a:lnSpc>
+              <a:spcAft>
+                <a:spcPts val="1142"/>
+              </a:spcAft>
+              <a:buClr>
+                <a:srgbClr val="000000"/>
+              </a:buClr>
+              <a:buSzPct val="45000"/>
+              <a:buFont typeface="Wingdings" charset="2"/>
+              <a:buChar char=""/>
+            </a:pPr>
+            <a:r>
+              <a:rPr lang="es-ES" sz="2400" b="1" strike="noStrike" spc="-1" dirty="0">
+                <a:solidFill>
+                  <a:srgbClr val="1C1C1C"/>
+                </a:solidFill>
+                <a:latin typeface="Source Sans Pro Semibold"/>
+                <a:ea typeface="DejaVu Sans"/>
+              </a:rPr>
+              <a:t>Debe ordenarse cada plato según cuando se pidió.</a:t>
+            </a:r>
+          </a:p>
+          <a:p>
+            <a:pPr marL="216000" indent="-215280">
+              <a:lnSpc>
+                <a:spcPct val="100000"/>
+              </a:lnSpc>
+              <a:spcAft>
+                <a:spcPts val="1142"/>
+              </a:spcAft>
+              <a:buClr>
+                <a:srgbClr val="000000"/>
+              </a:buClr>
+              <a:buSzPct val="45000"/>
+              <a:buFont typeface="Wingdings" charset="2"/>
+              <a:buChar char=""/>
+            </a:pPr>
+            <a:endParaRPr lang="es-ES" sz="2400" b="0" strike="noStrike" spc="-1" dirty="0">
+              <a:latin typeface="Arial"/>
+            </a:endParaRPr>
+          </a:p>
+          <a:p>
+            <a:pPr marL="216000" indent="-215280">
+              <a:lnSpc>
+                <a:spcPct val="100000"/>
+              </a:lnSpc>
+              <a:spcAft>
+                <a:spcPts val="1142"/>
+              </a:spcAft>
+              <a:buClr>
+                <a:srgbClr val="000000"/>
+              </a:buClr>
+              <a:buSzPct val="45000"/>
+              <a:buFont typeface="Wingdings" charset="2"/>
+              <a:buChar char=""/>
+            </a:pPr>
+            <a:r>
+              <a:rPr lang="es-ES" sz="2400" b="1" strike="noStrike" spc="-1" dirty="0">
+                <a:solidFill>
+                  <a:srgbClr val="1C1C1C"/>
+                </a:solidFill>
+                <a:latin typeface="Source Sans Pro Semibold"/>
+                <a:ea typeface="DejaVu Sans"/>
+              </a:rPr>
+              <a:t>Los platos de una misma mesa deben llegar a la vez.</a:t>
+            </a:r>
+          </a:p>
+          <a:p>
+            <a:pPr marL="216000" indent="-215280">
+              <a:lnSpc>
+                <a:spcPct val="100000"/>
+              </a:lnSpc>
+              <a:spcAft>
+                <a:spcPts val="1142"/>
+              </a:spcAft>
+              <a:buClr>
+                <a:srgbClr val="000000"/>
+              </a:buClr>
+              <a:buSzPct val="45000"/>
+              <a:buFont typeface="Wingdings" charset="2"/>
+              <a:buChar char=""/>
+            </a:pPr>
+            <a:endParaRPr lang="es-ES" sz="2400" b="0" strike="noStrike" spc="-1" dirty="0">
+              <a:latin typeface="Arial"/>
+            </a:endParaRPr>
+          </a:p>
+          <a:p>
+            <a:pPr marL="216000" indent="-215280">
+              <a:lnSpc>
+                <a:spcPct val="100000"/>
+              </a:lnSpc>
+              <a:spcAft>
+                <a:spcPts val="1142"/>
+              </a:spcAft>
+              <a:buClr>
+                <a:srgbClr val="000000"/>
+              </a:buClr>
+              <a:buSzPct val="45000"/>
+              <a:buFont typeface="Wingdings" charset="2"/>
+              <a:buChar char=""/>
+            </a:pPr>
+            <a:r>
+              <a:rPr lang="es-ES" sz="2400" b="1" strike="noStrike" spc="-1" dirty="0">
+                <a:solidFill>
+                  <a:srgbClr val="1C1C1C"/>
+                </a:solidFill>
+                <a:latin typeface="Source Sans Pro Semibold"/>
+                <a:ea typeface="DejaVu Sans"/>
+              </a:rPr>
+              <a:t>Los metres pueden modificar o eliminar comandas.</a:t>
+            </a:r>
+            <a:endParaRPr lang="es-ES" sz="2400" b="0" strike="noStrike" spc="-1" dirty="0">
+              <a:latin typeface="Arial"/>
+            </a:endParaRPr>
+          </a:p>
+        </p:txBody>
+      </p:sp>
     </p:spTree>
   </p:cSld>
   <p:clrMapOvr>
@@ -15282,7 +13406,7 @@
       </p:grpSpPr>
       <p:sp>
         <p:nvSpPr>
-          <p:cNvPr id="308" name="CustomShape 1"/>
+          <p:cNvPr id="298" name="CustomShape 1"/>
           <p:cNvSpPr/>
           <p:nvPr/>
         </p:nvSpPr>
@@ -15323,31 +13447,31 @@
               </a:lnSpc>
             </a:pPr>
             <a:r>
-              <a:rPr lang="es-ES" sz="3200" b="1" strike="noStrike" spc="-1">
+              <a:rPr lang="es-ES" sz="3200" b="1" strike="noStrike" spc="-1" dirty="0">
                 <a:solidFill>
                   <a:srgbClr val="FFFFFF"/>
                 </a:solidFill>
                 <a:latin typeface="Source Sans Pro Black"/>
                 <a:ea typeface="DejaVu Sans"/>
               </a:rPr>
-              <a:t>Prototipado interfaz cliente</a:t>
+              <a:t>Requisitos Funcionales - Gestión</a:t>
             </a:r>
-            <a:endParaRPr lang="es-ES" sz="3200" b="0" strike="noStrike" spc="-1">
-              <a:latin typeface="Arial"/>
-            </a:endParaRPr>
-          </a:p>
-        </p:txBody>
-      </p:sp>
-      <p:sp>
-        <p:nvSpPr>
-          <p:cNvPr id="309" name="CustomShape 2"/>
+            <a:endParaRPr lang="es-ES" sz="3200" b="0" strike="noStrike" spc="-1" dirty="0">
+              <a:latin typeface="Arial"/>
+            </a:endParaRPr>
+          </a:p>
+        </p:txBody>
+      </p:sp>
+      <p:sp>
+        <p:nvSpPr>
+          <p:cNvPr id="299" name="CustomShape 2"/>
           <p:cNvSpPr/>
           <p:nvPr/>
         </p:nvSpPr>
         <p:spPr>
           <a:xfrm>
             <a:off x="360000" y="1980000"/>
-            <a:ext cx="9178920" cy="2230920"/>
+            <a:ext cx="9178920" cy="4678920"/>
           </a:xfrm>
           <a:prstGeom prst="rect">
             <a:avLst/>
@@ -15375,53 +13499,226 @@
           </a:bodyPr>
           <a:lstStyle/>
           <a:p>
-            <a:pPr>
+            <a:pPr marL="216000" indent="-215280">
               <a:lnSpc>
                 <a:spcPct val="100000"/>
               </a:lnSpc>
               <a:spcAft>
                 <a:spcPts val="1142"/>
               </a:spcAft>
+              <a:buClr>
+                <a:srgbClr val="000000"/>
+              </a:buClr>
+              <a:buSzPct val="45000"/>
+              <a:buFont typeface="Wingdings" charset="2"/>
+              <a:buChar char=""/>
             </a:pPr>
             <a:r>
-              <a:rPr lang="es-ES" sz="2600" b="1" strike="noStrike" spc="-1">
+              <a:rPr lang="es-ES" sz="2400" b="1" strike="noStrike" spc="-1" dirty="0">
                 <a:solidFill>
                   <a:srgbClr val="1C1C1C"/>
                 </a:solidFill>
                 <a:latin typeface="Source Sans Pro Semibold"/>
                 <a:ea typeface="DejaVu Sans"/>
               </a:rPr>
-              <a:t>Estado del pedido:</a:t>
+              <a:t>Registro de clientes</a:t>
             </a:r>
-            <a:endParaRPr lang="es-ES" sz="2600" b="0" strike="noStrike" spc="-1">
-              <a:latin typeface="Arial"/>
-            </a:endParaRPr>
-          </a:p>
-        </p:txBody>
-      </p:sp>
-      <p:pic>
-        <p:nvPicPr>
-          <p:cNvPr id="310" name="Imagen 309"/>
-          <p:cNvPicPr/>
-          <p:nvPr/>
-        </p:nvPicPr>
-        <p:blipFill>
-          <a:blip r:embed="rId2"/>
-          <a:stretch/>
-        </p:blipFill>
-        <p:spPr>
-          <a:xfrm>
-            <a:off x="1940400" y="2520000"/>
-            <a:ext cx="6338520" cy="3958920"/>
-          </a:xfrm>
-          <a:prstGeom prst="rect">
-            <a:avLst/>
-          </a:prstGeom>
-          <a:ln>
-            <a:noFill/>
-          </a:ln>
-        </p:spPr>
-      </p:pic>
+          </a:p>
+          <a:p>
+            <a:pPr marL="216000" indent="-215280">
+              <a:lnSpc>
+                <a:spcPct val="100000"/>
+              </a:lnSpc>
+              <a:spcAft>
+                <a:spcPts val="1142"/>
+              </a:spcAft>
+              <a:buClr>
+                <a:srgbClr val="000000"/>
+              </a:buClr>
+              <a:buSzPct val="45000"/>
+              <a:buFont typeface="Wingdings" charset="2"/>
+              <a:buChar char=""/>
+            </a:pPr>
+            <a:endParaRPr lang="es-ES" sz="2400" b="0" strike="noStrike" spc="-1" dirty="0">
+              <a:latin typeface="Arial"/>
+            </a:endParaRPr>
+          </a:p>
+          <a:p>
+            <a:pPr marL="216000" indent="-215280">
+              <a:lnSpc>
+                <a:spcPct val="100000"/>
+              </a:lnSpc>
+              <a:spcAft>
+                <a:spcPts val="1142"/>
+              </a:spcAft>
+              <a:buClr>
+                <a:srgbClr val="000000"/>
+              </a:buClr>
+              <a:buSzPct val="45000"/>
+              <a:buFont typeface="Wingdings" charset="2"/>
+              <a:buChar char=""/>
+            </a:pPr>
+            <a:r>
+              <a:rPr lang="es-ES" sz="2400" b="1" strike="noStrike" spc="-1" dirty="0">
+                <a:solidFill>
+                  <a:srgbClr val="1C1C1C"/>
+                </a:solidFill>
+                <a:latin typeface="Source Sans Pro Semibold"/>
+                <a:ea typeface="DejaVu Sans"/>
+              </a:rPr>
+              <a:t>Ofrecer estadísticas a raíz de ese registro</a:t>
+            </a:r>
+          </a:p>
+          <a:p>
+            <a:pPr marL="216000" indent="-215280">
+              <a:lnSpc>
+                <a:spcPct val="100000"/>
+              </a:lnSpc>
+              <a:spcAft>
+                <a:spcPts val="1142"/>
+              </a:spcAft>
+              <a:buClr>
+                <a:srgbClr val="000000"/>
+              </a:buClr>
+              <a:buSzPct val="45000"/>
+              <a:buFont typeface="Wingdings" charset="2"/>
+              <a:buChar char=""/>
+            </a:pPr>
+            <a:endParaRPr lang="es-ES" sz="2400" b="0" strike="noStrike" spc="-1" dirty="0">
+              <a:latin typeface="Arial"/>
+            </a:endParaRPr>
+          </a:p>
+          <a:p>
+            <a:pPr marL="216000" indent="-215280">
+              <a:lnSpc>
+                <a:spcPct val="100000"/>
+              </a:lnSpc>
+              <a:spcAft>
+                <a:spcPts val="1142"/>
+              </a:spcAft>
+              <a:buClr>
+                <a:srgbClr val="000000"/>
+              </a:buClr>
+              <a:buSzPct val="45000"/>
+              <a:buFont typeface="Wingdings" charset="2"/>
+              <a:buChar char=""/>
+            </a:pPr>
+            <a:r>
+              <a:rPr lang="es-ES" sz="2400" b="1" strike="noStrike" spc="-1" dirty="0">
+                <a:solidFill>
+                  <a:srgbClr val="1C1C1C"/>
+                </a:solidFill>
+                <a:latin typeface="Source Sans Pro Semibold"/>
+                <a:ea typeface="DejaVu Sans"/>
+              </a:rPr>
+              <a:t>En sala: Camareros y metres</a:t>
+            </a:r>
+          </a:p>
+          <a:p>
+            <a:pPr marL="216000" indent="-215280">
+              <a:lnSpc>
+                <a:spcPct val="100000"/>
+              </a:lnSpc>
+              <a:spcAft>
+                <a:spcPts val="1142"/>
+              </a:spcAft>
+              <a:buClr>
+                <a:srgbClr val="000000"/>
+              </a:buClr>
+              <a:buSzPct val="45000"/>
+              <a:buFont typeface="Wingdings" charset="2"/>
+              <a:buChar char=""/>
+            </a:pPr>
+            <a:endParaRPr lang="es-ES" sz="2400" b="0" strike="noStrike" spc="-1" dirty="0">
+              <a:latin typeface="Arial"/>
+            </a:endParaRPr>
+          </a:p>
+          <a:p>
+            <a:pPr marL="216000" indent="-215280">
+              <a:lnSpc>
+                <a:spcPct val="100000"/>
+              </a:lnSpc>
+              <a:spcAft>
+                <a:spcPts val="1142"/>
+              </a:spcAft>
+              <a:buClr>
+                <a:srgbClr val="000000"/>
+              </a:buClr>
+              <a:buSzPct val="45000"/>
+              <a:buFont typeface="Wingdings" charset="2"/>
+              <a:buChar char=""/>
+            </a:pPr>
+            <a:r>
+              <a:rPr lang="es-ES" sz="2400" b="1" strike="noStrike" spc="-1" dirty="0">
+                <a:solidFill>
+                  <a:srgbClr val="1C1C1C"/>
+                </a:solidFill>
+                <a:latin typeface="Source Sans Pro Semibold"/>
+                <a:ea typeface="DejaVu Sans"/>
+              </a:rPr>
+              <a:t>Tres estados de mesa: disponible, ocupada y por limpiar</a:t>
+            </a:r>
+          </a:p>
+          <a:p>
+            <a:pPr marL="216000" indent="-215280">
+              <a:lnSpc>
+                <a:spcPct val="100000"/>
+              </a:lnSpc>
+              <a:spcAft>
+                <a:spcPts val="1142"/>
+              </a:spcAft>
+              <a:buClr>
+                <a:srgbClr val="000000"/>
+              </a:buClr>
+              <a:buSzPct val="45000"/>
+              <a:buFont typeface="Wingdings" charset="2"/>
+              <a:buChar char=""/>
+            </a:pPr>
+            <a:endParaRPr lang="es-ES" sz="2400" b="0" strike="noStrike" spc="-1" dirty="0">
+              <a:latin typeface="Arial"/>
+            </a:endParaRPr>
+          </a:p>
+          <a:p>
+            <a:pPr marL="216000" indent="-215280">
+              <a:lnSpc>
+                <a:spcPct val="100000"/>
+              </a:lnSpc>
+              <a:spcAft>
+                <a:spcPts val="1142"/>
+              </a:spcAft>
+              <a:buClr>
+                <a:srgbClr val="000000"/>
+              </a:buClr>
+              <a:buSzPct val="45000"/>
+              <a:buFont typeface="Wingdings" charset="2"/>
+              <a:buChar char=""/>
+            </a:pPr>
+            <a:r>
+              <a:rPr lang="es-ES" sz="2400" b="1" strike="noStrike" spc="-1" dirty="0" err="1">
+                <a:solidFill>
+                  <a:srgbClr val="1C1C1C"/>
+                </a:solidFill>
+                <a:latin typeface="Source Sans Pro Semibold"/>
+                <a:ea typeface="DejaVu Sans"/>
+              </a:rPr>
+              <a:t>Superusuario</a:t>
+            </a:r>
+            <a:r>
+              <a:rPr lang="es-ES" sz="2400" b="1" strike="noStrike" spc="-1" dirty="0">
+                <a:solidFill>
+                  <a:srgbClr val="1C1C1C"/>
+                </a:solidFill>
+                <a:latin typeface="Source Sans Pro Semibold"/>
+                <a:ea typeface="DejaVu Sans"/>
+              </a:rPr>
+              <a:t> encargado de administrar cuentas</a:t>
+            </a:r>
+            <a:endParaRPr lang="es-ES" sz="2400" b="0" strike="noStrike" spc="-1" dirty="0">
+              <a:latin typeface="Arial"/>
+            </a:endParaRPr>
+          </a:p>
+        </p:txBody>
+      </p:sp>
     </p:spTree>
   </p:cSld>
   <p:clrMapOvr>
@@ -15449,7 +13746,7 @@
       </p:grpSpPr>
       <p:sp>
         <p:nvSpPr>
-          <p:cNvPr id="311" name="CustomShape 1"/>
+          <p:cNvPr id="300" name="CustomShape 1"/>
           <p:cNvSpPr/>
           <p:nvPr/>
         </p:nvSpPr>
@@ -15490,16 +13787,36 @@
               </a:lnSpc>
             </a:pPr>
             <a:r>
-              <a:rPr lang="es-ES" sz="3200" b="1" strike="noStrike" spc="-1">
+              <a:rPr lang="es-ES" sz="3200" b="1" strike="noStrike" spc="-1" dirty="0">
                 <a:solidFill>
                   <a:srgbClr val="FFFFFF"/>
                 </a:solidFill>
                 <a:latin typeface="Source Sans Pro Black"/>
                 <a:ea typeface="DejaVu Sans"/>
               </a:rPr>
-              <a:t>Caso de uso personal</a:t>
+              <a:t>Caso de Uso - </a:t>
             </a:r>
-            <a:endParaRPr lang="es-ES" sz="3200" b="0" strike="noStrike" spc="-1">
+            <a:r>
+              <a:rPr lang="es-ES" sz="3200" b="1" spc="-1" dirty="0">
+                <a:solidFill>
+                  <a:srgbClr val="FFFFFF"/>
+                </a:solidFill>
+                <a:latin typeface="Source Sans Pro Black"/>
+                <a:ea typeface="DejaVu Sans"/>
+              </a:rPr>
+              <a:t>C</a:t>
+            </a:r>
+            <a:r>
+              <a:rPr lang="es-ES" sz="3200" b="1" strike="noStrike" spc="-1" dirty="0">
+                <a:solidFill>
+                  <a:srgbClr val="FFFFFF"/>
+                </a:solidFill>
+                <a:latin typeface="Source Sans Pro Black"/>
+                <a:ea typeface="DejaVu Sans"/>
+              </a:rPr>
+              <a:t>liente</a:t>
+            </a:r>
+            <a:endParaRPr lang="es-ES" sz="3200" b="0" strike="noStrike" spc="-1" dirty="0">
               <a:latin typeface="Arial"/>
             </a:endParaRPr>
           </a:p>
@@ -15507,10 +13824,10 @@
       </p:sp>
       <p:pic>
         <p:nvPicPr>
-          <p:cNvPr id="3" name="Imagen 2">
+          <p:cNvPr id="6" name="Imagen 5" descr="Imagen que contiene texto, mapa&#10;&#10;Descripción generada automáticamente">
             <a:extLst>
               <a:ext uri="{FF2B5EF4-FFF2-40B4-BE49-F238E27FC236}">
-                <a16:creationId xmlns:a16="http://schemas.microsoft.com/office/drawing/2014/main" id="{D11ED711-0A1D-47AD-BD22-A5210C9D051F}"/>
+                <a16:creationId xmlns:a16="http://schemas.microsoft.com/office/drawing/2014/main" id="{DEB7751E-4CC8-48DB-9DDE-94660D801336}"/>
               </a:ext>
             </a:extLst>
           </p:cNvPr>
@@ -15533,8 +13850,8 @@
         </p:blipFill>
         <p:spPr>
           <a:xfrm>
-            <a:off x="80608" y="1560630"/>
-            <a:ext cx="9919408" cy="4438414"/>
+            <a:off x="0" y="1455174"/>
+            <a:ext cx="10080625" cy="5329084"/>
           </a:xfrm>
           <a:prstGeom prst="rect">
             <a:avLst/>
@@ -15568,7 +13885,7 @@
       </p:grpSpPr>
       <p:sp>
         <p:nvSpPr>
-          <p:cNvPr id="313" name="CustomShape 1"/>
+          <p:cNvPr id="311" name="CustomShape 1"/>
           <p:cNvSpPr/>
           <p:nvPr/>
         </p:nvSpPr>
@@ -15609,77 +13926,36 @@
               </a:lnSpc>
             </a:pPr>
             <a:r>
-              <a:rPr lang="es-ES" sz="3200" b="1" strike="noStrike" spc="-1">
+              <a:rPr lang="es-ES" sz="3200" b="1" strike="noStrike" spc="-1" dirty="0">
                 <a:solidFill>
                   <a:srgbClr val="FFFFFF"/>
                 </a:solidFill>
                 <a:latin typeface="Source Sans Pro Black"/>
                 <a:ea typeface="DejaVu Sans"/>
               </a:rPr>
-              <a:t>Prototipo interfaz personal</a:t>
+              <a:t>Caso de Uso - </a:t>
             </a:r>
-            <a:endParaRPr lang="es-ES" sz="3200" b="0" strike="noStrike" spc="-1">
-              <a:latin typeface="Arial"/>
-            </a:endParaRPr>
-          </a:p>
-        </p:txBody>
-      </p:sp>
-      <p:sp>
-        <p:nvSpPr>
-          <p:cNvPr id="314" name="CustomShape 2"/>
-          <p:cNvSpPr/>
-          <p:nvPr/>
-        </p:nvSpPr>
-        <p:spPr>
-          <a:xfrm>
-            <a:off x="360000" y="1980000"/>
-            <a:ext cx="9178920" cy="2230920"/>
-          </a:xfrm>
-          <a:prstGeom prst="rect">
-            <a:avLst/>
-          </a:prstGeom>
-          <a:noFill/>
-          <a:ln>
-            <a:noFill/>
-          </a:ln>
-        </p:spPr>
-        <p:style>
-          <a:lnRef idx="0">
-            <a:scrgbClr r="0" g="0" b="0"/>
-          </a:lnRef>
-          <a:fillRef idx="0">
-            <a:scrgbClr r="0" g="0" b="0"/>
-          </a:fillRef>
-          <a:effectRef idx="0">
-            <a:scrgbClr r="0" g="0" b="0"/>
-          </a:effectRef>
-          <a:fontRef idx="minor"/>
-        </p:style>
-        <p:txBody>
-          <a:bodyPr lIns="0" tIns="0" rIns="0" bIns="0">
-            <a:normAutofit/>
-          </a:bodyPr>
-          <a:lstStyle/>
-          <a:p>
-            <a:pPr>
-              <a:lnSpc>
-                <a:spcPct val="100000"/>
-              </a:lnSpc>
-              <a:spcAft>
-                <a:spcPts val="1142"/>
-              </a:spcAft>
-            </a:pPr>
             <a:r>
-              <a:rPr lang="es-ES" sz="2600" b="1" strike="noStrike" spc="-1">
+              <a:rPr lang="es-ES" sz="3200" b="1" spc="-1" dirty="0">
                 <a:solidFill>
-                  <a:srgbClr val="1C1C1C"/>
+                  <a:srgbClr val="FFFFFF"/>
                 </a:solidFill>
-                <a:latin typeface="Source Sans Pro Semibold"/>
+                <a:latin typeface="Source Sans Pro Black"/>
                 <a:ea typeface="DejaVu Sans"/>
               </a:rPr>
-              <a:t>Interfaz del personal:</a:t>
+              <a:t>P</a:t>
             </a:r>
-            <a:endParaRPr lang="es-ES" sz="2600" b="0" strike="noStrike" spc="-1">
+            <a:r>
+              <a:rPr lang="es-ES" sz="3200" b="1" strike="noStrike" spc="-1" dirty="0">
+                <a:solidFill>
+                  <a:srgbClr val="FFFFFF"/>
+                </a:solidFill>
+                <a:latin typeface="Source Sans Pro Black"/>
+                <a:ea typeface="DejaVu Sans"/>
+              </a:rPr>
+              <a:t>ersonal</a:t>
+            </a:r>
+            <a:endParaRPr lang="es-ES" sz="3200" b="0" strike="noStrike" spc="-1" dirty="0">
               <a:latin typeface="Arial"/>
             </a:endParaRPr>
           </a:p>
@@ -15687,7 +13963,7 @@
       </p:sp>
       <p:pic>
         <p:nvPicPr>
-          <p:cNvPr id="315" name="Imagen 314"/>
+          <p:cNvPr id="312" name="Imagen 311"/>
           <p:cNvPicPr/>
           <p:nvPr/>
         </p:nvPicPr>
@@ -15697,8 +13973,8 @@
         </p:blipFill>
         <p:spPr>
           <a:xfrm>
-            <a:off x="1728000" y="2432160"/>
-            <a:ext cx="6334920" cy="3974760"/>
+            <a:off x="360000" y="2102040"/>
+            <a:ext cx="9178920" cy="4434480"/>
           </a:xfrm>
           <a:prstGeom prst="rect">
             <a:avLst/>
@@ -15706,6 +13982,42 @@
           <a:ln>
             <a:noFill/>
           </a:ln>
+        </p:spPr>
+      </p:pic>
+      <p:pic>
+        <p:nvPicPr>
+          <p:cNvPr id="4" name="Imagen 3">
+            <a:extLst>
+              <a:ext uri="{FF2B5EF4-FFF2-40B4-BE49-F238E27FC236}">
+                <a16:creationId xmlns:a16="http://schemas.microsoft.com/office/drawing/2014/main" id="{D11ED711-0A1D-47AD-BD22-A5210C9D051F}"/>
+              </a:ext>
+            </a:extLst>
+          </p:cNvPr>
+          <p:cNvPicPr>
+            <a:picLocks noChangeAspect="1"/>
+          </p:cNvPicPr>
+          <p:nvPr/>
+        </p:nvPicPr>
+        <p:blipFill>
+          <a:blip r:embed="rId3">
+            <a:extLst>
+              <a:ext uri="{28A0092B-C50C-407E-A947-70E740481C1C}">
+                <a14:useLocalDpi xmlns:a14="http://schemas.microsoft.com/office/drawing/2010/main" val="0"/>
+              </a:ext>
+            </a:extLst>
+          </a:blip>
+          <a:stretch>
+            <a:fillRect/>
+          </a:stretch>
+        </p:blipFill>
+        <p:spPr>
+          <a:xfrm>
+            <a:off x="0" y="2098106"/>
+            <a:ext cx="9919408" cy="4438414"/>
+          </a:xfrm>
+          <a:prstGeom prst="rect">
+            <a:avLst/>
+          </a:prstGeom>
         </p:spPr>
       </p:pic>
     </p:spTree>
@@ -15776,16 +14088,16 @@
               </a:lnSpc>
             </a:pPr>
             <a:r>
-              <a:rPr lang="es-ES" sz="3200" b="1" strike="noStrike" spc="-1">
+              <a:rPr lang="es-ES" sz="3200" b="1" strike="noStrike" spc="-1" dirty="0">
                 <a:solidFill>
                   <a:srgbClr val="FFFFFF"/>
                 </a:solidFill>
                 <a:latin typeface="Source Sans Pro Black"/>
                 <a:ea typeface="DejaVu Sans"/>
               </a:rPr>
-              <a:t>Caso de uso gerente</a:t>
+              <a:t>Caso de Uso - Gerente</a:t>
             </a:r>
-            <a:endParaRPr lang="es-ES" sz="3200" b="0" strike="noStrike" spc="-1">
+            <a:endParaRPr lang="es-ES" sz="3200" b="0" strike="noStrike" spc="-1" dirty="0">
               <a:latin typeface="Arial"/>
             </a:endParaRPr>
           </a:p>
@@ -15793,7 +14105,30 @@
       </p:sp>
       <p:pic>
         <p:nvPicPr>
-          <p:cNvPr id="3" name="Imagen 2">
+          <p:cNvPr id="317" name="Imagen 316"/>
+          <p:cNvPicPr/>
+          <p:nvPr/>
+        </p:nvPicPr>
+        <p:blipFill>
+          <a:blip r:embed="rId2"/>
+          <a:stretch/>
+        </p:blipFill>
+        <p:spPr>
+          <a:xfrm>
+            <a:off x="1872000" y="1512000"/>
+            <a:ext cx="6377760" cy="5182920"/>
+          </a:xfrm>
+          <a:prstGeom prst="rect">
+            <a:avLst/>
+          </a:prstGeom>
+          <a:ln>
+            <a:noFill/>
+          </a:ln>
+        </p:spPr>
+      </p:pic>
+      <p:pic>
+        <p:nvPicPr>
+          <p:cNvPr id="4" name="Imagen 3">
             <a:extLst>
               <a:ext uri="{FF2B5EF4-FFF2-40B4-BE49-F238E27FC236}">
                 <a16:creationId xmlns:a16="http://schemas.microsoft.com/office/drawing/2014/main" id="{66D7BC1B-F6D0-47B4-AC7D-C6B391281262}"/>
@@ -15806,7 +14141,7 @@
           <p:nvPr/>
         </p:nvPicPr>
         <p:blipFill>
-          <a:blip r:embed="rId2">
+          <a:blip r:embed="rId3">
             <a:extLst>
               <a:ext uri="{28A0092B-C50C-407E-A947-70E740481C1C}">
                 <a14:useLocalDpi xmlns:a14="http://schemas.microsoft.com/office/drawing/2010/main" val="0"/>
@@ -15819,8 +14154,8 @@
         </p:blipFill>
         <p:spPr>
           <a:xfrm>
-            <a:off x="583095" y="1524000"/>
-            <a:ext cx="6957391" cy="5857459"/>
+            <a:off x="646690" y="1512000"/>
+            <a:ext cx="8785539" cy="5253119"/>
           </a:xfrm>
           <a:prstGeom prst="rect">
             <a:avLst/>
@@ -15854,7 +14189,7 @@
       </p:grpSpPr>
       <p:sp>
         <p:nvSpPr>
-          <p:cNvPr id="318" name="CustomShape 1"/>
+          <p:cNvPr id="329" name="CustomShape 1"/>
           <p:cNvSpPr/>
           <p:nvPr/>
         </p:nvSpPr>
@@ -15895,77 +14230,36 @@
               </a:lnSpc>
             </a:pPr>
             <a:r>
-              <a:rPr lang="es-ES" sz="3200" b="1" strike="noStrike" spc="-1">
+              <a:rPr lang="es-ES" sz="3200" b="1" strike="noStrike" spc="-1" dirty="0">
                 <a:solidFill>
                   <a:srgbClr val="FFFFFF"/>
                 </a:solidFill>
                 <a:latin typeface="Source Sans Pro Black"/>
                 <a:ea typeface="DejaVu Sans"/>
               </a:rPr>
-              <a:t>Prototipo interfaz gestión</a:t>
+              <a:t>Caso de Uso - </a:t>
             </a:r>
-            <a:endParaRPr lang="es-ES" sz="3200" b="0" strike="noStrike" spc="-1">
-              <a:latin typeface="Arial"/>
-            </a:endParaRPr>
-          </a:p>
-        </p:txBody>
-      </p:sp>
-      <p:sp>
-        <p:nvSpPr>
-          <p:cNvPr id="319" name="CustomShape 2"/>
-          <p:cNvSpPr/>
-          <p:nvPr/>
-        </p:nvSpPr>
-        <p:spPr>
-          <a:xfrm>
-            <a:off x="360000" y="1980000"/>
-            <a:ext cx="9178920" cy="2230920"/>
-          </a:xfrm>
-          <a:prstGeom prst="rect">
-            <a:avLst/>
-          </a:prstGeom>
-          <a:noFill/>
-          <a:ln>
-            <a:noFill/>
-          </a:ln>
-        </p:spPr>
-        <p:style>
-          <a:lnRef idx="0">
-            <a:scrgbClr r="0" g="0" b="0"/>
-          </a:lnRef>
-          <a:fillRef idx="0">
-            <a:scrgbClr r="0" g="0" b="0"/>
-          </a:fillRef>
-          <a:effectRef idx="0">
-            <a:scrgbClr r="0" g="0" b="0"/>
-          </a:effectRef>
-          <a:fontRef idx="minor"/>
-        </p:style>
-        <p:txBody>
-          <a:bodyPr lIns="0" tIns="0" rIns="0" bIns="0">
-            <a:normAutofit/>
-          </a:bodyPr>
-          <a:lstStyle/>
-          <a:p>
-            <a:pPr>
-              <a:lnSpc>
-                <a:spcPct val="100000"/>
-              </a:lnSpc>
-              <a:spcAft>
-                <a:spcPts val="1142"/>
-              </a:spcAft>
-            </a:pPr>
             <a:r>
-              <a:rPr lang="es-ES" sz="2600" b="1" strike="noStrike" spc="-1">
+              <a:rPr lang="es-ES" sz="3200" b="1" spc="-1" dirty="0" err="1">
                 <a:solidFill>
-                  <a:srgbClr val="1C1C1C"/>
+                  <a:srgbClr val="FFFFFF"/>
                 </a:solidFill>
-                <a:latin typeface="Source Sans Pro Semibold"/>
+                <a:latin typeface="Source Sans Pro Black"/>
                 <a:ea typeface="DejaVu Sans"/>
               </a:rPr>
-              <a:t>Inicio:</a:t>
+              <a:t>S</a:t>
             </a:r>
-            <a:endParaRPr lang="es-ES" sz="2600" b="0" strike="noStrike" spc="-1">
+            <a:r>
+              <a:rPr lang="es-ES" sz="3200" b="1" strike="noStrike" spc="-1" dirty="0" err="1">
+                <a:solidFill>
+                  <a:srgbClr val="FFFFFF"/>
+                </a:solidFill>
+                <a:latin typeface="Source Sans Pro Black"/>
+                <a:ea typeface="DejaVu Sans"/>
+              </a:rPr>
+              <a:t>uperusuario</a:t>
+            </a:r>
+            <a:endParaRPr lang="es-ES" sz="3200" b="0" strike="noStrike" spc="-1" dirty="0">
               <a:latin typeface="Arial"/>
             </a:endParaRPr>
           </a:p>
@@ -15973,7 +14267,7 @@
       </p:sp>
       <p:pic>
         <p:nvPicPr>
-          <p:cNvPr id="320" name="Imagen 319"/>
+          <p:cNvPr id="330" name="Imagen 329"/>
           <p:cNvPicPr/>
           <p:nvPr/>
         </p:nvPicPr>
@@ -15983,8 +14277,8 @@
         </p:blipFill>
         <p:spPr>
           <a:xfrm>
-            <a:off x="1872000" y="2174040"/>
-            <a:ext cx="6550920" cy="4088880"/>
+            <a:off x="518040" y="1980000"/>
+            <a:ext cx="8862840" cy="4678920"/>
           </a:xfrm>
           <a:prstGeom prst="rect">
             <a:avLst/>
@@ -15992,6 +14286,42 @@
           <a:ln>
             <a:noFill/>
           </a:ln>
+        </p:spPr>
+      </p:pic>
+      <p:pic>
+        <p:nvPicPr>
+          <p:cNvPr id="4" name="Imagen 3">
+            <a:extLst>
+              <a:ext uri="{FF2B5EF4-FFF2-40B4-BE49-F238E27FC236}">
+                <a16:creationId xmlns:a16="http://schemas.microsoft.com/office/drawing/2014/main" id="{2F40F2EF-4747-4284-98D4-74F99783B83E}"/>
+              </a:ext>
+            </a:extLst>
+          </p:cNvPr>
+          <p:cNvPicPr>
+            <a:picLocks noChangeAspect="1"/>
+          </p:cNvPicPr>
+          <p:nvPr/>
+        </p:nvPicPr>
+        <p:blipFill>
+          <a:blip r:embed="rId3">
+            <a:extLst>
+              <a:ext uri="{28A0092B-C50C-407E-A947-70E740481C1C}">
+                <a14:useLocalDpi xmlns:a14="http://schemas.microsoft.com/office/drawing/2010/main" val="0"/>
+              </a:ext>
+            </a:extLst>
+          </a:blip>
+          <a:stretch>
+            <a:fillRect/>
+          </a:stretch>
+        </p:blipFill>
+        <p:spPr>
+          <a:xfrm>
+            <a:off x="427377" y="1867301"/>
+            <a:ext cx="9358920" cy="4791619"/>
+          </a:xfrm>
+          <a:prstGeom prst="rect">
+            <a:avLst/>
+          </a:prstGeom>
         </p:spPr>
       </p:pic>
     </p:spTree>
@@ -16021,7 +14351,7 @@
       </p:grpSpPr>
       <p:sp>
         <p:nvSpPr>
-          <p:cNvPr id="321" name="CustomShape 1"/>
+          <p:cNvPr id="333" name="CustomShape 1"/>
           <p:cNvSpPr/>
           <p:nvPr/>
         </p:nvSpPr>
@@ -16062,117 +14392,24 @@
               </a:lnSpc>
             </a:pPr>
             <a:r>
-              <a:rPr lang="es-ES" sz="3200" b="1" strike="noStrike" spc="-1">
+              <a:rPr lang="es-ES" sz="3200" b="1" strike="noStrike" spc="-1" dirty="0">
                 <a:solidFill>
                   <a:srgbClr val="FFFFFF"/>
                 </a:solidFill>
                 <a:latin typeface="Source Sans Pro Black"/>
                 <a:ea typeface="DejaVu Sans"/>
               </a:rPr>
-              <a:t>Prototipo interfaz gestión</a:t>
+              <a:t>Ejemplo de Diagrama de Secuencia</a:t>
             </a:r>
-            <a:endParaRPr lang="es-ES" sz="3200" b="0" strike="noStrike" spc="-1">
-              <a:latin typeface="Arial"/>
-            </a:endParaRPr>
-          </a:p>
-        </p:txBody>
-      </p:sp>
-      <p:sp>
-        <p:nvSpPr>
-          <p:cNvPr id="322" name="CustomShape 2"/>
-          <p:cNvSpPr/>
-          <p:nvPr/>
-        </p:nvSpPr>
-        <p:spPr>
-          <a:xfrm>
-            <a:off x="360000" y="1980000"/>
-            <a:ext cx="9178920" cy="2230920"/>
-          </a:xfrm>
-          <a:prstGeom prst="rect">
-            <a:avLst/>
-          </a:prstGeom>
-          <a:noFill/>
-          <a:ln>
-            <a:noFill/>
-          </a:ln>
-        </p:spPr>
-        <p:style>
-          <a:lnRef idx="0">
-            <a:scrgbClr r="0" g="0" b="0"/>
-          </a:lnRef>
-          <a:fillRef idx="0">
-            <a:scrgbClr r="0" g="0" b="0"/>
-          </a:fillRef>
-          <a:effectRef idx="0">
-            <a:scrgbClr r="0" g="0" b="0"/>
-          </a:effectRef>
-          <a:fontRef idx="minor"/>
-        </p:style>
-        <p:txBody>
-          <a:bodyPr lIns="0" tIns="0" rIns="0" bIns="0">
-            <a:normAutofit/>
-          </a:bodyPr>
-          <a:lstStyle/>
-          <a:p>
-            <a:pPr>
-              <a:lnSpc>
-                <a:spcPct val="100000"/>
-              </a:lnSpc>
-              <a:spcAft>
-                <a:spcPts val="1142"/>
-              </a:spcAft>
-            </a:pPr>
-            <a:r>
-              <a:rPr lang="es-ES" sz="2600" b="1" strike="noStrike" spc="-1">
-                <a:solidFill>
-                  <a:srgbClr val="1C1C1C"/>
-                </a:solidFill>
-                <a:latin typeface="Source Sans Pro Semibold"/>
-                <a:ea typeface="DejaVu Sans"/>
-              </a:rPr>
-              <a:t>Principal:</a:t>
-            </a:r>
-            <a:endParaRPr lang="es-ES" sz="2600" b="0" strike="noStrike" spc="-1">
-              <a:latin typeface="Arial"/>
-            </a:endParaRPr>
-          </a:p>
-        </p:txBody>
-      </p:sp>
-      <p:sp>
-        <p:nvSpPr>
-          <p:cNvPr id="323" name="CustomShape 3"/>
-          <p:cNvSpPr/>
-          <p:nvPr/>
-        </p:nvSpPr>
-        <p:spPr>
-          <a:xfrm>
-            <a:off x="360000" y="3330000"/>
-            <a:ext cx="9358920" cy="898920"/>
-          </a:xfrm>
-          <a:prstGeom prst="rect">
-            <a:avLst/>
-          </a:prstGeom>
-          <a:noFill/>
-          <a:ln>
-            <a:noFill/>
-          </a:ln>
-        </p:spPr>
-        <p:style>
-          <a:lnRef idx="0">
-            <a:scrgbClr r="0" g="0" b="0"/>
-          </a:lnRef>
-          <a:fillRef idx="0">
-            <a:scrgbClr r="0" g="0" b="0"/>
-          </a:fillRef>
-          <a:effectRef idx="0">
-            <a:scrgbClr r="0" g="0" b="0"/>
-          </a:effectRef>
-          <a:fontRef idx="minor"/>
-        </p:style>
+            <a:endParaRPr lang="es-ES" sz="3200" b="0" strike="noStrike" spc="-1" dirty="0">
+              <a:latin typeface="Arial"/>
+            </a:endParaRPr>
+          </a:p>
+        </p:txBody>
       </p:sp>
       <p:pic>
         <p:nvPicPr>
-          <p:cNvPr id="324" name="Imagen 323"/>
+          <p:cNvPr id="4" name="Imagen 3"/>
           <p:cNvPicPr/>
           <p:nvPr/>
         </p:nvPicPr>
@@ -16182,8 +14419,8 @@
         </p:blipFill>
         <p:spPr>
           <a:xfrm>
-            <a:off x="1800000" y="2312640"/>
-            <a:ext cx="7127280" cy="4454640"/>
+            <a:off x="847023" y="1432174"/>
+            <a:ext cx="8914419" cy="5421013"/>
           </a:xfrm>
           <a:prstGeom prst="rect">
             <a:avLst/>
@@ -16193,38 +14430,6 @@
           </a:ln>
         </p:spPr>
       </p:pic>
-      <p:sp>
-        <p:nvSpPr>
-          <p:cNvPr id="325" name="CustomShape 4"/>
-          <p:cNvSpPr/>
-          <p:nvPr/>
-        </p:nvSpPr>
-        <p:spPr>
-          <a:xfrm>
-            <a:off x="5240520" y="4630680"/>
-            <a:ext cx="4478760" cy="1200600"/>
-          </a:xfrm>
-          <a:prstGeom prst="rect">
-            <a:avLst/>
-          </a:prstGeom>
-          <a:noFill/>
-          <a:ln>
-            <a:noFill/>
-          </a:ln>
-        </p:spPr>
-        <p:style>
-          <a:lnRef idx="0">
-            <a:scrgbClr r="0" g="0" b="0"/>
-          </a:lnRef>
-          <a:fillRef idx="0">
-            <a:scrgbClr r="0" g="0" b="0"/>
-          </a:fillRef>
-          <a:effectRef idx="0">
-            <a:scrgbClr r="0" g="0" b="0"/>
-          </a:effectRef>
-          <a:fontRef idx="minor"/>
-        </p:style>
-      </p:sp>
     </p:spTree>
   </p:cSld>
   <p:clrMapOvr>
@@ -16250,146 +14455,34 @@
           <a:chExt cx="0" cy="0"/>
         </a:xfrm>
       </p:grpSpPr>
-      <p:sp>
-        <p:nvSpPr>
-          <p:cNvPr id="326" name="CustomShape 1"/>
-          <p:cNvSpPr/>
-          <p:nvPr/>
-        </p:nvSpPr>
-        <p:spPr>
-          <a:xfrm>
-            <a:off x="360000" y="360000"/>
-            <a:ext cx="9358920" cy="898920"/>
-          </a:xfrm>
-          <a:prstGeom prst="rect">
-            <a:avLst/>
-          </a:prstGeom>
-          <a:noFill/>
-          <a:ln>
-            <a:noFill/>
-          </a:ln>
-        </p:spPr>
-        <p:style>
-          <a:lnRef idx="0">
-            <a:scrgbClr r="0" g="0" b="0"/>
-          </a:lnRef>
-          <a:fillRef idx="0">
-            <a:scrgbClr r="0" g="0" b="0"/>
-          </a:fillRef>
-          <a:effectRef idx="0">
-            <a:scrgbClr r="0" g="0" b="0"/>
-          </a:effectRef>
-          <a:fontRef idx="minor"/>
-        </p:style>
-        <p:txBody>
-          <a:bodyPr lIns="0" tIns="0" rIns="0" bIns="0" anchor="b">
-            <a:noAutofit/>
-          </a:bodyPr>
-          <a:lstStyle/>
-          <a:p>
-            <a:pPr>
-              <a:lnSpc>
-                <a:spcPct val="100000"/>
-              </a:lnSpc>
-            </a:pPr>
-            <a:r>
-              <a:rPr lang="es-ES" sz="3200" b="1" strike="noStrike" spc="-1">
-                <a:solidFill>
-                  <a:srgbClr val="FFFFFF"/>
-                </a:solidFill>
-                <a:latin typeface="Source Sans Pro Black"/>
-                <a:ea typeface="DejaVu Sans"/>
-              </a:rPr>
-              <a:t>Prototipo interfaz gestion</a:t>
-            </a:r>
-            <a:endParaRPr lang="es-ES" sz="3200" b="0" strike="noStrike" spc="-1">
-              <a:latin typeface="Arial"/>
-            </a:endParaRPr>
-          </a:p>
-        </p:txBody>
-      </p:sp>
-      <p:sp>
-        <p:nvSpPr>
-          <p:cNvPr id="327" name="CustomShape 2"/>
-          <p:cNvSpPr/>
-          <p:nvPr/>
-        </p:nvSpPr>
-        <p:spPr>
-          <a:xfrm>
-            <a:off x="360000" y="1980000"/>
-            <a:ext cx="9178920" cy="2230920"/>
-          </a:xfrm>
-          <a:prstGeom prst="rect">
-            <a:avLst/>
-          </a:prstGeom>
-          <a:noFill/>
-          <a:ln>
-            <a:noFill/>
-          </a:ln>
-        </p:spPr>
-        <p:style>
-          <a:lnRef idx="0">
-            <a:scrgbClr r="0" g="0" b="0"/>
-          </a:lnRef>
-          <a:fillRef idx="0">
-            <a:scrgbClr r="0" g="0" b="0"/>
-          </a:fillRef>
-          <a:effectRef idx="0">
-            <a:scrgbClr r="0" g="0" b="0"/>
-          </a:effectRef>
-          <a:fontRef idx="minor"/>
-        </p:style>
-        <p:txBody>
-          <a:bodyPr lIns="0" tIns="0" rIns="0" bIns="0">
-            <a:normAutofit/>
-          </a:bodyPr>
-          <a:lstStyle/>
-          <a:p>
-            <a:pPr>
-              <a:lnSpc>
-                <a:spcPct val="100000"/>
-              </a:lnSpc>
-              <a:spcAft>
-                <a:spcPts val="1142"/>
-              </a:spcAft>
-            </a:pPr>
-            <a:r>
-              <a:rPr lang="es-ES" sz="2600" b="1" strike="noStrike" spc="-1">
-                <a:solidFill>
-                  <a:srgbClr val="1C1C1C"/>
-                </a:solidFill>
-                <a:latin typeface="Source Sans Pro Semibold"/>
-                <a:ea typeface="DejaVu Sans"/>
-              </a:rPr>
-              <a:t>Gestión del local</a:t>
-            </a:r>
-            <a:endParaRPr lang="es-ES" sz="2600" b="0" strike="noStrike" spc="-1">
-              <a:latin typeface="Arial"/>
-            </a:endParaRPr>
-          </a:p>
-        </p:txBody>
-      </p:sp>
       <p:pic>
         <p:nvPicPr>
-          <p:cNvPr id="328" name="Imagen 327"/>
-          <p:cNvPicPr/>
+          <p:cNvPr id="2" name="Imagen 1"/>
+          <p:cNvPicPr>
+            <a:picLocks noChangeAspect="1"/>
+          </p:cNvPicPr>
           <p:nvPr/>
         </p:nvPicPr>
         <p:blipFill>
-          <a:blip r:embed="rId2"/>
-          <a:stretch/>
+          <a:blip r:embed="rId2">
+            <a:extLst>
+              <a:ext uri="{28A0092B-C50C-407E-A947-70E740481C1C}">
+                <a14:useLocalDpi xmlns:a14="http://schemas.microsoft.com/office/drawing/2010/main" val="0"/>
+              </a:ext>
+            </a:extLst>
+          </a:blip>
+          <a:stretch>
+            <a:fillRect/>
+          </a:stretch>
         </p:blipFill>
         <p:spPr>
           <a:xfrm>
-            <a:off x="1800000" y="2448000"/>
-            <a:ext cx="7034400" cy="4390920"/>
-          </a:xfrm>
-          <a:prstGeom prst="rect">
-            <a:avLst/>
-          </a:prstGeom>
-          <a:ln>
-            <a:noFill/>
-          </a:ln>
+            <a:off x="-1" y="0"/>
+            <a:ext cx="10080626" cy="7580603"/>
+          </a:xfrm>
+          <a:prstGeom prst="rect">
+            <a:avLst/>
+          </a:prstGeom>
         </p:spPr>
       </p:pic>
     </p:spTree>
@@ -16419,13 +14512,13 @@
       </p:grpSpPr>
       <p:sp>
         <p:nvSpPr>
-          <p:cNvPr id="329" name="CustomShape 1"/>
+          <p:cNvPr id="336" name="CustomShape 1"/>
           <p:cNvSpPr/>
           <p:nvPr/>
         </p:nvSpPr>
         <p:spPr>
           <a:xfrm>
-            <a:off x="360000" y="360000"/>
+            <a:off x="360000" y="3330000"/>
             <a:ext cx="9358920" cy="898920"/>
           </a:xfrm>
           <a:prstGeom prst="rect">
@@ -16467,7 +14560,7 @@
                 <a:latin typeface="Source Sans Pro Black"/>
                 <a:ea typeface="DejaVu Sans"/>
               </a:rPr>
-              <a:t>Caso de uso superusuario</a:t>
+              <a:t>GRUPO DE DESARROLLO ADD</a:t>
             </a:r>
             <a:endParaRPr lang="es-ES" sz="3200" b="0" strike="noStrike" spc="-1">
               <a:latin typeface="Arial"/>
@@ -16475,42 +14568,64 @@
           </a:p>
         </p:txBody>
       </p:sp>
-      <p:pic>
-        <p:nvPicPr>
-          <p:cNvPr id="3" name="Imagen 2">
-            <a:extLst>
-              <a:ext uri="{FF2B5EF4-FFF2-40B4-BE49-F238E27FC236}">
-                <a16:creationId xmlns:a16="http://schemas.microsoft.com/office/drawing/2014/main" id="{2F40F2EF-4747-4284-98D4-74F99783B83E}"/>
-              </a:ext>
-            </a:extLst>
-          </p:cNvPr>
-          <p:cNvPicPr>
-            <a:picLocks noChangeAspect="1"/>
-          </p:cNvPicPr>
+      <p:sp>
+        <p:nvSpPr>
+          <p:cNvPr id="337" name="CustomShape 2"/>
+          <p:cNvSpPr/>
           <p:nvPr/>
-        </p:nvPicPr>
-        <p:blipFill>
-          <a:blip r:embed="rId2">
-            <a:extLst>
-              <a:ext uri="{28A0092B-C50C-407E-A947-70E740481C1C}">
-                <a14:useLocalDpi xmlns:a14="http://schemas.microsoft.com/office/drawing/2010/main" val="0"/>
-              </a:ext>
-            </a:extLst>
-          </a:blip>
-          <a:stretch>
-            <a:fillRect/>
-          </a:stretch>
-        </p:blipFill>
-        <p:spPr>
-          <a:xfrm>
-            <a:off x="360001" y="1668109"/>
-            <a:ext cx="9358920" cy="4576359"/>
-          </a:xfrm>
-          <a:prstGeom prst="rect">
-            <a:avLst/>
-          </a:prstGeom>
-        </p:spPr>
-      </p:pic>
+        </p:nvSpPr>
+        <p:spPr>
+          <a:xfrm>
+            <a:off x="540000" y="4680000"/>
+            <a:ext cx="9178920" cy="2518920"/>
+          </a:xfrm>
+          <a:prstGeom prst="rect">
+            <a:avLst/>
+          </a:prstGeom>
+          <a:noFill/>
+          <a:ln>
+            <a:noFill/>
+          </a:ln>
+        </p:spPr>
+        <p:style>
+          <a:lnRef idx="0">
+            <a:scrgbClr r="0" g="0" b="0"/>
+          </a:lnRef>
+          <a:fillRef idx="0">
+            <a:scrgbClr r="0" g="0" b="0"/>
+          </a:fillRef>
+          <a:effectRef idx="0">
+            <a:scrgbClr r="0" g="0" b="0"/>
+          </a:effectRef>
+          <a:fontRef idx="minor"/>
+        </p:style>
+        <p:txBody>
+          <a:bodyPr lIns="0" tIns="0" rIns="0" bIns="0">
+            <a:noAutofit/>
+          </a:bodyPr>
+          <a:lstStyle/>
+          <a:p>
+            <a:pPr>
+              <a:lnSpc>
+                <a:spcPct val="100000"/>
+              </a:lnSpc>
+            </a:pPr>
+            <a:r>
+              <a:rPr lang="es-ES" sz="2200" b="0" strike="noStrike" spc="-1">
+                <a:solidFill>
+                  <a:srgbClr val="1C1C1C"/>
+                </a:solidFill>
+                <a:latin typeface="Source Sans Pro Light"/>
+                <a:ea typeface="DejaVu Sans"/>
+              </a:rPr>
+              <a:t>Gracias por asistir a nuestra presentación.</a:t>
+            </a:r>
+            <a:endParaRPr lang="es-ES" sz="2200" b="0" strike="noStrike" spc="-1">
+              <a:latin typeface="Arial"/>
+            </a:endParaRPr>
+          </a:p>
+        </p:txBody>
+      </p:sp>
     </p:spTree>
   </p:cSld>
   <p:clrMapOvr>
@@ -16579,16 +14694,16 @@
               </a:lnSpc>
             </a:pPr>
             <a:r>
-              <a:rPr lang="es-ES" sz="3200" b="1" strike="noStrike" spc="-1">
+              <a:rPr lang="es-ES" sz="3200" b="1" strike="noStrike" spc="-1" dirty="0">
                 <a:solidFill>
                   <a:srgbClr val="FFFFFF"/>
                 </a:solidFill>
                 <a:latin typeface="Source Sans Pro Black"/>
                 <a:ea typeface="DejaVu Sans"/>
               </a:rPr>
-              <a:t>Presentación del proyecto</a:t>
+              <a:t>¿En que consiste el Sistema?</a:t>
             </a:r>
-            <a:endParaRPr lang="es-ES" sz="3200" b="0" strike="noStrike" spc="-1">
+            <a:endParaRPr lang="es-ES" sz="3200" b="0" strike="noStrike" spc="-1" dirty="0">
               <a:latin typeface="Arial"/>
             </a:endParaRPr>
           </a:p>
@@ -16640,7 +14755,7 @@
               </a:spcAft>
             </a:pPr>
             <a:r>
-              <a:rPr lang="es-ES" sz="2600" b="1" strike="noStrike" spc="-1">
+              <a:rPr lang="es-ES" sz="2400" b="1" strike="noStrike" spc="-1" dirty="0">
                 <a:solidFill>
                   <a:srgbClr val="1C1C1C"/>
                 </a:solidFill>
@@ -16649,7 +14764,7 @@
               </a:rPr>
               <a:t> </a:t>
             </a:r>
-            <a:endParaRPr lang="es-ES" sz="2600" b="0" strike="noStrike" spc="-1">
+            <a:endParaRPr lang="es-ES" sz="2400" b="0" strike="noStrike" spc="-1" dirty="0">
               <a:latin typeface="Arial"/>
             </a:endParaRPr>
           </a:p>
@@ -16669,18 +14784,15 @@
               <a:buChar char=""/>
             </a:pPr>
             <a:r>
-              <a:rPr lang="es-ES" sz="1600" b="1" strike="noStrike" spc="-1">
+              <a:rPr lang="es-ES" sz="2400" b="1" spc="-1" dirty="0">
                 <a:solidFill>
                   <a:srgbClr val="1C1C1C"/>
                 </a:solidFill>
                 <a:latin typeface="Source Sans Pro Semibold"/>
-                <a:ea typeface="DejaVu Sans"/>
               </a:rPr>
               <a:t> Sistema dirigido a restaurantes, agilizando y modernizando el servicio prestado por los mismos</a:t>
             </a:r>
-            <a:endParaRPr lang="es-ES" sz="1600" b="0" strike="noStrike" spc="-1">
-              <a:latin typeface="Arial"/>
-            </a:endParaRPr>
+            <a:endParaRPr lang="es-ES" sz="2400" spc="-1" dirty="0"/>
           </a:p>
           <a:p>
             <a:pPr>
@@ -16691,9 +14803,7 @@
                 <a:spcPts val="1142"/>
               </a:spcAft>
             </a:pPr>
-            <a:endParaRPr lang="es-ES" sz="1600" b="0" strike="noStrike" spc="-1">
-              <a:latin typeface="Arial"/>
-            </a:endParaRPr>
+            <a:endParaRPr lang="es-ES" sz="2400" spc="-1" dirty="0"/>
           </a:p>
           <a:p>
             <a:pPr marL="216000" indent="-215280">
@@ -16711,18 +14821,15 @@
               <a:buChar char=""/>
             </a:pPr>
             <a:r>
-              <a:rPr lang="es-ES" sz="1600" b="1" strike="noStrike" spc="-1">
+              <a:rPr lang="es-ES" sz="2400" b="1" spc="-1" dirty="0">
                 <a:solidFill>
                   <a:srgbClr val="1C1C1C"/>
                 </a:solidFill>
                 <a:latin typeface="Source Sans Pro Semibold"/>
-                <a:ea typeface="DejaVu Sans"/>
               </a:rPr>
               <a:t> Comandas digitales</a:t>
             </a:r>
-            <a:endParaRPr lang="es-ES" sz="1600" b="0" strike="noStrike" spc="-1">
-              <a:latin typeface="Arial"/>
-            </a:endParaRPr>
+            <a:endParaRPr lang="es-ES" sz="2400" spc="-1" dirty="0"/>
           </a:p>
           <a:p>
             <a:pPr>
@@ -16733,9 +14840,7 @@
                 <a:spcPts val="1142"/>
               </a:spcAft>
             </a:pPr>
-            <a:endParaRPr lang="es-ES" sz="1600" b="0" strike="noStrike" spc="-1">
-              <a:latin typeface="Arial"/>
-            </a:endParaRPr>
+            <a:endParaRPr lang="es-ES" sz="2400" spc="-1" dirty="0"/>
           </a:p>
           <a:p>
             <a:pPr marL="216000" indent="-215280">
@@ -16753,436 +14858,24 @@
               <a:buChar char=""/>
             </a:pPr>
             <a:r>
-              <a:rPr lang="es-ES" sz="1600" b="1" strike="noStrike" spc="-1">
+              <a:rPr lang="es-ES" sz="2400" b="1" spc="-1" dirty="0">
                 <a:solidFill>
                   <a:srgbClr val="1C1C1C"/>
                 </a:solidFill>
                 <a:latin typeface="Source Sans Pro Semibold"/>
-                <a:ea typeface="DejaVu Sans"/>
               </a:rPr>
               <a:t> Servicio de gestión para el restaurante</a:t>
             </a:r>
-            <a:endParaRPr lang="es-ES" sz="1600" b="0" strike="noStrike" spc="-1">
-              <a:latin typeface="Arial"/>
-            </a:endParaRPr>
-          </a:p>
-          <a:p>
-            <a:pPr>
-              <a:lnSpc>
-                <a:spcPct val="100000"/>
-              </a:lnSpc>
-              <a:spcAft>
-                <a:spcPts val="1142"/>
-              </a:spcAft>
-            </a:pPr>
-            <a:endParaRPr lang="es-ES" sz="1600" b="0" strike="noStrike" spc="-1">
-              <a:latin typeface="Arial"/>
-            </a:endParaRPr>
+            <a:endParaRPr lang="es-ES" sz="2400" spc="-1" dirty="0"/>
           </a:p>
         </p:txBody>
       </p:sp>
     </p:spTree>
-  </p:cSld>
-  <p:clrMapOvr>
-    <a:masterClrMapping/>
-  </p:clrMapOvr>
-</p:sld>
-</file>
-
-<file path=ppt/slides/slide20.xml><?xml version="1.0" encoding="utf-8"?>
-<p:sld xmlns:a="http://schemas.openxmlformats.org/drawingml/2006/main" xmlns:r="http://schemas.openxmlformats.org/officeDocument/2006/relationships" xmlns:p="http://schemas.openxmlformats.org/presentationml/2006/main">
-  <p:cSld>
-    <p:spTree>
-      <p:nvGrpSpPr>
-        <p:cNvPr id="1" name=""/>
-        <p:cNvGrpSpPr/>
-        <p:nvPr/>
-      </p:nvGrpSpPr>
-      <p:grpSpPr>
-        <a:xfrm>
-          <a:off x="0" y="0"/>
-          <a:ext cx="0" cy="0"/>
-          <a:chOff x="0" y="0"/>
-          <a:chExt cx="0" cy="0"/>
-        </a:xfrm>
-      </p:grpSpPr>
-      <p:sp>
-        <p:nvSpPr>
-          <p:cNvPr id="331" name="CustomShape 1"/>
-          <p:cNvSpPr/>
-          <p:nvPr/>
-        </p:nvSpPr>
-        <p:spPr>
-          <a:xfrm>
-            <a:off x="360000" y="360000"/>
-            <a:ext cx="9358920" cy="898920"/>
-          </a:xfrm>
-          <a:prstGeom prst="rect">
-            <a:avLst/>
-          </a:prstGeom>
-          <a:noFill/>
-          <a:ln>
-            <a:noFill/>
-          </a:ln>
-        </p:spPr>
-        <p:style>
-          <a:lnRef idx="0">
-            <a:scrgbClr r="0" g="0" b="0"/>
-          </a:lnRef>
-          <a:fillRef idx="0">
-            <a:scrgbClr r="0" g="0" b="0"/>
-          </a:fillRef>
-          <a:effectRef idx="0">
-            <a:scrgbClr r="0" g="0" b="0"/>
-          </a:effectRef>
-          <a:fontRef idx="minor"/>
-        </p:style>
-        <p:txBody>
-          <a:bodyPr lIns="0" tIns="0" rIns="0" bIns="0" anchor="b">
-            <a:noAutofit/>
-          </a:bodyPr>
-          <a:lstStyle/>
-          <a:p>
-            <a:pPr>
-              <a:lnSpc>
-                <a:spcPct val="100000"/>
-              </a:lnSpc>
-            </a:pPr>
-            <a:r>
-              <a:rPr lang="es-ES" sz="3200" b="1" strike="noStrike" spc="-1">
-                <a:solidFill>
-                  <a:srgbClr val="FFFFFF"/>
-                </a:solidFill>
-                <a:latin typeface="Source Sans Pro Black"/>
-                <a:ea typeface="DejaVu Sans"/>
-              </a:rPr>
-              <a:t>Interfaz superusuario</a:t>
-            </a:r>
-            <a:endParaRPr lang="es-ES" sz="3200" b="0" strike="noStrike" spc="-1">
-              <a:latin typeface="Arial"/>
-            </a:endParaRPr>
-          </a:p>
-        </p:txBody>
-      </p:sp>
-      <p:pic>
-        <p:nvPicPr>
-          <p:cNvPr id="332" name="Imagen 331"/>
-          <p:cNvPicPr/>
-          <p:nvPr/>
-        </p:nvPicPr>
-        <p:blipFill>
-          <a:blip r:embed="rId2"/>
-          <a:stretch/>
-        </p:blipFill>
-        <p:spPr>
-          <a:xfrm rot="21596400">
-            <a:off x="1573560" y="1872000"/>
-            <a:ext cx="7496280" cy="4678920"/>
-          </a:xfrm>
-          <a:prstGeom prst="rect">
-            <a:avLst/>
-          </a:prstGeom>
-          <a:ln>
-            <a:noFill/>
-          </a:ln>
-        </p:spPr>
-      </p:pic>
-    </p:spTree>
-  </p:cSld>
-  <p:clrMapOvr>
-    <a:masterClrMapping/>
-  </p:clrMapOvr>
-</p:sld>
-</file>
-
-<file path=ppt/slides/slide21.xml><?xml version="1.0" encoding="utf-8"?>
-<p:sld xmlns:a="http://schemas.openxmlformats.org/drawingml/2006/main" xmlns:r="http://schemas.openxmlformats.org/officeDocument/2006/relationships" xmlns:p="http://schemas.openxmlformats.org/presentationml/2006/main">
-  <p:cSld>
-    <p:spTree>
-      <p:nvGrpSpPr>
-        <p:cNvPr id="1" name=""/>
-        <p:cNvGrpSpPr/>
-        <p:nvPr/>
-      </p:nvGrpSpPr>
-      <p:grpSpPr>
-        <a:xfrm>
-          <a:off x="0" y="0"/>
-          <a:ext cx="0" cy="0"/>
-          <a:chOff x="0" y="0"/>
-          <a:chExt cx="0" cy="0"/>
-        </a:xfrm>
-      </p:grpSpPr>
-      <p:sp>
-        <p:nvSpPr>
-          <p:cNvPr id="333" name="CustomShape 1"/>
-          <p:cNvSpPr/>
-          <p:nvPr/>
-        </p:nvSpPr>
-        <p:spPr>
-          <a:xfrm>
-            <a:off x="360000" y="360000"/>
-            <a:ext cx="9358920" cy="898920"/>
-          </a:xfrm>
-          <a:prstGeom prst="rect">
-            <a:avLst/>
-          </a:prstGeom>
-          <a:noFill/>
-          <a:ln>
-            <a:noFill/>
-          </a:ln>
-        </p:spPr>
-        <p:style>
-          <a:lnRef idx="0">
-            <a:scrgbClr r="0" g="0" b="0"/>
-          </a:lnRef>
-          <a:fillRef idx="0">
-            <a:scrgbClr r="0" g="0" b="0"/>
-          </a:fillRef>
-          <a:effectRef idx="0">
-            <a:scrgbClr r="0" g="0" b="0"/>
-          </a:effectRef>
-          <a:fontRef idx="minor"/>
-        </p:style>
-        <p:txBody>
-          <a:bodyPr lIns="0" tIns="0" rIns="0" bIns="0" anchor="b">
-            <a:noAutofit/>
-          </a:bodyPr>
-          <a:lstStyle/>
-          <a:p>
-            <a:pPr>
-              <a:lnSpc>
-                <a:spcPct val="100000"/>
-              </a:lnSpc>
-            </a:pPr>
-            <a:r>
-              <a:rPr lang="es-ES" sz="3200" b="1" strike="noStrike" spc="-1">
-                <a:solidFill>
-                  <a:srgbClr val="FFFFFF"/>
-                </a:solidFill>
-                <a:latin typeface="Source Sans Pro Black"/>
-                <a:ea typeface="DejaVu Sans"/>
-              </a:rPr>
-              <a:t>Ejemplo de Diagrama de secuencia</a:t>
-            </a:r>
-            <a:endParaRPr lang="es-ES" sz="3200" b="0" strike="noStrike" spc="-1">
-              <a:latin typeface="Arial"/>
-            </a:endParaRPr>
-          </a:p>
-        </p:txBody>
-      </p:sp>
-      <p:pic>
-        <p:nvPicPr>
-          <p:cNvPr id="334" name="Imagen 333"/>
-          <p:cNvPicPr/>
-          <p:nvPr/>
-        </p:nvPicPr>
-        <p:blipFill>
-          <a:blip r:embed="rId2"/>
-          <a:stretch/>
-        </p:blipFill>
-        <p:spPr>
-          <a:xfrm>
-            <a:off x="1721880" y="1496880"/>
-            <a:ext cx="7134120" cy="5703120"/>
-          </a:xfrm>
-          <a:prstGeom prst="rect">
-            <a:avLst/>
-          </a:prstGeom>
-          <a:ln>
-            <a:noFill/>
-          </a:ln>
-        </p:spPr>
-      </p:pic>
-    </p:spTree>
-  </p:cSld>
-  <p:clrMapOvr>
-    <a:masterClrMapping/>
-  </p:clrMapOvr>
-</p:sld>
-</file>
-
-<file path=ppt/slides/slide22.xml><?xml version="1.0" encoding="utf-8"?>
-<p:sld xmlns:a="http://schemas.openxmlformats.org/drawingml/2006/main" xmlns:r="http://schemas.openxmlformats.org/officeDocument/2006/relationships" xmlns:p="http://schemas.openxmlformats.org/presentationml/2006/main">
-  <p:cSld>
-    <p:spTree>
-      <p:nvGrpSpPr>
-        <p:cNvPr id="1" name=""/>
-        <p:cNvGrpSpPr/>
-        <p:nvPr/>
-      </p:nvGrpSpPr>
-      <p:grpSpPr>
-        <a:xfrm>
-          <a:off x="0" y="0"/>
-          <a:ext cx="0" cy="0"/>
-          <a:chOff x="0" y="0"/>
-          <a:chExt cx="0" cy="0"/>
-        </a:xfrm>
-      </p:grpSpPr>
-      <p:pic>
-        <p:nvPicPr>
-          <p:cNvPr id="335" name="Imagen 334"/>
-          <p:cNvPicPr/>
-          <p:nvPr/>
-        </p:nvPicPr>
-        <p:blipFill>
-          <a:blip r:embed="rId2"/>
-          <a:stretch/>
-        </p:blipFill>
-        <p:spPr>
-          <a:xfrm>
-            <a:off x="45720" y="1152000"/>
-            <a:ext cx="9956160" cy="5757840"/>
-          </a:xfrm>
-          <a:prstGeom prst="rect">
-            <a:avLst/>
-          </a:prstGeom>
-          <a:ln>
-            <a:noFill/>
-          </a:ln>
-        </p:spPr>
-      </p:pic>
-    </p:spTree>
-  </p:cSld>
-  <p:clrMapOvr>
-    <a:masterClrMapping/>
-  </p:clrMapOvr>
-</p:sld>
-</file>
-
-<file path=ppt/slides/slide23.xml><?xml version="1.0" encoding="utf-8"?>
-<p:sld xmlns:a="http://schemas.openxmlformats.org/drawingml/2006/main" xmlns:r="http://schemas.openxmlformats.org/officeDocument/2006/relationships" xmlns:p="http://schemas.openxmlformats.org/presentationml/2006/main">
-  <p:cSld>
-    <p:spTree>
-      <p:nvGrpSpPr>
-        <p:cNvPr id="1" name=""/>
-        <p:cNvGrpSpPr/>
-        <p:nvPr/>
-      </p:nvGrpSpPr>
-      <p:grpSpPr>
-        <a:xfrm>
-          <a:off x="0" y="0"/>
-          <a:ext cx="0" cy="0"/>
-          <a:chOff x="0" y="0"/>
-          <a:chExt cx="0" cy="0"/>
-        </a:xfrm>
-      </p:grpSpPr>
-      <p:sp>
-        <p:nvSpPr>
-          <p:cNvPr id="336" name="CustomShape 1"/>
-          <p:cNvSpPr/>
-          <p:nvPr/>
-        </p:nvSpPr>
-        <p:spPr>
-          <a:xfrm>
-            <a:off x="360000" y="3330000"/>
-            <a:ext cx="9358920" cy="898920"/>
-          </a:xfrm>
-          <a:prstGeom prst="rect">
-            <a:avLst/>
-          </a:prstGeom>
-          <a:noFill/>
-          <a:ln>
-            <a:noFill/>
-          </a:ln>
-        </p:spPr>
-        <p:style>
-          <a:lnRef idx="0">
-            <a:scrgbClr r="0" g="0" b="0"/>
-          </a:lnRef>
-          <a:fillRef idx="0">
-            <a:scrgbClr r="0" g="0" b="0"/>
-          </a:fillRef>
-          <a:effectRef idx="0">
-            <a:scrgbClr r="0" g="0" b="0"/>
-          </a:effectRef>
-          <a:fontRef idx="minor"/>
-        </p:style>
-        <p:txBody>
-          <a:bodyPr lIns="0" tIns="0" rIns="0" bIns="0" anchor="b">
-            <a:noAutofit/>
-          </a:bodyPr>
-          <a:lstStyle/>
-          <a:p>
-            <a:pPr>
-              <a:lnSpc>
-                <a:spcPct val="100000"/>
-              </a:lnSpc>
-            </a:pPr>
-            <a:r>
-              <a:rPr lang="es-ES" sz="3200" b="1" strike="noStrike" spc="-1">
-                <a:solidFill>
-                  <a:srgbClr val="FFFFFF"/>
-                </a:solidFill>
-                <a:latin typeface="Source Sans Pro Black"/>
-                <a:ea typeface="DejaVu Sans"/>
-              </a:rPr>
-              <a:t>GRUPO DE DESARROLLO ADD</a:t>
-            </a:r>
-            <a:endParaRPr lang="es-ES" sz="3200" b="0" strike="noStrike" spc="-1">
-              <a:latin typeface="Arial"/>
-            </a:endParaRPr>
-          </a:p>
-        </p:txBody>
-      </p:sp>
-      <p:sp>
-        <p:nvSpPr>
-          <p:cNvPr id="337" name="CustomShape 2"/>
-          <p:cNvSpPr/>
-          <p:nvPr/>
-        </p:nvSpPr>
-        <p:spPr>
-          <a:xfrm>
-            <a:off x="540000" y="4680000"/>
-            <a:ext cx="9178920" cy="2518920"/>
-          </a:xfrm>
-          <a:prstGeom prst="rect">
-            <a:avLst/>
-          </a:prstGeom>
-          <a:noFill/>
-          <a:ln>
-            <a:noFill/>
-          </a:ln>
-        </p:spPr>
-        <p:style>
-          <a:lnRef idx="0">
-            <a:scrgbClr r="0" g="0" b="0"/>
-          </a:lnRef>
-          <a:fillRef idx="0">
-            <a:scrgbClr r="0" g="0" b="0"/>
-          </a:fillRef>
-          <a:effectRef idx="0">
-            <a:scrgbClr r="0" g="0" b="0"/>
-          </a:effectRef>
-          <a:fontRef idx="minor"/>
-        </p:style>
-        <p:txBody>
-          <a:bodyPr lIns="0" tIns="0" rIns="0" bIns="0">
-            <a:noAutofit/>
-          </a:bodyPr>
-          <a:lstStyle/>
-          <a:p>
-            <a:pPr>
-              <a:lnSpc>
-                <a:spcPct val="100000"/>
-              </a:lnSpc>
-            </a:pPr>
-            <a:r>
-              <a:rPr lang="es-ES" sz="2200" b="0" strike="noStrike" spc="-1">
-                <a:solidFill>
-                  <a:srgbClr val="1C1C1C"/>
-                </a:solidFill>
-                <a:latin typeface="Source Sans Pro Light"/>
-                <a:ea typeface="DejaVu Sans"/>
-              </a:rPr>
-              <a:t>Gracias por asistir a nuestra presentación.</a:t>
-            </a:r>
-            <a:endParaRPr lang="es-ES" sz="2200" b="0" strike="noStrike" spc="-1">
-              <a:latin typeface="Arial"/>
-            </a:endParaRPr>
-          </a:p>
-        </p:txBody>
-      </p:sp>
-    </p:spTree>
+    <p:extLst>
+      <p:ext uri="{BB962C8B-B14F-4D97-AF65-F5344CB8AC3E}">
+        <p14:creationId xmlns:p14="http://schemas.microsoft.com/office/powerpoint/2010/main" val="3294745492"/>
+      </p:ext>
+    </p:extLst>
   </p:cSld>
   <p:clrMapOvr>
     <a:masterClrMapping/>
@@ -17209,275 +14902,151 @@
       </p:grpSpPr>
       <p:sp>
         <p:nvSpPr>
-          <p:cNvPr id="294" name="CustomShape 1"/>
-          <p:cNvSpPr/>
+          <p:cNvPr id="2" name="Título 1">
+            <a:extLst>
+              <a:ext uri="{FF2B5EF4-FFF2-40B4-BE49-F238E27FC236}">
+                <a16:creationId xmlns:a16="http://schemas.microsoft.com/office/drawing/2014/main" id="{DAC3D4B8-BC9B-49BF-AAEE-F3E70B7ADEFC}"/>
+              </a:ext>
+            </a:extLst>
+          </p:cNvPr>
+          <p:cNvSpPr>
+            <a:spLocks noGrp="1"/>
+          </p:cNvSpPr>
+          <p:nvPr>
+            <p:ph type="title"/>
+          </p:nvPr>
+        </p:nvSpPr>
+        <p:spPr>
+          <a:xfrm>
+            <a:off x="504000" y="627521"/>
+            <a:ext cx="9072000" cy="609398"/>
+          </a:xfrm>
+        </p:spPr>
+        <p:txBody>
+          <a:bodyPr/>
+          <a:lstStyle/>
+          <a:p>
+            <a:r>
+              <a:rPr lang="es-ES" dirty="0"/>
+              <a:t>¿Cómo nos hemos organizado?</a:t>
+            </a:r>
+          </a:p>
+        </p:txBody>
+      </p:sp>
+      <p:pic>
+        <p:nvPicPr>
+          <p:cNvPr id="6" name="Imagen 5">
+            <a:extLst>
+              <a:ext uri="{FF2B5EF4-FFF2-40B4-BE49-F238E27FC236}">
+                <a16:creationId xmlns:a16="http://schemas.microsoft.com/office/drawing/2014/main" id="{F47928C0-00EE-4C8B-BADB-34BAABE4492D}"/>
+              </a:ext>
+            </a:extLst>
+          </p:cNvPr>
+          <p:cNvPicPr>
+            <a:picLocks noChangeAspect="1"/>
+          </p:cNvPicPr>
           <p:nvPr/>
-        </p:nvSpPr>
-        <p:spPr>
-          <a:xfrm>
-            <a:off x="360000" y="360000"/>
-            <a:ext cx="9358920" cy="898920"/>
-          </a:xfrm>
-          <a:prstGeom prst="rect">
-            <a:avLst/>
-          </a:prstGeom>
-          <a:noFill/>
-          <a:ln>
-            <a:noFill/>
-          </a:ln>
-        </p:spPr>
-        <p:style>
-          <a:lnRef idx="0">
-            <a:scrgbClr r="0" g="0" b="0"/>
-          </a:lnRef>
-          <a:fillRef idx="0">
-            <a:scrgbClr r="0" g="0" b="0"/>
-          </a:fillRef>
-          <a:effectRef idx="0">
-            <a:scrgbClr r="0" g="0" b="0"/>
-          </a:effectRef>
-          <a:fontRef idx="minor"/>
-        </p:style>
-        <p:txBody>
-          <a:bodyPr lIns="0" tIns="0" rIns="0" bIns="0" anchor="b">
-            <a:noAutofit/>
-          </a:bodyPr>
-          <a:lstStyle/>
-          <a:p>
-            <a:pPr>
-              <a:lnSpc>
-                <a:spcPct val="100000"/>
-              </a:lnSpc>
-            </a:pPr>
-            <a:r>
-              <a:rPr lang="es-ES" sz="3200" b="1" strike="noStrike" spc="-1" dirty="0">
-                <a:solidFill>
-                  <a:srgbClr val="FFFFFF"/>
-                </a:solidFill>
-                <a:latin typeface="Source Sans Pro Black"/>
-                <a:ea typeface="DejaVu Sans"/>
-              </a:rPr>
-              <a:t>Requisitos cliente - Funcionales</a:t>
-            </a:r>
-            <a:endParaRPr lang="es-ES" sz="3200" b="0" strike="noStrike" spc="-1" dirty="0">
-              <a:latin typeface="Arial"/>
-            </a:endParaRPr>
-          </a:p>
-        </p:txBody>
-      </p:sp>
-      <p:sp>
-        <p:nvSpPr>
-          <p:cNvPr id="295" name="CustomShape 2"/>
-          <p:cNvSpPr/>
+        </p:nvPicPr>
+        <p:blipFill>
+          <a:blip r:embed="rId2" cstate="print">
+            <a:extLst>
+              <a:ext uri="{28A0092B-C50C-407E-A947-70E740481C1C}">
+                <a14:useLocalDpi xmlns:a14="http://schemas.microsoft.com/office/drawing/2010/main" val="0"/>
+              </a:ext>
+            </a:extLst>
+          </a:blip>
+          <a:stretch>
+            <a:fillRect/>
+          </a:stretch>
+        </p:blipFill>
+        <p:spPr>
+          <a:xfrm>
+            <a:off x="504000" y="2134753"/>
+            <a:ext cx="3683536" cy="1224776"/>
+          </a:xfrm>
+          <a:prstGeom prst="rect">
+            <a:avLst/>
+          </a:prstGeom>
+        </p:spPr>
+      </p:pic>
+      <p:pic>
+        <p:nvPicPr>
+          <p:cNvPr id="10" name="Imagen 9">
+            <a:extLst>
+              <a:ext uri="{FF2B5EF4-FFF2-40B4-BE49-F238E27FC236}">
+                <a16:creationId xmlns:a16="http://schemas.microsoft.com/office/drawing/2014/main" id="{E093ACEA-BD81-45D6-9A43-C23BAA5575C7}"/>
+              </a:ext>
+            </a:extLst>
+          </p:cNvPr>
+          <p:cNvPicPr>
+            <a:picLocks noChangeAspect="1"/>
+          </p:cNvPicPr>
           <p:nvPr/>
-        </p:nvSpPr>
-        <p:spPr>
-          <a:xfrm>
-            <a:off x="360000" y="1980000"/>
-            <a:ext cx="9178920" cy="4678920"/>
-          </a:xfrm>
-          <a:prstGeom prst="rect">
-            <a:avLst/>
-          </a:prstGeom>
-          <a:noFill/>
-          <a:ln>
-            <a:noFill/>
-          </a:ln>
-        </p:spPr>
-        <p:style>
-          <a:lnRef idx="0">
-            <a:scrgbClr r="0" g="0" b="0"/>
-          </a:lnRef>
-          <a:fillRef idx="0">
-            <a:scrgbClr r="0" g="0" b="0"/>
-          </a:fillRef>
-          <a:effectRef idx="0">
-            <a:scrgbClr r="0" g="0" b="0"/>
-          </a:effectRef>
-          <a:fontRef idx="minor"/>
-        </p:style>
-        <p:txBody>
-          <a:bodyPr lIns="0" tIns="0" rIns="0" bIns="0">
-            <a:normAutofit fontScale="97000"/>
-          </a:bodyPr>
-          <a:lstStyle/>
-          <a:p>
-            <a:pPr marL="216000" indent="-215280">
-              <a:lnSpc>
-                <a:spcPct val="100000"/>
-              </a:lnSpc>
-              <a:spcAft>
-                <a:spcPts val="1142"/>
-              </a:spcAft>
-              <a:buClr>
-                <a:srgbClr val="000000"/>
-              </a:buClr>
-              <a:buSzPct val="45000"/>
-              <a:buFont typeface="Wingdings" charset="2"/>
-              <a:buChar char=""/>
-            </a:pPr>
-            <a:r>
-              <a:rPr lang="es-ES" sz="2600" b="1" strike="noStrike" spc="-1" dirty="0">
-                <a:solidFill>
-                  <a:srgbClr val="1C1C1C"/>
-                </a:solidFill>
-                <a:latin typeface="Source Sans Pro Semibold"/>
-                <a:ea typeface="DejaVu Sans"/>
-              </a:rPr>
-              <a:t>Elección de pagar en cualquier momento</a:t>
-            </a:r>
-            <a:endParaRPr lang="es-ES" sz="2600" b="0" strike="noStrike" spc="-1" dirty="0">
-              <a:latin typeface="Arial"/>
-            </a:endParaRPr>
-          </a:p>
-          <a:p>
-            <a:pPr marL="216000" indent="-215280">
-              <a:lnSpc>
-                <a:spcPct val="100000"/>
-              </a:lnSpc>
-              <a:spcAft>
-                <a:spcPts val="1142"/>
-              </a:spcAft>
-              <a:buClr>
-                <a:srgbClr val="000000"/>
-              </a:buClr>
-              <a:buSzPct val="45000"/>
-              <a:buFont typeface="Wingdings" charset="2"/>
-              <a:buChar char=""/>
-            </a:pPr>
-            <a:r>
-              <a:rPr lang="es-ES" sz="2600" b="1" strike="noStrike" spc="-1" dirty="0">
-                <a:solidFill>
-                  <a:srgbClr val="1C1C1C"/>
-                </a:solidFill>
-                <a:latin typeface="Source Sans Pro Semibold"/>
-                <a:ea typeface="DejaVu Sans"/>
-              </a:rPr>
-              <a:t>Diferentes alternativas prefijadas en cada plato</a:t>
-            </a:r>
-            <a:endParaRPr lang="es-ES" sz="2600" b="0" strike="noStrike" spc="-1" dirty="0">
-              <a:latin typeface="Arial"/>
-            </a:endParaRPr>
-          </a:p>
-          <a:p>
-            <a:pPr marL="216000" indent="-215280">
-              <a:lnSpc>
-                <a:spcPct val="100000"/>
-              </a:lnSpc>
-              <a:spcAft>
-                <a:spcPts val="1142"/>
-              </a:spcAft>
-              <a:buClr>
-                <a:srgbClr val="000000"/>
-              </a:buClr>
-              <a:buSzPct val="45000"/>
-              <a:buFont typeface="Wingdings" charset="2"/>
-              <a:buChar char=""/>
-            </a:pPr>
-            <a:r>
-              <a:rPr lang="es-ES" sz="2600" b="1" strike="noStrike" spc="-1" dirty="0">
-                <a:solidFill>
-                  <a:srgbClr val="1C1C1C"/>
-                </a:solidFill>
-                <a:latin typeface="Source Sans Pro Semibold"/>
-                <a:ea typeface="DejaVu Sans"/>
-              </a:rPr>
-              <a:t>Pago en efectivo o en tarjeta de crédito</a:t>
-            </a:r>
-            <a:endParaRPr lang="es-ES" sz="2600" b="0" strike="noStrike" spc="-1" dirty="0">
-              <a:latin typeface="Arial"/>
-            </a:endParaRPr>
-          </a:p>
-          <a:p>
-            <a:pPr marL="216000" indent="-215280">
-              <a:lnSpc>
-                <a:spcPct val="100000"/>
-              </a:lnSpc>
-              <a:spcAft>
-                <a:spcPts val="1142"/>
-              </a:spcAft>
-              <a:buClr>
-                <a:srgbClr val="000000"/>
-              </a:buClr>
-              <a:buSzPct val="45000"/>
-              <a:buFont typeface="Wingdings" charset="2"/>
-              <a:buChar char=""/>
-            </a:pPr>
-            <a:r>
-              <a:rPr lang="es-ES" sz="2600" b="1" strike="noStrike" spc="-1" dirty="0">
-                <a:solidFill>
-                  <a:srgbClr val="1C1C1C"/>
-                </a:solidFill>
-                <a:latin typeface="Source Sans Pro Semibold"/>
-                <a:ea typeface="DejaVu Sans"/>
-              </a:rPr>
-              <a:t>Llamar a metre</a:t>
-            </a:r>
-            <a:endParaRPr lang="es-ES" sz="2600" b="0" strike="noStrike" spc="-1" dirty="0">
-              <a:latin typeface="Arial"/>
-            </a:endParaRPr>
-          </a:p>
-          <a:p>
-            <a:pPr marL="216000" indent="-215280">
-              <a:lnSpc>
-                <a:spcPct val="100000"/>
-              </a:lnSpc>
-              <a:spcAft>
-                <a:spcPts val="1142"/>
-              </a:spcAft>
-              <a:buClr>
-                <a:srgbClr val="000000"/>
-              </a:buClr>
-              <a:buSzPct val="45000"/>
-              <a:buFont typeface="Wingdings" charset="2"/>
-              <a:buChar char=""/>
-            </a:pPr>
-            <a:r>
-              <a:rPr lang="es-ES" sz="2600" b="1" strike="noStrike" spc="-1" dirty="0">
-                <a:solidFill>
-                  <a:srgbClr val="1C1C1C"/>
-                </a:solidFill>
-                <a:latin typeface="Source Sans Pro Semibold"/>
-                <a:ea typeface="DejaVu Sans"/>
-              </a:rPr>
-              <a:t>Puede eliminar pedidos siempre y cuando estén en espera</a:t>
-            </a:r>
-            <a:endParaRPr lang="es-ES" sz="2600" b="0" strike="noStrike" spc="-1" dirty="0">
-              <a:latin typeface="Arial"/>
-            </a:endParaRPr>
-          </a:p>
-          <a:p>
-            <a:pPr marL="216000" indent="-215280">
-              <a:lnSpc>
-                <a:spcPct val="100000"/>
-              </a:lnSpc>
-              <a:spcAft>
-                <a:spcPts val="1142"/>
-              </a:spcAft>
-              <a:buClr>
-                <a:srgbClr val="000000"/>
-              </a:buClr>
-              <a:buSzPct val="45000"/>
-              <a:buFont typeface="Wingdings" charset="2"/>
-              <a:buChar char=""/>
-            </a:pPr>
-            <a:r>
-              <a:rPr lang="es-ES" sz="2600" b="1" strike="noStrike" spc="-1" dirty="0">
-                <a:solidFill>
-                  <a:srgbClr val="1C1C1C"/>
-                </a:solidFill>
-                <a:latin typeface="Source Sans Pro Semibold"/>
-                <a:ea typeface="DejaVu Sans"/>
-              </a:rPr>
-              <a:t>Se podrá imprimir factura</a:t>
-            </a:r>
-            <a:endParaRPr lang="es-ES" sz="2600" b="0" strike="noStrike" spc="-1" dirty="0">
-              <a:latin typeface="Arial"/>
-            </a:endParaRPr>
-          </a:p>
-        </p:txBody>
-      </p:sp>
+        </p:nvPicPr>
+        <p:blipFill>
+          <a:blip r:embed="rId3">
+            <a:extLst>
+              <a:ext uri="{28A0092B-C50C-407E-A947-70E740481C1C}">
+                <a14:useLocalDpi xmlns:a14="http://schemas.microsoft.com/office/drawing/2010/main" val="0"/>
+              </a:ext>
+            </a:extLst>
+          </a:blip>
+          <a:stretch>
+            <a:fillRect/>
+          </a:stretch>
+        </p:blipFill>
+        <p:spPr>
+          <a:xfrm>
+            <a:off x="5040000" y="5103725"/>
+            <a:ext cx="4649644" cy="1180696"/>
+          </a:xfrm>
+          <a:prstGeom prst="rect">
+            <a:avLst/>
+          </a:prstGeom>
+        </p:spPr>
+      </p:pic>
+      <p:pic>
+        <p:nvPicPr>
+          <p:cNvPr id="12" name="Imagen 11">
+            <a:extLst>
+              <a:ext uri="{FF2B5EF4-FFF2-40B4-BE49-F238E27FC236}">
+                <a16:creationId xmlns:a16="http://schemas.microsoft.com/office/drawing/2014/main" id="{6337CB93-2489-4E7F-844F-30E735B4035D}"/>
+              </a:ext>
+            </a:extLst>
+          </p:cNvPr>
+          <p:cNvPicPr>
+            <a:picLocks noChangeAspect="1"/>
+          </p:cNvPicPr>
+          <p:nvPr/>
+        </p:nvPicPr>
+        <p:blipFill>
+          <a:blip r:embed="rId4" cstate="print">
+            <a:extLst>
+              <a:ext uri="{28A0092B-C50C-407E-A947-70E740481C1C}">
+                <a14:useLocalDpi xmlns:a14="http://schemas.microsoft.com/office/drawing/2010/main" val="0"/>
+              </a:ext>
+            </a:extLst>
+          </a:blip>
+          <a:stretch>
+            <a:fillRect/>
+          </a:stretch>
+        </p:blipFill>
+        <p:spPr>
+          <a:xfrm>
+            <a:off x="4891960" y="1853712"/>
+            <a:ext cx="4684040" cy="2202347"/>
+          </a:xfrm>
+          <a:prstGeom prst="rect">
+            <a:avLst/>
+          </a:prstGeom>
+        </p:spPr>
+      </p:pic>
     </p:spTree>
+    <p:extLst>
+      <p:ext uri="{BB962C8B-B14F-4D97-AF65-F5344CB8AC3E}">
+        <p14:creationId xmlns:p14="http://schemas.microsoft.com/office/powerpoint/2010/main" val="1768823258"/>
+      </p:ext>
+    </p:extLst>
   </p:cSld>
   <p:clrMapOvr>
     <a:masterClrMapping/>
@@ -17507,7 +15076,7 @@
           <p:cNvPr id="2" name="Título 1">
             <a:extLst>
               <a:ext uri="{FF2B5EF4-FFF2-40B4-BE49-F238E27FC236}">
-                <a16:creationId xmlns:a16="http://schemas.microsoft.com/office/drawing/2014/main" id="{5EC879D1-F166-4AA4-98F5-F0B75F3783D5}"/>
+                <a16:creationId xmlns:a16="http://schemas.microsoft.com/office/drawing/2014/main" id="{EA746039-7C87-4FC9-86FE-384239E85789}"/>
               </a:ext>
             </a:extLst>
           </p:cNvPr>
@@ -17520,120 +15089,138 @@
         </p:nvSpPr>
         <p:spPr>
           <a:xfrm>
-            <a:off x="337745" y="880617"/>
-            <a:ext cx="9072000" cy="1052596"/>
+            <a:off x="504000" y="627521"/>
+            <a:ext cx="9072000" cy="609398"/>
           </a:xfrm>
         </p:spPr>
         <p:txBody>
           <a:bodyPr/>
           <a:lstStyle/>
           <a:p>
+            <a:pPr algn="ctr"/>
             <a:r>
-              <a:rPr lang="es-ES" sz="3200" b="1" spc="-1" dirty="0">
-                <a:solidFill>
-                  <a:srgbClr val="FFFFFF"/>
-                </a:solidFill>
-                <a:latin typeface="Source Sans Pro Black"/>
-              </a:rPr>
-              <a:t>Requisitos cliente -  No funcionales</a:t>
+              <a:rPr lang="es-ES" dirty="0"/>
+              <a:t>Entrevistas 1 y 2</a:t>
             </a:r>
-            <a:br>
-              <a:rPr lang="es-ES" spc="-1" dirty="0"/>
-            </a:br>
-            <a:endParaRPr lang="es-ES" dirty="0"/>
-          </a:p>
-        </p:txBody>
-      </p:sp>
-      <p:sp>
-        <p:nvSpPr>
-          <p:cNvPr id="3" name="Subtítulo 2">
+          </a:p>
+        </p:txBody>
+      </p:sp>
+      <p:sp>
+        <p:nvSpPr>
+          <p:cNvPr id="4" name="CuadroTexto 3">
             <a:extLst>
               <a:ext uri="{FF2B5EF4-FFF2-40B4-BE49-F238E27FC236}">
-                <a16:creationId xmlns:a16="http://schemas.microsoft.com/office/drawing/2014/main" id="{09236845-55B3-418E-9C59-F61548634886}"/>
+                <a16:creationId xmlns:a16="http://schemas.microsoft.com/office/drawing/2014/main" id="{E1CCAF8F-8739-4805-A1F9-6DDBD93E58FC}"/>
               </a:ext>
             </a:extLst>
           </p:cNvPr>
-          <p:cNvSpPr>
-            <a:spLocks noGrp="1"/>
-          </p:cNvSpPr>
-          <p:nvPr>
-            <p:ph type="subTitle"/>
-          </p:nvPr>
-        </p:nvSpPr>
-        <p:spPr>
-          <a:xfrm>
-            <a:off x="337745" y="2394281"/>
-            <a:ext cx="9072000" cy="2423740"/>
-          </a:xfrm>
-        </p:spPr>
-        <p:txBody>
-          <a:bodyPr/>
-          <a:lstStyle/>
-          <a:p>
-            <a:pPr marL="342900" indent="-342900">
+          <p:cNvSpPr txBox="1"/>
+          <p:nvPr/>
+        </p:nvSpPr>
+        <p:spPr>
+          <a:xfrm>
+            <a:off x="187445" y="2196573"/>
+            <a:ext cx="9705109" cy="2800767"/>
+          </a:xfrm>
+          <a:prstGeom prst="rect">
+            <a:avLst/>
+          </a:prstGeom>
+          <a:noFill/>
+        </p:spPr>
+        <p:txBody>
+          <a:bodyPr wrap="square" rtlCol="0">
+            <a:spAutoFit/>
+          </a:bodyPr>
+          <a:lstStyle/>
+          <a:p>
+            <a:pPr marL="285750" indent="-285750">
               <a:buFont typeface="Arial" panose="020B0604020202020204" pitchFamily="34" charset="0"/>
               <a:buChar char="•"/>
             </a:pPr>
             <a:r>
-              <a:rPr lang="es-ES" sz="2500" dirty="0">
-                <a:latin typeface="Source Sans Pro Semibold" panose="020B0603030403020204" pitchFamily="34" charset="0"/>
-                <a:ea typeface="Source Sans Pro Semibold" panose="020B0603030403020204" pitchFamily="34" charset="0"/>
-              </a:rPr>
-              <a:t>Cumplir con la ley de información alimentaria.</a:t>
+              <a:rPr lang="es-ES" sz="3200" dirty="0"/>
+              <a:t>Objetivos:</a:t>
             </a:r>
           </a:p>
           <a:p>
-            <a:pPr marL="342900" indent="-342900">
+            <a:pPr lvl="1"/>
+            <a:endParaRPr lang="es-ES" dirty="0"/>
+          </a:p>
+          <a:p>
+            <a:pPr lvl="1"/>
+            <a:r>
+              <a:rPr lang="es-ES" dirty="0"/>
+              <a:t>Saber que tipo de aplicación de quiere desarrollar.</a:t>
+            </a:r>
+          </a:p>
+          <a:p>
+            <a:pPr marL="285750" indent="-285750">
               <a:buFont typeface="Arial" panose="020B0604020202020204" pitchFamily="34" charset="0"/>
               <a:buChar char="•"/>
             </a:pPr>
-            <a:endParaRPr lang="es-ES" sz="2500" dirty="0">
-              <a:latin typeface="Source Sans Pro Semibold" panose="020B0603030403020204" pitchFamily="34" charset="0"/>
-              <a:ea typeface="Source Sans Pro Semibold" panose="020B0603030403020204" pitchFamily="34" charset="0"/>
-            </a:endParaRPr>
-          </a:p>
-          <a:p>
-            <a:pPr marL="342900" indent="-342900">
-              <a:buFont typeface="Arial" panose="020B0604020202020204" pitchFamily="34" charset="0"/>
-              <a:buChar char="•"/>
-            </a:pPr>
+            <a:endParaRPr lang="es-ES" dirty="0"/>
+          </a:p>
+          <a:p>
+            <a:pPr lvl="1"/>
             <a:r>
-              <a:rPr lang="es-ES" sz="2500" dirty="0">
-                <a:latin typeface="Source Sans Pro Semibold" panose="020B0603030403020204" pitchFamily="34" charset="0"/>
-                <a:ea typeface="Source Sans Pro Semibold" panose="020B0603030403020204" pitchFamily="34" charset="0"/>
-              </a:rPr>
-              <a:t>La aplicación debe tener la opción de elegir entre varios idiomas.</a:t>
+              <a:rPr lang="es-ES" dirty="0"/>
+              <a:t>Obtener los primeros requisitos a través de preguntas de carácter general para desarrollar un primer prototipo del sistema.</a:t>
             </a:r>
           </a:p>
           <a:p>
-            <a:pPr marL="342900" indent="-342900">
-              <a:buFont typeface="Arial" panose="020B0604020202020204" pitchFamily="34" charset="0"/>
-              <a:buChar char="•"/>
-            </a:pPr>
-            <a:endParaRPr lang="es-ES" sz="2500" dirty="0">
-              <a:latin typeface="Source Sans Pro Semibold" panose="020B0603030403020204" pitchFamily="34" charset="0"/>
-              <a:ea typeface="Source Sans Pro Semibold" panose="020B0603030403020204" pitchFamily="34" charset="0"/>
-            </a:endParaRPr>
-          </a:p>
-          <a:p>
-            <a:pPr marL="342900" indent="-342900">
-              <a:buFont typeface="Arial" panose="020B0604020202020204" pitchFamily="34" charset="0"/>
-              <a:buChar char="•"/>
-            </a:pPr>
-            <a:r>
-              <a:rPr lang="es-ES" sz="2500" dirty="0">
-                <a:latin typeface="Source Sans Pro Semibold" panose="020B0603030403020204" pitchFamily="34" charset="0"/>
-                <a:ea typeface="Source Sans Pro Semibold" panose="020B0603030403020204" pitchFamily="34" charset="0"/>
-              </a:rPr>
-              <a:t>En la aplicación se podrá ver el estado de todos los productos solicitados (pedido, en preparación o entregado).</a:t>
-            </a:r>
-          </a:p>
-        </p:txBody>
-      </p:sp>
+            <a:pPr lvl="1"/>
+            <a:endParaRPr lang="es-ES" dirty="0"/>
+          </a:p>
+          <a:p>
+            <a:pPr lvl="1"/>
+            <a:endParaRPr lang="es-ES" dirty="0"/>
+          </a:p>
+          <a:p>
+            <a:pPr lvl="1"/>
+            <a:endParaRPr lang="es-ES" dirty="0"/>
+          </a:p>
+        </p:txBody>
+      </p:sp>
+      <p:pic>
+        <p:nvPicPr>
+          <p:cNvPr id="6" name="Imagen 5">
+            <a:extLst>
+              <a:ext uri="{FF2B5EF4-FFF2-40B4-BE49-F238E27FC236}">
+                <a16:creationId xmlns:a16="http://schemas.microsoft.com/office/drawing/2014/main" id="{BD44648B-1620-4672-8E3E-2240D8C85278}"/>
+              </a:ext>
+            </a:extLst>
+          </p:cNvPr>
+          <p:cNvPicPr>
+            <a:picLocks noChangeAspect="1"/>
+          </p:cNvPicPr>
+          <p:nvPr/>
+        </p:nvPicPr>
+        <p:blipFill>
+          <a:blip r:embed="rId2">
+            <a:extLst>
+              <a:ext uri="{28A0092B-C50C-407E-A947-70E740481C1C}">
+                <a14:useLocalDpi xmlns:a14="http://schemas.microsoft.com/office/drawing/2010/main" val="0"/>
+              </a:ext>
+            </a:extLst>
+          </a:blip>
+          <a:stretch>
+            <a:fillRect/>
+          </a:stretch>
+        </p:blipFill>
+        <p:spPr>
+          <a:xfrm>
+            <a:off x="6136320" y="4510565"/>
+            <a:ext cx="3194006" cy="2061586"/>
+          </a:xfrm>
+          <a:prstGeom prst="rect">
+            <a:avLst/>
+          </a:prstGeom>
+        </p:spPr>
+      </p:pic>
     </p:spTree>
     <p:extLst>
       <p:ext uri="{BB962C8B-B14F-4D97-AF65-F5344CB8AC3E}">
-        <p14:creationId xmlns:p14="http://schemas.microsoft.com/office/powerpoint/2010/main" val="3727017764"/>
+        <p14:creationId xmlns:p14="http://schemas.microsoft.com/office/powerpoint/2010/main" val="126378902"/>
       </p:ext>
     </p:extLst>
   </p:cSld>
@@ -17662,159 +15249,157 @@
       </p:grpSpPr>
       <p:sp>
         <p:nvSpPr>
-          <p:cNvPr id="296" name="CustomShape 1"/>
-          <p:cNvSpPr/>
+          <p:cNvPr id="2" name="Título 1">
+            <a:extLst>
+              <a:ext uri="{FF2B5EF4-FFF2-40B4-BE49-F238E27FC236}">
+                <a16:creationId xmlns:a16="http://schemas.microsoft.com/office/drawing/2014/main" id="{EA746039-7C87-4FC9-86FE-384239E85789}"/>
+              </a:ext>
+            </a:extLst>
+          </p:cNvPr>
+          <p:cNvSpPr>
+            <a:spLocks noGrp="1"/>
+          </p:cNvSpPr>
+          <p:nvPr>
+            <p:ph type="title"/>
+          </p:nvPr>
+        </p:nvSpPr>
+        <p:spPr>
+          <a:xfrm>
+            <a:off x="504000" y="627521"/>
+            <a:ext cx="9072000" cy="609398"/>
+          </a:xfrm>
+        </p:spPr>
+        <p:txBody>
+          <a:bodyPr/>
+          <a:lstStyle/>
+          <a:p>
+            <a:pPr algn="ctr"/>
+            <a:r>
+              <a:rPr lang="es-ES" dirty="0"/>
+              <a:t>Entrevistas 3 y 4</a:t>
+            </a:r>
+          </a:p>
+        </p:txBody>
+      </p:sp>
+      <p:sp>
+        <p:nvSpPr>
+          <p:cNvPr id="4" name="CuadroTexto 3">
+            <a:extLst>
+              <a:ext uri="{FF2B5EF4-FFF2-40B4-BE49-F238E27FC236}">
+                <a16:creationId xmlns:a16="http://schemas.microsoft.com/office/drawing/2014/main" id="{E1CCAF8F-8739-4805-A1F9-6DDBD93E58FC}"/>
+              </a:ext>
+            </a:extLst>
+          </p:cNvPr>
+          <p:cNvSpPr txBox="1"/>
           <p:nvPr/>
         </p:nvSpPr>
         <p:spPr>
           <a:xfrm>
-            <a:off x="360000" y="360000"/>
-            <a:ext cx="9358920" cy="898920"/>
+            <a:off x="187445" y="1886323"/>
+            <a:ext cx="9705109" cy="3354765"/>
           </a:xfrm>
           <a:prstGeom prst="rect">
             <a:avLst/>
           </a:prstGeom>
           <a:noFill/>
-          <a:ln>
-            <a:noFill/>
-          </a:ln>
-        </p:spPr>
-        <p:style>
-          <a:lnRef idx="0">
-            <a:scrgbClr r="0" g="0" b="0"/>
-          </a:lnRef>
-          <a:fillRef idx="0">
-            <a:scrgbClr r="0" g="0" b="0"/>
-          </a:fillRef>
-          <a:effectRef idx="0">
-            <a:scrgbClr r="0" g="0" b="0"/>
-          </a:effectRef>
-          <a:fontRef idx="minor"/>
-        </p:style>
-        <p:txBody>
-          <a:bodyPr lIns="0" tIns="0" rIns="0" bIns="0" anchor="b">
-            <a:noAutofit/>
-          </a:bodyPr>
-          <a:lstStyle/>
-          <a:p>
-            <a:pPr>
-              <a:lnSpc>
-                <a:spcPct val="100000"/>
-              </a:lnSpc>
+        </p:spPr>
+        <p:txBody>
+          <a:bodyPr wrap="square" rtlCol="0">
+            <a:spAutoFit/>
+          </a:bodyPr>
+          <a:lstStyle/>
+          <a:p>
+            <a:pPr marL="285750" indent="-285750">
+              <a:buFont typeface="Arial" panose="020B0604020202020204" pitchFamily="34" charset="0"/>
+              <a:buChar char="•"/>
             </a:pPr>
             <a:r>
-              <a:rPr lang="es-ES" sz="3200" b="1" strike="noStrike" spc="-1" dirty="0">
-                <a:solidFill>
-                  <a:srgbClr val="FFFFFF"/>
-                </a:solidFill>
-                <a:latin typeface="Source Sans Pro Black"/>
-                <a:ea typeface="DejaVu Sans"/>
-              </a:rPr>
-              <a:t>Requisitos personal - Funcionales</a:t>
+              <a:rPr lang="es-ES" sz="3200" dirty="0"/>
+              <a:t>Objetivos:</a:t>
             </a:r>
-            <a:endParaRPr lang="es-ES" sz="3200" b="0" strike="noStrike" spc="-1" dirty="0">
-              <a:latin typeface="Arial"/>
-            </a:endParaRPr>
-          </a:p>
-        </p:txBody>
-      </p:sp>
-      <p:sp>
-        <p:nvSpPr>
-          <p:cNvPr id="297" name="CustomShape 2"/>
-          <p:cNvSpPr/>
+          </a:p>
+          <a:p>
+            <a:pPr lvl="1"/>
+            <a:endParaRPr lang="es-ES" dirty="0"/>
+          </a:p>
+          <a:p>
+            <a:pPr lvl="1"/>
+            <a:r>
+              <a:rPr lang="es-ES" dirty="0"/>
+              <a:t>Enseñar el primer prototipo básico, con el fin de profundizar mas en los requisitos de la aplicación.</a:t>
+            </a:r>
+          </a:p>
+          <a:p>
+            <a:pPr lvl="1"/>
+            <a:endParaRPr lang="es-ES" dirty="0"/>
+          </a:p>
+          <a:p>
+            <a:pPr lvl="1"/>
+            <a:r>
+              <a:rPr lang="es-ES" dirty="0"/>
+              <a:t>Conocer la opinión sobre el diseño elegido para la interfaz y los posibles cambios que desea el cliente.</a:t>
+            </a:r>
+          </a:p>
+          <a:p>
+            <a:pPr lvl="1"/>
+            <a:endParaRPr lang="es-ES" dirty="0"/>
+          </a:p>
+          <a:p>
+            <a:pPr lvl="1"/>
+            <a:endParaRPr lang="es-ES" dirty="0"/>
+          </a:p>
+          <a:p>
+            <a:pPr lvl="1"/>
+            <a:endParaRPr lang="es-ES" dirty="0"/>
+          </a:p>
+          <a:p>
+            <a:pPr lvl="1"/>
+            <a:endParaRPr lang="es-ES" dirty="0"/>
+          </a:p>
+        </p:txBody>
+      </p:sp>
+      <p:pic>
+        <p:nvPicPr>
+          <p:cNvPr id="5" name="Imagen 4">
+            <a:extLst>
+              <a:ext uri="{FF2B5EF4-FFF2-40B4-BE49-F238E27FC236}">
+                <a16:creationId xmlns:a16="http://schemas.microsoft.com/office/drawing/2014/main" id="{E05BDCBF-B722-4793-A414-E0CF279368E5}"/>
+              </a:ext>
+            </a:extLst>
+          </p:cNvPr>
+          <p:cNvPicPr>
+            <a:picLocks noChangeAspect="1"/>
+          </p:cNvPicPr>
           <p:nvPr/>
-        </p:nvSpPr>
-        <p:spPr>
-          <a:xfrm>
-            <a:off x="360000" y="1980000"/>
-            <a:ext cx="9178920" cy="4678920"/>
-          </a:xfrm>
-          <a:prstGeom prst="rect">
-            <a:avLst/>
-          </a:prstGeom>
-          <a:noFill/>
-          <a:ln>
-            <a:noFill/>
-          </a:ln>
-        </p:spPr>
-        <p:style>
-          <a:lnRef idx="0">
-            <a:scrgbClr r="0" g="0" b="0"/>
-          </a:lnRef>
-          <a:fillRef idx="0">
-            <a:scrgbClr r="0" g="0" b="0"/>
-          </a:fillRef>
-          <a:effectRef idx="0">
-            <a:scrgbClr r="0" g="0" b="0"/>
-          </a:effectRef>
-          <a:fontRef idx="minor"/>
-        </p:style>
-        <p:txBody>
-          <a:bodyPr lIns="0" tIns="0" rIns="0" bIns="0">
-            <a:normAutofit/>
-          </a:bodyPr>
-          <a:lstStyle/>
-          <a:p>
-            <a:pPr marL="216000" indent="-215280">
-              <a:lnSpc>
-                <a:spcPct val="100000"/>
-              </a:lnSpc>
-              <a:spcAft>
-                <a:spcPts val="1142"/>
-              </a:spcAft>
-              <a:buClr>
-                <a:srgbClr val="000000"/>
-              </a:buClr>
-              <a:buSzPct val="45000"/>
-              <a:buFont typeface="Wingdings" charset="2"/>
-              <a:buChar char=""/>
-            </a:pPr>
-            <a:r>
-              <a:rPr lang="es-ES" sz="2600" b="1" strike="noStrike" spc="-1" dirty="0">
-                <a:solidFill>
-                  <a:srgbClr val="1C1C1C"/>
-                </a:solidFill>
-                <a:latin typeface="Source Sans Pro Semibold"/>
-                <a:ea typeface="DejaVu Sans"/>
-              </a:rPr>
-              <a:t>Información completa de cada plato</a:t>
-            </a:r>
-            <a:endParaRPr lang="es-ES" sz="2600" b="0" strike="noStrike" spc="-1" dirty="0">
-              <a:latin typeface="Arial"/>
-            </a:endParaRPr>
-          </a:p>
-          <a:p>
-            <a:pPr marL="216000" indent="-215280">
-              <a:lnSpc>
-                <a:spcPct val="100000"/>
-              </a:lnSpc>
-              <a:spcAft>
-                <a:spcPts val="1142"/>
-              </a:spcAft>
-              <a:buClr>
-                <a:srgbClr val="000000"/>
-              </a:buClr>
-              <a:buSzPct val="45000"/>
-              <a:buFont typeface="Wingdings" charset="2"/>
-              <a:buChar char=""/>
-            </a:pPr>
-            <a:r>
-              <a:rPr lang="es-ES" sz="2600" b="1" strike="noStrike" spc="-1" dirty="0">
-                <a:solidFill>
-                  <a:srgbClr val="1C1C1C"/>
-                </a:solidFill>
-                <a:latin typeface="Source Sans Pro Semibold"/>
-                <a:ea typeface="DejaVu Sans"/>
-              </a:rPr>
-              <a:t>Los metres pueden modificar o eliminar comandas</a:t>
-            </a:r>
-            <a:endParaRPr lang="es-ES" sz="2600" b="0" strike="noStrike" spc="-1" dirty="0">
-              <a:latin typeface="Arial"/>
-            </a:endParaRPr>
-          </a:p>
-        </p:txBody>
-      </p:sp>
+        </p:nvPicPr>
+        <p:blipFill>
+          <a:blip r:embed="rId2">
+            <a:extLst>
+              <a:ext uri="{28A0092B-C50C-407E-A947-70E740481C1C}">
+                <a14:useLocalDpi xmlns:a14="http://schemas.microsoft.com/office/drawing/2010/main" val="0"/>
+              </a:ext>
+            </a:extLst>
+          </a:blip>
+          <a:stretch>
+            <a:fillRect/>
+          </a:stretch>
+        </p:blipFill>
+        <p:spPr>
+          <a:xfrm>
+            <a:off x="2909711" y="4125593"/>
+            <a:ext cx="4261202" cy="2663251"/>
+          </a:xfrm>
+          <a:prstGeom prst="rect">
+            <a:avLst/>
+          </a:prstGeom>
+        </p:spPr>
+      </p:pic>
     </p:spTree>
+    <p:extLst>
+      <p:ext uri="{BB962C8B-B14F-4D97-AF65-F5344CB8AC3E}">
+        <p14:creationId xmlns:p14="http://schemas.microsoft.com/office/powerpoint/2010/main" val="3816471053"/>
+      </p:ext>
+    </p:extLst>
   </p:cSld>
   <p:clrMapOvr>
     <a:masterClrMapping/>
@@ -17841,191 +15426,98 @@
       </p:grpSpPr>
       <p:sp>
         <p:nvSpPr>
-          <p:cNvPr id="2" name="Título 1">
-            <a:extLst>
-              <a:ext uri="{FF2B5EF4-FFF2-40B4-BE49-F238E27FC236}">
-                <a16:creationId xmlns:a16="http://schemas.microsoft.com/office/drawing/2014/main" id="{14DA8B75-B08B-4FD3-A342-72E74B829380}"/>
-              </a:ext>
-            </a:extLst>
-          </p:cNvPr>
-          <p:cNvSpPr>
-            <a:spLocks noGrp="1"/>
-          </p:cNvSpPr>
-          <p:nvPr>
-            <p:ph type="title"/>
-          </p:nvPr>
-        </p:nvSpPr>
-        <p:spPr>
-          <a:xfrm>
-            <a:off x="504000" y="800775"/>
-            <a:ext cx="9072000" cy="1052596"/>
-          </a:xfrm>
-        </p:spPr>
-        <p:txBody>
-          <a:bodyPr/>
-          <a:lstStyle/>
-          <a:p>
+          <p:cNvPr id="302" name="CustomShape 1"/>
+          <p:cNvSpPr/>
+          <p:nvPr/>
+        </p:nvSpPr>
+        <p:spPr>
+          <a:xfrm>
+            <a:off x="360000" y="360000"/>
+            <a:ext cx="9358920" cy="898920"/>
+          </a:xfrm>
+          <a:prstGeom prst="rect">
+            <a:avLst/>
+          </a:prstGeom>
+          <a:noFill/>
+          <a:ln>
+            <a:noFill/>
+          </a:ln>
+        </p:spPr>
+        <p:style>
+          <a:lnRef idx="0">
+            <a:scrgbClr r="0" g="0" b="0"/>
+          </a:lnRef>
+          <a:fillRef idx="0">
+            <a:scrgbClr r="0" g="0" b="0"/>
+          </a:fillRef>
+          <a:effectRef idx="0">
+            <a:scrgbClr r="0" g="0" b="0"/>
+          </a:effectRef>
+          <a:fontRef idx="minor"/>
+        </p:style>
+        <p:txBody>
+          <a:bodyPr lIns="0" tIns="0" rIns="0" bIns="0" anchor="b">
+            <a:noAutofit/>
+          </a:bodyPr>
+          <a:lstStyle/>
+          <a:p>
+            <a:pPr>
+              <a:lnSpc>
+                <a:spcPct val="100000"/>
+              </a:lnSpc>
+            </a:pPr>
             <a:r>
-              <a:rPr lang="es-ES" sz="3200" b="1" spc="-1" dirty="0">
+              <a:rPr lang="es-ES" sz="3200" b="1" strike="noStrike" spc="-1" dirty="0">
                 <a:solidFill>
                   <a:srgbClr val="FFFFFF"/>
                 </a:solidFill>
                 <a:latin typeface="Source Sans Pro Black"/>
+                <a:ea typeface="DejaVu Sans"/>
               </a:rPr>
-              <a:t>Requisitos personal – No </a:t>
+              <a:t>Prototipo Interfaz - Cliente</a:t>
             </a:r>
-            <a:r>
-              <a:rPr lang="es-ES" sz="3200" b="1" spc="-1" dirty="0" err="1">
-                <a:solidFill>
-                  <a:srgbClr val="FFFFFF"/>
-                </a:solidFill>
-                <a:latin typeface="Source Sans Pro Black"/>
-              </a:rPr>
-              <a:t>fucionales</a:t>
-            </a:r>
-            <a:br>
-              <a:rPr lang="es-ES" spc="-1" dirty="0"/>
-            </a:br>
-            <a:endParaRPr lang="es-ES" dirty="0"/>
-          </a:p>
-        </p:txBody>
-      </p:sp>
-      <p:sp>
-        <p:nvSpPr>
-          <p:cNvPr id="3" name="Subtítulo 2">
+            <a:endParaRPr lang="es-ES" sz="3200" b="0" strike="noStrike" spc="-1" dirty="0">
+              <a:latin typeface="Arial"/>
+            </a:endParaRPr>
+          </a:p>
+        </p:txBody>
+      </p:sp>
+      <p:sp>
+        <p:nvSpPr>
+          <p:cNvPr id="2" name="CuadroTexto 1">
             <a:extLst>
               <a:ext uri="{FF2B5EF4-FFF2-40B4-BE49-F238E27FC236}">
-                <a16:creationId xmlns:a16="http://schemas.microsoft.com/office/drawing/2014/main" id="{2D706823-936C-4896-B881-2563A9BEDFCF}"/>
+                <a16:creationId xmlns:a16="http://schemas.microsoft.com/office/drawing/2014/main" id="{96406843-0588-450F-BCA5-2DDD8B9C8382}"/>
               </a:ext>
             </a:extLst>
           </p:cNvPr>
-          <p:cNvSpPr>
-            <a:spLocks noGrp="1"/>
-          </p:cNvSpPr>
-          <p:nvPr>
-            <p:ph type="subTitle"/>
-          </p:nvPr>
-        </p:nvSpPr>
-        <p:spPr>
-          <a:xfrm>
-            <a:off x="504000" y="1707947"/>
-            <a:ext cx="9072000" cy="3296287"/>
-          </a:xfrm>
-        </p:spPr>
-        <p:txBody>
-          <a:bodyPr/>
-          <a:lstStyle/>
-          <a:p>
-            <a:endParaRPr lang="es-ES" sz="2500" b="1" spc="-1" dirty="0">
-              <a:solidFill>
-                <a:srgbClr val="1C1C1C"/>
-              </a:solidFill>
-              <a:latin typeface="Source Sans Pro Semibold" panose="020B0603030403020204" pitchFamily="34" charset="0"/>
-              <a:ea typeface="Source Sans Pro Semibold" panose="020B0603030403020204" pitchFamily="34" charset="0"/>
-            </a:endParaRPr>
-          </a:p>
-          <a:p>
-            <a:pPr marL="342900" indent="-342900">
-              <a:buFont typeface="Arial" panose="020B0604020202020204" pitchFamily="34" charset="0"/>
-              <a:buChar char="•"/>
-            </a:pPr>
+          <p:cNvSpPr txBox="1"/>
+          <p:nvPr/>
+        </p:nvSpPr>
+        <p:spPr>
+          <a:xfrm>
+            <a:off x="904008" y="2641386"/>
+            <a:ext cx="8427027" cy="1938992"/>
+          </a:xfrm>
+          <a:prstGeom prst="rect">
+            <a:avLst/>
+          </a:prstGeom>
+          <a:noFill/>
+        </p:spPr>
+        <p:txBody>
+          <a:bodyPr wrap="square" rtlCol="0">
+            <a:spAutoFit/>
+          </a:bodyPr>
+          <a:lstStyle/>
+          <a:p>
             <a:r>
-              <a:rPr lang="es-ES" sz="2400" b="1" spc="-1" dirty="0">
-                <a:solidFill>
-                  <a:srgbClr val="1C1C1C"/>
-                </a:solidFill>
-                <a:latin typeface="Source Sans Pro Semibold" panose="020B0603030403020204" pitchFamily="34" charset="0"/>
-                <a:ea typeface="Source Sans Pro Semibold" panose="020B0603030403020204" pitchFamily="34" charset="0"/>
-              </a:rPr>
-              <a:t>Debe ordenarse cada plato según cuando se pidió.</a:t>
+              <a:rPr lang="es-ES" sz="4000" dirty="0"/>
+              <a:t>INSERTAR AQUÍ LAS IMÁGENES, QUE SALGAN LOS MARCOS DE LA TABLET</a:t>
             </a:r>
           </a:p>
-          <a:p>
-            <a:pPr marL="342900" indent="-342900">
-              <a:buFont typeface="Arial" panose="020B0604020202020204" pitchFamily="34" charset="0"/>
-              <a:buChar char="•"/>
-            </a:pPr>
-            <a:endParaRPr lang="es-ES" sz="2400" b="1" spc="-1" dirty="0">
-              <a:solidFill>
-                <a:srgbClr val="1C1C1C"/>
-              </a:solidFill>
-              <a:latin typeface="Source Sans Pro Semibold" panose="020B0603030403020204" pitchFamily="34" charset="0"/>
-              <a:ea typeface="Source Sans Pro Semibold" panose="020B0603030403020204" pitchFamily="34" charset="0"/>
-            </a:endParaRPr>
-          </a:p>
-          <a:p>
-            <a:pPr marL="342900" indent="-342900">
-              <a:buFont typeface="Arial" panose="020B0604020202020204" pitchFamily="34" charset="0"/>
-              <a:buChar char="•"/>
-            </a:pPr>
-            <a:r>
-              <a:rPr lang="es-ES" sz="2400" b="1" spc="-1" dirty="0">
-                <a:solidFill>
-                  <a:srgbClr val="1C1C1C"/>
-                </a:solidFill>
-                <a:latin typeface="Source Sans Pro Semibold"/>
-              </a:rPr>
-              <a:t>Comandas agrupadas por mesa.</a:t>
-            </a:r>
-          </a:p>
-          <a:p>
-            <a:pPr marL="342900" indent="-342900">
-              <a:buFont typeface="Arial" panose="020B0604020202020204" pitchFamily="34" charset="0"/>
-              <a:buChar char="•"/>
-            </a:pPr>
-            <a:endParaRPr lang="es-ES" sz="2400" b="1" spc="-1" dirty="0">
-              <a:solidFill>
-                <a:srgbClr val="1C1C1C"/>
-              </a:solidFill>
-              <a:latin typeface="Source Sans Pro Semibold"/>
-            </a:endParaRPr>
-          </a:p>
-          <a:p>
-            <a:pPr marL="342900" indent="-342900">
-              <a:buFont typeface="Arial" panose="020B0604020202020204" pitchFamily="34" charset="0"/>
-              <a:buChar char="•"/>
-            </a:pPr>
-            <a:r>
-              <a:rPr lang="es-ES" sz="2400" b="1" spc="-1" dirty="0">
-                <a:solidFill>
-                  <a:srgbClr val="1C1C1C"/>
-                </a:solidFill>
-                <a:latin typeface="Source Sans Pro Semibold"/>
-              </a:rPr>
-              <a:t>Ordenar Mesas según su estado  </a:t>
-            </a:r>
-            <a:endParaRPr lang="es-ES" sz="2400" spc="-1" dirty="0"/>
-          </a:p>
-          <a:p>
-            <a:pPr marL="342900" indent="-342900">
-              <a:buFont typeface="Arial" panose="020B0604020202020204" pitchFamily="34" charset="0"/>
-              <a:buChar char="•"/>
-            </a:pPr>
-            <a:endParaRPr lang="es-ES" sz="2400" spc="-1" dirty="0">
-              <a:latin typeface="Source Sans Pro Semibold" panose="020B0603030403020204" pitchFamily="34" charset="0"/>
-              <a:ea typeface="Source Sans Pro Semibold" panose="020B0603030403020204" pitchFamily="34" charset="0"/>
-            </a:endParaRPr>
-          </a:p>
-          <a:p>
-            <a:pPr marL="342900" indent="-342900">
-              <a:buFont typeface="Arial" panose="020B0604020202020204" pitchFamily="34" charset="0"/>
-              <a:buChar char="•"/>
-            </a:pPr>
-            <a:endParaRPr lang="es-ES" sz="2500" spc="-1" dirty="0">
-              <a:latin typeface="Source Sans Pro" panose="020B0503030403020204" pitchFamily="34" charset="0"/>
-            </a:endParaRPr>
-          </a:p>
-          <a:p>
-            <a:endParaRPr lang="es-ES" dirty="0"/>
-          </a:p>
         </p:txBody>
       </p:sp>
     </p:spTree>
-    <p:extLst>
-      <p:ext uri="{BB962C8B-B14F-4D97-AF65-F5344CB8AC3E}">
-        <p14:creationId xmlns:p14="http://schemas.microsoft.com/office/powerpoint/2010/main" val="715810845"/>
-      </p:ext>
-    </p:extLst>
   </p:cSld>
   <p:clrMapOvr>
     <a:masterClrMapping/>
@@ -18052,7 +15544,7 @@
       </p:grpSpPr>
       <p:sp>
         <p:nvSpPr>
-          <p:cNvPr id="298" name="CustomShape 1"/>
+          <p:cNvPr id="313" name="CustomShape 1"/>
           <p:cNvSpPr/>
           <p:nvPr/>
         </p:nvSpPr>
@@ -18100,238 +15592,29 @@
                 <a:latin typeface="Source Sans Pro Black"/>
                 <a:ea typeface="DejaVu Sans"/>
               </a:rPr>
-              <a:t>Requisitos gestión - Funcionales</a:t>
+              <a:t>Prototipo Interfaz - </a:t>
+            </a:r>
+            <a:r>
+              <a:rPr lang="es-ES" sz="3200" b="1" spc="-1" dirty="0">
+                <a:solidFill>
+                  <a:srgbClr val="FFFFFF"/>
+                </a:solidFill>
+                <a:latin typeface="Source Sans Pro Black"/>
+                <a:ea typeface="DejaVu Sans"/>
+              </a:rPr>
+              <a:t>P</a:t>
+            </a:r>
+            <a:r>
+              <a:rPr lang="es-ES" sz="3200" b="1" strike="noStrike" spc="-1" dirty="0">
+                <a:solidFill>
+                  <a:srgbClr val="FFFFFF"/>
+                </a:solidFill>
+                <a:latin typeface="Source Sans Pro Black"/>
+                <a:ea typeface="DejaVu Sans"/>
+              </a:rPr>
+              <a:t>ersonal</a:t>
             </a:r>
             <a:endParaRPr lang="es-ES" sz="3200" b="0" strike="noStrike" spc="-1" dirty="0">
-              <a:latin typeface="Arial"/>
-            </a:endParaRPr>
-          </a:p>
-        </p:txBody>
-      </p:sp>
-      <p:sp>
-        <p:nvSpPr>
-          <p:cNvPr id="299" name="CustomShape 2"/>
-          <p:cNvSpPr/>
-          <p:nvPr/>
-        </p:nvSpPr>
-        <p:spPr>
-          <a:xfrm>
-            <a:off x="360000" y="1980000"/>
-            <a:ext cx="9178920" cy="4678920"/>
-          </a:xfrm>
-          <a:prstGeom prst="rect">
-            <a:avLst/>
-          </a:prstGeom>
-          <a:noFill/>
-          <a:ln>
-            <a:noFill/>
-          </a:ln>
-        </p:spPr>
-        <p:style>
-          <a:lnRef idx="0">
-            <a:scrgbClr r="0" g="0" b="0"/>
-          </a:lnRef>
-          <a:fillRef idx="0">
-            <a:scrgbClr r="0" g="0" b="0"/>
-          </a:fillRef>
-          <a:effectRef idx="0">
-            <a:scrgbClr r="0" g="0" b="0"/>
-          </a:effectRef>
-          <a:fontRef idx="minor"/>
-        </p:style>
-        <p:txBody>
-          <a:bodyPr lIns="0" tIns="0" rIns="0" bIns="0">
-            <a:normAutofit/>
-          </a:bodyPr>
-          <a:lstStyle/>
-          <a:p>
-            <a:pPr marL="216000" indent="-215280">
-              <a:lnSpc>
-                <a:spcPct val="100000"/>
-              </a:lnSpc>
-              <a:spcAft>
-                <a:spcPts val="1142"/>
-              </a:spcAft>
-              <a:buClr>
-                <a:srgbClr val="000000"/>
-              </a:buClr>
-              <a:buSzPct val="45000"/>
-              <a:buFont typeface="Wingdings" charset="2"/>
-              <a:buChar char=""/>
-            </a:pPr>
-            <a:r>
-              <a:rPr lang="es-ES" sz="2600" b="1" strike="noStrike" spc="-1" dirty="0">
-                <a:solidFill>
-                  <a:srgbClr val="1C1C1C"/>
-                </a:solidFill>
-                <a:latin typeface="Source Sans Pro Semibold"/>
-                <a:ea typeface="DejaVu Sans"/>
-              </a:rPr>
-              <a:t>Registro de clientes</a:t>
-            </a:r>
-            <a:endParaRPr lang="es-ES" sz="2600" b="0" strike="noStrike" spc="-1" dirty="0">
-              <a:latin typeface="Arial"/>
-            </a:endParaRPr>
-          </a:p>
-          <a:p>
-            <a:pPr marL="216000" indent="-215280">
-              <a:lnSpc>
-                <a:spcPct val="100000"/>
-              </a:lnSpc>
-              <a:spcAft>
-                <a:spcPts val="1142"/>
-              </a:spcAft>
-              <a:buClr>
-                <a:srgbClr val="000000"/>
-              </a:buClr>
-              <a:buSzPct val="45000"/>
-              <a:buFont typeface="Wingdings" charset="2"/>
-              <a:buChar char=""/>
-            </a:pPr>
-            <a:r>
-              <a:rPr lang="es-ES" sz="2600" b="1" strike="noStrike" spc="-1" dirty="0">
-                <a:solidFill>
-                  <a:srgbClr val="1C1C1C"/>
-                </a:solidFill>
-                <a:latin typeface="Source Sans Pro Semibold"/>
-                <a:ea typeface="DejaVu Sans"/>
-              </a:rPr>
-              <a:t>Ofrecer estadísticas a raíz de ese registro</a:t>
-            </a:r>
-            <a:endParaRPr lang="es-ES" sz="2600" b="0" strike="noStrike" spc="-1" dirty="0">
-              <a:latin typeface="Arial"/>
-            </a:endParaRPr>
-          </a:p>
-          <a:p>
-            <a:pPr marL="216000" indent="-215280">
-              <a:lnSpc>
-                <a:spcPct val="100000"/>
-              </a:lnSpc>
-              <a:spcAft>
-                <a:spcPts val="1142"/>
-              </a:spcAft>
-              <a:buClr>
-                <a:srgbClr val="000000"/>
-              </a:buClr>
-              <a:buSzPct val="45000"/>
-              <a:buFont typeface="Wingdings" charset="2"/>
-              <a:buChar char=""/>
-            </a:pPr>
-            <a:r>
-              <a:rPr lang="es-ES" sz="2600" b="1" strike="noStrike" spc="-1" dirty="0">
-                <a:solidFill>
-                  <a:srgbClr val="1C1C1C"/>
-                </a:solidFill>
-                <a:latin typeface="Source Sans Pro Semibold"/>
-                <a:ea typeface="DejaVu Sans"/>
-              </a:rPr>
-              <a:t>En sala: Camareros y metres</a:t>
-            </a:r>
-            <a:endParaRPr lang="es-ES" sz="2600" b="0" strike="noStrike" spc="-1" dirty="0">
-              <a:latin typeface="Arial"/>
-            </a:endParaRPr>
-          </a:p>
-          <a:p>
-            <a:pPr marL="216000" indent="-215280">
-              <a:lnSpc>
-                <a:spcPct val="100000"/>
-              </a:lnSpc>
-              <a:spcAft>
-                <a:spcPts val="1142"/>
-              </a:spcAft>
-              <a:buClr>
-                <a:srgbClr val="000000"/>
-              </a:buClr>
-              <a:buSzPct val="45000"/>
-              <a:buFont typeface="Wingdings" charset="2"/>
-              <a:buChar char=""/>
-            </a:pPr>
-            <a:r>
-              <a:rPr lang="es-ES" sz="2600" b="1" strike="noStrike" spc="-1" dirty="0">
-                <a:solidFill>
-                  <a:srgbClr val="1C1C1C"/>
-                </a:solidFill>
-                <a:latin typeface="Source Sans Pro Semibold"/>
-                <a:ea typeface="DejaVu Sans"/>
-              </a:rPr>
-              <a:t>Tres estados de mesa: disponible, ocupada y por limpiar</a:t>
-            </a:r>
-            <a:endParaRPr lang="es-ES" sz="2600" b="0" strike="noStrike" spc="-1" dirty="0">
-              <a:latin typeface="Arial"/>
-            </a:endParaRPr>
-          </a:p>
-          <a:p>
-            <a:pPr marL="216000" indent="-215280">
-              <a:lnSpc>
-                <a:spcPct val="100000"/>
-              </a:lnSpc>
-              <a:spcAft>
-                <a:spcPts val="1142"/>
-              </a:spcAft>
-              <a:buClr>
-                <a:srgbClr val="000000"/>
-              </a:buClr>
-              <a:buSzPct val="45000"/>
-              <a:buFont typeface="Wingdings" charset="2"/>
-              <a:buChar char=""/>
-            </a:pPr>
-            <a:r>
-              <a:rPr lang="es-ES" sz="2600" b="1" strike="noStrike" spc="-1" dirty="0" err="1">
-                <a:solidFill>
-                  <a:srgbClr val="1C1C1C"/>
-                </a:solidFill>
-                <a:latin typeface="Source Sans Pro Semibold"/>
-                <a:ea typeface="DejaVu Sans"/>
-              </a:rPr>
-              <a:t>Super-usuario</a:t>
-            </a:r>
-            <a:r>
-              <a:rPr lang="es-ES" sz="2600" b="1" strike="noStrike" spc="-1" dirty="0">
-                <a:solidFill>
-                  <a:srgbClr val="1C1C1C"/>
-                </a:solidFill>
-                <a:latin typeface="Source Sans Pro Semibold"/>
-                <a:ea typeface="DejaVu Sans"/>
-              </a:rPr>
-              <a:t> encargado de administrar cuentas</a:t>
-            </a:r>
-          </a:p>
-          <a:p>
-            <a:pPr marL="216000" indent="-215280">
-              <a:spcAft>
-                <a:spcPts val="1142"/>
-              </a:spcAft>
-              <a:buClr>
-                <a:srgbClr val="000000"/>
-              </a:buClr>
-              <a:buSzPct val="45000"/>
-              <a:buFont typeface="Wingdings" charset="2"/>
-              <a:buChar char=""/>
-            </a:pPr>
-            <a:r>
-              <a:rPr lang="es-ES" sz="2600" dirty="0">
-                <a:latin typeface="Source Sans Pro Semibold" panose="020B0603030403020204" pitchFamily="34" charset="0"/>
-                <a:ea typeface="Source Sans Pro Semibold" panose="020B0603030403020204" pitchFamily="34" charset="0"/>
-              </a:rPr>
-              <a:t>Los jefes de sala (o metres) tienen permisos para modificar o eliminar una comanda. - Funcional</a:t>
-            </a:r>
-          </a:p>
-          <a:p>
-            <a:pPr marL="216000" indent="-215280">
-              <a:lnSpc>
-                <a:spcPct val="100000"/>
-              </a:lnSpc>
-              <a:spcAft>
-                <a:spcPts val="1142"/>
-              </a:spcAft>
-              <a:buClr>
-                <a:srgbClr val="000000"/>
-              </a:buClr>
-              <a:buSzPct val="45000"/>
-              <a:buFont typeface="Wingdings" charset="2"/>
-              <a:buChar char=""/>
-            </a:pPr>
-            <a:endParaRPr lang="es-ES" sz="2600" b="0" strike="noStrike" spc="-1" dirty="0">
               <a:latin typeface="Arial"/>
             </a:endParaRPr>
           </a:p>
@@ -18364,92 +15647,83 @@
       </p:grpSpPr>
       <p:sp>
         <p:nvSpPr>
-          <p:cNvPr id="2" name="Título 1">
-            <a:extLst>
-              <a:ext uri="{FF2B5EF4-FFF2-40B4-BE49-F238E27FC236}">
-                <a16:creationId xmlns:a16="http://schemas.microsoft.com/office/drawing/2014/main" id="{8BFEB53B-BDAB-4A43-B319-8838C25AFDCA}"/>
-              </a:ext>
-            </a:extLst>
-          </p:cNvPr>
-          <p:cNvSpPr>
-            <a:spLocks noGrp="1"/>
-          </p:cNvSpPr>
-          <p:nvPr>
-            <p:ph type="title"/>
-          </p:nvPr>
-        </p:nvSpPr>
-        <p:spPr>
-          <a:xfrm>
-            <a:off x="504000" y="716084"/>
-            <a:ext cx="9072000" cy="1052596"/>
-          </a:xfrm>
-        </p:spPr>
-        <p:txBody>
-          <a:bodyPr/>
-          <a:lstStyle/>
-          <a:p>
+          <p:cNvPr id="331" name="CustomShape 1"/>
+          <p:cNvSpPr/>
+          <p:nvPr/>
+        </p:nvSpPr>
+        <p:spPr>
+          <a:xfrm>
+            <a:off x="360000" y="360000"/>
+            <a:ext cx="9358920" cy="898920"/>
+          </a:xfrm>
+          <a:prstGeom prst="rect">
+            <a:avLst/>
+          </a:prstGeom>
+          <a:noFill/>
+          <a:ln>
+            <a:noFill/>
+          </a:ln>
+        </p:spPr>
+        <p:style>
+          <a:lnRef idx="0">
+            <a:scrgbClr r="0" g="0" b="0"/>
+          </a:lnRef>
+          <a:fillRef idx="0">
+            <a:scrgbClr r="0" g="0" b="0"/>
+          </a:fillRef>
+          <a:effectRef idx="0">
+            <a:scrgbClr r="0" g="0" b="0"/>
+          </a:effectRef>
+          <a:fontRef idx="minor"/>
+        </p:style>
+        <p:txBody>
+          <a:bodyPr lIns="0" tIns="0" rIns="0" bIns="0" anchor="b">
+            <a:noAutofit/>
+          </a:bodyPr>
+          <a:lstStyle/>
+          <a:p>
+            <a:pPr>
+              <a:lnSpc>
+                <a:spcPct val="100000"/>
+              </a:lnSpc>
+            </a:pPr>
             <a:r>
-              <a:rPr lang="es-ES" sz="3200" b="1" spc="-1" dirty="0">
+              <a:rPr lang="es-ES" sz="3200" b="1" strike="noStrike" spc="-1" dirty="0">
                 <a:solidFill>
                   <a:srgbClr val="FFFFFF"/>
                 </a:solidFill>
                 <a:latin typeface="Source Sans Pro Black"/>
+                <a:ea typeface="DejaVu Sans"/>
               </a:rPr>
-              <a:t>Requisitos gestión – No funcionales</a:t>
+              <a:t>Interfaz </a:t>
             </a:r>
-            <a:br>
-              <a:rPr lang="es-ES" spc="-1" dirty="0"/>
-            </a:br>
-            <a:endParaRPr lang="es-ES" dirty="0"/>
-          </a:p>
-        </p:txBody>
-      </p:sp>
-      <p:sp>
-        <p:nvSpPr>
-          <p:cNvPr id="3" name="Subtítulo 2">
-            <a:extLst>
-              <a:ext uri="{FF2B5EF4-FFF2-40B4-BE49-F238E27FC236}">
-                <a16:creationId xmlns:a16="http://schemas.microsoft.com/office/drawing/2014/main" id="{C15B2E89-E58C-41CC-95F3-6AB4700E376D}"/>
-              </a:ext>
-            </a:extLst>
-          </p:cNvPr>
-          <p:cNvSpPr>
-            <a:spLocks noGrp="1"/>
-          </p:cNvSpPr>
-          <p:nvPr>
-            <p:ph type="subTitle"/>
-          </p:nvPr>
-        </p:nvSpPr>
-        <p:spPr>
-          <a:xfrm>
-            <a:off x="504000" y="1942988"/>
-            <a:ext cx="9072000" cy="1038746"/>
-          </a:xfrm>
-        </p:spPr>
-        <p:txBody>
-          <a:bodyPr/>
-          <a:lstStyle/>
-          <a:p>
-            <a:pPr marL="342900" indent="-342900">
-              <a:buFont typeface="Arial" panose="020B0604020202020204" pitchFamily="34" charset="0"/>
-              <a:buChar char="•"/>
-            </a:pPr>
             <a:r>
-              <a:rPr lang="es-ES" sz="2500" dirty="0">
-                <a:latin typeface="Source Sans Pro Semibold" panose="020B0603030403020204" pitchFamily="34" charset="0"/>
-                <a:ea typeface="Source Sans Pro Semibold" panose="020B0603030403020204" pitchFamily="34" charset="0"/>
+              <a:rPr lang="es-ES" sz="3200" b="1" spc="-1" dirty="0" err="1">
+                <a:solidFill>
+                  <a:srgbClr val="FFFFFF"/>
+                </a:solidFill>
+                <a:latin typeface="Source Sans Pro Black"/>
+                <a:ea typeface="DejaVu Sans"/>
               </a:rPr>
-              <a:t>En sala existen 2 tipos de empleados; los camareros que sirven y los metres (o jefes de sala) que se encargan de atender las necesidades de los clientes. </a:t>
+              <a:t>S</a:t>
             </a:r>
+            <a:r>
+              <a:rPr lang="es-ES" sz="3200" b="1" strike="noStrike" spc="-1" dirty="0" err="1">
+                <a:solidFill>
+                  <a:srgbClr val="FFFFFF"/>
+                </a:solidFill>
+                <a:latin typeface="Source Sans Pro Black"/>
+                <a:ea typeface="DejaVu Sans"/>
+              </a:rPr>
+              <a:t>uperusuario</a:t>
+            </a:r>
+            <a:endParaRPr lang="es-ES" sz="3200" b="0" strike="noStrike" spc="-1" dirty="0">
+              <a:latin typeface="Arial"/>
+            </a:endParaRPr>
           </a:p>
         </p:txBody>
       </p:sp>
     </p:spTree>
-    <p:extLst>
-      <p:ext uri="{BB962C8B-B14F-4D97-AF65-F5344CB8AC3E}">
-        <p14:creationId xmlns:p14="http://schemas.microsoft.com/office/powerpoint/2010/main" val="650392054"/>
-      </p:ext>
-    </p:extLst>
   </p:cSld>
   <p:clrMapOvr>
     <a:masterClrMapping/>
@@ -18476,7 +15750,7 @@
       </p:grpSpPr>
       <p:sp>
         <p:nvSpPr>
-          <p:cNvPr id="300" name="CustomShape 1"/>
+          <p:cNvPr id="294" name="CustomShape 1"/>
           <p:cNvSpPr/>
           <p:nvPr/>
         </p:nvSpPr>
@@ -18517,57 +15791,180 @@
               </a:lnSpc>
             </a:pPr>
             <a:r>
-              <a:rPr lang="es-ES" sz="3200" b="1" strike="noStrike" spc="-1">
+              <a:rPr lang="es-ES" sz="3200" b="1" strike="noStrike" spc="-1" dirty="0">
                 <a:solidFill>
                   <a:srgbClr val="FFFFFF"/>
                 </a:solidFill>
                 <a:latin typeface="Source Sans Pro Black"/>
                 <a:ea typeface="DejaVu Sans"/>
               </a:rPr>
-              <a:t>Caso de uso cliente</a:t>
+              <a:t>Requisitos No Funcionales</a:t>
             </a:r>
-            <a:endParaRPr lang="es-ES" sz="3200" b="0" strike="noStrike" spc="-1">
-              <a:latin typeface="Arial"/>
-            </a:endParaRPr>
-          </a:p>
-        </p:txBody>
-      </p:sp>
-      <p:pic>
-        <p:nvPicPr>
-          <p:cNvPr id="3" name="Imagen 2">
-            <a:extLst>
-              <a:ext uri="{FF2B5EF4-FFF2-40B4-BE49-F238E27FC236}">
-                <a16:creationId xmlns:a16="http://schemas.microsoft.com/office/drawing/2014/main" id="{F1BDD349-F2BE-4B1E-B4D6-8671F7811351}"/>
-              </a:ext>
-            </a:extLst>
-          </p:cNvPr>
-          <p:cNvPicPr>
-            <a:picLocks noChangeAspect="1"/>
-          </p:cNvPicPr>
+            <a:endParaRPr lang="es-ES" sz="3200" b="0" strike="noStrike" spc="-1" dirty="0">
+              <a:latin typeface="Arial"/>
+            </a:endParaRPr>
+          </a:p>
+        </p:txBody>
+      </p:sp>
+      <p:sp>
+        <p:nvSpPr>
+          <p:cNvPr id="295" name="CustomShape 2"/>
+          <p:cNvSpPr/>
           <p:nvPr/>
-        </p:nvPicPr>
-        <p:blipFill>
-          <a:blip r:embed="rId2">
-            <a:extLst>
-              <a:ext uri="{28A0092B-C50C-407E-A947-70E740481C1C}">
-                <a14:useLocalDpi xmlns:a14="http://schemas.microsoft.com/office/drawing/2010/main" val="0"/>
-              </a:ext>
-            </a:extLst>
-          </a:blip>
-          <a:stretch>
-            <a:fillRect/>
-          </a:stretch>
-        </p:blipFill>
-        <p:spPr>
-          <a:xfrm>
-            <a:off x="701320" y="1583453"/>
-            <a:ext cx="8677983" cy="5256045"/>
-          </a:xfrm>
-          <a:prstGeom prst="rect">
-            <a:avLst/>
-          </a:prstGeom>
-        </p:spPr>
-      </p:pic>
+        </p:nvSpPr>
+        <p:spPr>
+          <a:xfrm>
+            <a:off x="360000" y="1980000"/>
+            <a:ext cx="9178920" cy="4678920"/>
+          </a:xfrm>
+          <a:prstGeom prst="rect">
+            <a:avLst/>
+          </a:prstGeom>
+          <a:noFill/>
+          <a:ln>
+            <a:noFill/>
+          </a:ln>
+        </p:spPr>
+        <p:style>
+          <a:lnRef idx="0">
+            <a:scrgbClr r="0" g="0" b="0"/>
+          </a:lnRef>
+          <a:fillRef idx="0">
+            <a:scrgbClr r="0" g="0" b="0"/>
+          </a:fillRef>
+          <a:effectRef idx="0">
+            <a:scrgbClr r="0" g="0" b="0"/>
+          </a:effectRef>
+          <a:fontRef idx="minor"/>
+        </p:style>
+        <p:txBody>
+          <a:bodyPr lIns="0" tIns="0" rIns="0" bIns="0">
+            <a:normAutofit fontScale="97000"/>
+          </a:bodyPr>
+          <a:lstStyle/>
+          <a:p>
+            <a:pPr marL="342900" indent="-342900">
+              <a:buFont typeface="Arial" panose="020B0604020202020204" pitchFamily="34" charset="0"/>
+              <a:buChar char="•"/>
+            </a:pPr>
+            <a:r>
+              <a:rPr lang="es-ES" sz="2700" b="1" dirty="0">
+                <a:latin typeface="Source Sans Pro Semibold" panose="020B0603030403020204" pitchFamily="34" charset="0"/>
+                <a:ea typeface="Source Sans Pro Semibold" panose="020B0603030403020204" pitchFamily="34" charset="0"/>
+              </a:rPr>
+              <a:t>Cumplir con la ley de información alimentaria.</a:t>
+            </a:r>
+          </a:p>
+          <a:p>
+            <a:pPr marL="342900" indent="-342900">
+              <a:buFont typeface="Arial" panose="020B0604020202020204" pitchFamily="34" charset="0"/>
+              <a:buChar char="•"/>
+            </a:pPr>
+            <a:endParaRPr lang="es-ES" sz="2800" dirty="0">
+              <a:latin typeface="Source Sans Pro Semibold" panose="020B0603030403020204" pitchFamily="34" charset="0"/>
+              <a:ea typeface="Source Sans Pro Semibold" panose="020B0603030403020204" pitchFamily="34" charset="0"/>
+            </a:endParaRPr>
+          </a:p>
+          <a:p>
+            <a:pPr marL="342900" indent="-342900">
+              <a:buFont typeface="Arial" panose="020B0604020202020204" pitchFamily="34" charset="0"/>
+              <a:buChar char="•"/>
+            </a:pPr>
+            <a:r>
+              <a:rPr lang="es-ES" sz="2700" b="1" dirty="0">
+                <a:latin typeface="Source Sans Pro Semibold" panose="020B0603030403020204" pitchFamily="34" charset="0"/>
+                <a:ea typeface="Source Sans Pro Semibold" panose="020B0603030403020204" pitchFamily="34" charset="0"/>
+              </a:rPr>
+              <a:t>La aplicación debe tener la opción de elegir entre varios idiomas.</a:t>
+            </a:r>
+          </a:p>
+          <a:p>
+            <a:pPr marL="216000" indent="-215280">
+              <a:lnSpc>
+                <a:spcPct val="100000"/>
+              </a:lnSpc>
+              <a:spcAft>
+                <a:spcPts val="1142"/>
+              </a:spcAft>
+              <a:buClr>
+                <a:srgbClr val="000000"/>
+              </a:buClr>
+              <a:buSzPct val="45000"/>
+              <a:buFont typeface="Wingdings" charset="2"/>
+              <a:buChar char=""/>
+            </a:pPr>
+            <a:endParaRPr lang="es-ES" sz="2600" spc="-1" dirty="0">
+              <a:latin typeface="Arial"/>
+            </a:endParaRPr>
+          </a:p>
+          <a:p>
+            <a:pPr marL="216000" indent="-215280">
+              <a:lnSpc>
+                <a:spcPct val="100000"/>
+              </a:lnSpc>
+              <a:spcAft>
+                <a:spcPts val="1142"/>
+              </a:spcAft>
+              <a:buClr>
+                <a:srgbClr val="000000"/>
+              </a:buClr>
+              <a:buSzPct val="45000"/>
+              <a:buFont typeface="Wingdings" charset="2"/>
+              <a:buChar char=""/>
+            </a:pPr>
+            <a:r>
+              <a:rPr lang="es-ES" sz="2700" b="1" spc="-1" dirty="0">
+                <a:latin typeface="Arial"/>
+              </a:rPr>
+              <a:t> La implementación del sistema ha de realizarse en Java.</a:t>
+            </a:r>
+          </a:p>
+          <a:p>
+            <a:pPr marL="216000" indent="-215280">
+              <a:lnSpc>
+                <a:spcPct val="100000"/>
+              </a:lnSpc>
+              <a:spcAft>
+                <a:spcPts val="1142"/>
+              </a:spcAft>
+              <a:buClr>
+                <a:srgbClr val="000000"/>
+              </a:buClr>
+              <a:buSzPct val="45000"/>
+              <a:buFont typeface="Wingdings" charset="2"/>
+              <a:buChar char=""/>
+            </a:pPr>
+            <a:endParaRPr lang="es-ES" sz="2700" b="1" strike="noStrike" spc="-1" dirty="0">
+              <a:latin typeface="Arial"/>
+            </a:endParaRPr>
+          </a:p>
+          <a:p>
+            <a:pPr marL="216000" indent="-215280">
+              <a:lnSpc>
+                <a:spcPct val="100000"/>
+              </a:lnSpc>
+              <a:spcAft>
+                <a:spcPts val="1142"/>
+              </a:spcAft>
+              <a:buClr>
+                <a:srgbClr val="000000"/>
+              </a:buClr>
+              <a:buSzPct val="45000"/>
+              <a:buFont typeface="Wingdings" charset="2"/>
+              <a:buChar char=""/>
+            </a:pPr>
+            <a:r>
+              <a:rPr lang="es-ES" sz="2700" b="1" spc="-1" dirty="0">
+                <a:latin typeface="Arial"/>
+              </a:rPr>
+              <a:t> Cada restaurante tendrá servidores conectados con el sistema de administración.</a:t>
+            </a:r>
+            <a:endParaRPr lang="es-ES" sz="2700" b="1" strike="noStrike" spc="-1" dirty="0">
+              <a:latin typeface="Arial"/>
+            </a:endParaRPr>
+          </a:p>
+        </p:txBody>
+      </p:sp>
     </p:spTree>
   </p:cSld>
   <p:clrMapOvr>
@@ -19924,229 +17321,4 @@
   <a:objectDefaults/>
   <a:extraClrSchemeLst/>
 </a:theme>
-</file>
-
-<file path=ppt/theme/theme7.xml><?xml version="1.0" encoding="utf-8"?>
-<a:theme xmlns:a="http://schemas.openxmlformats.org/drawingml/2006/main" name="Office Theme">
-  <a:themeElements>
-    <a:clrScheme name="Office">
-      <a:dk1>
-        <a:sysClr val="windowText" lastClr="000000"/>
-      </a:dk1>
-      <a:lt1>
-        <a:sysClr val="window" lastClr="FFFFFF"/>
-      </a:lt1>
-      <a:dk2>
-        <a:srgbClr val="1F497D"/>
-      </a:dk2>
-      <a:lt2>
-        <a:srgbClr val="EEECE1"/>
-      </a:lt2>
-      <a:accent1>
-        <a:srgbClr val="4F81BD"/>
-      </a:accent1>
-      <a:accent2>
-        <a:srgbClr val="C0504D"/>
-      </a:accent2>
-      <a:accent3>
-        <a:srgbClr val="9BBB59"/>
-      </a:accent3>
-      <a:accent4>
-        <a:srgbClr val="8064A2"/>
-      </a:accent4>
-      <a:accent5>
-        <a:srgbClr val="4BACC6"/>
-      </a:accent5>
-      <a:accent6>
-        <a:srgbClr val="F79646"/>
-      </a:accent6>
-      <a:hlink>
-        <a:srgbClr val="0000FF"/>
-      </a:hlink>
-      <a:folHlink>
-        <a:srgbClr val="800080"/>
-      </a:folHlink>
-    </a:clrScheme>
-    <a:fontScheme name="Office">
-      <a:majorFont>
-        <a:latin typeface="Arial"/>
-        <a:ea typeface="DejaVu Sans"/>
-        <a:cs typeface="DejaVu Sans"/>
-      </a:majorFont>
-      <a:minorFont>
-        <a:latin typeface="Arial"/>
-        <a:ea typeface="DejaVu Sans"/>
-        <a:cs typeface="DejaVu Sans"/>
-      </a:minorFont>
-    </a:fontScheme>
-    <a:fmtScheme name="Office">
-      <a:fillStyleLst>
-        <a:solidFill>
-          <a:schemeClr val="phClr"/>
-        </a:solidFill>
-        <a:gradFill rotWithShape="1">
-          <a:gsLst>
-            <a:gs pos="0">
-              <a:schemeClr val="phClr">
-                <a:tint val="50000"/>
-                <a:satMod val="300000"/>
-              </a:schemeClr>
-            </a:gs>
-            <a:gs pos="35000">
-              <a:schemeClr val="phClr">
-                <a:tint val="37000"/>
-                <a:satMod val="300000"/>
-              </a:schemeClr>
-            </a:gs>
-            <a:gs pos="100000">
-              <a:schemeClr val="phClr">
-                <a:tint val="15000"/>
-                <a:satMod val="350000"/>
-              </a:schemeClr>
-            </a:gs>
-          </a:gsLst>
-          <a:lin ang="16200000" scaled="1"/>
-        </a:gradFill>
-        <a:gradFill rotWithShape="1">
-          <a:gsLst>
-            <a:gs pos="0">
-              <a:schemeClr val="phClr">
-                <a:shade val="51000"/>
-                <a:satMod val="130000"/>
-              </a:schemeClr>
-            </a:gs>
-            <a:gs pos="80000">
-              <a:schemeClr val="phClr">
-                <a:shade val="93000"/>
-                <a:satMod val="130000"/>
-              </a:schemeClr>
-            </a:gs>
-            <a:gs pos="100000">
-              <a:schemeClr val="phClr">
-                <a:shade val="94000"/>
-                <a:satMod val="135000"/>
-              </a:schemeClr>
-            </a:gs>
-          </a:gsLst>
-          <a:lin ang="16200000" scaled="0"/>
-        </a:gradFill>
-      </a:fillStyleLst>
-      <a:lnStyleLst>
-        <a:ln w="9525" cap="flat" cmpd="sng" algn="ctr">
-          <a:solidFill>
-            <a:schemeClr val="phClr">
-              <a:shade val="95000"/>
-              <a:satMod val="105000"/>
-            </a:schemeClr>
-          </a:solidFill>
-          <a:prstDash val="solid"/>
-        </a:ln>
-        <a:ln w="25400" cap="flat" cmpd="sng" algn="ctr">
-          <a:solidFill>
-            <a:schemeClr val="phClr"/>
-          </a:solidFill>
-          <a:prstDash val="solid"/>
-        </a:ln>
-        <a:ln w="38100" cap="flat" cmpd="sng" algn="ctr">
-          <a:solidFill>
-            <a:schemeClr val="phClr"/>
-          </a:solidFill>
-          <a:prstDash val="solid"/>
-        </a:ln>
-      </a:lnStyleLst>
-      <a:effectStyleLst>
-        <a:effectStyle>
-          <a:effectLst>
-            <a:outerShdw blurRad="40000" dist="20000" dir="5400000" rotWithShape="0">
-              <a:srgbClr val="000000">
-                <a:alpha val="38000"/>
-              </a:srgbClr>
-            </a:outerShdw>
-          </a:effectLst>
-        </a:effectStyle>
-        <a:effectStyle>
-          <a:effectLst>
-            <a:outerShdw blurRad="40000" dist="23000" dir="5400000" rotWithShape="0">
-              <a:srgbClr val="000000">
-                <a:alpha val="35000"/>
-              </a:srgbClr>
-            </a:outerShdw>
-          </a:effectLst>
-        </a:effectStyle>
-        <a:effectStyle>
-          <a:effectLst>
-            <a:outerShdw blurRad="40000" dist="23000" dir="5400000" rotWithShape="0">
-              <a:srgbClr val="000000">
-                <a:alpha val="35000"/>
-              </a:srgbClr>
-            </a:outerShdw>
-          </a:effectLst>
-          <a:scene3d>
-            <a:camera prst="orthographicFront">
-              <a:rot lat="0" lon="0" rev="0"/>
-            </a:camera>
-            <a:lightRig rig="threePt" dir="t">
-              <a:rot lat="0" lon="0" rev="1200000"/>
-            </a:lightRig>
-          </a:scene3d>
-          <a:sp3d>
-            <a:bevelT w="63500" h="25400"/>
-          </a:sp3d>
-        </a:effectStyle>
-      </a:effectStyleLst>
-      <a:bgFillStyleLst>
-        <a:solidFill>
-          <a:schemeClr val="phClr"/>
-        </a:solidFill>
-        <a:gradFill rotWithShape="1">
-          <a:gsLst>
-            <a:gs pos="0">
-              <a:schemeClr val="phClr">
-                <a:tint val="40000"/>
-                <a:satMod val="350000"/>
-              </a:schemeClr>
-            </a:gs>
-            <a:gs pos="40000">
-              <a:schemeClr val="phClr">
-                <a:tint val="45000"/>
-                <a:shade val="99000"/>
-                <a:satMod val="350000"/>
-              </a:schemeClr>
-            </a:gs>
-            <a:gs pos="100000">
-              <a:schemeClr val="phClr">
-                <a:shade val="20000"/>
-                <a:satMod val="255000"/>
-              </a:schemeClr>
-            </a:gs>
-          </a:gsLst>
-          <a:path path="circle">
-            <a:fillToRect l="50000" t="-80000" r="50000" b="180000"/>
-          </a:path>
-        </a:gradFill>
-        <a:gradFill rotWithShape="1">
-          <a:gsLst>
-            <a:gs pos="0">
-              <a:schemeClr val="phClr">
-                <a:tint val="80000"/>
-                <a:satMod val="300000"/>
-              </a:schemeClr>
-            </a:gs>
-            <a:gs pos="100000">
-              <a:schemeClr val="phClr">
-                <a:shade val="30000"/>
-                <a:satMod val="200000"/>
-              </a:schemeClr>
-            </a:gs>
-          </a:gsLst>
-          <a:path path="circle">
-            <a:fillToRect l="50000" t="50000" r="50000" b="50000"/>
-          </a:path>
-        </a:gradFill>
-      </a:bgFillStyleLst>
-    </a:fmtScheme>
-  </a:themeElements>
-  <a:objectDefaults/>
-  <a:extraClrSchemeLst/>
-</a:theme>
 </file>
--- a/Material/Presentación/Presentacion Final (incompleta).pptx
+++ b/Material/Presentación/Presentacion Final (incompleta).pptx
@@ -15035,6 +15035,78 @@
           <a:xfrm>
             <a:off x="4891960" y="1853712"/>
             <a:ext cx="4684040" cy="2202347"/>
+          </a:xfrm>
+          <a:prstGeom prst="rect">
+            <a:avLst/>
+          </a:prstGeom>
+        </p:spPr>
+      </p:pic>
+      <p:pic>
+        <p:nvPicPr>
+          <p:cNvPr id="4" name="Imagen 3">
+            <a:extLst>
+              <a:ext uri="{FF2B5EF4-FFF2-40B4-BE49-F238E27FC236}">
+                <a16:creationId xmlns:a16="http://schemas.microsoft.com/office/drawing/2014/main" id="{F1B498A7-1075-4768-857F-1F637E889F94}"/>
+              </a:ext>
+            </a:extLst>
+          </p:cNvPr>
+          <p:cNvPicPr>
+            <a:picLocks noChangeAspect="1"/>
+          </p:cNvPicPr>
+          <p:nvPr/>
+        </p:nvPicPr>
+        <p:blipFill>
+          <a:blip r:embed="rId5" cstate="print">
+            <a:extLst>
+              <a:ext uri="{28A0092B-C50C-407E-A947-70E740481C1C}">
+                <a14:useLocalDpi xmlns:a14="http://schemas.microsoft.com/office/drawing/2010/main" val="0"/>
+              </a:ext>
+            </a:extLst>
+          </a:blip>
+          <a:stretch>
+            <a:fillRect/>
+          </a:stretch>
+        </p:blipFill>
+        <p:spPr>
+          <a:xfrm>
+            <a:off x="390981" y="4572922"/>
+            <a:ext cx="4521054" cy="913478"/>
+          </a:xfrm>
+          <a:prstGeom prst="rect">
+            <a:avLst/>
+          </a:prstGeom>
+        </p:spPr>
+      </p:pic>
+      <p:pic>
+        <p:nvPicPr>
+          <p:cNvPr id="7" name="Imagen 6">
+            <a:extLst>
+              <a:ext uri="{FF2B5EF4-FFF2-40B4-BE49-F238E27FC236}">
+                <a16:creationId xmlns:a16="http://schemas.microsoft.com/office/drawing/2014/main" id="{4278306D-BC67-4AE8-BC21-73E60054A286}"/>
+              </a:ext>
+            </a:extLst>
+          </p:cNvPr>
+          <p:cNvPicPr>
+            <a:picLocks noChangeAspect="1"/>
+          </p:cNvPicPr>
+          <p:nvPr/>
+        </p:nvPicPr>
+        <p:blipFill>
+          <a:blip r:embed="rId6" cstate="print">
+            <a:extLst>
+              <a:ext uri="{28A0092B-C50C-407E-A947-70E740481C1C}">
+                <a14:useLocalDpi xmlns:a14="http://schemas.microsoft.com/office/drawing/2010/main" val="0"/>
+              </a:ext>
+            </a:extLst>
+          </a:blip>
+          <a:stretch>
+            <a:fillRect/>
+          </a:stretch>
+        </p:blipFill>
+        <p:spPr>
+          <a:xfrm>
+            <a:off x="390981" y="5692593"/>
+            <a:ext cx="4507621" cy="830652"/>
           </a:xfrm>
           <a:prstGeom prst="rect">
             <a:avLst/>

--- a/Material/Presentación/Presentacion Final (incompleta).pptx
+++ b/Material/Presentación/Presentacion Final (incompleta).pptx
@@ -14,21 +14,22 @@
     <p:sldId id="278" r:id="rId8"/>
     <p:sldId id="281" r:id="rId9"/>
     <p:sldId id="279" r:id="rId10"/>
-    <p:sldId id="280" r:id="rId11"/>
-    <p:sldId id="262" r:id="rId12"/>
-    <p:sldId id="266" r:id="rId13"/>
-    <p:sldId id="272" r:id="rId14"/>
-    <p:sldId id="258" r:id="rId15"/>
-    <p:sldId id="277" r:id="rId16"/>
-    <p:sldId id="259" r:id="rId17"/>
-    <p:sldId id="260" r:id="rId18"/>
-    <p:sldId id="261" r:id="rId19"/>
-    <p:sldId id="265" r:id="rId20"/>
-    <p:sldId id="267" r:id="rId21"/>
-    <p:sldId id="271" r:id="rId22"/>
-    <p:sldId id="273" r:id="rId23"/>
-    <p:sldId id="274" r:id="rId24"/>
-    <p:sldId id="275" r:id="rId25"/>
+    <p:sldId id="282" r:id="rId11"/>
+    <p:sldId id="280" r:id="rId12"/>
+    <p:sldId id="262" r:id="rId13"/>
+    <p:sldId id="266" r:id="rId14"/>
+    <p:sldId id="272" r:id="rId15"/>
+    <p:sldId id="258" r:id="rId16"/>
+    <p:sldId id="277" r:id="rId17"/>
+    <p:sldId id="259" r:id="rId18"/>
+    <p:sldId id="260" r:id="rId19"/>
+    <p:sldId id="261" r:id="rId20"/>
+    <p:sldId id="265" r:id="rId21"/>
+    <p:sldId id="267" r:id="rId22"/>
+    <p:sldId id="271" r:id="rId23"/>
+    <p:sldId id="273" r:id="rId24"/>
+    <p:sldId id="274" r:id="rId25"/>
+    <p:sldId id="275" r:id="rId26"/>
   </p:sldIdLst>
   <p:sldSz cx="10080625" cy="7559675"/>
   <p:notesSz cx="7559675" cy="10691813"/>
@@ -12768,6 +12769,248 @@
                 <a:latin typeface="Source Sans Pro Black"/>
                 <a:ea typeface="DejaVu Sans"/>
               </a:rPr>
+              <a:t>Requisitos No Funcionales</a:t>
+            </a:r>
+            <a:endParaRPr lang="es-ES" sz="3200" b="0" strike="noStrike" spc="-1" dirty="0">
+              <a:latin typeface="Arial"/>
+            </a:endParaRPr>
+          </a:p>
+        </p:txBody>
+      </p:sp>
+      <p:sp>
+        <p:nvSpPr>
+          <p:cNvPr id="295" name="CustomShape 2"/>
+          <p:cNvSpPr/>
+          <p:nvPr/>
+        </p:nvSpPr>
+        <p:spPr>
+          <a:xfrm>
+            <a:off x="360000" y="1980000"/>
+            <a:ext cx="9178920" cy="4678920"/>
+          </a:xfrm>
+          <a:prstGeom prst="rect">
+            <a:avLst/>
+          </a:prstGeom>
+          <a:noFill/>
+          <a:ln>
+            <a:noFill/>
+          </a:ln>
+        </p:spPr>
+        <p:style>
+          <a:lnRef idx="0">
+            <a:scrgbClr r="0" g="0" b="0"/>
+          </a:lnRef>
+          <a:fillRef idx="0">
+            <a:scrgbClr r="0" g="0" b="0"/>
+          </a:fillRef>
+          <a:effectRef idx="0">
+            <a:scrgbClr r="0" g="0" b="0"/>
+          </a:effectRef>
+          <a:fontRef idx="minor"/>
+        </p:style>
+        <p:txBody>
+          <a:bodyPr lIns="0" tIns="0" rIns="0" bIns="0">
+            <a:normAutofit fontScale="97000"/>
+          </a:bodyPr>
+          <a:lstStyle/>
+          <a:p>
+            <a:pPr marL="342900" indent="-342900">
+              <a:buFont typeface="Arial" panose="020B0604020202020204" pitchFamily="34" charset="0"/>
+              <a:buChar char="•"/>
+            </a:pPr>
+            <a:r>
+              <a:rPr lang="es-ES" sz="2700" b="1" dirty="0">
+                <a:latin typeface="Source Sans Pro Semibold" panose="020B0603030403020204" pitchFamily="34" charset="0"/>
+                <a:ea typeface="Source Sans Pro Semibold" panose="020B0603030403020204" pitchFamily="34" charset="0"/>
+              </a:rPr>
+              <a:t>Cumplir con la ley de información alimentaria.</a:t>
+            </a:r>
+          </a:p>
+          <a:p>
+            <a:pPr marL="342900" indent="-342900">
+              <a:buFont typeface="Arial" panose="020B0604020202020204" pitchFamily="34" charset="0"/>
+              <a:buChar char="•"/>
+            </a:pPr>
+            <a:endParaRPr lang="es-ES" sz="2800" dirty="0">
+              <a:latin typeface="Source Sans Pro Semibold" panose="020B0603030403020204" pitchFamily="34" charset="0"/>
+              <a:ea typeface="Source Sans Pro Semibold" panose="020B0603030403020204" pitchFamily="34" charset="0"/>
+            </a:endParaRPr>
+          </a:p>
+          <a:p>
+            <a:pPr marL="342900" indent="-342900">
+              <a:buFont typeface="Arial" panose="020B0604020202020204" pitchFamily="34" charset="0"/>
+              <a:buChar char="•"/>
+            </a:pPr>
+            <a:r>
+              <a:rPr lang="es-ES" sz="2700" b="1" dirty="0">
+                <a:latin typeface="Source Sans Pro Semibold" panose="020B0603030403020204" pitchFamily="34" charset="0"/>
+                <a:ea typeface="Source Sans Pro Semibold" panose="020B0603030403020204" pitchFamily="34" charset="0"/>
+              </a:rPr>
+              <a:t>La aplicación debe tener la opción de elegir entre varios idiomas.</a:t>
+            </a:r>
+          </a:p>
+          <a:p>
+            <a:pPr marL="216000" indent="-215280">
+              <a:lnSpc>
+                <a:spcPct val="100000"/>
+              </a:lnSpc>
+              <a:spcAft>
+                <a:spcPts val="1142"/>
+              </a:spcAft>
+              <a:buClr>
+                <a:srgbClr val="000000"/>
+              </a:buClr>
+              <a:buSzPct val="45000"/>
+              <a:buFont typeface="Wingdings" charset="2"/>
+              <a:buChar char=""/>
+            </a:pPr>
+            <a:endParaRPr lang="es-ES" sz="2600" spc="-1" dirty="0">
+              <a:latin typeface="Arial"/>
+            </a:endParaRPr>
+          </a:p>
+          <a:p>
+            <a:pPr marL="216000" indent="-215280">
+              <a:lnSpc>
+                <a:spcPct val="100000"/>
+              </a:lnSpc>
+              <a:spcAft>
+                <a:spcPts val="1142"/>
+              </a:spcAft>
+              <a:buClr>
+                <a:srgbClr val="000000"/>
+              </a:buClr>
+              <a:buSzPct val="45000"/>
+              <a:buFont typeface="Wingdings" charset="2"/>
+              <a:buChar char=""/>
+            </a:pPr>
+            <a:r>
+              <a:rPr lang="es-ES" sz="2700" b="1" spc="-1" dirty="0">
+                <a:latin typeface="Arial"/>
+              </a:rPr>
+              <a:t> La implementación del sistema ha de realizarse en Java.</a:t>
+            </a:r>
+          </a:p>
+          <a:p>
+            <a:pPr marL="216000" indent="-215280">
+              <a:lnSpc>
+                <a:spcPct val="100000"/>
+              </a:lnSpc>
+              <a:spcAft>
+                <a:spcPts val="1142"/>
+              </a:spcAft>
+              <a:buClr>
+                <a:srgbClr val="000000"/>
+              </a:buClr>
+              <a:buSzPct val="45000"/>
+              <a:buFont typeface="Wingdings" charset="2"/>
+              <a:buChar char=""/>
+            </a:pPr>
+            <a:endParaRPr lang="es-ES" sz="2700" b="1" strike="noStrike" spc="-1" dirty="0">
+              <a:latin typeface="Arial"/>
+            </a:endParaRPr>
+          </a:p>
+          <a:p>
+            <a:pPr marL="216000" indent="-215280">
+              <a:lnSpc>
+                <a:spcPct val="100000"/>
+              </a:lnSpc>
+              <a:spcAft>
+                <a:spcPts val="1142"/>
+              </a:spcAft>
+              <a:buClr>
+                <a:srgbClr val="000000"/>
+              </a:buClr>
+              <a:buSzPct val="45000"/>
+              <a:buFont typeface="Wingdings" charset="2"/>
+              <a:buChar char=""/>
+            </a:pPr>
+            <a:r>
+              <a:rPr lang="es-ES" sz="2700" b="1" spc="-1" dirty="0">
+                <a:latin typeface="Arial"/>
+              </a:rPr>
+              <a:t> Cada restaurante tendrá servidores conectados con el sistema de administración.</a:t>
+            </a:r>
+            <a:endParaRPr lang="es-ES" sz="2700" b="1" strike="noStrike" spc="-1" dirty="0">
+              <a:latin typeface="Arial"/>
+            </a:endParaRPr>
+          </a:p>
+        </p:txBody>
+      </p:sp>
+    </p:spTree>
+  </p:cSld>
+  <p:clrMapOvr>
+    <a:masterClrMapping/>
+  </p:clrMapOvr>
+</p:sld>
+</file>
+
+<file path=ppt/slides/slide11.xml><?xml version="1.0" encoding="utf-8"?>
+<p:sld xmlns:a="http://schemas.openxmlformats.org/drawingml/2006/main" xmlns:r="http://schemas.openxmlformats.org/officeDocument/2006/relationships" xmlns:p="http://schemas.openxmlformats.org/presentationml/2006/main">
+  <p:cSld>
+    <p:spTree>
+      <p:nvGrpSpPr>
+        <p:cNvPr id="1" name=""/>
+        <p:cNvGrpSpPr/>
+        <p:nvPr/>
+      </p:nvGrpSpPr>
+      <p:grpSpPr>
+        <a:xfrm>
+          <a:off x="0" y="0"/>
+          <a:ext cx="0" cy="0"/>
+          <a:chOff x="0" y="0"/>
+          <a:chExt cx="0" cy="0"/>
+        </a:xfrm>
+      </p:grpSpPr>
+      <p:sp>
+        <p:nvSpPr>
+          <p:cNvPr id="294" name="CustomShape 1"/>
+          <p:cNvSpPr/>
+          <p:nvPr/>
+        </p:nvSpPr>
+        <p:spPr>
+          <a:xfrm>
+            <a:off x="360000" y="360000"/>
+            <a:ext cx="9358920" cy="898920"/>
+          </a:xfrm>
+          <a:prstGeom prst="rect">
+            <a:avLst/>
+          </a:prstGeom>
+          <a:noFill/>
+          <a:ln>
+            <a:noFill/>
+          </a:ln>
+        </p:spPr>
+        <p:style>
+          <a:lnRef idx="0">
+            <a:scrgbClr r="0" g="0" b="0"/>
+          </a:lnRef>
+          <a:fillRef idx="0">
+            <a:scrgbClr r="0" g="0" b="0"/>
+          </a:fillRef>
+          <a:effectRef idx="0">
+            <a:scrgbClr r="0" g="0" b="0"/>
+          </a:effectRef>
+          <a:fontRef idx="minor"/>
+        </p:style>
+        <p:txBody>
+          <a:bodyPr lIns="0" tIns="0" rIns="0" bIns="0" anchor="b">
+            <a:noAutofit/>
+          </a:bodyPr>
+          <a:lstStyle/>
+          <a:p>
+            <a:pPr>
+              <a:lnSpc>
+                <a:spcPct val="100000"/>
+              </a:lnSpc>
+            </a:pPr>
+            <a:r>
+              <a:rPr lang="es-ES" sz="3200" b="1" strike="noStrike" spc="-1" dirty="0">
+                <a:solidFill>
+                  <a:srgbClr val="FFFFFF"/>
+                </a:solidFill>
+                <a:latin typeface="Source Sans Pro Black"/>
+                <a:ea typeface="DejaVu Sans"/>
+              </a:rPr>
               <a:t>Requisitos Funcionales - </a:t>
             </a:r>
             <a:r>
@@ -13050,7 +13293,7 @@
 </p:sld>
 </file>
 
-<file path=ppt/slides/slide11.xml><?xml version="1.0" encoding="utf-8"?>
+<file path=ppt/slides/slide12.xml><?xml version="1.0" encoding="utf-8"?>
 <p:sld xmlns:a="http://schemas.openxmlformats.org/drawingml/2006/main" xmlns:r="http://schemas.openxmlformats.org/officeDocument/2006/relationships" xmlns:p="http://schemas.openxmlformats.org/presentationml/2006/main">
   <p:cSld>
     <p:spTree>
@@ -13387,7 +13630,7 @@
 </p:sld>
 </file>
 
-<file path=ppt/slides/slide12.xml><?xml version="1.0" encoding="utf-8"?>
+<file path=ppt/slides/slide13.xml><?xml version="1.0" encoding="utf-8"?>
 <p:sld xmlns:a="http://schemas.openxmlformats.org/drawingml/2006/main" xmlns:r="http://schemas.openxmlformats.org/officeDocument/2006/relationships" xmlns:p="http://schemas.openxmlformats.org/presentationml/2006/main">
   <p:cSld>
     <p:spTree>
@@ -13727,7 +13970,7 @@
 </p:sld>
 </file>
 
-<file path=ppt/slides/slide13.xml><?xml version="1.0" encoding="utf-8"?>
+<file path=ppt/slides/slide14.xml><?xml version="1.0" encoding="utf-8"?>
 <p:sld xmlns:a="http://schemas.openxmlformats.org/drawingml/2006/main" xmlns:r="http://schemas.openxmlformats.org/officeDocument/2006/relationships" xmlns:p="http://schemas.openxmlformats.org/presentationml/2006/main">
   <p:cSld>
     <p:spTree>
@@ -13866,7 +14109,7 @@
 </p:sld>
 </file>
 
-<file path=ppt/slides/slide14.xml><?xml version="1.0" encoding="utf-8"?>
+<file path=ppt/slides/slide15.xml><?xml version="1.0" encoding="utf-8"?>
 <p:sld xmlns:a="http://schemas.openxmlformats.org/drawingml/2006/main" xmlns:r="http://schemas.openxmlformats.org/officeDocument/2006/relationships" xmlns:p="http://schemas.openxmlformats.org/presentationml/2006/main">
   <p:cSld>
     <p:spTree>
@@ -14028,7 +14271,7 @@
 </p:sld>
 </file>
 
-<file path=ppt/slides/slide15.xml><?xml version="1.0" encoding="utf-8"?>
+<file path=ppt/slides/slide16.xml><?xml version="1.0" encoding="utf-8"?>
 <p:sld xmlns:a="http://schemas.openxmlformats.org/drawingml/2006/main" xmlns:r="http://schemas.openxmlformats.org/officeDocument/2006/relationships" xmlns:p="http://schemas.openxmlformats.org/presentationml/2006/main">
   <p:cSld>
     <p:spTree>
@@ -14170,7 +14413,7 @@
 </p:sld>
 </file>
 
-<file path=ppt/slides/slide16.xml><?xml version="1.0" encoding="utf-8"?>
+<file path=ppt/slides/slide17.xml><?xml version="1.0" encoding="utf-8"?>
 <p:sld xmlns:a="http://schemas.openxmlformats.org/drawingml/2006/main" xmlns:r="http://schemas.openxmlformats.org/officeDocument/2006/relationships" xmlns:p="http://schemas.openxmlformats.org/presentationml/2006/main">
   <p:cSld>
     <p:spTree>
@@ -14332,7 +14575,7 @@
 </p:sld>
 </file>
 
-<file path=ppt/slides/slide17.xml><?xml version="1.0" encoding="utf-8"?>
+<file path=ppt/slides/slide18.xml><?xml version="1.0" encoding="utf-8"?>
 <p:sld xmlns:a="http://schemas.openxmlformats.org/drawingml/2006/main" xmlns:r="http://schemas.openxmlformats.org/officeDocument/2006/relationships" xmlns:p="http://schemas.openxmlformats.org/presentationml/2006/main">
   <p:cSld>
     <p:spTree>
@@ -14438,7 +14681,7 @@
 </p:sld>
 </file>
 
-<file path=ppt/slides/slide18.xml><?xml version="1.0" encoding="utf-8"?>
+<file path=ppt/slides/slide19.xml><?xml version="1.0" encoding="utf-8"?>
 <p:sld xmlns:a="http://schemas.openxmlformats.org/drawingml/2006/main" xmlns:r="http://schemas.openxmlformats.org/officeDocument/2006/relationships" xmlns:p="http://schemas.openxmlformats.org/presentationml/2006/main">
   <p:cSld>
     <p:spTree>
@@ -14493,147 +14736,6 @@
 </p:sld>
 </file>
 
-<file path=ppt/slides/slide19.xml><?xml version="1.0" encoding="utf-8"?>
-<p:sld xmlns:a="http://schemas.openxmlformats.org/drawingml/2006/main" xmlns:r="http://schemas.openxmlformats.org/officeDocument/2006/relationships" xmlns:p="http://schemas.openxmlformats.org/presentationml/2006/main">
-  <p:cSld>
-    <p:spTree>
-      <p:nvGrpSpPr>
-        <p:cNvPr id="1" name=""/>
-        <p:cNvGrpSpPr/>
-        <p:nvPr/>
-      </p:nvGrpSpPr>
-      <p:grpSpPr>
-        <a:xfrm>
-          <a:off x="0" y="0"/>
-          <a:ext cx="0" cy="0"/>
-          <a:chOff x="0" y="0"/>
-          <a:chExt cx="0" cy="0"/>
-        </a:xfrm>
-      </p:grpSpPr>
-      <p:sp>
-        <p:nvSpPr>
-          <p:cNvPr id="336" name="CustomShape 1"/>
-          <p:cNvSpPr/>
-          <p:nvPr/>
-        </p:nvSpPr>
-        <p:spPr>
-          <a:xfrm>
-            <a:off x="360000" y="3330000"/>
-            <a:ext cx="9358920" cy="898920"/>
-          </a:xfrm>
-          <a:prstGeom prst="rect">
-            <a:avLst/>
-          </a:prstGeom>
-          <a:noFill/>
-          <a:ln>
-            <a:noFill/>
-          </a:ln>
-        </p:spPr>
-        <p:style>
-          <a:lnRef idx="0">
-            <a:scrgbClr r="0" g="0" b="0"/>
-          </a:lnRef>
-          <a:fillRef idx="0">
-            <a:scrgbClr r="0" g="0" b="0"/>
-          </a:fillRef>
-          <a:effectRef idx="0">
-            <a:scrgbClr r="0" g="0" b="0"/>
-          </a:effectRef>
-          <a:fontRef idx="minor"/>
-        </p:style>
-        <p:txBody>
-          <a:bodyPr lIns="0" tIns="0" rIns="0" bIns="0" anchor="b">
-            <a:noAutofit/>
-          </a:bodyPr>
-          <a:lstStyle/>
-          <a:p>
-            <a:pPr>
-              <a:lnSpc>
-                <a:spcPct val="100000"/>
-              </a:lnSpc>
-            </a:pPr>
-            <a:r>
-              <a:rPr lang="es-ES" sz="3200" b="1" strike="noStrike" spc="-1">
-                <a:solidFill>
-                  <a:srgbClr val="FFFFFF"/>
-                </a:solidFill>
-                <a:latin typeface="Source Sans Pro Black"/>
-                <a:ea typeface="DejaVu Sans"/>
-              </a:rPr>
-              <a:t>GRUPO DE DESARROLLO ADD</a:t>
-            </a:r>
-            <a:endParaRPr lang="es-ES" sz="3200" b="0" strike="noStrike" spc="-1">
-              <a:latin typeface="Arial"/>
-            </a:endParaRPr>
-          </a:p>
-        </p:txBody>
-      </p:sp>
-      <p:sp>
-        <p:nvSpPr>
-          <p:cNvPr id="337" name="CustomShape 2"/>
-          <p:cNvSpPr/>
-          <p:nvPr/>
-        </p:nvSpPr>
-        <p:spPr>
-          <a:xfrm>
-            <a:off x="540000" y="4680000"/>
-            <a:ext cx="9178920" cy="2518920"/>
-          </a:xfrm>
-          <a:prstGeom prst="rect">
-            <a:avLst/>
-          </a:prstGeom>
-          <a:noFill/>
-          <a:ln>
-            <a:noFill/>
-          </a:ln>
-        </p:spPr>
-        <p:style>
-          <a:lnRef idx="0">
-            <a:scrgbClr r="0" g="0" b="0"/>
-          </a:lnRef>
-          <a:fillRef idx="0">
-            <a:scrgbClr r="0" g="0" b="0"/>
-          </a:fillRef>
-          <a:effectRef idx="0">
-            <a:scrgbClr r="0" g="0" b="0"/>
-          </a:effectRef>
-          <a:fontRef idx="minor"/>
-        </p:style>
-        <p:txBody>
-          <a:bodyPr lIns="0" tIns="0" rIns="0" bIns="0">
-            <a:noAutofit/>
-          </a:bodyPr>
-          <a:lstStyle/>
-          <a:p>
-            <a:pPr>
-              <a:lnSpc>
-                <a:spcPct val="100000"/>
-              </a:lnSpc>
-            </a:pPr>
-            <a:r>
-              <a:rPr lang="es-ES" sz="2200" b="0" strike="noStrike" spc="-1">
-                <a:solidFill>
-                  <a:srgbClr val="1C1C1C"/>
-                </a:solidFill>
-                <a:latin typeface="Source Sans Pro Light"/>
-                <a:ea typeface="DejaVu Sans"/>
-              </a:rPr>
-              <a:t>Gracias por asistir a nuestra presentación.</a:t>
-            </a:r>
-            <a:endParaRPr lang="es-ES" sz="2200" b="0" strike="noStrike" spc="-1">
-              <a:latin typeface="Arial"/>
-            </a:endParaRPr>
-          </a:p>
-        </p:txBody>
-      </p:sp>
-    </p:spTree>
-  </p:cSld>
-  <p:clrMapOvr>
-    <a:masterClrMapping/>
-  </p:clrMapOvr>
-</p:sld>
-</file>
-
 <file path=ppt/slides/slide2.xml><?xml version="1.0" encoding="utf-8"?>
 <p:sld xmlns:a="http://schemas.openxmlformats.org/drawingml/2006/main" xmlns:r="http://schemas.openxmlformats.org/officeDocument/2006/relationships" xmlns:p="http://schemas.openxmlformats.org/presentationml/2006/main">
   <p:cSld>
@@ -14876,6 +14978,147 @@
         <p14:creationId xmlns:p14="http://schemas.microsoft.com/office/powerpoint/2010/main" val="3294745492"/>
       </p:ext>
     </p:extLst>
+  </p:cSld>
+  <p:clrMapOvr>
+    <a:masterClrMapping/>
+  </p:clrMapOvr>
+</p:sld>
+</file>
+
+<file path=ppt/slides/slide20.xml><?xml version="1.0" encoding="utf-8"?>
+<p:sld xmlns:a="http://schemas.openxmlformats.org/drawingml/2006/main" xmlns:r="http://schemas.openxmlformats.org/officeDocument/2006/relationships" xmlns:p="http://schemas.openxmlformats.org/presentationml/2006/main">
+  <p:cSld>
+    <p:spTree>
+      <p:nvGrpSpPr>
+        <p:cNvPr id="1" name=""/>
+        <p:cNvGrpSpPr/>
+        <p:nvPr/>
+      </p:nvGrpSpPr>
+      <p:grpSpPr>
+        <a:xfrm>
+          <a:off x="0" y="0"/>
+          <a:ext cx="0" cy="0"/>
+          <a:chOff x="0" y="0"/>
+          <a:chExt cx="0" cy="0"/>
+        </a:xfrm>
+      </p:grpSpPr>
+      <p:sp>
+        <p:nvSpPr>
+          <p:cNvPr id="336" name="CustomShape 1"/>
+          <p:cNvSpPr/>
+          <p:nvPr/>
+        </p:nvSpPr>
+        <p:spPr>
+          <a:xfrm>
+            <a:off x="360000" y="3330000"/>
+            <a:ext cx="9358920" cy="898920"/>
+          </a:xfrm>
+          <a:prstGeom prst="rect">
+            <a:avLst/>
+          </a:prstGeom>
+          <a:noFill/>
+          <a:ln>
+            <a:noFill/>
+          </a:ln>
+        </p:spPr>
+        <p:style>
+          <a:lnRef idx="0">
+            <a:scrgbClr r="0" g="0" b="0"/>
+          </a:lnRef>
+          <a:fillRef idx="0">
+            <a:scrgbClr r="0" g="0" b="0"/>
+          </a:fillRef>
+          <a:effectRef idx="0">
+            <a:scrgbClr r="0" g="0" b="0"/>
+          </a:effectRef>
+          <a:fontRef idx="minor"/>
+        </p:style>
+        <p:txBody>
+          <a:bodyPr lIns="0" tIns="0" rIns="0" bIns="0" anchor="b">
+            <a:noAutofit/>
+          </a:bodyPr>
+          <a:lstStyle/>
+          <a:p>
+            <a:pPr>
+              <a:lnSpc>
+                <a:spcPct val="100000"/>
+              </a:lnSpc>
+            </a:pPr>
+            <a:r>
+              <a:rPr lang="es-ES" sz="3200" b="1" strike="noStrike" spc="-1">
+                <a:solidFill>
+                  <a:srgbClr val="FFFFFF"/>
+                </a:solidFill>
+                <a:latin typeface="Source Sans Pro Black"/>
+                <a:ea typeface="DejaVu Sans"/>
+              </a:rPr>
+              <a:t>GRUPO DE DESARROLLO ADD</a:t>
+            </a:r>
+            <a:endParaRPr lang="es-ES" sz="3200" b="0" strike="noStrike" spc="-1">
+              <a:latin typeface="Arial"/>
+            </a:endParaRPr>
+          </a:p>
+        </p:txBody>
+      </p:sp>
+      <p:sp>
+        <p:nvSpPr>
+          <p:cNvPr id="337" name="CustomShape 2"/>
+          <p:cNvSpPr/>
+          <p:nvPr/>
+        </p:nvSpPr>
+        <p:spPr>
+          <a:xfrm>
+            <a:off x="540000" y="4680000"/>
+            <a:ext cx="9178920" cy="2518920"/>
+          </a:xfrm>
+          <a:prstGeom prst="rect">
+            <a:avLst/>
+          </a:prstGeom>
+          <a:noFill/>
+          <a:ln>
+            <a:noFill/>
+          </a:ln>
+        </p:spPr>
+        <p:style>
+          <a:lnRef idx="0">
+            <a:scrgbClr r="0" g="0" b="0"/>
+          </a:lnRef>
+          <a:fillRef idx="0">
+            <a:scrgbClr r="0" g="0" b="0"/>
+          </a:fillRef>
+          <a:effectRef idx="0">
+            <a:scrgbClr r="0" g="0" b="0"/>
+          </a:effectRef>
+          <a:fontRef idx="minor"/>
+        </p:style>
+        <p:txBody>
+          <a:bodyPr lIns="0" tIns="0" rIns="0" bIns="0">
+            <a:noAutofit/>
+          </a:bodyPr>
+          <a:lstStyle/>
+          <a:p>
+            <a:pPr>
+              <a:lnSpc>
+                <a:spcPct val="100000"/>
+              </a:lnSpc>
+            </a:pPr>
+            <a:r>
+              <a:rPr lang="es-ES" sz="2200" b="0" strike="noStrike" spc="-1">
+                <a:solidFill>
+                  <a:srgbClr val="1C1C1C"/>
+                </a:solidFill>
+                <a:latin typeface="Source Sans Pro Light"/>
+                <a:ea typeface="DejaVu Sans"/>
+              </a:rPr>
+              <a:t>Gracias por asistir a nuestra presentación.</a:t>
+            </a:r>
+            <a:endParaRPr lang="es-ES" sz="2200" b="0" strike="noStrike" spc="-1">
+              <a:latin typeface="Arial"/>
+            </a:endParaRPr>
+          </a:p>
+        </p:txBody>
+      </p:sp>
+    </p:spTree>
   </p:cSld>
   <p:clrMapOvr>
     <a:masterClrMapping/>
@@ -15324,6 +15567,140 @@
           <p:cNvPr id="2" name="Título 1">
             <a:extLst>
               <a:ext uri="{FF2B5EF4-FFF2-40B4-BE49-F238E27FC236}">
+                <a16:creationId xmlns:a16="http://schemas.microsoft.com/office/drawing/2014/main" id="{28A39C47-EE22-48E7-9C38-7962876CE068}"/>
+              </a:ext>
+            </a:extLst>
+          </p:cNvPr>
+          <p:cNvSpPr>
+            <a:spLocks noGrp="1"/>
+          </p:cNvSpPr>
+          <p:nvPr>
+            <p:ph type="title"/>
+          </p:nvPr>
+        </p:nvSpPr>
+        <p:spPr>
+          <a:xfrm>
+            <a:off x="504000" y="627521"/>
+            <a:ext cx="9072000" cy="609398"/>
+          </a:xfrm>
+        </p:spPr>
+        <p:txBody>
+          <a:bodyPr/>
+          <a:lstStyle/>
+          <a:p>
+            <a:r>
+              <a:rPr lang="es-ES" dirty="0"/>
+              <a:t>Análisis de riesgos</a:t>
+            </a:r>
+          </a:p>
+        </p:txBody>
+      </p:sp>
+      <p:sp>
+        <p:nvSpPr>
+          <p:cNvPr id="4" name="CuadroTexto 3">
+            <a:extLst>
+              <a:ext uri="{FF2B5EF4-FFF2-40B4-BE49-F238E27FC236}">
+                <a16:creationId xmlns:a16="http://schemas.microsoft.com/office/drawing/2014/main" id="{AEA5AF53-68C3-4C2E-8B28-EC9611BC96FF}"/>
+              </a:ext>
+            </a:extLst>
+          </p:cNvPr>
+          <p:cNvSpPr txBox="1"/>
+          <p:nvPr/>
+        </p:nvSpPr>
+        <p:spPr>
+          <a:xfrm>
+            <a:off x="504000" y="1662545"/>
+            <a:ext cx="8993291" cy="646331"/>
+          </a:xfrm>
+          <a:prstGeom prst="rect">
+            <a:avLst/>
+          </a:prstGeom>
+          <a:noFill/>
+        </p:spPr>
+        <p:txBody>
+          <a:bodyPr wrap="square" rtlCol="0">
+            <a:spAutoFit/>
+          </a:bodyPr>
+          <a:lstStyle/>
+          <a:p>
+            <a:r>
+              <a:rPr lang="es-ES" dirty="0"/>
+              <a:t>Una vez realizada las 2 primeras entrevistas, analizamos los posibles riesgos del proyecto.</a:t>
+            </a:r>
+          </a:p>
+        </p:txBody>
+      </p:sp>
+      <p:pic>
+        <p:nvPicPr>
+          <p:cNvPr id="6" name="Imagen 5">
+            <a:extLst>
+              <a:ext uri="{FF2B5EF4-FFF2-40B4-BE49-F238E27FC236}">
+                <a16:creationId xmlns:a16="http://schemas.microsoft.com/office/drawing/2014/main" id="{A9F5537F-2551-48A8-BFCB-588CB2DC8C69}"/>
+              </a:ext>
+            </a:extLst>
+          </p:cNvPr>
+          <p:cNvPicPr>
+            <a:picLocks noChangeAspect="1"/>
+          </p:cNvPicPr>
+          <p:nvPr/>
+        </p:nvPicPr>
+        <p:blipFill>
+          <a:blip r:embed="rId2">
+            <a:extLst>
+              <a:ext uri="{28A0092B-C50C-407E-A947-70E740481C1C}">
+                <a14:useLocalDpi xmlns:a14="http://schemas.microsoft.com/office/drawing/2010/main" val="0"/>
+              </a:ext>
+            </a:extLst>
+          </a:blip>
+          <a:stretch>
+            <a:fillRect/>
+          </a:stretch>
+        </p:blipFill>
+        <p:spPr>
+          <a:xfrm>
+            <a:off x="504000" y="2495911"/>
+            <a:ext cx="8993291" cy="4067673"/>
+          </a:xfrm>
+          <a:prstGeom prst="rect">
+            <a:avLst/>
+          </a:prstGeom>
+        </p:spPr>
+      </p:pic>
+    </p:spTree>
+    <p:extLst>
+      <p:ext uri="{BB962C8B-B14F-4D97-AF65-F5344CB8AC3E}">
+        <p14:creationId xmlns:p14="http://schemas.microsoft.com/office/powerpoint/2010/main" val="734722316"/>
+      </p:ext>
+    </p:extLst>
+  </p:cSld>
+  <p:clrMapOvr>
+    <a:masterClrMapping/>
+  </p:clrMapOvr>
+</p:sld>
+</file>
+
+<file path=ppt/slides/slide6.xml><?xml version="1.0" encoding="utf-8"?>
+<p:sld xmlns:a="http://schemas.openxmlformats.org/drawingml/2006/main" xmlns:r="http://schemas.openxmlformats.org/officeDocument/2006/relationships" xmlns:p="http://schemas.openxmlformats.org/presentationml/2006/main">
+  <p:cSld>
+    <p:spTree>
+      <p:nvGrpSpPr>
+        <p:cNvPr id="1" name=""/>
+        <p:cNvGrpSpPr/>
+        <p:nvPr/>
+      </p:nvGrpSpPr>
+      <p:grpSpPr>
+        <a:xfrm>
+          <a:off x="0" y="0"/>
+          <a:ext cx="0" cy="0"/>
+          <a:chOff x="0" y="0"/>
+          <a:chExt cx="0" cy="0"/>
+        </a:xfrm>
+      </p:grpSpPr>
+      <p:sp>
+        <p:nvSpPr>
+          <p:cNvPr id="2" name="Título 1">
+            <a:extLst>
+              <a:ext uri="{FF2B5EF4-FFF2-40B4-BE49-F238E27FC236}">
                 <a16:creationId xmlns:a16="http://schemas.microsoft.com/office/drawing/2014/main" id="{EA746039-7C87-4FC9-86FE-384239E85789}"/>
               </a:ext>
             </a:extLst>
@@ -15479,7 +15856,7 @@
 </p:sld>
 </file>
 
-<file path=ppt/slides/slide6.xml><?xml version="1.0" encoding="utf-8"?>
+<file path=ppt/slides/slide7.xml><?xml version="1.0" encoding="utf-8"?>
 <p:sld xmlns:a="http://schemas.openxmlformats.org/drawingml/2006/main" xmlns:r="http://schemas.openxmlformats.org/officeDocument/2006/relationships" xmlns:p="http://schemas.openxmlformats.org/presentationml/2006/main">
   <p:cSld>
     <p:spTree>
@@ -15597,7 +15974,7 @@
 </p:sld>
 </file>
 
-<file path=ppt/slides/slide7.xml><?xml version="1.0" encoding="utf-8"?>
+<file path=ppt/slides/slide8.xml><?xml version="1.0" encoding="utf-8"?>
 <p:sld xmlns:a="http://schemas.openxmlformats.org/drawingml/2006/main" xmlns:r="http://schemas.openxmlformats.org/officeDocument/2006/relationships" xmlns:p="http://schemas.openxmlformats.org/presentationml/2006/main">
   <p:cSld>
     <p:spTree>
@@ -15700,7 +16077,7 @@
 </p:sld>
 </file>
 
-<file path=ppt/slides/slide8.xml><?xml version="1.0" encoding="utf-8"?>
+<file path=ppt/slides/slide9.xml><?xml version="1.0" encoding="utf-8"?>
 <p:sld xmlns:a="http://schemas.openxmlformats.org/drawingml/2006/main" xmlns:r="http://schemas.openxmlformats.org/officeDocument/2006/relationships" xmlns:p="http://schemas.openxmlformats.org/presentationml/2006/main">
   <p:cSld>
     <p:spTree>
@@ -15790,248 +16167,6 @@
               <a:t>uperusuario</a:t>
             </a:r>
             <a:endParaRPr lang="es-ES" sz="3200" b="0" strike="noStrike" spc="-1" dirty="0">
-              <a:latin typeface="Arial"/>
-            </a:endParaRPr>
-          </a:p>
-        </p:txBody>
-      </p:sp>
-    </p:spTree>
-  </p:cSld>
-  <p:clrMapOvr>
-    <a:masterClrMapping/>
-  </p:clrMapOvr>
-</p:sld>
-</file>
-
-<file path=ppt/slides/slide9.xml><?xml version="1.0" encoding="utf-8"?>
-<p:sld xmlns:a="http://schemas.openxmlformats.org/drawingml/2006/main" xmlns:r="http://schemas.openxmlformats.org/officeDocument/2006/relationships" xmlns:p="http://schemas.openxmlformats.org/presentationml/2006/main">
-  <p:cSld>
-    <p:spTree>
-      <p:nvGrpSpPr>
-        <p:cNvPr id="1" name=""/>
-        <p:cNvGrpSpPr/>
-        <p:nvPr/>
-      </p:nvGrpSpPr>
-      <p:grpSpPr>
-        <a:xfrm>
-          <a:off x="0" y="0"/>
-          <a:ext cx="0" cy="0"/>
-          <a:chOff x="0" y="0"/>
-          <a:chExt cx="0" cy="0"/>
-        </a:xfrm>
-      </p:grpSpPr>
-      <p:sp>
-        <p:nvSpPr>
-          <p:cNvPr id="294" name="CustomShape 1"/>
-          <p:cNvSpPr/>
-          <p:nvPr/>
-        </p:nvSpPr>
-        <p:spPr>
-          <a:xfrm>
-            <a:off x="360000" y="360000"/>
-            <a:ext cx="9358920" cy="898920"/>
-          </a:xfrm>
-          <a:prstGeom prst="rect">
-            <a:avLst/>
-          </a:prstGeom>
-          <a:noFill/>
-          <a:ln>
-            <a:noFill/>
-          </a:ln>
-        </p:spPr>
-        <p:style>
-          <a:lnRef idx="0">
-            <a:scrgbClr r="0" g="0" b="0"/>
-          </a:lnRef>
-          <a:fillRef idx="0">
-            <a:scrgbClr r="0" g="0" b="0"/>
-          </a:fillRef>
-          <a:effectRef idx="0">
-            <a:scrgbClr r="0" g="0" b="0"/>
-          </a:effectRef>
-          <a:fontRef idx="minor"/>
-        </p:style>
-        <p:txBody>
-          <a:bodyPr lIns="0" tIns="0" rIns="0" bIns="0" anchor="b">
-            <a:noAutofit/>
-          </a:bodyPr>
-          <a:lstStyle/>
-          <a:p>
-            <a:pPr>
-              <a:lnSpc>
-                <a:spcPct val="100000"/>
-              </a:lnSpc>
-            </a:pPr>
-            <a:r>
-              <a:rPr lang="es-ES" sz="3200" b="1" strike="noStrike" spc="-1" dirty="0">
-                <a:solidFill>
-                  <a:srgbClr val="FFFFFF"/>
-                </a:solidFill>
-                <a:latin typeface="Source Sans Pro Black"/>
-                <a:ea typeface="DejaVu Sans"/>
-              </a:rPr>
-              <a:t>Requisitos No Funcionales</a:t>
-            </a:r>
-            <a:endParaRPr lang="es-ES" sz="3200" b="0" strike="noStrike" spc="-1" dirty="0">
-              <a:latin typeface="Arial"/>
-            </a:endParaRPr>
-          </a:p>
-        </p:txBody>
-      </p:sp>
-      <p:sp>
-        <p:nvSpPr>
-          <p:cNvPr id="295" name="CustomShape 2"/>
-          <p:cNvSpPr/>
-          <p:nvPr/>
-        </p:nvSpPr>
-        <p:spPr>
-          <a:xfrm>
-            <a:off x="360000" y="1980000"/>
-            <a:ext cx="9178920" cy="4678920"/>
-          </a:xfrm>
-          <a:prstGeom prst="rect">
-            <a:avLst/>
-          </a:prstGeom>
-          <a:noFill/>
-          <a:ln>
-            <a:noFill/>
-          </a:ln>
-        </p:spPr>
-        <p:style>
-          <a:lnRef idx="0">
-            <a:scrgbClr r="0" g="0" b="0"/>
-          </a:lnRef>
-          <a:fillRef idx="0">
-            <a:scrgbClr r="0" g="0" b="0"/>
-          </a:fillRef>
-          <a:effectRef idx="0">
-            <a:scrgbClr r="0" g="0" b="0"/>
-          </a:effectRef>
-          <a:fontRef idx="minor"/>
-        </p:style>
-        <p:txBody>
-          <a:bodyPr lIns="0" tIns="0" rIns="0" bIns="0">
-            <a:normAutofit fontScale="97000"/>
-          </a:bodyPr>
-          <a:lstStyle/>
-          <a:p>
-            <a:pPr marL="342900" indent="-342900">
-              <a:buFont typeface="Arial" panose="020B0604020202020204" pitchFamily="34" charset="0"/>
-              <a:buChar char="•"/>
-            </a:pPr>
-            <a:r>
-              <a:rPr lang="es-ES" sz="2700" b="1" dirty="0">
-                <a:latin typeface="Source Sans Pro Semibold" panose="020B0603030403020204" pitchFamily="34" charset="0"/>
-                <a:ea typeface="Source Sans Pro Semibold" panose="020B0603030403020204" pitchFamily="34" charset="0"/>
-              </a:rPr>
-              <a:t>Cumplir con la ley de información alimentaria.</a:t>
-            </a:r>
-          </a:p>
-          <a:p>
-            <a:pPr marL="342900" indent="-342900">
-              <a:buFont typeface="Arial" panose="020B0604020202020204" pitchFamily="34" charset="0"/>
-              <a:buChar char="•"/>
-            </a:pPr>
-            <a:endParaRPr lang="es-ES" sz="2800" dirty="0">
-              <a:latin typeface="Source Sans Pro Semibold" panose="020B0603030403020204" pitchFamily="34" charset="0"/>
-              <a:ea typeface="Source Sans Pro Semibold" panose="020B0603030403020204" pitchFamily="34" charset="0"/>
-            </a:endParaRPr>
-          </a:p>
-          <a:p>
-            <a:pPr marL="342900" indent="-342900">
-              <a:buFont typeface="Arial" panose="020B0604020202020204" pitchFamily="34" charset="0"/>
-              <a:buChar char="•"/>
-            </a:pPr>
-            <a:r>
-              <a:rPr lang="es-ES" sz="2700" b="1" dirty="0">
-                <a:latin typeface="Source Sans Pro Semibold" panose="020B0603030403020204" pitchFamily="34" charset="0"/>
-                <a:ea typeface="Source Sans Pro Semibold" panose="020B0603030403020204" pitchFamily="34" charset="0"/>
-              </a:rPr>
-              <a:t>La aplicación debe tener la opción de elegir entre varios idiomas.</a:t>
-            </a:r>
-          </a:p>
-          <a:p>
-            <a:pPr marL="216000" indent="-215280">
-              <a:lnSpc>
-                <a:spcPct val="100000"/>
-              </a:lnSpc>
-              <a:spcAft>
-                <a:spcPts val="1142"/>
-              </a:spcAft>
-              <a:buClr>
-                <a:srgbClr val="000000"/>
-              </a:buClr>
-              <a:buSzPct val="45000"/>
-              <a:buFont typeface="Wingdings" charset="2"/>
-              <a:buChar char=""/>
-            </a:pPr>
-            <a:endParaRPr lang="es-ES" sz="2600" spc="-1" dirty="0">
-              <a:latin typeface="Arial"/>
-            </a:endParaRPr>
-          </a:p>
-          <a:p>
-            <a:pPr marL="216000" indent="-215280">
-              <a:lnSpc>
-                <a:spcPct val="100000"/>
-              </a:lnSpc>
-              <a:spcAft>
-                <a:spcPts val="1142"/>
-              </a:spcAft>
-              <a:buClr>
-                <a:srgbClr val="000000"/>
-              </a:buClr>
-              <a:buSzPct val="45000"/>
-              <a:buFont typeface="Wingdings" charset="2"/>
-              <a:buChar char=""/>
-            </a:pPr>
-            <a:r>
-              <a:rPr lang="es-ES" sz="2700" b="1" spc="-1" dirty="0">
-                <a:latin typeface="Arial"/>
-              </a:rPr>
-              <a:t> La implementación del sistema ha de realizarse en Java.</a:t>
-            </a:r>
-          </a:p>
-          <a:p>
-            <a:pPr marL="216000" indent="-215280">
-              <a:lnSpc>
-                <a:spcPct val="100000"/>
-              </a:lnSpc>
-              <a:spcAft>
-                <a:spcPts val="1142"/>
-              </a:spcAft>
-              <a:buClr>
-                <a:srgbClr val="000000"/>
-              </a:buClr>
-              <a:buSzPct val="45000"/>
-              <a:buFont typeface="Wingdings" charset="2"/>
-              <a:buChar char=""/>
-            </a:pPr>
-            <a:endParaRPr lang="es-ES" sz="2700" b="1" strike="noStrike" spc="-1" dirty="0">
-              <a:latin typeface="Arial"/>
-            </a:endParaRPr>
-          </a:p>
-          <a:p>
-            <a:pPr marL="216000" indent="-215280">
-              <a:lnSpc>
-                <a:spcPct val="100000"/>
-              </a:lnSpc>
-              <a:spcAft>
-                <a:spcPts val="1142"/>
-              </a:spcAft>
-              <a:buClr>
-                <a:srgbClr val="000000"/>
-              </a:buClr>
-              <a:buSzPct val="45000"/>
-              <a:buFont typeface="Wingdings" charset="2"/>
-              <a:buChar char=""/>
-            </a:pPr>
-            <a:r>
-              <a:rPr lang="es-ES" sz="2700" b="1" spc="-1" dirty="0">
-                <a:latin typeface="Arial"/>
-              </a:rPr>
-              <a:t> Cada restaurante tendrá servidores conectados con el sistema de administración.</a:t>
-            </a:r>
-            <a:endParaRPr lang="es-ES" sz="2700" b="1" strike="noStrike" spc="-1" dirty="0">
               <a:latin typeface="Arial"/>
             </a:endParaRPr>
           </a:p>

--- a/Material/Presentación/Presentacion Final (incompleta).pptx
+++ b/Material/Presentación/Presentacion Final (incompleta).pptx
@@ -15312,7 +15312,7 @@
         </p:blipFill>
         <p:spPr>
           <a:xfrm>
-            <a:off x="390981" y="4572922"/>
+            <a:off x="370906" y="4417587"/>
             <a:ext cx="4521054" cy="913478"/>
           </a:xfrm>
           <a:prstGeom prst="rect">
@@ -15348,7 +15348,7 @@
         </p:blipFill>
         <p:spPr>
           <a:xfrm>
-            <a:off x="390981" y="5692593"/>
+            <a:off x="370906" y="5692593"/>
             <a:ext cx="4507621" cy="830652"/>
           </a:xfrm>
           <a:prstGeom prst="rect">
@@ -15434,7 +15434,7 @@
         </p:nvSpPr>
         <p:spPr>
           <a:xfrm>
-            <a:off x="187445" y="2196573"/>
+            <a:off x="187445" y="1709798"/>
             <a:ext cx="9705109" cy="2800767"/>
           </a:xfrm>
           <a:prstGeom prst="rect">
@@ -15465,7 +15465,7 @@
             <a:pPr lvl="1"/>
             <a:r>
               <a:rPr lang="es-ES" dirty="0"/>
-              <a:t>Saber que tipo de aplicación de quiere desarrollar.</a:t>
+              <a:t>- Saber que tipo de aplicación de quiere desarrollar.</a:t>
             </a:r>
           </a:p>
           <a:p>
@@ -15479,7 +15479,7 @@
             <a:pPr lvl="1"/>
             <a:r>
               <a:rPr lang="es-ES" dirty="0"/>
-              <a:t>Obtener los primeros requisitos a través de preguntas de carácter general para desarrollar un primer prototipo del sistema.</a:t>
+              <a:t>- Obtener los primeros requisitos a través de preguntas de carácter general para     desarrollar un primer prototipo del sistema.</a:t>
             </a:r>
           </a:p>
           <a:p>
@@ -15532,6 +15532,67 @@
           </a:prstGeom>
         </p:spPr>
       </p:pic>
+      <p:sp>
+        <p:nvSpPr>
+          <p:cNvPr id="3" name="CuadroTexto 2">
+            <a:extLst>
+              <a:ext uri="{FF2B5EF4-FFF2-40B4-BE49-F238E27FC236}">
+                <a16:creationId xmlns:a16="http://schemas.microsoft.com/office/drawing/2014/main" id="{8595C912-62DD-4636-AD5E-30DA92061D2C}"/>
+              </a:ext>
+            </a:extLst>
+          </p:cNvPr>
+          <p:cNvSpPr txBox="1"/>
+          <p:nvPr/>
+        </p:nvSpPr>
+        <p:spPr>
+          <a:xfrm>
+            <a:off x="187445" y="3990109"/>
+            <a:ext cx="5860064" cy="2246769"/>
+          </a:xfrm>
+          <a:prstGeom prst="rect">
+            <a:avLst/>
+          </a:prstGeom>
+          <a:noFill/>
+        </p:spPr>
+        <p:txBody>
+          <a:bodyPr wrap="square" rtlCol="0">
+            <a:spAutoFit/>
+          </a:bodyPr>
+          <a:lstStyle/>
+          <a:p>
+            <a:pPr marL="285750" indent="-285750">
+              <a:buFont typeface="Arial" panose="020B0604020202020204" pitchFamily="34" charset="0"/>
+              <a:buChar char="•"/>
+            </a:pPr>
+            <a:r>
+              <a:rPr lang="es-ES" sz="3200" dirty="0"/>
+              <a:t>Resultados:</a:t>
+            </a:r>
+          </a:p>
+          <a:p>
+            <a:pPr lvl="1"/>
+            <a:endParaRPr lang="es-ES" dirty="0"/>
+          </a:p>
+          <a:p>
+            <a:pPr lvl="1"/>
+            <a:r>
+              <a:rPr lang="es-ES" dirty="0"/>
+              <a:t>- Obtuvimos gran parte de los requisitos mas generales del sistema.</a:t>
+            </a:r>
+          </a:p>
+          <a:p>
+            <a:pPr lvl="1"/>
+            <a:endParaRPr lang="es-ES" dirty="0"/>
+          </a:p>
+          <a:p>
+            <a:pPr lvl="1"/>
+            <a:r>
+              <a:rPr lang="es-ES" dirty="0"/>
+              <a:t>- Conseguimos una idea clara de lo que se pretendía desarrollar. </a:t>
+            </a:r>
+          </a:p>
+        </p:txBody>
+      </p:sp>
     </p:spTree>
     <p:extLst>
       <p:ext uri="{BB962C8B-B14F-4D97-AF65-F5344CB8AC3E}">
@@ -15595,41 +15656,6 @@
           </a:p>
         </p:txBody>
       </p:sp>
-      <p:sp>
-        <p:nvSpPr>
-          <p:cNvPr id="4" name="CuadroTexto 3">
-            <a:extLst>
-              <a:ext uri="{FF2B5EF4-FFF2-40B4-BE49-F238E27FC236}">
-                <a16:creationId xmlns:a16="http://schemas.microsoft.com/office/drawing/2014/main" id="{AEA5AF53-68C3-4C2E-8B28-EC9611BC96FF}"/>
-              </a:ext>
-            </a:extLst>
-          </p:cNvPr>
-          <p:cNvSpPr txBox="1"/>
-          <p:nvPr/>
-        </p:nvSpPr>
-        <p:spPr>
-          <a:xfrm>
-            <a:off x="504000" y="1662545"/>
-            <a:ext cx="8993291" cy="646331"/>
-          </a:xfrm>
-          <a:prstGeom prst="rect">
-            <a:avLst/>
-          </a:prstGeom>
-          <a:noFill/>
-        </p:spPr>
-        <p:txBody>
-          <a:bodyPr wrap="square" rtlCol="0">
-            <a:spAutoFit/>
-          </a:bodyPr>
-          <a:lstStyle/>
-          <a:p>
-            <a:r>
-              <a:rPr lang="es-ES" dirty="0"/>
-              <a:t>Una vez realizada las 2 primeras entrevistas, analizamos los posibles riesgos del proyecto.</a:t>
-            </a:r>
-          </a:p>
-        </p:txBody>
-      </p:sp>
       <p:pic>
         <p:nvPicPr>
           <p:cNvPr id="6" name="Imagen 5">
@@ -15658,8 +15684,8 @@
         </p:blipFill>
         <p:spPr>
           <a:xfrm>
-            <a:off x="504000" y="2495911"/>
-            <a:ext cx="8993291" cy="4067673"/>
+            <a:off x="425292" y="1818410"/>
+            <a:ext cx="9258298" cy="4187536"/>
           </a:xfrm>
           <a:prstGeom prst="rect">
             <a:avLst/>
@@ -15744,7 +15770,7 @@
         </p:nvSpPr>
         <p:spPr>
           <a:xfrm>
-            <a:off x="187445" y="1886323"/>
+            <a:off x="187757" y="1715679"/>
             <a:ext cx="9705109" cy="3354765"/>
           </a:xfrm>
           <a:prstGeom prst="rect">
@@ -15835,7 +15861,7 @@
         </p:blipFill>
         <p:spPr>
           <a:xfrm>
-            <a:off x="2909711" y="4125593"/>
+            <a:off x="5314798" y="4042466"/>
             <a:ext cx="4261202" cy="2663251"/>
           </a:xfrm>
           <a:prstGeom prst="rect">
@@ -15843,6 +15869,70 @@
           </a:prstGeom>
         </p:spPr>
       </p:pic>
+      <p:sp>
+        <p:nvSpPr>
+          <p:cNvPr id="3" name="CuadroTexto 2">
+            <a:extLst>
+              <a:ext uri="{FF2B5EF4-FFF2-40B4-BE49-F238E27FC236}">
+                <a16:creationId xmlns:a16="http://schemas.microsoft.com/office/drawing/2014/main" id="{0FD09327-AEDD-46A8-B8B1-7AFAB44574A1}"/>
+              </a:ext>
+            </a:extLst>
+          </p:cNvPr>
+          <p:cNvSpPr txBox="1"/>
+          <p:nvPr/>
+        </p:nvSpPr>
+        <p:spPr>
+          <a:xfrm>
+            <a:off x="186941" y="4250706"/>
+            <a:ext cx="4810991" cy="2246769"/>
+          </a:xfrm>
+          <a:prstGeom prst="rect">
+            <a:avLst/>
+          </a:prstGeom>
+          <a:noFill/>
+        </p:spPr>
+        <p:txBody>
+          <a:bodyPr wrap="square" rtlCol="0">
+            <a:spAutoFit/>
+          </a:bodyPr>
+          <a:lstStyle/>
+          <a:p>
+            <a:pPr marL="285750" indent="-285750">
+              <a:buFont typeface="Arial" panose="020B0604020202020204" pitchFamily="34" charset="0"/>
+              <a:buChar char="•"/>
+            </a:pPr>
+            <a:r>
+              <a:rPr lang="es-ES" sz="3200" dirty="0"/>
+              <a:t>Resultados: </a:t>
+            </a:r>
+          </a:p>
+          <a:p>
+            <a:pPr marL="285750" indent="-285750">
+              <a:buFont typeface="Arial" panose="020B0604020202020204" pitchFamily="34" charset="0"/>
+              <a:buChar char="•"/>
+            </a:pPr>
+            <a:endParaRPr lang="es-ES" dirty="0"/>
+          </a:p>
+          <a:p>
+            <a:pPr lvl="1"/>
+            <a:r>
+              <a:rPr lang="es-ES" dirty="0"/>
+              <a:t>El cliente mostro su agrado con el primer diseño.</a:t>
+            </a:r>
+          </a:p>
+          <a:p>
+            <a:pPr lvl="1"/>
+            <a:endParaRPr lang="es-ES" dirty="0"/>
+          </a:p>
+          <a:p>
+            <a:pPr lvl="1"/>
+            <a:r>
+              <a:rPr lang="es-ES" dirty="0"/>
+              <a:t>Obtuvimos algunos requisitos no tan obvios del sistema.</a:t>
+            </a:r>
+          </a:p>
+        </p:txBody>
+      </p:sp>
     </p:spTree>
     <p:extLst>
       <p:ext uri="{BB962C8B-B14F-4D97-AF65-F5344CB8AC3E}">

--- a/Material/Presentación/Presentacion Final (incompleta).pptx
+++ b/Material/Presentación/Presentacion Final (incompleta).pptx
@@ -28,8 +28,9 @@
     <p:sldId id="267" r:id="rId22"/>
     <p:sldId id="271" r:id="rId23"/>
     <p:sldId id="273" r:id="rId24"/>
-    <p:sldId id="274" r:id="rId25"/>
-    <p:sldId id="275" r:id="rId26"/>
+    <p:sldId id="283" r:id="rId25"/>
+    <p:sldId id="274" r:id="rId26"/>
+    <p:sldId id="275" r:id="rId27"/>
   </p:sldIdLst>
   <p:sldSz cx="10080625" cy="7559675"/>
   <p:notesSz cx="7559675" cy="10691813"/>
@@ -14067,10 +14068,10 @@
       </p:sp>
       <p:pic>
         <p:nvPicPr>
-          <p:cNvPr id="6" name="Imagen 5" descr="Imagen que contiene texto, mapa&#10;&#10;Descripción generada automáticamente">
+          <p:cNvPr id="3" name="Imagen 2">
             <a:extLst>
               <a:ext uri="{FF2B5EF4-FFF2-40B4-BE49-F238E27FC236}">
-                <a16:creationId xmlns:a16="http://schemas.microsoft.com/office/drawing/2014/main" id="{DEB7751E-4CC8-48DB-9DDE-94660D801336}"/>
+                <a16:creationId xmlns:a16="http://schemas.microsoft.com/office/drawing/2014/main" id="{559743F2-F5D6-45D7-96D0-1A19FA880A0F}"/>
               </a:ext>
             </a:extLst>
           </p:cNvPr>
@@ -14093,8 +14094,8 @@
         </p:blipFill>
         <p:spPr>
           <a:xfrm>
-            <a:off x="0" y="1455174"/>
-            <a:ext cx="10080625" cy="5329084"/>
+            <a:off x="1087364" y="1916151"/>
+            <a:ext cx="7578655" cy="4324089"/>
           </a:xfrm>
           <a:prstGeom prst="rect">
             <a:avLst/>
@@ -14206,33 +14207,10 @@
       </p:sp>
       <p:pic>
         <p:nvPicPr>
-          <p:cNvPr id="312" name="Imagen 311"/>
-          <p:cNvPicPr/>
-          <p:nvPr/>
-        </p:nvPicPr>
-        <p:blipFill>
-          <a:blip r:embed="rId2"/>
-          <a:stretch/>
-        </p:blipFill>
-        <p:spPr>
-          <a:xfrm>
-            <a:off x="360000" y="2102040"/>
-            <a:ext cx="9178920" cy="4434480"/>
-          </a:xfrm>
-          <a:prstGeom prst="rect">
-            <a:avLst/>
-          </a:prstGeom>
-          <a:ln>
-            <a:noFill/>
-          </a:ln>
-        </p:spPr>
-      </p:pic>
-      <p:pic>
-        <p:nvPicPr>
-          <p:cNvPr id="4" name="Imagen 3">
+          <p:cNvPr id="3" name="Imagen 2">
             <a:extLst>
               <a:ext uri="{FF2B5EF4-FFF2-40B4-BE49-F238E27FC236}">
-                <a16:creationId xmlns:a16="http://schemas.microsoft.com/office/drawing/2014/main" id="{D11ED711-0A1D-47AD-BD22-A5210C9D051F}"/>
+                <a16:creationId xmlns:a16="http://schemas.microsoft.com/office/drawing/2014/main" id="{410B4B66-A2BA-453A-A9D3-4BF188CCADB2}"/>
               </a:ext>
             </a:extLst>
           </p:cNvPr>
@@ -14242,7 +14220,7 @@
           <p:nvPr/>
         </p:nvPicPr>
         <p:blipFill>
-          <a:blip r:embed="rId3">
+          <a:blip r:embed="rId2">
             <a:extLst>
               <a:ext uri="{28A0092B-C50C-407E-A947-70E740481C1C}">
                 <a14:useLocalDpi xmlns:a14="http://schemas.microsoft.com/office/drawing/2010/main" val="0"/>
@@ -14255,8 +14233,8 @@
         </p:blipFill>
         <p:spPr>
           <a:xfrm>
-            <a:off x="0" y="2098106"/>
-            <a:ext cx="9919408" cy="4438414"/>
+            <a:off x="574713" y="2234047"/>
+            <a:ext cx="8686307" cy="3812978"/>
           </a:xfrm>
           <a:prstGeom prst="rect">
             <a:avLst/>
@@ -14348,33 +14326,10 @@
       </p:sp>
       <p:pic>
         <p:nvPicPr>
-          <p:cNvPr id="317" name="Imagen 316"/>
-          <p:cNvPicPr/>
-          <p:nvPr/>
-        </p:nvPicPr>
-        <p:blipFill>
-          <a:blip r:embed="rId2"/>
-          <a:stretch/>
-        </p:blipFill>
-        <p:spPr>
-          <a:xfrm>
-            <a:off x="1872000" y="1512000"/>
-            <a:ext cx="6377760" cy="5182920"/>
-          </a:xfrm>
-          <a:prstGeom prst="rect">
-            <a:avLst/>
-          </a:prstGeom>
-          <a:ln>
-            <a:noFill/>
-          </a:ln>
-        </p:spPr>
-      </p:pic>
-      <p:pic>
-        <p:nvPicPr>
-          <p:cNvPr id="4" name="Imagen 3">
+          <p:cNvPr id="3" name="Imagen 2">
             <a:extLst>
               <a:ext uri="{FF2B5EF4-FFF2-40B4-BE49-F238E27FC236}">
-                <a16:creationId xmlns:a16="http://schemas.microsoft.com/office/drawing/2014/main" id="{66D7BC1B-F6D0-47B4-AC7D-C6B391281262}"/>
+                <a16:creationId xmlns:a16="http://schemas.microsoft.com/office/drawing/2014/main" id="{B2DBAA48-582F-4327-BD92-D298BF14138A}"/>
               </a:ext>
             </a:extLst>
           </p:cNvPr>
@@ -14384,7 +14339,7 @@
           <p:nvPr/>
         </p:nvPicPr>
         <p:blipFill>
-          <a:blip r:embed="rId3">
+          <a:blip r:embed="rId2">
             <a:extLst>
               <a:ext uri="{28A0092B-C50C-407E-A947-70E740481C1C}">
                 <a14:useLocalDpi xmlns:a14="http://schemas.microsoft.com/office/drawing/2010/main" val="0"/>
@@ -14397,8 +14352,8 @@
         </p:blipFill>
         <p:spPr>
           <a:xfrm>
-            <a:off x="646690" y="1512000"/>
-            <a:ext cx="8785539" cy="5253119"/>
+            <a:off x="1333068" y="1838177"/>
+            <a:ext cx="7414488" cy="4489885"/>
           </a:xfrm>
           <a:prstGeom prst="rect">
             <a:avLst/>
@@ -14510,33 +14465,10 @@
       </p:sp>
       <p:pic>
         <p:nvPicPr>
-          <p:cNvPr id="330" name="Imagen 329"/>
-          <p:cNvPicPr/>
-          <p:nvPr/>
-        </p:nvPicPr>
-        <p:blipFill>
-          <a:blip r:embed="rId2"/>
-          <a:stretch/>
-        </p:blipFill>
-        <p:spPr>
-          <a:xfrm>
-            <a:off x="518040" y="1980000"/>
-            <a:ext cx="8862840" cy="4678920"/>
-          </a:xfrm>
-          <a:prstGeom prst="rect">
-            <a:avLst/>
-          </a:prstGeom>
-          <a:ln>
-            <a:noFill/>
-          </a:ln>
-        </p:spPr>
-      </p:pic>
-      <p:pic>
-        <p:nvPicPr>
-          <p:cNvPr id="4" name="Imagen 3">
+          <p:cNvPr id="3" name="Imagen 2">
             <a:extLst>
               <a:ext uri="{FF2B5EF4-FFF2-40B4-BE49-F238E27FC236}">
-                <a16:creationId xmlns:a16="http://schemas.microsoft.com/office/drawing/2014/main" id="{2F40F2EF-4747-4284-98D4-74F99783B83E}"/>
+                <a16:creationId xmlns:a16="http://schemas.microsoft.com/office/drawing/2014/main" id="{5700A18C-DC96-422E-8376-D84059C23334}"/>
               </a:ext>
             </a:extLst>
           </p:cNvPr>
@@ -14546,7 +14478,7 @@
           <p:nvPr/>
         </p:nvPicPr>
         <p:blipFill>
-          <a:blip r:embed="rId3">
+          <a:blip r:embed="rId2">
             <a:extLst>
               <a:ext uri="{28A0092B-C50C-407E-A947-70E740481C1C}">
                 <a14:useLocalDpi xmlns:a14="http://schemas.microsoft.com/office/drawing/2010/main" val="0"/>
@@ -14559,8 +14491,8 @@
         </p:blipFill>
         <p:spPr>
           <a:xfrm>
-            <a:off x="427377" y="1867301"/>
-            <a:ext cx="9358920" cy="4791619"/>
+            <a:off x="1825808" y="2206311"/>
+            <a:ext cx="5697210" cy="3848648"/>
           </a:xfrm>
           <a:prstGeom prst="rect">
             <a:avLst/>
@@ -14642,7 +14574,7 @@
                 <a:latin typeface="Source Sans Pro Black"/>
                 <a:ea typeface="DejaVu Sans"/>
               </a:rPr>
-              <a:t>Ejemplo de Diagrama de Secuencia</a:t>
+              <a:t>Ejemplo de Diagrama de Secuencia 1</a:t>
             </a:r>
             <a:endParaRPr lang="es-ES" sz="3200" b="0" strike="noStrike" spc="-1" dirty="0">
               <a:latin typeface="Arial"/>
@@ -14682,6 +14614,379 @@
 </file>
 
 <file path=ppt/slides/slide19.xml><?xml version="1.0" encoding="utf-8"?>
+<p:sld xmlns:a="http://schemas.openxmlformats.org/drawingml/2006/main" xmlns:r="http://schemas.openxmlformats.org/officeDocument/2006/relationships" xmlns:p="http://schemas.openxmlformats.org/presentationml/2006/main">
+  <p:cSld>
+    <p:spTree>
+      <p:nvGrpSpPr>
+        <p:cNvPr id="1" name=""/>
+        <p:cNvGrpSpPr/>
+        <p:nvPr/>
+      </p:nvGrpSpPr>
+      <p:grpSpPr>
+        <a:xfrm>
+          <a:off x="0" y="0"/>
+          <a:ext cx="0" cy="0"/>
+          <a:chOff x="0" y="0"/>
+          <a:chExt cx="0" cy="0"/>
+        </a:xfrm>
+      </p:grpSpPr>
+      <p:sp>
+        <p:nvSpPr>
+          <p:cNvPr id="333" name="CustomShape 1"/>
+          <p:cNvSpPr/>
+          <p:nvPr/>
+        </p:nvSpPr>
+        <p:spPr>
+          <a:xfrm>
+            <a:off x="360000" y="360000"/>
+            <a:ext cx="9358920" cy="898920"/>
+          </a:xfrm>
+          <a:prstGeom prst="rect">
+            <a:avLst/>
+          </a:prstGeom>
+          <a:noFill/>
+          <a:ln>
+            <a:noFill/>
+          </a:ln>
+        </p:spPr>
+        <p:style>
+          <a:lnRef idx="0">
+            <a:scrgbClr r="0" g="0" b="0"/>
+          </a:lnRef>
+          <a:fillRef idx="0">
+            <a:scrgbClr r="0" g="0" b="0"/>
+          </a:fillRef>
+          <a:effectRef idx="0">
+            <a:scrgbClr r="0" g="0" b="0"/>
+          </a:effectRef>
+          <a:fontRef idx="minor"/>
+        </p:style>
+        <p:txBody>
+          <a:bodyPr lIns="0" tIns="0" rIns="0" bIns="0" anchor="b">
+            <a:noAutofit/>
+          </a:bodyPr>
+          <a:lstStyle/>
+          <a:p>
+            <a:pPr>
+              <a:lnSpc>
+                <a:spcPct val="100000"/>
+              </a:lnSpc>
+            </a:pPr>
+            <a:r>
+              <a:rPr lang="es-ES" sz="3200" b="1" strike="noStrike" spc="-1" dirty="0">
+                <a:solidFill>
+                  <a:srgbClr val="FFFFFF"/>
+                </a:solidFill>
+                <a:latin typeface="Source Sans Pro Black"/>
+                <a:ea typeface="DejaVu Sans"/>
+              </a:rPr>
+              <a:t>Ejemplo de Diagrama de Secuencia 2</a:t>
+            </a:r>
+            <a:endParaRPr lang="es-ES" sz="3200" b="0" strike="noStrike" spc="-1" dirty="0">
+              <a:latin typeface="Arial"/>
+            </a:endParaRPr>
+          </a:p>
+        </p:txBody>
+      </p:sp>
+      <p:pic>
+        <p:nvPicPr>
+          <p:cNvPr id="3" name="Imagen 2">
+            <a:extLst>
+              <a:ext uri="{FF2B5EF4-FFF2-40B4-BE49-F238E27FC236}">
+                <a16:creationId xmlns:a16="http://schemas.microsoft.com/office/drawing/2014/main" id="{B5796E4F-BE8B-4016-B510-CEA9BDE52FDE}"/>
+              </a:ext>
+            </a:extLst>
+          </p:cNvPr>
+          <p:cNvPicPr>
+            <a:picLocks noChangeAspect="1"/>
+          </p:cNvPicPr>
+          <p:nvPr/>
+        </p:nvPicPr>
+        <p:blipFill>
+          <a:blip r:embed="rId2">
+            <a:extLst>
+              <a:ext uri="{28A0092B-C50C-407E-A947-70E740481C1C}">
+                <a14:useLocalDpi xmlns:a14="http://schemas.microsoft.com/office/drawing/2010/main" val="0"/>
+              </a:ext>
+            </a:extLst>
+          </a:blip>
+          <a:stretch>
+            <a:fillRect/>
+          </a:stretch>
+        </p:blipFill>
+        <p:spPr>
+          <a:xfrm>
+            <a:off x="1132827" y="1422024"/>
+            <a:ext cx="7813265" cy="5401429"/>
+          </a:xfrm>
+          <a:prstGeom prst="rect">
+            <a:avLst/>
+          </a:prstGeom>
+        </p:spPr>
+      </p:pic>
+    </p:spTree>
+    <p:extLst>
+      <p:ext uri="{BB962C8B-B14F-4D97-AF65-F5344CB8AC3E}">
+        <p14:creationId xmlns:p14="http://schemas.microsoft.com/office/powerpoint/2010/main" val="3012501751"/>
+      </p:ext>
+    </p:extLst>
+  </p:cSld>
+  <p:clrMapOvr>
+    <a:masterClrMapping/>
+  </p:clrMapOvr>
+</p:sld>
+</file>
+
+<file path=ppt/slides/slide2.xml><?xml version="1.0" encoding="utf-8"?>
+<p:sld xmlns:a="http://schemas.openxmlformats.org/drawingml/2006/main" xmlns:r="http://schemas.openxmlformats.org/officeDocument/2006/relationships" xmlns:p="http://schemas.openxmlformats.org/presentationml/2006/main">
+  <p:cSld>
+    <p:spTree>
+      <p:nvGrpSpPr>
+        <p:cNvPr id="1" name=""/>
+        <p:cNvGrpSpPr/>
+        <p:nvPr/>
+      </p:nvGrpSpPr>
+      <p:grpSpPr>
+        <a:xfrm>
+          <a:off x="0" y="0"/>
+          <a:ext cx="0" cy="0"/>
+          <a:chOff x="0" y="0"/>
+          <a:chExt cx="0" cy="0"/>
+        </a:xfrm>
+      </p:grpSpPr>
+      <p:sp>
+        <p:nvSpPr>
+          <p:cNvPr id="292" name="CustomShape 1"/>
+          <p:cNvSpPr/>
+          <p:nvPr/>
+        </p:nvSpPr>
+        <p:spPr>
+          <a:xfrm>
+            <a:off x="360000" y="360000"/>
+            <a:ext cx="9358920" cy="898920"/>
+          </a:xfrm>
+          <a:prstGeom prst="rect">
+            <a:avLst/>
+          </a:prstGeom>
+          <a:noFill/>
+          <a:ln>
+            <a:noFill/>
+          </a:ln>
+        </p:spPr>
+        <p:style>
+          <a:lnRef idx="0">
+            <a:scrgbClr r="0" g="0" b="0"/>
+          </a:lnRef>
+          <a:fillRef idx="0">
+            <a:scrgbClr r="0" g="0" b="0"/>
+          </a:fillRef>
+          <a:effectRef idx="0">
+            <a:scrgbClr r="0" g="0" b="0"/>
+          </a:effectRef>
+          <a:fontRef idx="minor"/>
+        </p:style>
+        <p:txBody>
+          <a:bodyPr lIns="0" tIns="0" rIns="0" bIns="0" anchor="b">
+            <a:noAutofit/>
+          </a:bodyPr>
+          <a:lstStyle/>
+          <a:p>
+            <a:pPr>
+              <a:lnSpc>
+                <a:spcPct val="100000"/>
+              </a:lnSpc>
+            </a:pPr>
+            <a:r>
+              <a:rPr lang="es-ES" sz="3200" b="1" strike="noStrike" spc="-1" dirty="0">
+                <a:solidFill>
+                  <a:srgbClr val="FFFFFF"/>
+                </a:solidFill>
+                <a:latin typeface="Source Sans Pro Black"/>
+                <a:ea typeface="DejaVu Sans"/>
+              </a:rPr>
+              <a:t>¿En que consiste el Sistema?</a:t>
+            </a:r>
+            <a:endParaRPr lang="es-ES" sz="3200" b="0" strike="noStrike" spc="-1" dirty="0">
+              <a:latin typeface="Arial"/>
+            </a:endParaRPr>
+          </a:p>
+        </p:txBody>
+      </p:sp>
+      <p:sp>
+        <p:nvSpPr>
+          <p:cNvPr id="293" name="CustomShape 2"/>
+          <p:cNvSpPr/>
+          <p:nvPr/>
+        </p:nvSpPr>
+        <p:spPr>
+          <a:xfrm>
+            <a:off x="360000" y="1728000"/>
+            <a:ext cx="9178920" cy="4678920"/>
+          </a:xfrm>
+          <a:prstGeom prst="rect">
+            <a:avLst/>
+          </a:prstGeom>
+          <a:noFill/>
+          <a:ln>
+            <a:noFill/>
+          </a:ln>
+        </p:spPr>
+        <p:style>
+          <a:lnRef idx="0">
+            <a:scrgbClr r="0" g="0" b="0"/>
+          </a:lnRef>
+          <a:fillRef idx="0">
+            <a:scrgbClr r="0" g="0" b="0"/>
+          </a:fillRef>
+          <a:effectRef idx="0">
+            <a:scrgbClr r="0" g="0" b="0"/>
+          </a:effectRef>
+          <a:fontRef idx="minor"/>
+        </p:style>
+        <p:txBody>
+          <a:bodyPr lIns="0" tIns="0" rIns="0" bIns="0">
+            <a:normAutofit/>
+          </a:bodyPr>
+          <a:lstStyle/>
+          <a:p>
+            <a:pPr>
+              <a:lnSpc>
+                <a:spcPct val="100000"/>
+              </a:lnSpc>
+              <a:spcAft>
+                <a:spcPts val="1142"/>
+              </a:spcAft>
+            </a:pPr>
+            <a:r>
+              <a:rPr lang="es-ES" sz="2400" b="1" strike="noStrike" spc="-1" dirty="0">
+                <a:solidFill>
+                  <a:srgbClr val="1C1C1C"/>
+                </a:solidFill>
+                <a:latin typeface="Source Sans Pro Semibold"/>
+                <a:ea typeface="DejaVu Sans"/>
+              </a:rPr>
+              <a:t> </a:t>
+            </a:r>
+            <a:endParaRPr lang="es-ES" sz="2400" b="0" strike="noStrike" spc="-1" dirty="0">
+              <a:latin typeface="Arial"/>
+            </a:endParaRPr>
+          </a:p>
+          <a:p>
+            <a:pPr marL="216000" indent="-215280">
+              <a:lnSpc>
+                <a:spcPct val="100000"/>
+              </a:lnSpc>
+              <a:spcAft>
+                <a:spcPts val="1142"/>
+              </a:spcAft>
+              <a:buClr>
+                <a:srgbClr val="000000"/>
+              </a:buClr>
+              <a:buSzPct val="45000"/>
+              <a:buFont typeface="Wingdings" charset="2"/>
+              <a:buChar char=""/>
+            </a:pPr>
+            <a:r>
+              <a:rPr lang="es-ES" sz="2400" b="1" spc="-1" dirty="0">
+                <a:solidFill>
+                  <a:srgbClr val="1C1C1C"/>
+                </a:solidFill>
+                <a:latin typeface="Source Sans Pro Semibold"/>
+              </a:rPr>
+              <a:t> Sistema dirigido a restaurantes, agilizando y modernizando el servicio prestado por los mismos</a:t>
+            </a:r>
+            <a:endParaRPr lang="es-ES" sz="2400" spc="-1" dirty="0"/>
+          </a:p>
+          <a:p>
+            <a:pPr>
+              <a:lnSpc>
+                <a:spcPct val="100000"/>
+              </a:lnSpc>
+              <a:spcAft>
+                <a:spcPts val="1142"/>
+              </a:spcAft>
+            </a:pPr>
+            <a:endParaRPr lang="es-ES" sz="2400" spc="-1" dirty="0"/>
+          </a:p>
+          <a:p>
+            <a:pPr marL="216000" indent="-215280">
+              <a:lnSpc>
+                <a:spcPct val="100000"/>
+              </a:lnSpc>
+              <a:spcAft>
+                <a:spcPts val="1142"/>
+              </a:spcAft>
+              <a:buClr>
+                <a:srgbClr val="000000"/>
+              </a:buClr>
+              <a:buSzPct val="45000"/>
+              <a:buFont typeface="Wingdings" charset="2"/>
+              <a:buChar char=""/>
+            </a:pPr>
+            <a:r>
+              <a:rPr lang="es-ES" sz="2400" b="1" spc="-1" dirty="0">
+                <a:solidFill>
+                  <a:srgbClr val="1C1C1C"/>
+                </a:solidFill>
+                <a:latin typeface="Source Sans Pro Semibold"/>
+              </a:rPr>
+              <a:t> Comandas digitales</a:t>
+            </a:r>
+            <a:endParaRPr lang="es-ES" sz="2400" spc="-1" dirty="0"/>
+          </a:p>
+          <a:p>
+            <a:pPr>
+              <a:lnSpc>
+                <a:spcPct val="100000"/>
+              </a:lnSpc>
+              <a:spcAft>
+                <a:spcPts val="1142"/>
+              </a:spcAft>
+            </a:pPr>
+            <a:endParaRPr lang="es-ES" sz="2400" spc="-1" dirty="0"/>
+          </a:p>
+          <a:p>
+            <a:pPr marL="216000" indent="-215280">
+              <a:lnSpc>
+                <a:spcPct val="100000"/>
+              </a:lnSpc>
+              <a:spcAft>
+                <a:spcPts val="1142"/>
+              </a:spcAft>
+              <a:buClr>
+                <a:srgbClr val="000000"/>
+              </a:buClr>
+              <a:buSzPct val="45000"/>
+              <a:buFont typeface="Wingdings" charset="2"/>
+              <a:buChar char=""/>
+            </a:pPr>
+            <a:r>
+              <a:rPr lang="es-ES" sz="2400" b="1" spc="-1" dirty="0">
+                <a:solidFill>
+                  <a:srgbClr val="1C1C1C"/>
+                </a:solidFill>
+                <a:latin typeface="Source Sans Pro Semibold"/>
+              </a:rPr>
+              <a:t> Servicio de gestión para el restaurante</a:t>
+            </a:r>
+            <a:endParaRPr lang="es-ES" sz="2400" spc="-1" dirty="0"/>
+          </a:p>
+        </p:txBody>
+      </p:sp>
+    </p:spTree>
+    <p:extLst>
+      <p:ext uri="{BB962C8B-B14F-4D97-AF65-F5344CB8AC3E}">
+        <p14:creationId xmlns:p14="http://schemas.microsoft.com/office/powerpoint/2010/main" val="3294745492"/>
+      </p:ext>
+    </p:extLst>
+  </p:cSld>
+  <p:clrMapOvr>
+    <a:masterClrMapping/>
+  </p:clrMapOvr>
+</p:sld>
+</file>
+
+<file path=ppt/slides/slide20.xml><?xml version="1.0" encoding="utf-8"?>
 <p:sld xmlns:a="http://schemas.openxmlformats.org/drawingml/2006/main" xmlns:r="http://schemas.openxmlformats.org/officeDocument/2006/relationships" xmlns:p="http://schemas.openxmlformats.org/presentationml/2006/main">
   <p:cSld>
     <p:spTree>
@@ -14720,7 +15025,7 @@
         </p:blipFill>
         <p:spPr>
           <a:xfrm>
-            <a:off x="-1" y="0"/>
+            <a:off x="0" y="0"/>
             <a:ext cx="10080626" cy="7580603"/>
           </a:xfrm>
           <a:prstGeom prst="rect">
@@ -14736,256 +15041,7 @@
 </p:sld>
 </file>
 
-<file path=ppt/slides/slide2.xml><?xml version="1.0" encoding="utf-8"?>
-<p:sld xmlns:a="http://schemas.openxmlformats.org/drawingml/2006/main" xmlns:r="http://schemas.openxmlformats.org/officeDocument/2006/relationships" xmlns:p="http://schemas.openxmlformats.org/presentationml/2006/main">
-  <p:cSld>
-    <p:spTree>
-      <p:nvGrpSpPr>
-        <p:cNvPr id="1" name=""/>
-        <p:cNvGrpSpPr/>
-        <p:nvPr/>
-      </p:nvGrpSpPr>
-      <p:grpSpPr>
-        <a:xfrm>
-          <a:off x="0" y="0"/>
-          <a:ext cx="0" cy="0"/>
-          <a:chOff x="0" y="0"/>
-          <a:chExt cx="0" cy="0"/>
-        </a:xfrm>
-      </p:grpSpPr>
-      <p:sp>
-        <p:nvSpPr>
-          <p:cNvPr id="292" name="CustomShape 1"/>
-          <p:cNvSpPr/>
-          <p:nvPr/>
-        </p:nvSpPr>
-        <p:spPr>
-          <a:xfrm>
-            <a:off x="360000" y="360000"/>
-            <a:ext cx="9358920" cy="898920"/>
-          </a:xfrm>
-          <a:prstGeom prst="rect">
-            <a:avLst/>
-          </a:prstGeom>
-          <a:noFill/>
-          <a:ln>
-            <a:noFill/>
-          </a:ln>
-        </p:spPr>
-        <p:style>
-          <a:lnRef idx="0">
-            <a:scrgbClr r="0" g="0" b="0"/>
-          </a:lnRef>
-          <a:fillRef idx="0">
-            <a:scrgbClr r="0" g="0" b="0"/>
-          </a:fillRef>
-          <a:effectRef idx="0">
-            <a:scrgbClr r="0" g="0" b="0"/>
-          </a:effectRef>
-          <a:fontRef idx="minor"/>
-        </p:style>
-        <p:txBody>
-          <a:bodyPr lIns="0" tIns="0" rIns="0" bIns="0" anchor="b">
-            <a:noAutofit/>
-          </a:bodyPr>
-          <a:lstStyle/>
-          <a:p>
-            <a:pPr>
-              <a:lnSpc>
-                <a:spcPct val="100000"/>
-              </a:lnSpc>
-            </a:pPr>
-            <a:r>
-              <a:rPr lang="es-ES" sz="3200" b="1" strike="noStrike" spc="-1" dirty="0">
-                <a:solidFill>
-                  <a:srgbClr val="FFFFFF"/>
-                </a:solidFill>
-                <a:latin typeface="Source Sans Pro Black"/>
-                <a:ea typeface="DejaVu Sans"/>
-              </a:rPr>
-              <a:t>¿En que consiste el Sistema?</a:t>
-            </a:r>
-            <a:endParaRPr lang="es-ES" sz="3200" b="0" strike="noStrike" spc="-1" dirty="0">
-              <a:latin typeface="Arial"/>
-            </a:endParaRPr>
-          </a:p>
-        </p:txBody>
-      </p:sp>
-      <p:sp>
-        <p:nvSpPr>
-          <p:cNvPr id="293" name="CustomShape 2"/>
-          <p:cNvSpPr/>
-          <p:nvPr/>
-        </p:nvSpPr>
-        <p:spPr>
-          <a:xfrm>
-            <a:off x="360000" y="1728000"/>
-            <a:ext cx="9178920" cy="4678920"/>
-          </a:xfrm>
-          <a:prstGeom prst="rect">
-            <a:avLst/>
-          </a:prstGeom>
-          <a:noFill/>
-          <a:ln>
-            <a:noFill/>
-          </a:ln>
-        </p:spPr>
-        <p:style>
-          <a:lnRef idx="0">
-            <a:scrgbClr r="0" g="0" b="0"/>
-          </a:lnRef>
-          <a:fillRef idx="0">
-            <a:scrgbClr r="0" g="0" b="0"/>
-          </a:fillRef>
-          <a:effectRef idx="0">
-            <a:scrgbClr r="0" g="0" b="0"/>
-          </a:effectRef>
-          <a:fontRef idx="minor"/>
-        </p:style>
-        <p:txBody>
-          <a:bodyPr lIns="0" tIns="0" rIns="0" bIns="0">
-            <a:normAutofit/>
-          </a:bodyPr>
-          <a:lstStyle/>
-          <a:p>
-            <a:pPr>
-              <a:lnSpc>
-                <a:spcPct val="100000"/>
-              </a:lnSpc>
-              <a:spcAft>
-                <a:spcPts val="1142"/>
-              </a:spcAft>
-            </a:pPr>
-            <a:r>
-              <a:rPr lang="es-ES" sz="2400" b="1" strike="noStrike" spc="-1" dirty="0">
-                <a:solidFill>
-                  <a:srgbClr val="1C1C1C"/>
-                </a:solidFill>
-                <a:latin typeface="Source Sans Pro Semibold"/>
-                <a:ea typeface="DejaVu Sans"/>
-              </a:rPr>
-              <a:t> </a:t>
-            </a:r>
-            <a:endParaRPr lang="es-ES" sz="2400" b="0" strike="noStrike" spc="-1" dirty="0">
-              <a:latin typeface="Arial"/>
-            </a:endParaRPr>
-          </a:p>
-          <a:p>
-            <a:pPr marL="216000" indent="-215280">
-              <a:lnSpc>
-                <a:spcPct val="100000"/>
-              </a:lnSpc>
-              <a:spcAft>
-                <a:spcPts val="1142"/>
-              </a:spcAft>
-              <a:buClr>
-                <a:srgbClr val="000000"/>
-              </a:buClr>
-              <a:buSzPct val="45000"/>
-              <a:buFont typeface="Wingdings" charset="2"/>
-              <a:buChar char=""/>
-            </a:pPr>
-            <a:r>
-              <a:rPr lang="es-ES" sz="2400" b="1" spc="-1" dirty="0">
-                <a:solidFill>
-                  <a:srgbClr val="1C1C1C"/>
-                </a:solidFill>
-                <a:latin typeface="Source Sans Pro Semibold"/>
-              </a:rPr>
-              <a:t> Sistema dirigido a restaurantes, agilizando y modernizando el servicio prestado por los mismos</a:t>
-            </a:r>
-            <a:endParaRPr lang="es-ES" sz="2400" spc="-1" dirty="0"/>
-          </a:p>
-          <a:p>
-            <a:pPr>
-              <a:lnSpc>
-                <a:spcPct val="100000"/>
-              </a:lnSpc>
-              <a:spcAft>
-                <a:spcPts val="1142"/>
-              </a:spcAft>
-            </a:pPr>
-            <a:endParaRPr lang="es-ES" sz="2400" spc="-1" dirty="0"/>
-          </a:p>
-          <a:p>
-            <a:pPr marL="216000" indent="-215280">
-              <a:lnSpc>
-                <a:spcPct val="100000"/>
-              </a:lnSpc>
-              <a:spcAft>
-                <a:spcPts val="1142"/>
-              </a:spcAft>
-              <a:buClr>
-                <a:srgbClr val="000000"/>
-              </a:buClr>
-              <a:buSzPct val="45000"/>
-              <a:buFont typeface="Wingdings" charset="2"/>
-              <a:buChar char=""/>
-            </a:pPr>
-            <a:r>
-              <a:rPr lang="es-ES" sz="2400" b="1" spc="-1" dirty="0">
-                <a:solidFill>
-                  <a:srgbClr val="1C1C1C"/>
-                </a:solidFill>
-                <a:latin typeface="Source Sans Pro Semibold"/>
-              </a:rPr>
-              <a:t> Comandas digitales</a:t>
-            </a:r>
-            <a:endParaRPr lang="es-ES" sz="2400" spc="-1" dirty="0"/>
-          </a:p>
-          <a:p>
-            <a:pPr>
-              <a:lnSpc>
-                <a:spcPct val="100000"/>
-              </a:lnSpc>
-              <a:spcAft>
-                <a:spcPts val="1142"/>
-              </a:spcAft>
-            </a:pPr>
-            <a:endParaRPr lang="es-ES" sz="2400" spc="-1" dirty="0"/>
-          </a:p>
-          <a:p>
-            <a:pPr marL="216000" indent="-215280">
-              <a:lnSpc>
-                <a:spcPct val="100000"/>
-              </a:lnSpc>
-              <a:spcAft>
-                <a:spcPts val="1142"/>
-              </a:spcAft>
-              <a:buClr>
-                <a:srgbClr val="000000"/>
-              </a:buClr>
-              <a:buSzPct val="45000"/>
-              <a:buFont typeface="Wingdings" charset="2"/>
-              <a:buChar char=""/>
-            </a:pPr>
-            <a:r>
-              <a:rPr lang="es-ES" sz="2400" b="1" spc="-1" dirty="0">
-                <a:solidFill>
-                  <a:srgbClr val="1C1C1C"/>
-                </a:solidFill>
-                <a:latin typeface="Source Sans Pro Semibold"/>
-              </a:rPr>
-              <a:t> Servicio de gestión para el restaurante</a:t>
-            </a:r>
-            <a:endParaRPr lang="es-ES" sz="2400" spc="-1" dirty="0"/>
-          </a:p>
-        </p:txBody>
-      </p:sp>
-    </p:spTree>
-    <p:extLst>
-      <p:ext uri="{BB962C8B-B14F-4D97-AF65-F5344CB8AC3E}">
-        <p14:creationId xmlns:p14="http://schemas.microsoft.com/office/powerpoint/2010/main" val="3294745492"/>
-      </p:ext>
-    </p:extLst>
-  </p:cSld>
-  <p:clrMapOvr>
-    <a:masterClrMapping/>
-  </p:clrMapOvr>
-</p:sld>
-</file>
-
-<file path=ppt/slides/slide20.xml><?xml version="1.0" encoding="utf-8"?>
+<file path=ppt/slides/slide21.xml><?xml version="1.0" encoding="utf-8"?>
 <p:sld xmlns:a="http://schemas.openxmlformats.org/drawingml/2006/main" xmlns:r="http://schemas.openxmlformats.org/officeDocument/2006/relationships" xmlns:p="http://schemas.openxmlformats.org/presentationml/2006/main">
   <p:cSld>
     <p:spTree>

--- a/Material/Presentación/Presentacion Final (incompleta).pptx
+++ b/Material/Presentación/Presentacion Final (incompleta).pptx
@@ -27,10 +27,9 @@
     <p:sldId id="265" r:id="rId21"/>
     <p:sldId id="267" r:id="rId22"/>
     <p:sldId id="271" r:id="rId23"/>
-    <p:sldId id="273" r:id="rId24"/>
-    <p:sldId id="283" r:id="rId25"/>
-    <p:sldId id="274" r:id="rId26"/>
-    <p:sldId id="275" r:id="rId27"/>
+    <p:sldId id="283" r:id="rId24"/>
+    <p:sldId id="274" r:id="rId25"/>
+    <p:sldId id="275" r:id="rId26"/>
   </p:sldIdLst>
   <p:sldSz cx="10080625" cy="7559675"/>
   <p:notesSz cx="7559675" cy="10691813"/>
@@ -14574,112 +14573,6 @@
                 <a:latin typeface="Source Sans Pro Black"/>
                 <a:ea typeface="DejaVu Sans"/>
               </a:rPr>
-              <a:t>Ejemplo de Diagrama de Secuencia 1</a:t>
-            </a:r>
-            <a:endParaRPr lang="es-ES" sz="3200" b="0" strike="noStrike" spc="-1" dirty="0">
-              <a:latin typeface="Arial"/>
-            </a:endParaRPr>
-          </a:p>
-        </p:txBody>
-      </p:sp>
-      <p:pic>
-        <p:nvPicPr>
-          <p:cNvPr id="4" name="Imagen 3"/>
-          <p:cNvPicPr/>
-          <p:nvPr/>
-        </p:nvPicPr>
-        <p:blipFill>
-          <a:blip r:embed="rId2"/>
-          <a:stretch/>
-        </p:blipFill>
-        <p:spPr>
-          <a:xfrm>
-            <a:off x="847023" y="1432174"/>
-            <a:ext cx="8914419" cy="5421013"/>
-          </a:xfrm>
-          <a:prstGeom prst="rect">
-            <a:avLst/>
-          </a:prstGeom>
-          <a:ln>
-            <a:noFill/>
-          </a:ln>
-        </p:spPr>
-      </p:pic>
-    </p:spTree>
-  </p:cSld>
-  <p:clrMapOvr>
-    <a:masterClrMapping/>
-  </p:clrMapOvr>
-</p:sld>
-</file>
-
-<file path=ppt/slides/slide19.xml><?xml version="1.0" encoding="utf-8"?>
-<p:sld xmlns:a="http://schemas.openxmlformats.org/drawingml/2006/main" xmlns:r="http://schemas.openxmlformats.org/officeDocument/2006/relationships" xmlns:p="http://schemas.openxmlformats.org/presentationml/2006/main">
-  <p:cSld>
-    <p:spTree>
-      <p:nvGrpSpPr>
-        <p:cNvPr id="1" name=""/>
-        <p:cNvGrpSpPr/>
-        <p:nvPr/>
-      </p:nvGrpSpPr>
-      <p:grpSpPr>
-        <a:xfrm>
-          <a:off x="0" y="0"/>
-          <a:ext cx="0" cy="0"/>
-          <a:chOff x="0" y="0"/>
-          <a:chExt cx="0" cy="0"/>
-        </a:xfrm>
-      </p:grpSpPr>
-      <p:sp>
-        <p:nvSpPr>
-          <p:cNvPr id="333" name="CustomShape 1"/>
-          <p:cNvSpPr/>
-          <p:nvPr/>
-        </p:nvSpPr>
-        <p:spPr>
-          <a:xfrm>
-            <a:off x="360000" y="360000"/>
-            <a:ext cx="9358920" cy="898920"/>
-          </a:xfrm>
-          <a:prstGeom prst="rect">
-            <a:avLst/>
-          </a:prstGeom>
-          <a:noFill/>
-          <a:ln>
-            <a:noFill/>
-          </a:ln>
-        </p:spPr>
-        <p:style>
-          <a:lnRef idx="0">
-            <a:scrgbClr r="0" g="0" b="0"/>
-          </a:lnRef>
-          <a:fillRef idx="0">
-            <a:scrgbClr r="0" g="0" b="0"/>
-          </a:fillRef>
-          <a:effectRef idx="0">
-            <a:scrgbClr r="0" g="0" b="0"/>
-          </a:effectRef>
-          <a:fontRef idx="minor"/>
-        </p:style>
-        <p:txBody>
-          <a:bodyPr lIns="0" tIns="0" rIns="0" bIns="0" anchor="b">
-            <a:noAutofit/>
-          </a:bodyPr>
-          <a:lstStyle/>
-          <a:p>
-            <a:pPr>
-              <a:lnSpc>
-                <a:spcPct val="100000"/>
-              </a:lnSpc>
-            </a:pPr>
-            <a:r>
-              <a:rPr lang="es-ES" sz="3200" b="1" strike="noStrike" spc="-1" dirty="0">
-                <a:solidFill>
-                  <a:srgbClr val="FFFFFF"/>
-                </a:solidFill>
-                <a:latin typeface="Source Sans Pro Black"/>
-                <a:ea typeface="DejaVu Sans"/>
-              </a:rPr>
               <a:t>Ejemplo de Diagrama de Secuencia 2</a:t>
             </a:r>
             <a:endParaRPr lang="es-ES" sz="3200" b="0" strike="noStrike" spc="-1" dirty="0">
@@ -14737,256 +14630,7 @@
 </p:sld>
 </file>
 
-<file path=ppt/slides/slide2.xml><?xml version="1.0" encoding="utf-8"?>
-<p:sld xmlns:a="http://schemas.openxmlformats.org/drawingml/2006/main" xmlns:r="http://schemas.openxmlformats.org/officeDocument/2006/relationships" xmlns:p="http://schemas.openxmlformats.org/presentationml/2006/main">
-  <p:cSld>
-    <p:spTree>
-      <p:nvGrpSpPr>
-        <p:cNvPr id="1" name=""/>
-        <p:cNvGrpSpPr/>
-        <p:nvPr/>
-      </p:nvGrpSpPr>
-      <p:grpSpPr>
-        <a:xfrm>
-          <a:off x="0" y="0"/>
-          <a:ext cx="0" cy="0"/>
-          <a:chOff x="0" y="0"/>
-          <a:chExt cx="0" cy="0"/>
-        </a:xfrm>
-      </p:grpSpPr>
-      <p:sp>
-        <p:nvSpPr>
-          <p:cNvPr id="292" name="CustomShape 1"/>
-          <p:cNvSpPr/>
-          <p:nvPr/>
-        </p:nvSpPr>
-        <p:spPr>
-          <a:xfrm>
-            <a:off x="360000" y="360000"/>
-            <a:ext cx="9358920" cy="898920"/>
-          </a:xfrm>
-          <a:prstGeom prst="rect">
-            <a:avLst/>
-          </a:prstGeom>
-          <a:noFill/>
-          <a:ln>
-            <a:noFill/>
-          </a:ln>
-        </p:spPr>
-        <p:style>
-          <a:lnRef idx="0">
-            <a:scrgbClr r="0" g="0" b="0"/>
-          </a:lnRef>
-          <a:fillRef idx="0">
-            <a:scrgbClr r="0" g="0" b="0"/>
-          </a:fillRef>
-          <a:effectRef idx="0">
-            <a:scrgbClr r="0" g="0" b="0"/>
-          </a:effectRef>
-          <a:fontRef idx="minor"/>
-        </p:style>
-        <p:txBody>
-          <a:bodyPr lIns="0" tIns="0" rIns="0" bIns="0" anchor="b">
-            <a:noAutofit/>
-          </a:bodyPr>
-          <a:lstStyle/>
-          <a:p>
-            <a:pPr>
-              <a:lnSpc>
-                <a:spcPct val="100000"/>
-              </a:lnSpc>
-            </a:pPr>
-            <a:r>
-              <a:rPr lang="es-ES" sz="3200" b="1" strike="noStrike" spc="-1" dirty="0">
-                <a:solidFill>
-                  <a:srgbClr val="FFFFFF"/>
-                </a:solidFill>
-                <a:latin typeface="Source Sans Pro Black"/>
-                <a:ea typeface="DejaVu Sans"/>
-              </a:rPr>
-              <a:t>¿En que consiste el Sistema?</a:t>
-            </a:r>
-            <a:endParaRPr lang="es-ES" sz="3200" b="0" strike="noStrike" spc="-1" dirty="0">
-              <a:latin typeface="Arial"/>
-            </a:endParaRPr>
-          </a:p>
-        </p:txBody>
-      </p:sp>
-      <p:sp>
-        <p:nvSpPr>
-          <p:cNvPr id="293" name="CustomShape 2"/>
-          <p:cNvSpPr/>
-          <p:nvPr/>
-        </p:nvSpPr>
-        <p:spPr>
-          <a:xfrm>
-            <a:off x="360000" y="1728000"/>
-            <a:ext cx="9178920" cy="4678920"/>
-          </a:xfrm>
-          <a:prstGeom prst="rect">
-            <a:avLst/>
-          </a:prstGeom>
-          <a:noFill/>
-          <a:ln>
-            <a:noFill/>
-          </a:ln>
-        </p:spPr>
-        <p:style>
-          <a:lnRef idx="0">
-            <a:scrgbClr r="0" g="0" b="0"/>
-          </a:lnRef>
-          <a:fillRef idx="0">
-            <a:scrgbClr r="0" g="0" b="0"/>
-          </a:fillRef>
-          <a:effectRef idx="0">
-            <a:scrgbClr r="0" g="0" b="0"/>
-          </a:effectRef>
-          <a:fontRef idx="minor"/>
-        </p:style>
-        <p:txBody>
-          <a:bodyPr lIns="0" tIns="0" rIns="0" bIns="0">
-            <a:normAutofit/>
-          </a:bodyPr>
-          <a:lstStyle/>
-          <a:p>
-            <a:pPr>
-              <a:lnSpc>
-                <a:spcPct val="100000"/>
-              </a:lnSpc>
-              <a:spcAft>
-                <a:spcPts val="1142"/>
-              </a:spcAft>
-            </a:pPr>
-            <a:r>
-              <a:rPr lang="es-ES" sz="2400" b="1" strike="noStrike" spc="-1" dirty="0">
-                <a:solidFill>
-                  <a:srgbClr val="1C1C1C"/>
-                </a:solidFill>
-                <a:latin typeface="Source Sans Pro Semibold"/>
-                <a:ea typeface="DejaVu Sans"/>
-              </a:rPr>
-              <a:t> </a:t>
-            </a:r>
-            <a:endParaRPr lang="es-ES" sz="2400" b="0" strike="noStrike" spc="-1" dirty="0">
-              <a:latin typeface="Arial"/>
-            </a:endParaRPr>
-          </a:p>
-          <a:p>
-            <a:pPr marL="216000" indent="-215280">
-              <a:lnSpc>
-                <a:spcPct val="100000"/>
-              </a:lnSpc>
-              <a:spcAft>
-                <a:spcPts val="1142"/>
-              </a:spcAft>
-              <a:buClr>
-                <a:srgbClr val="000000"/>
-              </a:buClr>
-              <a:buSzPct val="45000"/>
-              <a:buFont typeface="Wingdings" charset="2"/>
-              <a:buChar char=""/>
-            </a:pPr>
-            <a:r>
-              <a:rPr lang="es-ES" sz="2400" b="1" spc="-1" dirty="0">
-                <a:solidFill>
-                  <a:srgbClr val="1C1C1C"/>
-                </a:solidFill>
-                <a:latin typeface="Source Sans Pro Semibold"/>
-              </a:rPr>
-              <a:t> Sistema dirigido a restaurantes, agilizando y modernizando el servicio prestado por los mismos</a:t>
-            </a:r>
-            <a:endParaRPr lang="es-ES" sz="2400" spc="-1" dirty="0"/>
-          </a:p>
-          <a:p>
-            <a:pPr>
-              <a:lnSpc>
-                <a:spcPct val="100000"/>
-              </a:lnSpc>
-              <a:spcAft>
-                <a:spcPts val="1142"/>
-              </a:spcAft>
-            </a:pPr>
-            <a:endParaRPr lang="es-ES" sz="2400" spc="-1" dirty="0"/>
-          </a:p>
-          <a:p>
-            <a:pPr marL="216000" indent="-215280">
-              <a:lnSpc>
-                <a:spcPct val="100000"/>
-              </a:lnSpc>
-              <a:spcAft>
-                <a:spcPts val="1142"/>
-              </a:spcAft>
-              <a:buClr>
-                <a:srgbClr val="000000"/>
-              </a:buClr>
-              <a:buSzPct val="45000"/>
-              <a:buFont typeface="Wingdings" charset="2"/>
-              <a:buChar char=""/>
-            </a:pPr>
-            <a:r>
-              <a:rPr lang="es-ES" sz="2400" b="1" spc="-1" dirty="0">
-                <a:solidFill>
-                  <a:srgbClr val="1C1C1C"/>
-                </a:solidFill>
-                <a:latin typeface="Source Sans Pro Semibold"/>
-              </a:rPr>
-              <a:t> Comandas digitales</a:t>
-            </a:r>
-            <a:endParaRPr lang="es-ES" sz="2400" spc="-1" dirty="0"/>
-          </a:p>
-          <a:p>
-            <a:pPr>
-              <a:lnSpc>
-                <a:spcPct val="100000"/>
-              </a:lnSpc>
-              <a:spcAft>
-                <a:spcPts val="1142"/>
-              </a:spcAft>
-            </a:pPr>
-            <a:endParaRPr lang="es-ES" sz="2400" spc="-1" dirty="0"/>
-          </a:p>
-          <a:p>
-            <a:pPr marL="216000" indent="-215280">
-              <a:lnSpc>
-                <a:spcPct val="100000"/>
-              </a:lnSpc>
-              <a:spcAft>
-                <a:spcPts val="1142"/>
-              </a:spcAft>
-              <a:buClr>
-                <a:srgbClr val="000000"/>
-              </a:buClr>
-              <a:buSzPct val="45000"/>
-              <a:buFont typeface="Wingdings" charset="2"/>
-              <a:buChar char=""/>
-            </a:pPr>
-            <a:r>
-              <a:rPr lang="es-ES" sz="2400" b="1" spc="-1" dirty="0">
-                <a:solidFill>
-                  <a:srgbClr val="1C1C1C"/>
-                </a:solidFill>
-                <a:latin typeface="Source Sans Pro Semibold"/>
-              </a:rPr>
-              <a:t> Servicio de gestión para el restaurante</a:t>
-            </a:r>
-            <a:endParaRPr lang="es-ES" sz="2400" spc="-1" dirty="0"/>
-          </a:p>
-        </p:txBody>
-      </p:sp>
-    </p:spTree>
-    <p:extLst>
-      <p:ext uri="{BB962C8B-B14F-4D97-AF65-F5344CB8AC3E}">
-        <p14:creationId xmlns:p14="http://schemas.microsoft.com/office/powerpoint/2010/main" val="3294745492"/>
-      </p:ext>
-    </p:extLst>
-  </p:cSld>
-  <p:clrMapOvr>
-    <a:masterClrMapping/>
-  </p:clrMapOvr>
-</p:sld>
-</file>
-
-<file path=ppt/slides/slide20.xml><?xml version="1.0" encoding="utf-8"?>
+<file path=ppt/slides/slide19.xml><?xml version="1.0" encoding="utf-8"?>
 <p:sld xmlns:a="http://schemas.openxmlformats.org/drawingml/2006/main" xmlns:r="http://schemas.openxmlformats.org/officeDocument/2006/relationships" xmlns:p="http://schemas.openxmlformats.org/presentationml/2006/main">
   <p:cSld>
     <p:spTree>
@@ -15041,7 +14685,256 @@
 </p:sld>
 </file>
 
-<file path=ppt/slides/slide21.xml><?xml version="1.0" encoding="utf-8"?>
+<file path=ppt/slides/slide2.xml><?xml version="1.0" encoding="utf-8"?>
+<p:sld xmlns:a="http://schemas.openxmlformats.org/drawingml/2006/main" xmlns:r="http://schemas.openxmlformats.org/officeDocument/2006/relationships" xmlns:p="http://schemas.openxmlformats.org/presentationml/2006/main">
+  <p:cSld>
+    <p:spTree>
+      <p:nvGrpSpPr>
+        <p:cNvPr id="1" name=""/>
+        <p:cNvGrpSpPr/>
+        <p:nvPr/>
+      </p:nvGrpSpPr>
+      <p:grpSpPr>
+        <a:xfrm>
+          <a:off x="0" y="0"/>
+          <a:ext cx="0" cy="0"/>
+          <a:chOff x="0" y="0"/>
+          <a:chExt cx="0" cy="0"/>
+        </a:xfrm>
+      </p:grpSpPr>
+      <p:sp>
+        <p:nvSpPr>
+          <p:cNvPr id="292" name="CustomShape 1"/>
+          <p:cNvSpPr/>
+          <p:nvPr/>
+        </p:nvSpPr>
+        <p:spPr>
+          <a:xfrm>
+            <a:off x="360000" y="360000"/>
+            <a:ext cx="9358920" cy="898920"/>
+          </a:xfrm>
+          <a:prstGeom prst="rect">
+            <a:avLst/>
+          </a:prstGeom>
+          <a:noFill/>
+          <a:ln>
+            <a:noFill/>
+          </a:ln>
+        </p:spPr>
+        <p:style>
+          <a:lnRef idx="0">
+            <a:scrgbClr r="0" g="0" b="0"/>
+          </a:lnRef>
+          <a:fillRef idx="0">
+            <a:scrgbClr r="0" g="0" b="0"/>
+          </a:fillRef>
+          <a:effectRef idx="0">
+            <a:scrgbClr r="0" g="0" b="0"/>
+          </a:effectRef>
+          <a:fontRef idx="minor"/>
+        </p:style>
+        <p:txBody>
+          <a:bodyPr lIns="0" tIns="0" rIns="0" bIns="0" anchor="b">
+            <a:noAutofit/>
+          </a:bodyPr>
+          <a:lstStyle/>
+          <a:p>
+            <a:pPr>
+              <a:lnSpc>
+                <a:spcPct val="100000"/>
+              </a:lnSpc>
+            </a:pPr>
+            <a:r>
+              <a:rPr lang="es-ES" sz="3200" b="1" strike="noStrike" spc="-1" dirty="0">
+                <a:solidFill>
+                  <a:srgbClr val="FFFFFF"/>
+                </a:solidFill>
+                <a:latin typeface="Source Sans Pro Black"/>
+                <a:ea typeface="DejaVu Sans"/>
+              </a:rPr>
+              <a:t>¿En que consiste el Sistema?</a:t>
+            </a:r>
+            <a:endParaRPr lang="es-ES" sz="3200" b="0" strike="noStrike" spc="-1" dirty="0">
+              <a:latin typeface="Arial"/>
+            </a:endParaRPr>
+          </a:p>
+        </p:txBody>
+      </p:sp>
+      <p:sp>
+        <p:nvSpPr>
+          <p:cNvPr id="293" name="CustomShape 2"/>
+          <p:cNvSpPr/>
+          <p:nvPr/>
+        </p:nvSpPr>
+        <p:spPr>
+          <a:xfrm>
+            <a:off x="360000" y="1728000"/>
+            <a:ext cx="9178920" cy="4678920"/>
+          </a:xfrm>
+          <a:prstGeom prst="rect">
+            <a:avLst/>
+          </a:prstGeom>
+          <a:noFill/>
+          <a:ln>
+            <a:noFill/>
+          </a:ln>
+        </p:spPr>
+        <p:style>
+          <a:lnRef idx="0">
+            <a:scrgbClr r="0" g="0" b="0"/>
+          </a:lnRef>
+          <a:fillRef idx="0">
+            <a:scrgbClr r="0" g="0" b="0"/>
+          </a:fillRef>
+          <a:effectRef idx="0">
+            <a:scrgbClr r="0" g="0" b="0"/>
+          </a:effectRef>
+          <a:fontRef idx="minor"/>
+        </p:style>
+        <p:txBody>
+          <a:bodyPr lIns="0" tIns="0" rIns="0" bIns="0">
+            <a:normAutofit/>
+          </a:bodyPr>
+          <a:lstStyle/>
+          <a:p>
+            <a:pPr>
+              <a:lnSpc>
+                <a:spcPct val="100000"/>
+              </a:lnSpc>
+              <a:spcAft>
+                <a:spcPts val="1142"/>
+              </a:spcAft>
+            </a:pPr>
+            <a:r>
+              <a:rPr lang="es-ES" sz="2400" b="1" strike="noStrike" spc="-1" dirty="0">
+                <a:solidFill>
+                  <a:srgbClr val="1C1C1C"/>
+                </a:solidFill>
+                <a:latin typeface="Source Sans Pro Semibold"/>
+                <a:ea typeface="DejaVu Sans"/>
+              </a:rPr>
+              <a:t> </a:t>
+            </a:r>
+            <a:endParaRPr lang="es-ES" sz="2400" b="0" strike="noStrike" spc="-1" dirty="0">
+              <a:latin typeface="Arial"/>
+            </a:endParaRPr>
+          </a:p>
+          <a:p>
+            <a:pPr marL="216000" indent="-215280">
+              <a:lnSpc>
+                <a:spcPct val="100000"/>
+              </a:lnSpc>
+              <a:spcAft>
+                <a:spcPts val="1142"/>
+              </a:spcAft>
+              <a:buClr>
+                <a:srgbClr val="000000"/>
+              </a:buClr>
+              <a:buSzPct val="45000"/>
+              <a:buFont typeface="Wingdings" charset="2"/>
+              <a:buChar char=""/>
+            </a:pPr>
+            <a:r>
+              <a:rPr lang="es-ES" sz="2400" b="1" spc="-1" dirty="0">
+                <a:solidFill>
+                  <a:srgbClr val="1C1C1C"/>
+                </a:solidFill>
+                <a:latin typeface="Source Sans Pro Semibold"/>
+              </a:rPr>
+              <a:t> Sistema dirigido a restaurantes, agilizando y modernizando el servicio prestado por los mismos</a:t>
+            </a:r>
+            <a:endParaRPr lang="es-ES" sz="2400" spc="-1" dirty="0"/>
+          </a:p>
+          <a:p>
+            <a:pPr>
+              <a:lnSpc>
+                <a:spcPct val="100000"/>
+              </a:lnSpc>
+              <a:spcAft>
+                <a:spcPts val="1142"/>
+              </a:spcAft>
+            </a:pPr>
+            <a:endParaRPr lang="es-ES" sz="2400" spc="-1" dirty="0"/>
+          </a:p>
+          <a:p>
+            <a:pPr marL="216000" indent="-215280">
+              <a:lnSpc>
+                <a:spcPct val="100000"/>
+              </a:lnSpc>
+              <a:spcAft>
+                <a:spcPts val="1142"/>
+              </a:spcAft>
+              <a:buClr>
+                <a:srgbClr val="000000"/>
+              </a:buClr>
+              <a:buSzPct val="45000"/>
+              <a:buFont typeface="Wingdings" charset="2"/>
+              <a:buChar char=""/>
+            </a:pPr>
+            <a:r>
+              <a:rPr lang="es-ES" sz="2400" b="1" spc="-1" dirty="0">
+                <a:solidFill>
+                  <a:srgbClr val="1C1C1C"/>
+                </a:solidFill>
+                <a:latin typeface="Source Sans Pro Semibold"/>
+              </a:rPr>
+              <a:t> Comandas digitales</a:t>
+            </a:r>
+            <a:endParaRPr lang="es-ES" sz="2400" spc="-1" dirty="0"/>
+          </a:p>
+          <a:p>
+            <a:pPr>
+              <a:lnSpc>
+                <a:spcPct val="100000"/>
+              </a:lnSpc>
+              <a:spcAft>
+                <a:spcPts val="1142"/>
+              </a:spcAft>
+            </a:pPr>
+            <a:endParaRPr lang="es-ES" sz="2400" spc="-1" dirty="0"/>
+          </a:p>
+          <a:p>
+            <a:pPr marL="216000" indent="-215280">
+              <a:lnSpc>
+                <a:spcPct val="100000"/>
+              </a:lnSpc>
+              <a:spcAft>
+                <a:spcPts val="1142"/>
+              </a:spcAft>
+              <a:buClr>
+                <a:srgbClr val="000000"/>
+              </a:buClr>
+              <a:buSzPct val="45000"/>
+              <a:buFont typeface="Wingdings" charset="2"/>
+              <a:buChar char=""/>
+            </a:pPr>
+            <a:r>
+              <a:rPr lang="es-ES" sz="2400" b="1" spc="-1" dirty="0">
+                <a:solidFill>
+                  <a:srgbClr val="1C1C1C"/>
+                </a:solidFill>
+                <a:latin typeface="Source Sans Pro Semibold"/>
+              </a:rPr>
+              <a:t> Servicio de gestión para el restaurante</a:t>
+            </a:r>
+            <a:endParaRPr lang="es-ES" sz="2400" spc="-1" dirty="0"/>
+          </a:p>
+        </p:txBody>
+      </p:sp>
+    </p:spTree>
+    <p:extLst>
+      <p:ext uri="{BB962C8B-B14F-4D97-AF65-F5344CB8AC3E}">
+        <p14:creationId xmlns:p14="http://schemas.microsoft.com/office/powerpoint/2010/main" val="3294745492"/>
+      </p:ext>
+    </p:extLst>
+  </p:cSld>
+  <p:clrMapOvr>
+    <a:masterClrMapping/>
+  </p:clrMapOvr>
+</p:sld>
+</file>
+
+<file path=ppt/slides/slide20.xml><?xml version="1.0" encoding="utf-8"?>
 <p:sld xmlns:a="http://schemas.openxmlformats.org/drawingml/2006/main" xmlns:r="http://schemas.openxmlformats.org/officeDocument/2006/relationships" xmlns:p="http://schemas.openxmlformats.org/presentationml/2006/main">
   <p:cSld>
     <p:spTree>
